--- a/Big Data Project.pptx
+++ b/Big Data Project.pptx
@@ -112,6 +112,11 @@
       </a:defRPr>
     </a:lvl9pPr>
   </p:defaultTextStyle>
+  <p:extLst>
+    <p:ext uri="{EFAFB233-063F-42B5-8137-9DF3F51BA10A}">
+      <p15:sldGuideLst xmlns:p15="http://schemas.microsoft.com/office/powerpoint/2012/main"/>
+    </p:ext>
+  </p:extLst>
 </p:presentation>
 </file>
 
@@ -160,7 +165,6 @@
               <a:rPr lang="en-US"/>
               <a:t>Click to edit Master title style</a:t>
             </a:r>
-            <a:endParaRPr lang="en-US"/>
           </a:p>
         </p:txBody>
       </p:sp>
@@ -225,7 +229,6 @@
               <a:rPr lang="en-US"/>
               <a:t>Click to edit Master subtitle style</a:t>
             </a:r>
-            <a:endParaRPr lang="en-US"/>
           </a:p>
         </p:txBody>
       </p:sp>
@@ -343,7 +346,6 @@
               <a:rPr lang="en-US"/>
               <a:t>Click to edit Master title style</a:t>
             </a:r>
-            <a:endParaRPr lang="en-US"/>
           </a:p>
         </p:txBody>
       </p:sp>
@@ -395,7 +397,6 @@
               <a:rPr lang="en-US"/>
               <a:t>Fifth level</a:t>
             </a:r>
-            <a:endParaRPr lang="en-US"/>
           </a:p>
         </p:txBody>
       </p:sp>
@@ -518,7 +519,6 @@
               <a:rPr lang="en-US"/>
               <a:t>Click to edit Master title style</a:t>
             </a:r>
-            <a:endParaRPr lang="en-US"/>
           </a:p>
         </p:txBody>
       </p:sp>
@@ -575,7 +575,6 @@
               <a:rPr lang="en-US"/>
               <a:t>Fifth level</a:t>
             </a:r>
-            <a:endParaRPr lang="en-US"/>
           </a:p>
         </p:txBody>
       </p:sp>
@@ -693,7 +692,6 @@
               <a:rPr lang="en-US"/>
               <a:t>Click to edit Master title style</a:t>
             </a:r>
-            <a:endParaRPr lang="en-US"/>
           </a:p>
         </p:txBody>
       </p:sp>
@@ -745,7 +743,6 @@
               <a:rPr lang="en-US"/>
               <a:t>Fifth level</a:t>
             </a:r>
-            <a:endParaRPr lang="en-US"/>
           </a:p>
         </p:txBody>
       </p:sp>
@@ -872,7 +869,6 @@
               <a:rPr lang="en-US"/>
               <a:t>Click to edit Master title style</a:t>
             </a:r>
-            <a:endParaRPr lang="en-US"/>
           </a:p>
         </p:txBody>
       </p:sp>
@@ -1109,7 +1105,6 @@
               <a:rPr lang="en-US"/>
               <a:t>Click to edit Master title style</a:t>
             </a:r>
-            <a:endParaRPr lang="en-US"/>
           </a:p>
         </p:txBody>
       </p:sp>
@@ -1166,7 +1161,6 @@
               <a:rPr lang="en-US"/>
               <a:t>Fifth level</a:t>
             </a:r>
-            <a:endParaRPr lang="en-US"/>
           </a:p>
         </p:txBody>
       </p:sp>
@@ -1223,7 +1217,6 @@
               <a:rPr lang="en-US"/>
               <a:t>Fifth level</a:t>
             </a:r>
-            <a:endParaRPr lang="en-US"/>
           </a:p>
         </p:txBody>
       </p:sp>
@@ -1346,7 +1339,6 @@
               <a:rPr lang="en-US"/>
               <a:t>Click to edit Master title style</a:t>
             </a:r>
-            <a:endParaRPr lang="en-US"/>
           </a:p>
         </p:txBody>
       </p:sp>
@@ -1468,7 +1460,6 @@
               <a:rPr lang="en-US"/>
               <a:t>Fifth level</a:t>
             </a:r>
-            <a:endParaRPr lang="en-US"/>
           </a:p>
         </p:txBody>
       </p:sp>
@@ -1590,7 +1581,6 @@
               <a:rPr lang="en-US"/>
               <a:t>Fifth level</a:t>
             </a:r>
-            <a:endParaRPr lang="en-US"/>
           </a:p>
         </p:txBody>
       </p:sp>
@@ -1708,7 +1698,6 @@
               <a:rPr lang="en-US"/>
               <a:t>Click to edit Master title style</a:t>
             </a:r>
-            <a:endParaRPr lang="en-US"/>
           </a:p>
         </p:txBody>
       </p:sp>
@@ -1930,7 +1919,6 @@
               <a:rPr lang="en-US"/>
               <a:t>Click to edit Master title style</a:t>
             </a:r>
-            <a:endParaRPr lang="en-US"/>
           </a:p>
         </p:txBody>
       </p:sp>
@@ -2015,7 +2003,6 @@
               <a:rPr lang="en-US"/>
               <a:t>Fifth level</a:t>
             </a:r>
-            <a:endParaRPr lang="en-US"/>
           </a:p>
         </p:txBody>
       </p:sp>
@@ -2207,7 +2194,6 @@
               <a:rPr lang="en-US"/>
               <a:t>Click to edit Master title style</a:t>
             </a:r>
-            <a:endParaRPr lang="en-US"/>
           </a:p>
         </p:txBody>
       </p:sp>
@@ -2469,7 +2455,6 @@
               <a:rPr lang="en-US"/>
               <a:t>Click to edit Master title style</a:t>
             </a:r>
-            <a:endParaRPr lang="en-US"/>
           </a:p>
         </p:txBody>
       </p:sp>
@@ -2531,7 +2516,6 @@
               <a:rPr lang="en-US"/>
               <a:t>Fifth level</a:t>
             </a:r>
-            <a:endParaRPr lang="en-US"/>
           </a:p>
         </p:txBody>
       </p:sp>
@@ -3548,18 +3532,13 @@
           <a:lstStyle/>
           <a:p>
             <a:r>
-              <a:rPr lang="en-US" dirty="0" err="1">
+              <a:rPr lang="en-US" dirty="0">
                 <a:solidFill>
                   <a:schemeClr val="bg1"/>
                 </a:solidFill>
               </a:rPr>
-              <a:t>Painpoints</a:t>
-            </a:r>
-            <a:endParaRPr lang="en-US" dirty="0">
-              <a:solidFill>
-                <a:schemeClr val="bg1"/>
-              </a:solidFill>
-            </a:endParaRPr>
+              <a:t>Challenges</a:t>
+            </a:r>
           </a:p>
         </p:txBody>
       </p:sp>

--- a/Big Data Project.pptx
+++ b/Big Data Project.pptx
@@ -8,12 +8,11 @@
     <p:sldId id="256" r:id="rId2"/>
     <p:sldId id="257" r:id="rId3"/>
     <p:sldId id="264" r:id="rId4"/>
-    <p:sldId id="259" r:id="rId5"/>
-    <p:sldId id="261" r:id="rId6"/>
-    <p:sldId id="262" r:id="rId7"/>
-    <p:sldId id="260" r:id="rId8"/>
-    <p:sldId id="258" r:id="rId9"/>
-    <p:sldId id="263" r:id="rId10"/>
+    <p:sldId id="261" r:id="rId5"/>
+    <p:sldId id="262" r:id="rId6"/>
+    <p:sldId id="260" r:id="rId7"/>
+    <p:sldId id="258" r:id="rId8"/>
+    <p:sldId id="263" r:id="rId9"/>
   </p:sldIdLst>
   <p:sldSz cx="12192000" cy="6858000"/>
   <p:notesSz cx="6858000" cy="9144000"/>
@@ -2959,6 +2958,47 @@
           <a:chExt cx="0" cy="0"/>
         </a:xfrm>
       </p:grpSpPr>
+      <p:pic>
+        <p:nvPicPr>
+          <p:cNvPr id="1026" name="Picture 2" descr="Image result for events"/>
+          <p:cNvPicPr>
+            <a:picLocks noChangeAspect="1" noChangeArrowheads="1"/>
+          </p:cNvPicPr>
+          <p:nvPr/>
+        </p:nvPicPr>
+        <p:blipFill>
+          <a:blip r:embed="rId2">
+            <a:extLst>
+              <a:ext uri="{28A0092B-C50C-407E-A947-70E740481C1C}">
+                <a14:useLocalDpi xmlns:a14="http://schemas.microsoft.com/office/drawing/2010/main" val="0"/>
+              </a:ext>
+            </a:extLst>
+          </a:blip>
+          <a:srcRect/>
+          <a:stretch>
+            <a:fillRect/>
+          </a:stretch>
+        </p:blipFill>
+        <p:spPr bwMode="auto">
+          <a:xfrm>
+            <a:off x="0" y="0"/>
+            <a:ext cx="12192000" cy="6162625"/>
+          </a:xfrm>
+          <a:prstGeom prst="rect">
+            <a:avLst/>
+          </a:prstGeom>
+          <a:noFill/>
+          <a:extLst>
+            <a:ext uri="{909E8E84-426E-40DD-AFC4-6F175D3DCCD1}">
+              <a14:hiddenFill xmlns:a14="http://schemas.microsoft.com/office/drawing/2010/main">
+                <a:solidFill>
+                  <a:srgbClr val="FFFFFF"/>
+                </a:solidFill>
+              </a14:hiddenFill>
+            </a:ext>
+          </a:extLst>
+        </p:spPr>
+      </p:pic>
       <p:sp>
         <p:nvSpPr>
           <p:cNvPr id="2" name="Title 1"/>
@@ -2971,19 +3011,22 @@
         </p:nvSpPr>
         <p:spPr>
           <a:xfrm>
-            <a:off x="1524000" y="1122363"/>
-            <a:ext cx="9144000" cy="1735137"/>
+            <a:off x="1271954" y="5011615"/>
+            <a:ext cx="9144000" cy="1072662"/>
           </a:xfrm>
         </p:spPr>
         <p:txBody>
-          <a:bodyPr/>
-          <a:lstStyle/>
-          <a:p>
-            <a:r>
-              <a:rPr lang="en-US" dirty="0">
+          <a:bodyPr>
+            <a:normAutofit/>
+          </a:bodyPr>
+          <a:lstStyle/>
+          <a:p>
+            <a:r>
+              <a:rPr lang="en-US" sz="6600" b="1" cap="small" dirty="0">
                 <a:solidFill>
                   <a:schemeClr val="bg1"/>
                 </a:solidFill>
+                <a:latin typeface="+mn-lt"/>
               </a:rPr>
               <a:t>Event Recommender</a:t>
             </a:r>
@@ -3000,22 +3043,17 @@
             <p:ph type="subTitle" idx="1"/>
           </p:nvPr>
         </p:nvSpPr>
-        <p:spPr/>
+        <p:spPr>
+          <a:xfrm>
+            <a:off x="931985" y="6362823"/>
+            <a:ext cx="9823938" cy="377825"/>
+          </a:xfrm>
+        </p:spPr>
         <p:txBody>
           <a:bodyPr>
-            <a:normAutofit lnSpcReduction="10000"/>
+            <a:normAutofit fontScale="92500" lnSpcReduction="10000"/>
           </a:bodyPr>
           <a:lstStyle/>
-          <a:p>
-            <a:r>
-              <a:rPr lang="en-US" dirty="0">
-                <a:solidFill>
-                  <a:schemeClr val="bg1"/>
-                </a:solidFill>
-              </a:rPr>
-              <a:t>Presented by</a:t>
-            </a:r>
-          </a:p>
           <a:p>
             <a:r>
               <a:rPr lang="en-US" dirty="0" err="1">
@@ -3041,13 +3079,14 @@
               </a:rPr>
               <a:t>Dhanasekar</a:t>
             </a:r>
-            <a:endParaRPr lang="en-US" dirty="0">
-              <a:solidFill>
-                <a:schemeClr val="bg1"/>
-              </a:solidFill>
-            </a:endParaRPr>
-          </a:p>
-          <a:p>
+            <a:r>
+              <a:rPr lang="en-US" dirty="0">
+                <a:solidFill>
+                  <a:schemeClr val="bg1"/>
+                </a:solidFill>
+              </a:rPr>
+              <a:t> | </a:t>
+            </a:r>
             <a:r>
               <a:rPr lang="en-US" dirty="0" err="1">
                 <a:solidFill>
@@ -3072,13 +3111,14 @@
               </a:rPr>
               <a:t>Palesha</a:t>
             </a:r>
-            <a:endParaRPr lang="en-US" dirty="0">
-              <a:solidFill>
-                <a:schemeClr val="bg1"/>
-              </a:solidFill>
-            </a:endParaRPr>
-          </a:p>
-          <a:p>
+            <a:r>
+              <a:rPr lang="en-US" dirty="0">
+                <a:solidFill>
+                  <a:schemeClr val="bg1"/>
+                </a:solidFill>
+              </a:rPr>
+              <a:t> |</a:t>
+            </a:r>
             <a:r>
               <a:rPr lang="en-US" dirty="0" err="1">
                 <a:solidFill>
@@ -3114,6 +3154,36 @@
           </a:p>
         </p:txBody>
       </p:sp>
+      <p:pic>
+        <p:nvPicPr>
+          <p:cNvPr id="4" name="Picture 3"/>
+          <p:cNvPicPr>
+            <a:picLocks noChangeAspect="1"/>
+          </p:cNvPicPr>
+          <p:nvPr/>
+        </p:nvPicPr>
+        <p:blipFill>
+          <a:blip r:embed="rId3">
+            <a:extLst>
+              <a:ext uri="{28A0092B-C50C-407E-A947-70E740481C1C}">
+                <a14:useLocalDpi xmlns:a14="http://schemas.microsoft.com/office/drawing/2010/main" val="0"/>
+              </a:ext>
+            </a:extLst>
+          </a:blip>
+          <a:stretch>
+            <a:fillRect/>
+          </a:stretch>
+        </p:blipFill>
+        <p:spPr>
+          <a:xfrm>
+            <a:off x="63506" y="6304146"/>
+            <a:ext cx="474508" cy="495177"/>
+          </a:xfrm>
+          <a:prstGeom prst="rect">
+            <a:avLst/>
+          </a:prstGeom>
+        </p:spPr>
+      </p:pic>
     </p:spTree>
     <p:extLst>
       <p:ext uri="{BB962C8B-B14F-4D97-AF65-F5344CB8AC3E}">
@@ -3182,41 +3252,72 @@
         </p:nvSpPr>
         <p:spPr/>
         <p:txBody>
-          <a:bodyPr/>
-          <a:lstStyle/>
-          <a:p>
-            <a:endParaRPr lang="en-US" dirty="0">
+          <a:bodyPr>
+            <a:normAutofit/>
+          </a:bodyPr>
+          <a:lstStyle/>
+          <a:p>
+            <a:pPr>
+              <a:buFont typeface="Wingdings" panose="05000000000000000000" pitchFamily="2" charset="2"/>
+              <a:buChar char="Ø"/>
+            </a:pPr>
+            <a:r>
+              <a:rPr lang="en-US" sz="3200" dirty="0">
+                <a:solidFill>
+                  <a:schemeClr val="bg1"/>
+                </a:solidFill>
+              </a:rPr>
+              <a:t>  Why an events recommender?</a:t>
+            </a:r>
+          </a:p>
+          <a:p>
+            <a:pPr>
+              <a:buFont typeface="Wingdings" panose="05000000000000000000" pitchFamily="2" charset="2"/>
+              <a:buChar char="Ø"/>
+            </a:pPr>
+            <a:endParaRPr lang="en-US" sz="3200" dirty="0">
               <a:solidFill>
                 <a:schemeClr val="bg1"/>
               </a:solidFill>
             </a:endParaRPr>
           </a:p>
-        </p:txBody>
-      </p:sp>
-      <p:sp>
-        <p:nvSpPr>
-          <p:cNvPr id="4" name="Rectangle 3"/>
-          <p:cNvSpPr/>
-          <p:nvPr/>
-        </p:nvSpPr>
-        <p:spPr>
-          <a:xfrm>
-            <a:off x="3048000" y="3105835"/>
-            <a:ext cx="6096000" cy="646331"/>
-          </a:xfrm>
-          <a:prstGeom prst="rect">
-            <a:avLst/>
-          </a:prstGeom>
-        </p:spPr>
-        <p:txBody>
-          <a:bodyPr>
-            <a:spAutoFit/>
-          </a:bodyPr>
-          <a:lstStyle/>
-          <a:p>
-            <a:r>
-              <a:rPr lang="en-US" dirty="0"/>
-              <a:t>https://marcellodesales.wordpress.com/2010/01/10/tf-idf-in-hadoop-part-3-documents-in-corpus-and-tfidf-computation/</a:t>
+          <a:p>
+            <a:pPr>
+              <a:buFont typeface="Wingdings" panose="05000000000000000000" pitchFamily="2" charset="2"/>
+              <a:buChar char="Ø"/>
+            </a:pPr>
+            <a:r>
+              <a:rPr lang="en-US" sz="3200" dirty="0">
+                <a:solidFill>
+                  <a:schemeClr val="bg1"/>
+                </a:solidFill>
+              </a:rPr>
+              <a:t>  Implementation</a:t>
+            </a:r>
+          </a:p>
+          <a:p>
+            <a:pPr>
+              <a:buFont typeface="Wingdings" panose="05000000000000000000" pitchFamily="2" charset="2"/>
+              <a:buChar char="Ø"/>
+            </a:pPr>
+            <a:endParaRPr lang="en-US" sz="3200" dirty="0">
+              <a:solidFill>
+                <a:schemeClr val="bg1"/>
+              </a:solidFill>
+            </a:endParaRPr>
+          </a:p>
+          <a:p>
+            <a:pPr>
+              <a:buFont typeface="Wingdings" panose="05000000000000000000" pitchFamily="2" charset="2"/>
+              <a:buChar char="Ø"/>
+            </a:pPr>
+            <a:r>
+              <a:rPr lang="en-US" sz="3200" dirty="0">
+                <a:solidFill>
+                  <a:schemeClr val="bg1"/>
+                </a:solidFill>
+              </a:rPr>
+              <a:t>  Results</a:t>
             </a:r>
           </a:p>
         </p:txBody>
@@ -3251,83 +3352,343 @@
           <a:chExt cx="0" cy="0"/>
         </a:xfrm>
       </p:grpSpPr>
-      <p:sp>
-        <p:nvSpPr>
-          <p:cNvPr id="2" name="Title 1"/>
-          <p:cNvSpPr>
-            <a:spLocks noGrp="1"/>
-          </p:cNvSpPr>
-          <p:nvPr>
-            <p:ph type="title"/>
-          </p:nvPr>
-        </p:nvSpPr>
-        <p:spPr/>
-        <p:txBody>
-          <a:bodyPr/>
-          <a:lstStyle/>
-          <a:p>
-            <a:r>
-              <a:rPr lang="en-US" dirty="0">
-                <a:solidFill>
-                  <a:schemeClr val="bg1"/>
-                </a:solidFill>
-              </a:rPr>
-              <a:t>Project aim – demo screenshot</a:t>
-            </a:r>
-          </a:p>
-        </p:txBody>
-      </p:sp>
-      <p:sp>
-        <p:nvSpPr>
-          <p:cNvPr id="3" name="Content Placeholder 2"/>
-          <p:cNvSpPr>
-            <a:spLocks noGrp="1"/>
-          </p:cNvSpPr>
-          <p:nvPr>
-            <p:ph idx="1"/>
-          </p:nvPr>
-        </p:nvSpPr>
-        <p:spPr/>
-        <p:txBody>
-          <a:bodyPr/>
-          <a:lstStyle/>
-          <a:p>
-            <a:endParaRPr lang="en-US" dirty="0">
-              <a:solidFill>
-                <a:schemeClr val="bg1"/>
-              </a:solidFill>
-            </a:endParaRPr>
-          </a:p>
-        </p:txBody>
-      </p:sp>
-      <p:sp>
-        <p:nvSpPr>
-          <p:cNvPr id="4" name="Rectangle 3"/>
-          <p:cNvSpPr/>
+      <p:pic>
+        <p:nvPicPr>
+          <p:cNvPr id="2060" name="Picture 12" descr="http://jivetshirts.com/wp-content/uploads/2013/03/homer-simpson-t-shirts-woo-hoo.jpg"/>
+          <p:cNvPicPr>
+            <a:picLocks noChangeAspect="1" noChangeArrowheads="1"/>
+          </p:cNvPicPr>
           <p:nvPr/>
-        </p:nvSpPr>
-        <p:spPr>
+        </p:nvPicPr>
+        <p:blipFill>
+          <a:blip r:embed="rId2">
+            <a:extLst>
+              <a:ext uri="{28A0092B-C50C-407E-A947-70E740481C1C}">
+                <a14:useLocalDpi xmlns:a14="http://schemas.microsoft.com/office/drawing/2010/main" val="0"/>
+              </a:ext>
+            </a:extLst>
+          </a:blip>
+          <a:srcRect/>
+          <a:stretch>
+            <a:fillRect/>
+          </a:stretch>
+        </p:blipFill>
+        <p:spPr bwMode="auto">
           <a:xfrm>
-            <a:off x="3048000" y="3105835"/>
-            <a:ext cx="6096000" cy="646331"/>
+            <a:off x="4008294" y="2804137"/>
+            <a:ext cx="2822635" cy="2708228"/>
           </a:xfrm>
           <a:prstGeom prst="rect">
             <a:avLst/>
           </a:prstGeom>
+          <a:ln>
+            <a:noFill/>
+          </a:ln>
+          <a:effectLst>
+            <a:outerShdw blurRad="292100" dist="139700" dir="2700000" algn="tl" rotWithShape="0">
+              <a:srgbClr val="333333">
+                <a:alpha val="65000"/>
+              </a:srgbClr>
+            </a:outerShdw>
+          </a:effectLst>
+          <a:extLst>
+            <a:ext uri="{909E8E84-426E-40DD-AFC4-6F175D3DCCD1}">
+              <a14:hiddenFill xmlns:a14="http://schemas.microsoft.com/office/drawing/2010/main">
+                <a:solidFill>
+                  <a:srgbClr val="FFFFFF"/>
+                </a:solidFill>
+              </a14:hiddenFill>
+            </a:ext>
+          </a:extLst>
         </p:spPr>
-        <p:txBody>
-          <a:bodyPr>
-            <a:spAutoFit/>
-          </a:bodyPr>
-          <a:lstStyle/>
-          <a:p>
-            <a:r>
-              <a:rPr lang="en-US" dirty="0"/>
-              <a:t>https://marcellodesales.wordpress.com/2010/01/10/tf-idf-in-hadoop-part-3-documents-in-corpus-and-tfidf-computation/</a:t>
-            </a:r>
-          </a:p>
-        </p:txBody>
-      </p:sp>
+      </p:pic>
+      <p:sp>
+        <p:nvSpPr>
+          <p:cNvPr id="2" name="Title 1"/>
+          <p:cNvSpPr>
+            <a:spLocks noGrp="1"/>
+          </p:cNvSpPr>
+          <p:nvPr>
+            <p:ph type="title"/>
+          </p:nvPr>
+        </p:nvSpPr>
+        <p:spPr>
+          <a:xfrm>
+            <a:off x="737616" y="126183"/>
+            <a:ext cx="10515600" cy="1325563"/>
+          </a:xfrm>
+        </p:spPr>
+        <p:txBody>
+          <a:bodyPr/>
+          <a:lstStyle/>
+          <a:p>
+            <a:r>
+              <a:rPr lang="en-US" dirty="0">
+                <a:solidFill>
+                  <a:schemeClr val="bg1"/>
+                </a:solidFill>
+              </a:rPr>
+              <a:t>What does Homer like?</a:t>
+            </a:r>
+          </a:p>
+        </p:txBody>
+      </p:sp>
+      <p:pic>
+        <p:nvPicPr>
+          <p:cNvPr id="2050" name="Picture 2" descr="Image result for party"/>
+          <p:cNvPicPr>
+            <a:picLocks noChangeAspect="1" noChangeArrowheads="1"/>
+          </p:cNvPicPr>
+          <p:nvPr/>
+        </p:nvPicPr>
+        <p:blipFill>
+          <a:blip r:embed="rId3">
+            <a:extLst>
+              <a:ext uri="{28A0092B-C50C-407E-A947-70E740481C1C}">
+                <a14:useLocalDpi xmlns:a14="http://schemas.microsoft.com/office/drawing/2010/main" val="0"/>
+              </a:ext>
+            </a:extLst>
+          </a:blip>
+          <a:srcRect/>
+          <a:stretch>
+            <a:fillRect/>
+          </a:stretch>
+        </p:blipFill>
+        <p:spPr bwMode="auto">
+          <a:xfrm>
+            <a:off x="477038" y="1451747"/>
+            <a:ext cx="3946240" cy="2195650"/>
+          </a:xfrm>
+          <a:prstGeom prst="rect">
+            <a:avLst/>
+          </a:prstGeom>
+          <a:ln>
+            <a:noFill/>
+          </a:ln>
+          <a:effectLst>
+            <a:softEdge rad="112500"/>
+          </a:effectLst>
+          <a:extLst>
+            <a:ext uri="{909E8E84-426E-40DD-AFC4-6F175D3DCCD1}">
+              <a14:hiddenFill xmlns:a14="http://schemas.microsoft.com/office/drawing/2010/main">
+                <a:solidFill>
+                  <a:srgbClr val="FFFFFF"/>
+                </a:solidFill>
+              </a14:hiddenFill>
+            </a:ext>
+          </a:extLst>
+        </p:spPr>
+      </p:pic>
+      <p:pic>
+        <p:nvPicPr>
+          <p:cNvPr id="2052" name="Picture 4" descr="Image result for party"/>
+          <p:cNvPicPr>
+            <a:picLocks noChangeAspect="1" noChangeArrowheads="1"/>
+          </p:cNvPicPr>
+          <p:nvPr/>
+        </p:nvPicPr>
+        <p:blipFill>
+          <a:blip r:embed="rId4">
+            <a:extLst>
+              <a:ext uri="{28A0092B-C50C-407E-A947-70E740481C1C}">
+                <a14:useLocalDpi xmlns:a14="http://schemas.microsoft.com/office/drawing/2010/main" val="0"/>
+              </a:ext>
+            </a:extLst>
+          </a:blip>
+          <a:srcRect/>
+          <a:stretch>
+            <a:fillRect/>
+          </a:stretch>
+        </p:blipFill>
+        <p:spPr bwMode="auto">
+          <a:xfrm>
+            <a:off x="477038" y="4158251"/>
+            <a:ext cx="3989103" cy="2076265"/>
+          </a:xfrm>
+          <a:prstGeom prst="rect">
+            <a:avLst/>
+          </a:prstGeom>
+          <a:ln>
+            <a:noFill/>
+          </a:ln>
+          <a:effectLst>
+            <a:softEdge rad="112500"/>
+          </a:effectLst>
+          <a:extLst>
+            <a:ext uri="{909E8E84-426E-40DD-AFC4-6F175D3DCCD1}">
+              <a14:hiddenFill xmlns:a14="http://schemas.microsoft.com/office/drawing/2010/main">
+                <a:solidFill>
+                  <a:srgbClr val="FFFFFF"/>
+                </a:solidFill>
+              </a14:hiddenFill>
+            </a:ext>
+          </a:extLst>
+        </p:spPr>
+      </p:pic>
+      <p:pic>
+        <p:nvPicPr>
+          <p:cNvPr id="2064" name="Picture 16" descr="https://d2v9y0dukr6mq2.cloudfront.net/video/thumbnail/QwIr88a/snow-hiker-hiking-adventure-mountain-travel-outdoor-trekking-extreme-sport-cold-active-ice-winter-landscape-sky-backpacker-nature-people-trek-mountaineering-hike-climbing-high-summit-activity-climber-tourist-altitude-man_4yxzrjrr__S0000.jpg"/>
+          <p:cNvPicPr>
+            <a:picLocks noChangeAspect="1" noChangeArrowheads="1"/>
+          </p:cNvPicPr>
+          <p:nvPr/>
+        </p:nvPicPr>
+        <p:blipFill>
+          <a:blip r:embed="rId5">
+            <a:extLst>
+              <a:ext uri="{28A0092B-C50C-407E-A947-70E740481C1C}">
+                <a14:useLocalDpi xmlns:a14="http://schemas.microsoft.com/office/drawing/2010/main" val="0"/>
+              </a:ext>
+            </a:extLst>
+          </a:blip>
+          <a:srcRect/>
+          <a:stretch>
+            <a:fillRect/>
+          </a:stretch>
+        </p:blipFill>
+        <p:spPr bwMode="auto">
+          <a:xfrm>
+            <a:off x="7409768" y="2640882"/>
+            <a:ext cx="3457702" cy="1892074"/>
+          </a:xfrm>
+          <a:prstGeom prst="rect">
+            <a:avLst/>
+          </a:prstGeom>
+          <a:noFill/>
+          <a:extLst>
+            <a:ext uri="{909E8E84-426E-40DD-AFC4-6F175D3DCCD1}">
+              <a14:hiddenFill xmlns:a14="http://schemas.microsoft.com/office/drawing/2010/main">
+                <a:solidFill>
+                  <a:srgbClr val="FFFFFF"/>
+                </a:solidFill>
+              </a14:hiddenFill>
+            </a:ext>
+          </a:extLst>
+        </p:spPr>
+      </p:pic>
+      <p:pic>
+        <p:nvPicPr>
+          <p:cNvPr id="2066" name="Picture 18" descr="https://qph.ec.quoracdn.net/main-qimg-79517b9ad04c296860fac1ab06214626?convert_to_webp=true"/>
+          <p:cNvPicPr>
+            <a:picLocks noChangeAspect="1" noChangeArrowheads="1"/>
+          </p:cNvPicPr>
+          <p:nvPr/>
+        </p:nvPicPr>
+        <p:blipFill>
+          <a:blip r:embed="rId6">
+            <a:extLst>
+              <a:ext uri="{28A0092B-C50C-407E-A947-70E740481C1C}">
+                <a14:useLocalDpi xmlns:a14="http://schemas.microsoft.com/office/drawing/2010/main" val="0"/>
+              </a:ext>
+            </a:extLst>
+          </a:blip>
+          <a:srcRect/>
+          <a:stretch>
+            <a:fillRect/>
+          </a:stretch>
+        </p:blipFill>
+        <p:spPr bwMode="auto">
+          <a:xfrm>
+            <a:off x="421525" y="1427356"/>
+            <a:ext cx="374705" cy="374705"/>
+          </a:xfrm>
+          <a:prstGeom prst="rect">
+            <a:avLst/>
+          </a:prstGeom>
+          <a:noFill/>
+          <a:extLst>
+            <a:ext uri="{909E8E84-426E-40DD-AFC4-6F175D3DCCD1}">
+              <a14:hiddenFill xmlns:a14="http://schemas.microsoft.com/office/drawing/2010/main">
+                <a:solidFill>
+                  <a:srgbClr val="FFFFFF"/>
+                </a:solidFill>
+              </a14:hiddenFill>
+            </a:ext>
+          </a:extLst>
+        </p:spPr>
+      </p:pic>
+      <p:pic>
+        <p:nvPicPr>
+          <p:cNvPr id="15" name="Picture 18" descr="https://qph.ec.quoracdn.net/main-qimg-79517b9ad04c296860fac1ab06214626?convert_to_webp=true"/>
+          <p:cNvPicPr>
+            <a:picLocks noChangeAspect="1" noChangeArrowheads="1"/>
+          </p:cNvPicPr>
+          <p:nvPr/>
+        </p:nvPicPr>
+        <p:blipFill>
+          <a:blip r:embed="rId6">
+            <a:extLst>
+              <a:ext uri="{28A0092B-C50C-407E-A947-70E740481C1C}">
+                <a14:useLocalDpi xmlns:a14="http://schemas.microsoft.com/office/drawing/2010/main" val="0"/>
+              </a:ext>
+            </a:extLst>
+          </a:blip>
+          <a:srcRect/>
+          <a:stretch>
+            <a:fillRect/>
+          </a:stretch>
+        </p:blipFill>
+        <p:spPr bwMode="auto">
+          <a:xfrm>
+            <a:off x="445909" y="4158251"/>
+            <a:ext cx="374705" cy="374705"/>
+          </a:xfrm>
+          <a:prstGeom prst="rect">
+            <a:avLst/>
+          </a:prstGeom>
+          <a:noFill/>
+          <a:extLst>
+            <a:ext uri="{909E8E84-426E-40DD-AFC4-6F175D3DCCD1}">
+              <a14:hiddenFill xmlns:a14="http://schemas.microsoft.com/office/drawing/2010/main">
+                <a:solidFill>
+                  <a:srgbClr val="FFFFFF"/>
+                </a:solidFill>
+              </a14:hiddenFill>
+            </a:ext>
+          </a:extLst>
+        </p:spPr>
+      </p:pic>
+      <p:pic>
+        <p:nvPicPr>
+          <p:cNvPr id="2068" name="Picture 20" descr="http://cdn.shopify.com/s/files/1/0185/5092/products/persons-0024.png?v=1369543702"/>
+          <p:cNvPicPr>
+            <a:picLocks noChangeAspect="1" noChangeArrowheads="1"/>
+          </p:cNvPicPr>
+          <p:nvPr/>
+        </p:nvPicPr>
+        <p:blipFill>
+          <a:blip r:embed="rId7">
+            <a:extLst>
+              <a:ext uri="{28A0092B-C50C-407E-A947-70E740481C1C}">
+                <a14:useLocalDpi xmlns:a14="http://schemas.microsoft.com/office/drawing/2010/main" val="0"/>
+              </a:ext>
+            </a:extLst>
+          </a:blip>
+          <a:srcRect/>
+          <a:stretch>
+            <a:fillRect/>
+          </a:stretch>
+        </p:blipFill>
+        <p:spPr bwMode="auto">
+          <a:xfrm>
+            <a:off x="7228622" y="2459736"/>
+            <a:ext cx="467740" cy="467740"/>
+          </a:xfrm>
+          <a:prstGeom prst="rect">
+            <a:avLst/>
+          </a:prstGeom>
+          <a:noFill/>
+          <a:extLst>
+            <a:ext uri="{909E8E84-426E-40DD-AFC4-6F175D3DCCD1}">
+              <a14:hiddenFill xmlns:a14="http://schemas.microsoft.com/office/drawing/2010/main">
+                <a:solidFill>
+                  <a:srgbClr val="FFFFFF"/>
+                </a:solidFill>
+              </a14:hiddenFill>
+            </a:ext>
+          </a:extLst>
+        </p:spPr>
+      </p:pic>
     </p:spTree>
     <p:extLst>
       <p:ext uri="{BB962C8B-B14F-4D97-AF65-F5344CB8AC3E}">
@@ -3338,6 +3699,252 @@
   <p:clrMapOvr>
     <a:masterClrMapping/>
   </p:clrMapOvr>
+  <p:timing>
+    <p:tnLst>
+      <p:par>
+        <p:cTn id="1" dur="indefinite" restart="never" nodeType="tmRoot">
+          <p:childTnLst>
+            <p:seq concurrent="1" nextAc="seek">
+              <p:cTn id="2" dur="indefinite" nodeType="mainSeq">
+                <p:childTnLst>
+                  <p:par>
+                    <p:cTn id="3" fill="hold">
+                      <p:stCondLst>
+                        <p:cond delay="indefinite"/>
+                      </p:stCondLst>
+                      <p:childTnLst>
+                        <p:par>
+                          <p:cTn id="4" fill="hold">
+                            <p:stCondLst>
+                              <p:cond delay="0"/>
+                            </p:stCondLst>
+                            <p:childTnLst>
+                              <p:par>
+                                <p:cTn id="5" presetID="1" presetClass="entr" presetSubtype="0" fill="hold" nodeType="clickEffect">
+                                  <p:stCondLst>
+                                    <p:cond delay="0"/>
+                                  </p:stCondLst>
+                                  <p:childTnLst>
+                                    <p:set>
+                                      <p:cBhvr>
+                                        <p:cTn id="6" dur="1" fill="hold">
+                                          <p:stCondLst>
+                                            <p:cond delay="0"/>
+                                          </p:stCondLst>
+                                        </p:cTn>
+                                        <p:tgtEl>
+                                          <p:spTgt spid="2050"/>
+                                        </p:tgtEl>
+                                        <p:attrNameLst>
+                                          <p:attrName>style.visibility</p:attrName>
+                                        </p:attrNameLst>
+                                      </p:cBhvr>
+                                      <p:to>
+                                        <p:strVal val="visible"/>
+                                      </p:to>
+                                    </p:set>
+                                  </p:childTnLst>
+                                </p:cTn>
+                              </p:par>
+                              <p:par>
+                                <p:cTn id="7" presetID="1" presetClass="entr" presetSubtype="0" fill="hold" nodeType="withEffect">
+                                  <p:stCondLst>
+                                    <p:cond delay="0"/>
+                                  </p:stCondLst>
+                                  <p:childTnLst>
+                                    <p:set>
+                                      <p:cBhvr>
+                                        <p:cTn id="8" dur="1" fill="hold">
+                                          <p:stCondLst>
+                                            <p:cond delay="0"/>
+                                          </p:stCondLst>
+                                        </p:cTn>
+                                        <p:tgtEl>
+                                          <p:spTgt spid="2066"/>
+                                        </p:tgtEl>
+                                        <p:attrNameLst>
+                                          <p:attrName>style.visibility</p:attrName>
+                                        </p:attrNameLst>
+                                      </p:cBhvr>
+                                      <p:to>
+                                        <p:strVal val="visible"/>
+                                      </p:to>
+                                    </p:set>
+                                  </p:childTnLst>
+                                </p:cTn>
+                              </p:par>
+                            </p:childTnLst>
+                          </p:cTn>
+                        </p:par>
+                      </p:childTnLst>
+                    </p:cTn>
+                  </p:par>
+                  <p:par>
+                    <p:cTn id="9" fill="hold">
+                      <p:stCondLst>
+                        <p:cond delay="indefinite"/>
+                      </p:stCondLst>
+                      <p:childTnLst>
+                        <p:par>
+                          <p:cTn id="10" fill="hold">
+                            <p:stCondLst>
+                              <p:cond delay="0"/>
+                            </p:stCondLst>
+                            <p:childTnLst>
+                              <p:par>
+                                <p:cTn id="11" presetID="1" presetClass="entr" presetSubtype="0" fill="hold" nodeType="clickEffect">
+                                  <p:stCondLst>
+                                    <p:cond delay="0"/>
+                                  </p:stCondLst>
+                                  <p:childTnLst>
+                                    <p:set>
+                                      <p:cBhvr>
+                                        <p:cTn id="12" dur="1" fill="hold">
+                                          <p:stCondLst>
+                                            <p:cond delay="0"/>
+                                          </p:stCondLst>
+                                        </p:cTn>
+                                        <p:tgtEl>
+                                          <p:spTgt spid="2052"/>
+                                        </p:tgtEl>
+                                        <p:attrNameLst>
+                                          <p:attrName>style.visibility</p:attrName>
+                                        </p:attrNameLst>
+                                      </p:cBhvr>
+                                      <p:to>
+                                        <p:strVal val="visible"/>
+                                      </p:to>
+                                    </p:set>
+                                  </p:childTnLst>
+                                </p:cTn>
+                              </p:par>
+                              <p:par>
+                                <p:cTn id="13" presetID="1" presetClass="entr" presetSubtype="0" fill="hold" nodeType="withEffect">
+                                  <p:stCondLst>
+                                    <p:cond delay="0"/>
+                                  </p:stCondLst>
+                                  <p:childTnLst>
+                                    <p:set>
+                                      <p:cBhvr>
+                                        <p:cTn id="14" dur="1" fill="hold">
+                                          <p:stCondLst>
+                                            <p:cond delay="0"/>
+                                          </p:stCondLst>
+                                        </p:cTn>
+                                        <p:tgtEl>
+                                          <p:spTgt spid="15"/>
+                                        </p:tgtEl>
+                                        <p:attrNameLst>
+                                          <p:attrName>style.visibility</p:attrName>
+                                        </p:attrNameLst>
+                                      </p:cBhvr>
+                                      <p:to>
+                                        <p:strVal val="visible"/>
+                                      </p:to>
+                                    </p:set>
+                                  </p:childTnLst>
+                                </p:cTn>
+                              </p:par>
+                            </p:childTnLst>
+                          </p:cTn>
+                        </p:par>
+                      </p:childTnLst>
+                    </p:cTn>
+                  </p:par>
+                  <p:par>
+                    <p:cTn id="15" fill="hold">
+                      <p:stCondLst>
+                        <p:cond delay="indefinite"/>
+                      </p:stCondLst>
+                      <p:childTnLst>
+                        <p:par>
+                          <p:cTn id="16" fill="hold">
+                            <p:stCondLst>
+                              <p:cond delay="0"/>
+                            </p:stCondLst>
+                            <p:childTnLst>
+                              <p:par>
+                                <p:cTn id="17" presetID="1" presetClass="entr" presetSubtype="0" fill="hold" nodeType="clickEffect">
+                                  <p:stCondLst>
+                                    <p:cond delay="0"/>
+                                  </p:stCondLst>
+                                  <p:childTnLst>
+                                    <p:set>
+                                      <p:cBhvr>
+                                        <p:cTn id="18" dur="1" fill="hold">
+                                          <p:stCondLst>
+                                            <p:cond delay="0"/>
+                                          </p:stCondLst>
+                                        </p:cTn>
+                                        <p:tgtEl>
+                                          <p:spTgt spid="2068"/>
+                                        </p:tgtEl>
+                                        <p:attrNameLst>
+                                          <p:attrName>style.visibility</p:attrName>
+                                        </p:attrNameLst>
+                                      </p:cBhvr>
+                                      <p:to>
+                                        <p:strVal val="visible"/>
+                                      </p:to>
+                                    </p:set>
+                                  </p:childTnLst>
+                                </p:cTn>
+                              </p:par>
+                              <p:par>
+                                <p:cTn id="19" presetID="1" presetClass="entr" presetSubtype="0" fill="hold" nodeType="withEffect">
+                                  <p:stCondLst>
+                                    <p:cond delay="0"/>
+                                  </p:stCondLst>
+                                  <p:childTnLst>
+                                    <p:set>
+                                      <p:cBhvr>
+                                        <p:cTn id="20" dur="1" fill="hold">
+                                          <p:stCondLst>
+                                            <p:cond delay="0"/>
+                                          </p:stCondLst>
+                                        </p:cTn>
+                                        <p:tgtEl>
+                                          <p:spTgt spid="2064"/>
+                                        </p:tgtEl>
+                                        <p:attrNameLst>
+                                          <p:attrName>style.visibility</p:attrName>
+                                        </p:attrNameLst>
+                                      </p:cBhvr>
+                                      <p:to>
+                                        <p:strVal val="visible"/>
+                                      </p:to>
+                                    </p:set>
+                                  </p:childTnLst>
+                                </p:cTn>
+                              </p:par>
+                            </p:childTnLst>
+                          </p:cTn>
+                        </p:par>
+                      </p:childTnLst>
+                    </p:cTn>
+                  </p:par>
+                </p:childTnLst>
+              </p:cTn>
+              <p:prevCondLst>
+                <p:cond evt="onPrev" delay="0">
+                  <p:tgtEl>
+                    <p:sldTgt/>
+                  </p:tgtEl>
+                </p:cond>
+              </p:prevCondLst>
+              <p:nextCondLst>
+                <p:cond evt="onNext" delay="0">
+                  <p:tgtEl>
+                    <p:sldTgt/>
+                  </p:tgtEl>
+                </p:cond>
+              </p:nextCondLst>
+            </p:seq>
+          </p:childTnLst>
+        </p:cTn>
+      </p:par>
+    </p:tnLst>
+  </p:timing>
 </p:sld>
 </file>
 
@@ -3379,7 +3986,7 @@
                   <a:schemeClr val="bg1"/>
                 </a:solidFill>
               </a:rPr>
-              <a:t>Why?</a:t>
+              <a:t>How?</a:t>
             </a:r>
           </a:p>
         </p:txBody>
@@ -3410,7 +4017,7 @@
     </p:spTree>
     <p:extLst>
       <p:ext uri="{BB962C8B-B14F-4D97-AF65-F5344CB8AC3E}">
-        <p14:creationId xmlns:p14="http://schemas.microsoft.com/office/powerpoint/2010/main" val="909814934"/>
+        <p14:creationId xmlns:p14="http://schemas.microsoft.com/office/powerpoint/2010/main" val="3455868762"/>
       </p:ext>
     </p:extLst>
   </p:cSld>
@@ -3458,7 +4065,7 @@
                   <a:schemeClr val="bg1"/>
                 </a:solidFill>
               </a:rPr>
-              <a:t>How?</a:t>
+              <a:t>Challenges</a:t>
             </a:r>
           </a:p>
         </p:txBody>
@@ -3478,18 +4085,75 @@
           <a:bodyPr/>
           <a:lstStyle/>
           <a:p>
+            <a:r>
+              <a:rPr lang="en-US" dirty="0">
+                <a:solidFill>
+                  <a:schemeClr val="bg1"/>
+                </a:solidFill>
+              </a:rPr>
+              <a:t>Too many features/attributes </a:t>
+            </a:r>
+          </a:p>
+          <a:p>
+            <a:r>
+              <a:rPr lang="en-US" dirty="0">
+                <a:solidFill>
+                  <a:schemeClr val="bg1"/>
+                </a:solidFill>
+              </a:rPr>
+              <a:t>Bulk Loading into </a:t>
+            </a:r>
+            <a:r>
+              <a:rPr lang="en-US" dirty="0" err="1">
+                <a:solidFill>
+                  <a:schemeClr val="bg1"/>
+                </a:solidFill>
+              </a:rPr>
+              <a:t>Hbase</a:t>
+            </a:r>
             <a:endParaRPr lang="en-US" dirty="0">
               <a:solidFill>
                 <a:schemeClr val="bg1"/>
               </a:solidFill>
             </a:endParaRPr>
           </a:p>
+          <a:p>
+            <a:r>
+              <a:rPr lang="en-US" dirty="0">
+                <a:solidFill>
+                  <a:schemeClr val="bg1"/>
+                </a:solidFill>
+              </a:rPr>
+              <a:t>Out of RAM – GB of data</a:t>
+            </a:r>
+          </a:p>
+          <a:p>
+            <a:endParaRPr lang="en-US" dirty="0">
+              <a:solidFill>
+                <a:schemeClr val="bg1"/>
+              </a:solidFill>
+            </a:endParaRPr>
+          </a:p>
+          <a:p>
+            <a:endParaRPr lang="en-US" dirty="0">
+              <a:solidFill>
+                <a:schemeClr val="bg1"/>
+              </a:solidFill>
+            </a:endParaRPr>
+          </a:p>
+          <a:p>
+            <a:endParaRPr lang="en-US" dirty="0">
+              <a:solidFill>
+                <a:schemeClr val="bg1"/>
+              </a:solidFill>
+            </a:endParaRPr>
+          </a:p>
         </p:txBody>
       </p:sp>
     </p:spTree>
     <p:extLst>
       <p:ext uri="{BB962C8B-B14F-4D97-AF65-F5344CB8AC3E}">
-        <p14:creationId xmlns:p14="http://schemas.microsoft.com/office/powerpoint/2010/main" val="3455868762"/>
+        <p14:creationId xmlns:p14="http://schemas.microsoft.com/office/powerpoint/2010/main" val="3151929899"/>
       </p:ext>
     </p:extLst>
   </p:cSld>
@@ -3537,7 +4201,7 @@
                   <a:schemeClr val="bg1"/>
                 </a:solidFill>
               </a:rPr>
-              <a:t>Challenges</a:t>
+              <a:t>Demo  &amp; Results</a:t>
             </a:r>
           </a:p>
         </p:txBody>
@@ -3568,7 +4232,7 @@
     </p:spTree>
     <p:extLst>
       <p:ext uri="{BB962C8B-B14F-4D97-AF65-F5344CB8AC3E}">
-        <p14:creationId xmlns:p14="http://schemas.microsoft.com/office/powerpoint/2010/main" val="3151929899"/>
+        <p14:creationId xmlns:p14="http://schemas.microsoft.com/office/powerpoint/2010/main" val="2327261966"/>
       </p:ext>
     </p:extLst>
   </p:cSld>
@@ -3616,7 +4280,7 @@
                   <a:schemeClr val="bg1"/>
                 </a:solidFill>
               </a:rPr>
-              <a:t>Demo</a:t>
+              <a:t>Summary</a:t>
             </a:r>
           </a:p>
         </p:txBody>
@@ -3647,7 +4311,7 @@
     </p:spTree>
     <p:extLst>
       <p:ext uri="{BB962C8B-B14F-4D97-AF65-F5344CB8AC3E}">
-        <p14:creationId xmlns:p14="http://schemas.microsoft.com/office/powerpoint/2010/main" val="2327261966"/>
+        <p14:creationId xmlns:p14="http://schemas.microsoft.com/office/powerpoint/2010/main" val="610321729"/>
       </p:ext>
     </p:extLst>
   </p:cSld>
@@ -3695,7 +4359,7 @@
                   <a:schemeClr val="bg1"/>
                 </a:solidFill>
               </a:rPr>
-              <a:t>Summary</a:t>
+              <a:t>Appendix</a:t>
             </a:r>
           </a:p>
         </p:txBody>
@@ -3714,6 +4378,41 @@
         <p:txBody>
           <a:bodyPr/>
           <a:lstStyle/>
+          <a:p>
+            <a:r>
+              <a:rPr lang="en-US" dirty="0" err="1">
+                <a:solidFill>
+                  <a:schemeClr val="bg1"/>
+                </a:solidFill>
+              </a:rPr>
+              <a:t>Github</a:t>
+            </a:r>
+            <a:r>
+              <a:rPr lang="en-US" dirty="0">
+                <a:solidFill>
+                  <a:schemeClr val="bg1"/>
+                </a:solidFill>
+              </a:rPr>
+              <a:t> URL: </a:t>
+            </a:r>
+            <a:r>
+              <a:rPr lang="en-US" dirty="0">
+                <a:solidFill>
+                  <a:schemeClr val="bg1"/>
+                </a:solidFill>
+                <a:hlinkClick r:id="rId2"/>
+              </a:rPr>
+              <a:t>https://github.com/dhiviyadhanasekar/Events_Recommender</a:t>
+            </a:r>
+            <a:r>
+              <a:rPr lang="en-US" dirty="0">
+                <a:solidFill>
+                  <a:schemeClr val="bg1"/>
+                </a:solidFill>
+              </a:rPr>
+              <a:t> </a:t>
+            </a:r>
+          </a:p>
           <a:p>
             <a:endParaRPr lang="en-US" dirty="0">
               <a:solidFill>
@@ -3721,52 +4420,6 @@
               </a:solidFill>
             </a:endParaRPr>
           </a:p>
-        </p:txBody>
-      </p:sp>
-    </p:spTree>
-    <p:extLst>
-      <p:ext uri="{BB962C8B-B14F-4D97-AF65-F5344CB8AC3E}">
-        <p14:creationId xmlns:p14="http://schemas.microsoft.com/office/powerpoint/2010/main" val="610321729"/>
-      </p:ext>
-    </p:extLst>
-  </p:cSld>
-  <p:clrMapOvr>
-    <a:masterClrMapping/>
-  </p:clrMapOvr>
-</p:sld>
-</file>
-
-<file path=ppt/slides/slide9.xml><?xml version="1.0" encoding="utf-8"?>
-<p:sld xmlns:a="http://schemas.openxmlformats.org/drawingml/2006/main" xmlns:r="http://schemas.openxmlformats.org/officeDocument/2006/relationships" xmlns:p="http://schemas.openxmlformats.org/presentationml/2006/main">
-  <p:cSld>
-    <p:spTree>
-      <p:nvGrpSpPr>
-        <p:cNvPr id="1" name=""/>
-        <p:cNvGrpSpPr/>
-        <p:nvPr/>
-      </p:nvGrpSpPr>
-      <p:grpSpPr>
-        <a:xfrm>
-          <a:off x="0" y="0"/>
-          <a:ext cx="0" cy="0"/>
-          <a:chOff x="0" y="0"/>
-          <a:chExt cx="0" cy="0"/>
-        </a:xfrm>
-      </p:grpSpPr>
-      <p:sp>
-        <p:nvSpPr>
-          <p:cNvPr id="2" name="Title 1"/>
-          <p:cNvSpPr>
-            <a:spLocks noGrp="1"/>
-          </p:cNvSpPr>
-          <p:nvPr>
-            <p:ph type="title"/>
-          </p:nvPr>
-        </p:nvSpPr>
-        <p:spPr/>
-        <p:txBody>
-          <a:bodyPr/>
-          <a:lstStyle/>
           <a:p>
             <a:r>
               <a:rPr lang="en-US" dirty="0">
@@ -3774,50 +4427,16 @@
                   <a:schemeClr val="bg1"/>
                 </a:solidFill>
               </a:rPr>
-              <a:t>Appendix</a:t>
-            </a:r>
-          </a:p>
-        </p:txBody>
-      </p:sp>
-      <p:sp>
-        <p:nvSpPr>
-          <p:cNvPr id="3" name="Content Placeholder 2"/>
-          <p:cNvSpPr>
-            <a:spLocks noGrp="1"/>
-          </p:cNvSpPr>
-          <p:nvPr>
-            <p:ph idx="1"/>
-          </p:nvPr>
-        </p:nvSpPr>
-        <p:spPr/>
-        <p:txBody>
-          <a:bodyPr/>
-          <a:lstStyle/>
-          <a:p>
-            <a:r>
-              <a:rPr lang="en-US" dirty="0" err="1">
+              <a:t>Dataset: </a:t>
+            </a:r>
+            <a:r>
+              <a:rPr lang="en-US" dirty="0">
                 <a:solidFill>
                   <a:schemeClr val="bg1"/>
                 </a:solidFill>
+                <a:hlinkClick r:id="rId3"/>
               </a:rPr>
-              <a:t>Github</a:t>
-            </a:r>
-            <a:r>
-              <a:rPr lang="en-US" dirty="0">
-                <a:solidFill>
-                  <a:schemeClr val="bg1"/>
-                </a:solidFill>
-              </a:rPr>
-              <a:t> URL: </a:t>
-            </a:r>
-            <a:r>
-              <a:rPr lang="en-US" dirty="0">
-                <a:solidFill>
-                  <a:schemeClr val="bg1"/>
-                </a:solidFill>
-                <a:hlinkClick r:id="rId2"/>
-              </a:rPr>
-              <a:t>https://github.com/dhiviyadhanasekar/Events_Recommender</a:t>
+              <a:t>https://www.kaggle.com/c/event-recommendation-engine-challenge/data</a:t>
             </a:r>
             <a:r>
               <a:rPr lang="en-US" dirty="0">
@@ -3829,6 +4448,7 @@
             </a:r>
           </a:p>
           <a:p>
+            <a:pPr lvl="1"/>
             <a:endParaRPr lang="en-US" dirty="0">
               <a:solidFill>
                 <a:schemeClr val="bg1"/>
@@ -3836,42 +4456,12 @@
             </a:endParaRPr>
           </a:p>
           <a:p>
-            <a:r>
-              <a:rPr lang="en-US" dirty="0">
-                <a:solidFill>
-                  <a:schemeClr val="bg1"/>
-                </a:solidFill>
-              </a:rPr>
-              <a:t>References:</a:t>
-            </a:r>
-          </a:p>
-          <a:p>
             <a:pPr lvl="1"/>
-            <a:r>
-              <a:rPr lang="en-US" dirty="0">
-                <a:solidFill>
-                  <a:schemeClr val="bg1"/>
-                </a:solidFill>
-              </a:rPr>
-              <a:t>MapReduce for TF-IDF: </a:t>
-            </a:r>
-            <a:r>
-              <a:rPr lang="en-US" dirty="0">
-                <a:solidFill>
-                  <a:schemeClr val="bg1"/>
-                </a:solidFill>
-                <a:hlinkClick r:id="rId3"/>
-              </a:rPr>
-              <a:t>https://marcellodesales.wordpress.com/2010/01/10/tf-idf-in-hadoop-part-3-documents-in-corpus-and-tfidf-computation/</a:t>
-            </a:r>
-            <a:r>
-              <a:rPr lang="en-US" dirty="0">
-                <a:solidFill>
-                  <a:schemeClr val="bg1"/>
-                </a:solidFill>
-              </a:rPr>
-              <a:t> </a:t>
-            </a:r>
+            <a:endParaRPr lang="en-US" dirty="0">
+              <a:solidFill>
+                <a:schemeClr val="bg1"/>
+              </a:solidFill>
+            </a:endParaRPr>
           </a:p>
         </p:txBody>
       </p:sp>

--- a/Big Data Project.pptx
+++ b/Big Data Project.pptx
@@ -9,10 +9,11 @@
     <p:sldId id="257" r:id="rId3"/>
     <p:sldId id="264" r:id="rId4"/>
     <p:sldId id="261" r:id="rId5"/>
-    <p:sldId id="262" r:id="rId6"/>
-    <p:sldId id="260" r:id="rId7"/>
-    <p:sldId id="258" r:id="rId8"/>
-    <p:sldId id="263" r:id="rId9"/>
+    <p:sldId id="265" r:id="rId6"/>
+    <p:sldId id="262" r:id="rId7"/>
+    <p:sldId id="260" r:id="rId8"/>
+    <p:sldId id="258" r:id="rId9"/>
+    <p:sldId id="263" r:id="rId10"/>
   </p:sldIdLst>
   <p:sldSz cx="12192000" cy="6858000"/>
   <p:notesSz cx="6858000" cy="9144000"/>
@@ -248,7 +249,7 @@
           <a:p>
             <a:fld id="{90F19E8C-F446-4C11-9AAE-B4B295EA670E}" type="datetimeFigureOut">
               <a:rPr lang="en-US" smtClean="0"/>
-              <a:t>11/27/2016</a:t>
+              <a:t>11/28/2016</a:t>
             </a:fld>
             <a:endParaRPr lang="en-US"/>
           </a:p>
@@ -416,7 +417,7 @@
           <a:p>
             <a:fld id="{90F19E8C-F446-4C11-9AAE-B4B295EA670E}" type="datetimeFigureOut">
               <a:rPr lang="en-US" smtClean="0"/>
-              <a:t>11/27/2016</a:t>
+              <a:t>11/28/2016</a:t>
             </a:fld>
             <a:endParaRPr lang="en-US"/>
           </a:p>
@@ -594,7 +595,7 @@
           <a:p>
             <a:fld id="{90F19E8C-F446-4C11-9AAE-B4B295EA670E}" type="datetimeFigureOut">
               <a:rPr lang="en-US" smtClean="0"/>
-              <a:t>11/27/2016</a:t>
+              <a:t>11/28/2016</a:t>
             </a:fld>
             <a:endParaRPr lang="en-US"/>
           </a:p>
@@ -762,7 +763,7 @@
           <a:p>
             <a:fld id="{90F19E8C-F446-4C11-9AAE-B4B295EA670E}" type="datetimeFigureOut">
               <a:rPr lang="en-US" smtClean="0"/>
-              <a:t>11/27/2016</a:t>
+              <a:t>11/28/2016</a:t>
             </a:fld>
             <a:endParaRPr lang="en-US"/>
           </a:p>
@@ -1007,7 +1008,7 @@
           <a:p>
             <a:fld id="{90F19E8C-F446-4C11-9AAE-B4B295EA670E}" type="datetimeFigureOut">
               <a:rPr lang="en-US" smtClean="0"/>
-              <a:t>11/27/2016</a:t>
+              <a:t>11/28/2016</a:t>
             </a:fld>
             <a:endParaRPr lang="en-US"/>
           </a:p>
@@ -1236,7 +1237,7 @@
           <a:p>
             <a:fld id="{90F19E8C-F446-4C11-9AAE-B4B295EA670E}" type="datetimeFigureOut">
               <a:rPr lang="en-US" smtClean="0"/>
-              <a:t>11/27/2016</a:t>
+              <a:t>11/28/2016</a:t>
             </a:fld>
             <a:endParaRPr lang="en-US"/>
           </a:p>
@@ -1600,7 +1601,7 @@
           <a:p>
             <a:fld id="{90F19E8C-F446-4C11-9AAE-B4B295EA670E}" type="datetimeFigureOut">
               <a:rPr lang="en-US" smtClean="0"/>
-              <a:t>11/27/2016</a:t>
+              <a:t>11/28/2016</a:t>
             </a:fld>
             <a:endParaRPr lang="en-US"/>
           </a:p>
@@ -1717,7 +1718,7 @@
           <a:p>
             <a:fld id="{90F19E8C-F446-4C11-9AAE-B4B295EA670E}" type="datetimeFigureOut">
               <a:rPr lang="en-US" smtClean="0"/>
-              <a:t>11/27/2016</a:t>
+              <a:t>11/28/2016</a:t>
             </a:fld>
             <a:endParaRPr lang="en-US"/>
           </a:p>
@@ -1812,7 +1813,7 @@
           <a:p>
             <a:fld id="{90F19E8C-F446-4C11-9AAE-B4B295EA670E}" type="datetimeFigureOut">
               <a:rPr lang="en-US" smtClean="0"/>
-              <a:t>11/27/2016</a:t>
+              <a:t>11/28/2016</a:t>
             </a:fld>
             <a:endParaRPr lang="en-US"/>
           </a:p>
@@ -2087,7 +2088,7 @@
           <a:p>
             <a:fld id="{90F19E8C-F446-4C11-9AAE-B4B295EA670E}" type="datetimeFigureOut">
               <a:rPr lang="en-US" smtClean="0"/>
-              <a:t>11/27/2016</a:t>
+              <a:t>11/28/2016</a:t>
             </a:fld>
             <a:endParaRPr lang="en-US"/>
           </a:p>
@@ -2339,7 +2340,7 @@
           <a:p>
             <a:fld id="{90F19E8C-F446-4C11-9AAE-B4B295EA670E}" type="datetimeFigureOut">
               <a:rPr lang="en-US" smtClean="0"/>
-              <a:t>11/27/2016</a:t>
+              <a:t>11/28/2016</a:t>
             </a:fld>
             <a:endParaRPr lang="en-US"/>
           </a:p>
@@ -2553,7 +2554,7 @@
           <a:p>
             <a:fld id="{90F19E8C-F446-4C11-9AAE-B4B295EA670E}" type="datetimeFigureOut">
               <a:rPr lang="en-US" smtClean="0"/>
-              <a:t>11/27/2016</a:t>
+              <a:t>11/28/2016</a:t>
             </a:fld>
             <a:endParaRPr lang="en-US"/>
           </a:p>
@@ -3991,26 +3992,371 @@
           </a:p>
         </p:txBody>
       </p:sp>
-      <p:sp>
-        <p:nvSpPr>
-          <p:cNvPr id="3" name="Content Placeholder 2"/>
-          <p:cNvSpPr>
-            <a:spLocks noGrp="1"/>
-          </p:cNvSpPr>
+      <p:pic>
+        <p:nvPicPr>
+          <p:cNvPr id="8" name="Content Placeholder 7"/>
+          <p:cNvPicPr>
+            <a:picLocks noGrp="1" noChangeAspect="1"/>
+          </p:cNvPicPr>
           <p:nvPr>
             <p:ph idx="1"/>
           </p:nvPr>
-        </p:nvSpPr>
-        <p:spPr/>
-        <p:txBody>
-          <a:bodyPr/>
-          <a:lstStyle/>
-          <a:p>
-            <a:endParaRPr lang="en-US" dirty="0">
+        </p:nvPicPr>
+        <p:blipFill>
+          <a:blip r:embed="rId2">
+            <a:extLst>
+              <a:ext uri="{28A0092B-C50C-407E-A947-70E740481C1C}">
+                <a14:useLocalDpi xmlns:a14="http://schemas.microsoft.com/office/drawing/2010/main" val="0"/>
+              </a:ext>
+            </a:extLst>
+          </a:blip>
+          <a:stretch>
+            <a:fillRect/>
+          </a:stretch>
+        </p:blipFill>
+        <p:spPr>
+          <a:xfrm>
+            <a:off x="9641013" y="1398676"/>
+            <a:ext cx="2143125" cy="2143125"/>
+          </a:xfrm>
+        </p:spPr>
+      </p:pic>
+      <p:pic>
+        <p:nvPicPr>
+          <p:cNvPr id="9" name="Picture 8"/>
+          <p:cNvPicPr>
+            <a:picLocks noChangeAspect="1"/>
+          </p:cNvPicPr>
+          <p:nvPr/>
+        </p:nvPicPr>
+        <p:blipFill>
+          <a:blip r:embed="rId3">
+            <a:extLst>
+              <a:ext uri="{28A0092B-C50C-407E-A947-70E740481C1C}">
+                <a14:useLocalDpi xmlns:a14="http://schemas.microsoft.com/office/drawing/2010/main" val="0"/>
+              </a:ext>
+            </a:extLst>
+          </a:blip>
+          <a:stretch>
+            <a:fillRect/>
+          </a:stretch>
+        </p:blipFill>
+        <p:spPr>
+          <a:xfrm>
+            <a:off x="8814609" y="711200"/>
+            <a:ext cx="1485900" cy="1114425"/>
+          </a:xfrm>
+          <a:prstGeom prst="rect">
+            <a:avLst/>
+          </a:prstGeom>
+        </p:spPr>
+      </p:pic>
+      <p:pic>
+        <p:nvPicPr>
+          <p:cNvPr id="10" name="Picture 9"/>
+          <p:cNvPicPr>
+            <a:picLocks noChangeAspect="1"/>
+          </p:cNvPicPr>
+          <p:nvPr/>
+        </p:nvPicPr>
+        <p:blipFill>
+          <a:blip r:embed="rId4">
+            <a:extLst>
+              <a:ext uri="{28A0092B-C50C-407E-A947-70E740481C1C}">
+                <a14:useLocalDpi xmlns:a14="http://schemas.microsoft.com/office/drawing/2010/main" val="0"/>
+              </a:ext>
+            </a:extLst>
+          </a:blip>
+          <a:stretch>
+            <a:fillRect/>
+          </a:stretch>
+        </p:blipFill>
+        <p:spPr>
+          <a:xfrm>
+            <a:off x="8943910" y="3157714"/>
+            <a:ext cx="2143125" cy="2143125"/>
+          </a:xfrm>
+          <a:prstGeom prst="rect">
+            <a:avLst/>
+          </a:prstGeom>
+        </p:spPr>
+      </p:pic>
+      <p:sp>
+        <p:nvSpPr>
+          <p:cNvPr id="12" name="Content Placeholder 2"/>
+          <p:cNvSpPr txBox="1">
+            <a:spLocks/>
+          </p:cNvSpPr>
+          <p:nvPr/>
+        </p:nvSpPr>
+        <p:spPr>
+          <a:xfrm>
+            <a:off x="838200" y="1563329"/>
+            <a:ext cx="8177981" cy="4660490"/>
+          </a:xfrm>
+          <a:prstGeom prst="rect">
+            <a:avLst/>
+          </a:prstGeom>
+        </p:spPr>
+        <p:txBody>
+          <a:bodyPr vert="horz" lIns="91440" tIns="45720" rIns="91440" bIns="45720" rtlCol="0">
+            <a:normAutofit/>
+          </a:bodyPr>
+          <a:lstStyle>
+            <a:lvl1pPr marL="228600" indent="-228600" algn="l" defTabSz="914400" rtl="0" eaLnBrk="1" latinLnBrk="0" hangingPunct="1">
+              <a:lnSpc>
+                <a:spcPct val="90000"/>
+              </a:lnSpc>
+              <a:spcBef>
+                <a:spcPts val="1000"/>
+              </a:spcBef>
+              <a:buFont typeface="Arial" panose="020B0604020202020204" pitchFamily="34" charset="0"/>
+              <a:buChar char="•"/>
+              <a:defRPr sz="2800" kern="1200">
+                <a:solidFill>
+                  <a:schemeClr val="tx1"/>
+                </a:solidFill>
+                <a:latin typeface="+mn-lt"/>
+                <a:ea typeface="+mn-ea"/>
+                <a:cs typeface="+mn-cs"/>
+              </a:defRPr>
+            </a:lvl1pPr>
+            <a:lvl2pPr marL="685800" indent="-228600" algn="l" defTabSz="914400" rtl="0" eaLnBrk="1" latinLnBrk="0" hangingPunct="1">
+              <a:lnSpc>
+                <a:spcPct val="90000"/>
+              </a:lnSpc>
+              <a:spcBef>
+                <a:spcPts val="500"/>
+              </a:spcBef>
+              <a:buFont typeface="Arial" panose="020B0604020202020204" pitchFamily="34" charset="0"/>
+              <a:buChar char="•"/>
+              <a:defRPr sz="2400" kern="1200">
+                <a:solidFill>
+                  <a:schemeClr val="tx1"/>
+                </a:solidFill>
+                <a:latin typeface="+mn-lt"/>
+                <a:ea typeface="+mn-ea"/>
+                <a:cs typeface="+mn-cs"/>
+              </a:defRPr>
+            </a:lvl2pPr>
+            <a:lvl3pPr marL="1143000" indent="-228600" algn="l" defTabSz="914400" rtl="0" eaLnBrk="1" latinLnBrk="0" hangingPunct="1">
+              <a:lnSpc>
+                <a:spcPct val="90000"/>
+              </a:lnSpc>
+              <a:spcBef>
+                <a:spcPts val="500"/>
+              </a:spcBef>
+              <a:buFont typeface="Arial" panose="020B0604020202020204" pitchFamily="34" charset="0"/>
+              <a:buChar char="•"/>
+              <a:defRPr sz="2000" kern="1200">
+                <a:solidFill>
+                  <a:schemeClr val="tx1"/>
+                </a:solidFill>
+                <a:latin typeface="+mn-lt"/>
+                <a:ea typeface="+mn-ea"/>
+                <a:cs typeface="+mn-cs"/>
+              </a:defRPr>
+            </a:lvl3pPr>
+            <a:lvl4pPr marL="1600200" indent="-228600" algn="l" defTabSz="914400" rtl="0" eaLnBrk="1" latinLnBrk="0" hangingPunct="1">
+              <a:lnSpc>
+                <a:spcPct val="90000"/>
+              </a:lnSpc>
+              <a:spcBef>
+                <a:spcPts val="500"/>
+              </a:spcBef>
+              <a:buFont typeface="Arial" panose="020B0604020202020204" pitchFamily="34" charset="0"/>
+              <a:buChar char="•"/>
+              <a:defRPr sz="1800" kern="1200">
+                <a:solidFill>
+                  <a:schemeClr val="tx1"/>
+                </a:solidFill>
+                <a:latin typeface="+mn-lt"/>
+                <a:ea typeface="+mn-ea"/>
+                <a:cs typeface="+mn-cs"/>
+              </a:defRPr>
+            </a:lvl4pPr>
+            <a:lvl5pPr marL="2057400" indent="-228600" algn="l" defTabSz="914400" rtl="0" eaLnBrk="1" latinLnBrk="0" hangingPunct="1">
+              <a:lnSpc>
+                <a:spcPct val="90000"/>
+              </a:lnSpc>
+              <a:spcBef>
+                <a:spcPts val="500"/>
+              </a:spcBef>
+              <a:buFont typeface="Arial" panose="020B0604020202020204" pitchFamily="34" charset="0"/>
+              <a:buChar char="•"/>
+              <a:defRPr sz="1800" kern="1200">
+                <a:solidFill>
+                  <a:schemeClr val="tx1"/>
+                </a:solidFill>
+                <a:latin typeface="+mn-lt"/>
+                <a:ea typeface="+mn-ea"/>
+                <a:cs typeface="+mn-cs"/>
+              </a:defRPr>
+            </a:lvl5pPr>
+            <a:lvl6pPr marL="2514600" indent="-228600" algn="l" defTabSz="914400" rtl="0" eaLnBrk="1" latinLnBrk="0" hangingPunct="1">
+              <a:lnSpc>
+                <a:spcPct val="90000"/>
+              </a:lnSpc>
+              <a:spcBef>
+                <a:spcPts val="500"/>
+              </a:spcBef>
+              <a:buFont typeface="Arial" panose="020B0604020202020204" pitchFamily="34" charset="0"/>
+              <a:buChar char="•"/>
+              <a:defRPr sz="1800" kern="1200">
+                <a:solidFill>
+                  <a:schemeClr val="tx1"/>
+                </a:solidFill>
+                <a:latin typeface="+mn-lt"/>
+                <a:ea typeface="+mn-ea"/>
+                <a:cs typeface="+mn-cs"/>
+              </a:defRPr>
+            </a:lvl6pPr>
+            <a:lvl7pPr marL="2971800" indent="-228600" algn="l" defTabSz="914400" rtl="0" eaLnBrk="1" latinLnBrk="0" hangingPunct="1">
+              <a:lnSpc>
+                <a:spcPct val="90000"/>
+              </a:lnSpc>
+              <a:spcBef>
+                <a:spcPts val="500"/>
+              </a:spcBef>
+              <a:buFont typeface="Arial" panose="020B0604020202020204" pitchFamily="34" charset="0"/>
+              <a:buChar char="•"/>
+              <a:defRPr sz="1800" kern="1200">
+                <a:solidFill>
+                  <a:schemeClr val="tx1"/>
+                </a:solidFill>
+                <a:latin typeface="+mn-lt"/>
+                <a:ea typeface="+mn-ea"/>
+                <a:cs typeface="+mn-cs"/>
+              </a:defRPr>
+            </a:lvl7pPr>
+            <a:lvl8pPr marL="3429000" indent="-228600" algn="l" defTabSz="914400" rtl="0" eaLnBrk="1" latinLnBrk="0" hangingPunct="1">
+              <a:lnSpc>
+                <a:spcPct val="90000"/>
+              </a:lnSpc>
+              <a:spcBef>
+                <a:spcPts val="500"/>
+              </a:spcBef>
+              <a:buFont typeface="Arial" panose="020B0604020202020204" pitchFamily="34" charset="0"/>
+              <a:buChar char="•"/>
+              <a:defRPr sz="1800" kern="1200">
+                <a:solidFill>
+                  <a:schemeClr val="tx1"/>
+                </a:solidFill>
+                <a:latin typeface="+mn-lt"/>
+                <a:ea typeface="+mn-ea"/>
+                <a:cs typeface="+mn-cs"/>
+              </a:defRPr>
+            </a:lvl8pPr>
+            <a:lvl9pPr marL="3886200" indent="-228600" algn="l" defTabSz="914400" rtl="0" eaLnBrk="1" latinLnBrk="0" hangingPunct="1">
+              <a:lnSpc>
+                <a:spcPct val="90000"/>
+              </a:lnSpc>
+              <a:spcBef>
+                <a:spcPts val="500"/>
+              </a:spcBef>
+              <a:buFont typeface="Arial" panose="020B0604020202020204" pitchFamily="34" charset="0"/>
+              <a:buChar char="•"/>
+              <a:defRPr sz="1800" kern="1200">
+                <a:solidFill>
+                  <a:schemeClr val="tx1"/>
+                </a:solidFill>
+                <a:latin typeface="+mn-lt"/>
+                <a:ea typeface="+mn-ea"/>
+                <a:cs typeface="+mn-cs"/>
+              </a:defRPr>
+            </a:lvl9pPr>
+          </a:lstStyle>
+          <a:p>
+            <a:pPr>
+              <a:buFont typeface="Wingdings" panose="05000000000000000000" pitchFamily="2" charset="2"/>
+              <a:buChar char="Ø"/>
+            </a:pPr>
+            <a:r>
+              <a:rPr lang="en-US" sz="3200" dirty="0">
+                <a:solidFill>
+                  <a:schemeClr val="bg1"/>
+                </a:solidFill>
+              </a:rPr>
+              <a:t>  Use event descriptions.</a:t>
+            </a:r>
+          </a:p>
+          <a:p>
+            <a:pPr>
+              <a:buFont typeface="Wingdings" panose="05000000000000000000" pitchFamily="2" charset="2"/>
+              <a:buChar char="Ø"/>
+            </a:pPr>
+            <a:endParaRPr lang="en-US" sz="3200" dirty="0">
               <a:solidFill>
                 <a:schemeClr val="bg1"/>
               </a:solidFill>
             </a:endParaRPr>
+          </a:p>
+          <a:p>
+            <a:pPr>
+              <a:buFont typeface="Wingdings" panose="05000000000000000000" pitchFamily="2" charset="2"/>
+              <a:buChar char="Ø"/>
+            </a:pPr>
+            <a:r>
+              <a:rPr lang="en-US" sz="3200" dirty="0">
+                <a:solidFill>
+                  <a:schemeClr val="bg1"/>
+                </a:solidFill>
+              </a:rPr>
+              <a:t>  Calculate TF-IDF for the 100 most frequently  occurring words in the description.</a:t>
+            </a:r>
+          </a:p>
+          <a:p>
+            <a:pPr lvl="1">
+              <a:buFont typeface="Wingdings" panose="05000000000000000000" pitchFamily="2" charset="2"/>
+              <a:buChar char="Ø"/>
+            </a:pPr>
+            <a:r>
+              <a:rPr lang="en-US" sz="2800" dirty="0">
+                <a:solidFill>
+                  <a:schemeClr val="bg1"/>
+                </a:solidFill>
+              </a:rPr>
+              <a:t> TF – Term Frequency</a:t>
+            </a:r>
+          </a:p>
+          <a:p>
+            <a:pPr lvl="1">
+              <a:buFont typeface="Wingdings" panose="05000000000000000000" pitchFamily="2" charset="2"/>
+              <a:buChar char="Ø"/>
+            </a:pPr>
+            <a:r>
+              <a:rPr lang="en-US" sz="2800" dirty="0">
+                <a:solidFill>
+                  <a:schemeClr val="bg1"/>
+                </a:solidFill>
+              </a:rPr>
+              <a:t> IDF – Inverse Document Frequency</a:t>
+            </a:r>
+          </a:p>
+          <a:p>
+            <a:pPr lvl="1">
+              <a:buFont typeface="Wingdings" panose="05000000000000000000" pitchFamily="2" charset="2"/>
+              <a:buChar char="Ø"/>
+            </a:pPr>
+            <a:endParaRPr lang="en-US" sz="2800" dirty="0">
+              <a:solidFill>
+                <a:schemeClr val="bg1"/>
+              </a:solidFill>
+            </a:endParaRPr>
+          </a:p>
+          <a:p>
+            <a:pPr>
+              <a:buFont typeface="Wingdings" panose="05000000000000000000" pitchFamily="2" charset="2"/>
+              <a:buChar char="Ø"/>
+            </a:pPr>
+            <a:r>
+              <a:rPr lang="en-US" sz="3200" dirty="0">
+                <a:solidFill>
+                  <a:schemeClr val="bg1"/>
+                </a:solidFill>
+              </a:rPr>
+              <a:t> Use Cosine Similarity to gauge the similarity of the new event to Homer’s likes and dislikes.</a:t>
+            </a:r>
           </a:p>
         </p:txBody>
       </p:sp>
@@ -4065,7 +4411,7 @@
                   <a:schemeClr val="bg1"/>
                 </a:solidFill>
               </a:rPr>
-              <a:t>Challenges</a:t>
+              <a:t>Using what?</a:t>
             </a:r>
           </a:p>
         </p:txBody>
@@ -4085,75 +4431,14 @@
           <a:bodyPr/>
           <a:lstStyle/>
           <a:p>
-            <a:r>
-              <a:rPr lang="en-US" dirty="0">
-                <a:solidFill>
-                  <a:schemeClr val="bg1"/>
-                </a:solidFill>
-              </a:rPr>
-              <a:t>Too many features/attributes </a:t>
-            </a:r>
-          </a:p>
-          <a:p>
-            <a:r>
-              <a:rPr lang="en-US" dirty="0">
-                <a:solidFill>
-                  <a:schemeClr val="bg1"/>
-                </a:solidFill>
-              </a:rPr>
-              <a:t>Bulk Loading into </a:t>
-            </a:r>
-            <a:r>
-              <a:rPr lang="en-US" dirty="0" err="1">
-                <a:solidFill>
-                  <a:schemeClr val="bg1"/>
-                </a:solidFill>
-              </a:rPr>
-              <a:t>Hbase</a:t>
-            </a:r>
-            <a:endParaRPr lang="en-US" dirty="0">
-              <a:solidFill>
-                <a:schemeClr val="bg1"/>
-              </a:solidFill>
-            </a:endParaRPr>
-          </a:p>
-          <a:p>
-            <a:r>
-              <a:rPr lang="en-US" dirty="0">
-                <a:solidFill>
-                  <a:schemeClr val="bg1"/>
-                </a:solidFill>
-              </a:rPr>
-              <a:t>Out of RAM – GB of data</a:t>
-            </a:r>
-          </a:p>
-          <a:p>
-            <a:endParaRPr lang="en-US" dirty="0">
-              <a:solidFill>
-                <a:schemeClr val="bg1"/>
-              </a:solidFill>
-            </a:endParaRPr>
-          </a:p>
-          <a:p>
-            <a:endParaRPr lang="en-US" dirty="0">
-              <a:solidFill>
-                <a:schemeClr val="bg1"/>
-              </a:solidFill>
-            </a:endParaRPr>
-          </a:p>
-          <a:p>
-            <a:endParaRPr lang="en-US" dirty="0">
-              <a:solidFill>
-                <a:schemeClr val="bg1"/>
-              </a:solidFill>
-            </a:endParaRPr>
+            <a:endParaRPr lang="en-US" dirty="0"/>
           </a:p>
         </p:txBody>
       </p:sp>
     </p:spTree>
     <p:extLst>
       <p:ext uri="{BB962C8B-B14F-4D97-AF65-F5344CB8AC3E}">
-        <p14:creationId xmlns:p14="http://schemas.microsoft.com/office/powerpoint/2010/main" val="3151929899"/>
+        <p14:creationId xmlns:p14="http://schemas.microsoft.com/office/powerpoint/2010/main" val="4024277217"/>
       </p:ext>
     </p:extLst>
   </p:cSld>
@@ -4201,7 +4486,7 @@
                   <a:schemeClr val="bg1"/>
                 </a:solidFill>
               </a:rPr>
-              <a:t>Demo  &amp; Results</a:t>
+              <a:t>Challenges</a:t>
             </a:r>
           </a:p>
         </p:txBody>
@@ -4221,18 +4506,75 @@
           <a:bodyPr/>
           <a:lstStyle/>
           <a:p>
+            <a:r>
+              <a:rPr lang="en-US" dirty="0">
+                <a:solidFill>
+                  <a:schemeClr val="bg1"/>
+                </a:solidFill>
+              </a:rPr>
+              <a:t>Too many features/attributes </a:t>
+            </a:r>
+          </a:p>
+          <a:p>
+            <a:r>
+              <a:rPr lang="en-US" dirty="0">
+                <a:solidFill>
+                  <a:schemeClr val="bg1"/>
+                </a:solidFill>
+              </a:rPr>
+              <a:t>Bulk Loading into </a:t>
+            </a:r>
+            <a:r>
+              <a:rPr lang="en-US" dirty="0" err="1">
+                <a:solidFill>
+                  <a:schemeClr val="bg1"/>
+                </a:solidFill>
+              </a:rPr>
+              <a:t>Hbase</a:t>
+            </a:r>
             <a:endParaRPr lang="en-US" dirty="0">
               <a:solidFill>
                 <a:schemeClr val="bg1"/>
               </a:solidFill>
             </a:endParaRPr>
           </a:p>
+          <a:p>
+            <a:r>
+              <a:rPr lang="en-US" dirty="0">
+                <a:solidFill>
+                  <a:schemeClr val="bg1"/>
+                </a:solidFill>
+              </a:rPr>
+              <a:t>Out of RAM – GB of data</a:t>
+            </a:r>
+          </a:p>
+          <a:p>
+            <a:endParaRPr lang="en-US" dirty="0">
+              <a:solidFill>
+                <a:schemeClr val="bg1"/>
+              </a:solidFill>
+            </a:endParaRPr>
+          </a:p>
+          <a:p>
+            <a:endParaRPr lang="en-US" dirty="0">
+              <a:solidFill>
+                <a:schemeClr val="bg1"/>
+              </a:solidFill>
+            </a:endParaRPr>
+          </a:p>
+          <a:p>
+            <a:endParaRPr lang="en-US" dirty="0">
+              <a:solidFill>
+                <a:schemeClr val="bg1"/>
+              </a:solidFill>
+            </a:endParaRPr>
+          </a:p>
         </p:txBody>
       </p:sp>
     </p:spTree>
     <p:extLst>
       <p:ext uri="{BB962C8B-B14F-4D97-AF65-F5344CB8AC3E}">
-        <p14:creationId xmlns:p14="http://schemas.microsoft.com/office/powerpoint/2010/main" val="2327261966"/>
+        <p14:creationId xmlns:p14="http://schemas.microsoft.com/office/powerpoint/2010/main" val="3151929899"/>
       </p:ext>
     </p:extLst>
   </p:cSld>
@@ -4280,6 +4622,85 @@
                   <a:schemeClr val="bg1"/>
                 </a:solidFill>
               </a:rPr>
+              <a:t>Demo  &amp; Results</a:t>
+            </a:r>
+          </a:p>
+        </p:txBody>
+      </p:sp>
+      <p:sp>
+        <p:nvSpPr>
+          <p:cNvPr id="3" name="Content Placeholder 2"/>
+          <p:cNvSpPr>
+            <a:spLocks noGrp="1"/>
+          </p:cNvSpPr>
+          <p:nvPr>
+            <p:ph idx="1"/>
+          </p:nvPr>
+        </p:nvSpPr>
+        <p:spPr/>
+        <p:txBody>
+          <a:bodyPr/>
+          <a:lstStyle/>
+          <a:p>
+            <a:endParaRPr lang="en-US" dirty="0">
+              <a:solidFill>
+                <a:schemeClr val="bg1"/>
+              </a:solidFill>
+            </a:endParaRPr>
+          </a:p>
+        </p:txBody>
+      </p:sp>
+    </p:spTree>
+    <p:extLst>
+      <p:ext uri="{BB962C8B-B14F-4D97-AF65-F5344CB8AC3E}">
+        <p14:creationId xmlns:p14="http://schemas.microsoft.com/office/powerpoint/2010/main" val="2327261966"/>
+      </p:ext>
+    </p:extLst>
+  </p:cSld>
+  <p:clrMapOvr>
+    <a:masterClrMapping/>
+  </p:clrMapOvr>
+</p:sld>
+</file>
+
+<file path=ppt/slides/slide8.xml><?xml version="1.0" encoding="utf-8"?>
+<p:sld xmlns:a="http://schemas.openxmlformats.org/drawingml/2006/main" xmlns:r="http://schemas.openxmlformats.org/officeDocument/2006/relationships" xmlns:p="http://schemas.openxmlformats.org/presentationml/2006/main">
+  <p:cSld>
+    <p:spTree>
+      <p:nvGrpSpPr>
+        <p:cNvPr id="1" name=""/>
+        <p:cNvGrpSpPr/>
+        <p:nvPr/>
+      </p:nvGrpSpPr>
+      <p:grpSpPr>
+        <a:xfrm>
+          <a:off x="0" y="0"/>
+          <a:ext cx="0" cy="0"/>
+          <a:chOff x="0" y="0"/>
+          <a:chExt cx="0" cy="0"/>
+        </a:xfrm>
+      </p:grpSpPr>
+      <p:sp>
+        <p:nvSpPr>
+          <p:cNvPr id="2" name="Title 1"/>
+          <p:cNvSpPr>
+            <a:spLocks noGrp="1"/>
+          </p:cNvSpPr>
+          <p:nvPr>
+            <p:ph type="title"/>
+          </p:nvPr>
+        </p:nvSpPr>
+        <p:spPr/>
+        <p:txBody>
+          <a:bodyPr/>
+          <a:lstStyle/>
+          <a:p>
+            <a:r>
+              <a:rPr lang="en-US" dirty="0">
+                <a:solidFill>
+                  <a:schemeClr val="bg1"/>
+                </a:solidFill>
+              </a:rPr>
               <a:t>Summary</a:t>
             </a:r>
           </a:p>
@@ -4321,7 +4742,7 @@
 </p:sld>
 </file>
 
-<file path=ppt/slides/slide8.xml><?xml version="1.0" encoding="utf-8"?>
+<file path=ppt/slides/slide9.xml><?xml version="1.0" encoding="utf-8"?>
 <p:sld xmlns:a="http://schemas.openxmlformats.org/drawingml/2006/main" xmlns:r="http://schemas.openxmlformats.org/officeDocument/2006/relationships" xmlns:p="http://schemas.openxmlformats.org/presentationml/2006/main">
   <p:cSld>
     <p:spTree>

--- a/Big Data Project.pptx
+++ b/Big Data Project.pptx
@@ -120,6 +120,4718 @@
 </p:presentation>
 </file>
 
+<file path=ppt/diagrams/colors1.xml><?xml version="1.0" encoding="utf-8"?>
+<dgm:colorsDef xmlns:dgm="http://schemas.openxmlformats.org/drawingml/2006/diagram" xmlns:a="http://schemas.openxmlformats.org/drawingml/2006/main" uniqueId="urn:microsoft.com/office/officeart/2005/8/colors/accent1_2">
+  <dgm:title val=""/>
+  <dgm:desc val=""/>
+  <dgm:catLst>
+    <dgm:cat type="accent1" pri="11200"/>
+  </dgm:catLst>
+  <dgm:styleLbl name="node0">
+    <dgm:fillClrLst meth="repeat">
+      <a:schemeClr val="accent1"/>
+    </dgm:fillClrLst>
+    <dgm:linClrLst meth="repeat">
+      <a:schemeClr val="lt1"/>
+    </dgm:linClrLst>
+    <dgm:effectClrLst/>
+    <dgm:txLinClrLst/>
+    <dgm:txFillClrLst/>
+    <dgm:txEffectClrLst/>
+  </dgm:styleLbl>
+  <dgm:styleLbl name="alignNode1">
+    <dgm:fillClrLst meth="repeat">
+      <a:schemeClr val="accent1"/>
+    </dgm:fillClrLst>
+    <dgm:linClrLst meth="repeat">
+      <a:schemeClr val="accent1"/>
+    </dgm:linClrLst>
+    <dgm:effectClrLst/>
+    <dgm:txLinClrLst/>
+    <dgm:txFillClrLst/>
+    <dgm:txEffectClrLst/>
+  </dgm:styleLbl>
+  <dgm:styleLbl name="node1">
+    <dgm:fillClrLst meth="repeat">
+      <a:schemeClr val="accent1"/>
+    </dgm:fillClrLst>
+    <dgm:linClrLst meth="repeat">
+      <a:schemeClr val="lt1"/>
+    </dgm:linClrLst>
+    <dgm:effectClrLst/>
+    <dgm:txLinClrLst/>
+    <dgm:txFillClrLst/>
+    <dgm:txEffectClrLst/>
+  </dgm:styleLbl>
+  <dgm:styleLbl name="lnNode1">
+    <dgm:fillClrLst meth="repeat">
+      <a:schemeClr val="accent1"/>
+    </dgm:fillClrLst>
+    <dgm:linClrLst meth="repeat">
+      <a:schemeClr val="lt1"/>
+    </dgm:linClrLst>
+    <dgm:effectClrLst/>
+    <dgm:txLinClrLst/>
+    <dgm:txFillClrLst/>
+    <dgm:txEffectClrLst/>
+  </dgm:styleLbl>
+  <dgm:styleLbl name="vennNode1">
+    <dgm:fillClrLst meth="repeat">
+      <a:schemeClr val="accent1">
+        <a:alpha val="50000"/>
+      </a:schemeClr>
+    </dgm:fillClrLst>
+    <dgm:linClrLst meth="repeat">
+      <a:schemeClr val="lt1"/>
+    </dgm:linClrLst>
+    <dgm:effectClrLst/>
+    <dgm:txLinClrLst/>
+    <dgm:txFillClrLst/>
+    <dgm:txEffectClrLst/>
+  </dgm:styleLbl>
+  <dgm:styleLbl name="node2">
+    <dgm:fillClrLst meth="repeat">
+      <a:schemeClr val="accent1"/>
+    </dgm:fillClrLst>
+    <dgm:linClrLst meth="repeat">
+      <a:schemeClr val="lt1"/>
+    </dgm:linClrLst>
+    <dgm:effectClrLst/>
+    <dgm:txLinClrLst/>
+    <dgm:txFillClrLst/>
+    <dgm:txEffectClrLst/>
+  </dgm:styleLbl>
+  <dgm:styleLbl name="node3">
+    <dgm:fillClrLst meth="repeat">
+      <a:schemeClr val="accent1"/>
+    </dgm:fillClrLst>
+    <dgm:linClrLst meth="repeat">
+      <a:schemeClr val="lt1"/>
+    </dgm:linClrLst>
+    <dgm:effectClrLst/>
+    <dgm:txLinClrLst/>
+    <dgm:txFillClrLst/>
+    <dgm:txEffectClrLst/>
+  </dgm:styleLbl>
+  <dgm:styleLbl name="node4">
+    <dgm:fillClrLst meth="repeat">
+      <a:schemeClr val="accent1"/>
+    </dgm:fillClrLst>
+    <dgm:linClrLst meth="repeat">
+      <a:schemeClr val="lt1"/>
+    </dgm:linClrLst>
+    <dgm:effectClrLst/>
+    <dgm:txLinClrLst/>
+    <dgm:txFillClrLst/>
+    <dgm:txEffectClrLst/>
+  </dgm:styleLbl>
+  <dgm:styleLbl name="fgImgPlace1">
+    <dgm:fillClrLst meth="repeat">
+      <a:schemeClr val="accent1">
+        <a:tint val="50000"/>
+      </a:schemeClr>
+    </dgm:fillClrLst>
+    <dgm:linClrLst meth="repeat">
+      <a:schemeClr val="lt1"/>
+    </dgm:linClrLst>
+    <dgm:effectClrLst/>
+    <dgm:txLinClrLst/>
+    <dgm:txFillClrLst meth="repeat">
+      <a:schemeClr val="lt1"/>
+    </dgm:txFillClrLst>
+    <dgm:txEffectClrLst/>
+  </dgm:styleLbl>
+  <dgm:styleLbl name="alignImgPlace1">
+    <dgm:fillClrLst meth="repeat">
+      <a:schemeClr val="accent1">
+        <a:tint val="50000"/>
+      </a:schemeClr>
+    </dgm:fillClrLst>
+    <dgm:linClrLst meth="repeat">
+      <a:schemeClr val="lt1"/>
+    </dgm:linClrLst>
+    <dgm:effectClrLst/>
+    <dgm:txLinClrLst/>
+    <dgm:txFillClrLst meth="repeat">
+      <a:schemeClr val="lt1"/>
+    </dgm:txFillClrLst>
+    <dgm:txEffectClrLst/>
+  </dgm:styleLbl>
+  <dgm:styleLbl name="bgImgPlace1">
+    <dgm:fillClrLst meth="repeat">
+      <a:schemeClr val="accent1">
+        <a:tint val="50000"/>
+      </a:schemeClr>
+    </dgm:fillClrLst>
+    <dgm:linClrLst meth="repeat">
+      <a:schemeClr val="lt1"/>
+    </dgm:linClrLst>
+    <dgm:effectClrLst/>
+    <dgm:txLinClrLst/>
+    <dgm:txFillClrLst meth="repeat">
+      <a:schemeClr val="lt1"/>
+    </dgm:txFillClrLst>
+    <dgm:txEffectClrLst/>
+  </dgm:styleLbl>
+  <dgm:styleLbl name="sibTrans2D1">
+    <dgm:fillClrLst meth="repeat">
+      <a:schemeClr val="accent1">
+        <a:tint val="60000"/>
+      </a:schemeClr>
+    </dgm:fillClrLst>
+    <dgm:linClrLst meth="repeat">
+      <a:schemeClr val="accent1">
+        <a:tint val="60000"/>
+      </a:schemeClr>
+    </dgm:linClrLst>
+    <dgm:effectClrLst/>
+    <dgm:txLinClrLst/>
+    <dgm:txFillClrLst/>
+    <dgm:txEffectClrLst/>
+  </dgm:styleLbl>
+  <dgm:styleLbl name="fgSibTrans2D1">
+    <dgm:fillClrLst meth="repeat">
+      <a:schemeClr val="accent1">
+        <a:tint val="60000"/>
+      </a:schemeClr>
+    </dgm:fillClrLst>
+    <dgm:linClrLst meth="repeat">
+      <a:schemeClr val="accent1">
+        <a:tint val="60000"/>
+      </a:schemeClr>
+    </dgm:linClrLst>
+    <dgm:effectClrLst/>
+    <dgm:txLinClrLst/>
+    <dgm:txFillClrLst/>
+    <dgm:txEffectClrLst/>
+  </dgm:styleLbl>
+  <dgm:styleLbl name="bgSibTrans2D1">
+    <dgm:fillClrLst meth="repeat">
+      <a:schemeClr val="accent1">
+        <a:tint val="60000"/>
+      </a:schemeClr>
+    </dgm:fillClrLst>
+    <dgm:linClrLst meth="repeat">
+      <a:schemeClr val="accent1">
+        <a:tint val="60000"/>
+      </a:schemeClr>
+    </dgm:linClrLst>
+    <dgm:effectClrLst/>
+    <dgm:txLinClrLst/>
+    <dgm:txFillClrLst/>
+    <dgm:txEffectClrLst/>
+  </dgm:styleLbl>
+  <dgm:styleLbl name="sibTrans1D1">
+    <dgm:fillClrLst meth="repeat">
+      <a:schemeClr val="accent1"/>
+    </dgm:fillClrLst>
+    <dgm:linClrLst meth="repeat">
+      <a:schemeClr val="accent1"/>
+    </dgm:linClrLst>
+    <dgm:effectClrLst/>
+    <dgm:txLinClrLst/>
+    <dgm:txFillClrLst meth="repeat">
+      <a:schemeClr val="tx1"/>
+    </dgm:txFillClrLst>
+    <dgm:txEffectClrLst/>
+  </dgm:styleLbl>
+  <dgm:styleLbl name="callout">
+    <dgm:fillClrLst meth="repeat">
+      <a:schemeClr val="accent1"/>
+    </dgm:fillClrLst>
+    <dgm:linClrLst meth="repeat">
+      <a:schemeClr val="accent1">
+        <a:tint val="50000"/>
+      </a:schemeClr>
+    </dgm:linClrLst>
+    <dgm:effectClrLst/>
+    <dgm:txLinClrLst/>
+    <dgm:txFillClrLst meth="repeat">
+      <a:schemeClr val="tx1"/>
+    </dgm:txFillClrLst>
+    <dgm:txEffectClrLst/>
+  </dgm:styleLbl>
+  <dgm:styleLbl name="asst0">
+    <dgm:fillClrLst meth="repeat">
+      <a:schemeClr val="accent1"/>
+    </dgm:fillClrLst>
+    <dgm:linClrLst meth="repeat">
+      <a:schemeClr val="lt1"/>
+    </dgm:linClrLst>
+    <dgm:effectClrLst/>
+    <dgm:txLinClrLst/>
+    <dgm:txFillClrLst/>
+    <dgm:txEffectClrLst/>
+  </dgm:styleLbl>
+  <dgm:styleLbl name="asst1">
+    <dgm:fillClrLst meth="repeat">
+      <a:schemeClr val="accent1"/>
+    </dgm:fillClrLst>
+    <dgm:linClrLst meth="repeat">
+      <a:schemeClr val="lt1"/>
+    </dgm:linClrLst>
+    <dgm:effectClrLst/>
+    <dgm:txLinClrLst/>
+    <dgm:txFillClrLst/>
+    <dgm:txEffectClrLst/>
+  </dgm:styleLbl>
+  <dgm:styleLbl name="asst2">
+    <dgm:fillClrLst meth="repeat">
+      <a:schemeClr val="accent1"/>
+    </dgm:fillClrLst>
+    <dgm:linClrLst meth="repeat">
+      <a:schemeClr val="lt1"/>
+    </dgm:linClrLst>
+    <dgm:effectClrLst/>
+    <dgm:txLinClrLst/>
+    <dgm:txFillClrLst/>
+    <dgm:txEffectClrLst/>
+  </dgm:styleLbl>
+  <dgm:styleLbl name="asst3">
+    <dgm:fillClrLst meth="repeat">
+      <a:schemeClr val="accent1"/>
+    </dgm:fillClrLst>
+    <dgm:linClrLst meth="repeat">
+      <a:schemeClr val="lt1"/>
+    </dgm:linClrLst>
+    <dgm:effectClrLst/>
+    <dgm:txLinClrLst/>
+    <dgm:txFillClrLst/>
+    <dgm:txEffectClrLst/>
+  </dgm:styleLbl>
+  <dgm:styleLbl name="asst4">
+    <dgm:fillClrLst meth="repeat">
+      <a:schemeClr val="accent1"/>
+    </dgm:fillClrLst>
+    <dgm:linClrLst meth="repeat">
+      <a:schemeClr val="lt1"/>
+    </dgm:linClrLst>
+    <dgm:effectClrLst/>
+    <dgm:txLinClrLst/>
+    <dgm:txFillClrLst/>
+    <dgm:txEffectClrLst/>
+  </dgm:styleLbl>
+  <dgm:styleLbl name="parChTrans2D1">
+    <dgm:fillClrLst meth="repeat">
+      <a:schemeClr val="accent1">
+        <a:tint val="60000"/>
+      </a:schemeClr>
+    </dgm:fillClrLst>
+    <dgm:linClrLst meth="repeat">
+      <a:schemeClr val="accent1">
+        <a:tint val="60000"/>
+      </a:schemeClr>
+    </dgm:linClrLst>
+    <dgm:effectClrLst/>
+    <dgm:txLinClrLst/>
+    <dgm:txFillClrLst meth="repeat">
+      <a:schemeClr val="lt1"/>
+    </dgm:txFillClrLst>
+    <dgm:txEffectClrLst/>
+  </dgm:styleLbl>
+  <dgm:styleLbl name="parChTrans2D2">
+    <dgm:fillClrLst meth="repeat">
+      <a:schemeClr val="accent1"/>
+    </dgm:fillClrLst>
+    <dgm:linClrLst meth="repeat">
+      <a:schemeClr val="accent1"/>
+    </dgm:linClrLst>
+    <dgm:effectClrLst/>
+    <dgm:txLinClrLst/>
+    <dgm:txFillClrLst meth="repeat">
+      <a:schemeClr val="lt1"/>
+    </dgm:txFillClrLst>
+    <dgm:txEffectClrLst/>
+  </dgm:styleLbl>
+  <dgm:styleLbl name="parChTrans2D3">
+    <dgm:fillClrLst meth="repeat">
+      <a:schemeClr val="accent1"/>
+    </dgm:fillClrLst>
+    <dgm:linClrLst meth="repeat">
+      <a:schemeClr val="accent1"/>
+    </dgm:linClrLst>
+    <dgm:effectClrLst/>
+    <dgm:txLinClrLst/>
+    <dgm:txFillClrLst meth="repeat">
+      <a:schemeClr val="lt1"/>
+    </dgm:txFillClrLst>
+    <dgm:txEffectClrLst/>
+  </dgm:styleLbl>
+  <dgm:styleLbl name="parChTrans2D4">
+    <dgm:fillClrLst meth="repeat">
+      <a:schemeClr val="accent1"/>
+    </dgm:fillClrLst>
+    <dgm:linClrLst meth="repeat">
+      <a:schemeClr val="accent1"/>
+    </dgm:linClrLst>
+    <dgm:effectClrLst/>
+    <dgm:txLinClrLst/>
+    <dgm:txFillClrLst meth="repeat">
+      <a:schemeClr val="lt1"/>
+    </dgm:txFillClrLst>
+    <dgm:txEffectClrLst/>
+  </dgm:styleLbl>
+  <dgm:styleLbl name="parChTrans1D1">
+    <dgm:fillClrLst meth="repeat">
+      <a:schemeClr val="accent1"/>
+    </dgm:fillClrLst>
+    <dgm:linClrLst meth="repeat">
+      <a:schemeClr val="accent1">
+        <a:shade val="60000"/>
+      </a:schemeClr>
+    </dgm:linClrLst>
+    <dgm:effectClrLst/>
+    <dgm:txLinClrLst/>
+    <dgm:txFillClrLst meth="repeat">
+      <a:schemeClr val="tx1"/>
+    </dgm:txFillClrLst>
+    <dgm:txEffectClrLst/>
+  </dgm:styleLbl>
+  <dgm:styleLbl name="parChTrans1D2">
+    <dgm:fillClrLst meth="repeat">
+      <a:schemeClr val="accent1"/>
+    </dgm:fillClrLst>
+    <dgm:linClrLst meth="repeat">
+      <a:schemeClr val="accent1">
+        <a:shade val="60000"/>
+      </a:schemeClr>
+    </dgm:linClrLst>
+    <dgm:effectClrLst/>
+    <dgm:txLinClrLst/>
+    <dgm:txFillClrLst meth="repeat">
+      <a:schemeClr val="tx1"/>
+    </dgm:txFillClrLst>
+    <dgm:txEffectClrLst/>
+  </dgm:styleLbl>
+  <dgm:styleLbl name="parChTrans1D3">
+    <dgm:fillClrLst meth="repeat">
+      <a:schemeClr val="accent1"/>
+    </dgm:fillClrLst>
+    <dgm:linClrLst meth="repeat">
+      <a:schemeClr val="accent1">
+        <a:shade val="80000"/>
+      </a:schemeClr>
+    </dgm:linClrLst>
+    <dgm:effectClrLst/>
+    <dgm:txLinClrLst/>
+    <dgm:txFillClrLst meth="repeat">
+      <a:schemeClr val="tx1"/>
+    </dgm:txFillClrLst>
+    <dgm:txEffectClrLst/>
+  </dgm:styleLbl>
+  <dgm:styleLbl name="parChTrans1D4">
+    <dgm:fillClrLst meth="repeat">
+      <a:schemeClr val="accent1"/>
+    </dgm:fillClrLst>
+    <dgm:linClrLst meth="repeat">
+      <a:schemeClr val="accent1">
+        <a:shade val="80000"/>
+      </a:schemeClr>
+    </dgm:linClrLst>
+    <dgm:effectClrLst/>
+    <dgm:txLinClrLst/>
+    <dgm:txFillClrLst meth="repeat">
+      <a:schemeClr val="tx1"/>
+    </dgm:txFillClrLst>
+    <dgm:txEffectClrLst/>
+  </dgm:styleLbl>
+  <dgm:styleLbl name="fgAcc1">
+    <dgm:fillClrLst meth="repeat">
+      <a:schemeClr val="lt1">
+        <a:alpha val="90000"/>
+      </a:schemeClr>
+    </dgm:fillClrLst>
+    <dgm:linClrLst meth="repeat">
+      <a:schemeClr val="accent1"/>
+    </dgm:linClrLst>
+    <dgm:effectClrLst/>
+    <dgm:txLinClrLst/>
+    <dgm:txFillClrLst meth="repeat">
+      <a:schemeClr val="dk1"/>
+    </dgm:txFillClrLst>
+    <dgm:txEffectClrLst/>
+  </dgm:styleLbl>
+  <dgm:styleLbl name="conFgAcc1">
+    <dgm:fillClrLst meth="repeat">
+      <a:schemeClr val="lt1">
+        <a:alpha val="90000"/>
+      </a:schemeClr>
+    </dgm:fillClrLst>
+    <dgm:linClrLst meth="repeat">
+      <a:schemeClr val="accent1"/>
+    </dgm:linClrLst>
+    <dgm:effectClrLst/>
+    <dgm:txLinClrLst/>
+    <dgm:txFillClrLst meth="repeat">
+      <a:schemeClr val="dk1"/>
+    </dgm:txFillClrLst>
+    <dgm:txEffectClrLst/>
+  </dgm:styleLbl>
+  <dgm:styleLbl name="alignAcc1">
+    <dgm:fillClrLst meth="repeat">
+      <a:schemeClr val="lt1">
+        <a:alpha val="90000"/>
+      </a:schemeClr>
+    </dgm:fillClrLst>
+    <dgm:linClrLst meth="repeat">
+      <a:schemeClr val="accent1"/>
+    </dgm:linClrLst>
+    <dgm:effectClrLst/>
+    <dgm:txLinClrLst/>
+    <dgm:txFillClrLst meth="repeat">
+      <a:schemeClr val="dk1"/>
+    </dgm:txFillClrLst>
+    <dgm:txEffectClrLst/>
+  </dgm:styleLbl>
+  <dgm:styleLbl name="trAlignAcc1">
+    <dgm:fillClrLst meth="repeat">
+      <a:schemeClr val="lt1">
+        <a:alpha val="40000"/>
+      </a:schemeClr>
+    </dgm:fillClrLst>
+    <dgm:linClrLst meth="repeat">
+      <a:schemeClr val="accent1"/>
+    </dgm:linClrLst>
+    <dgm:effectClrLst/>
+    <dgm:txLinClrLst/>
+    <dgm:txFillClrLst meth="repeat">
+      <a:schemeClr val="dk1"/>
+    </dgm:txFillClrLst>
+    <dgm:txEffectClrLst/>
+  </dgm:styleLbl>
+  <dgm:styleLbl name="bgAcc1">
+    <dgm:fillClrLst meth="repeat">
+      <a:schemeClr val="lt1">
+        <a:alpha val="90000"/>
+      </a:schemeClr>
+    </dgm:fillClrLst>
+    <dgm:linClrLst meth="repeat">
+      <a:schemeClr val="accent1"/>
+    </dgm:linClrLst>
+    <dgm:effectClrLst/>
+    <dgm:txLinClrLst/>
+    <dgm:txFillClrLst meth="repeat">
+      <a:schemeClr val="dk1"/>
+    </dgm:txFillClrLst>
+    <dgm:txEffectClrLst/>
+  </dgm:styleLbl>
+  <dgm:styleLbl name="solidFgAcc1">
+    <dgm:fillClrLst meth="repeat">
+      <a:schemeClr val="lt1"/>
+    </dgm:fillClrLst>
+    <dgm:linClrLst meth="repeat">
+      <a:schemeClr val="accent1"/>
+    </dgm:linClrLst>
+    <dgm:effectClrLst/>
+    <dgm:txLinClrLst/>
+    <dgm:txFillClrLst meth="repeat">
+      <a:schemeClr val="dk1"/>
+    </dgm:txFillClrLst>
+    <dgm:txEffectClrLst/>
+  </dgm:styleLbl>
+  <dgm:styleLbl name="solidAlignAcc1">
+    <dgm:fillClrLst meth="repeat">
+      <a:schemeClr val="lt1"/>
+    </dgm:fillClrLst>
+    <dgm:linClrLst meth="repeat">
+      <a:schemeClr val="accent1"/>
+    </dgm:linClrLst>
+    <dgm:effectClrLst/>
+    <dgm:txLinClrLst/>
+    <dgm:txFillClrLst meth="repeat">
+      <a:schemeClr val="dk1"/>
+    </dgm:txFillClrLst>
+    <dgm:txEffectClrLst/>
+  </dgm:styleLbl>
+  <dgm:styleLbl name="solidBgAcc1">
+    <dgm:fillClrLst meth="repeat">
+      <a:schemeClr val="lt1"/>
+    </dgm:fillClrLst>
+    <dgm:linClrLst meth="repeat">
+      <a:schemeClr val="accent1"/>
+    </dgm:linClrLst>
+    <dgm:effectClrLst/>
+    <dgm:txLinClrLst/>
+    <dgm:txFillClrLst meth="repeat">
+      <a:schemeClr val="dk1"/>
+    </dgm:txFillClrLst>
+    <dgm:txEffectClrLst/>
+  </dgm:styleLbl>
+  <dgm:styleLbl name="fgAccFollowNode1">
+    <dgm:fillClrLst meth="repeat">
+      <a:schemeClr val="accent1">
+        <a:alpha val="90000"/>
+        <a:tint val="40000"/>
+      </a:schemeClr>
+    </dgm:fillClrLst>
+    <dgm:linClrLst meth="repeat">
+      <a:schemeClr val="accent1">
+        <a:alpha val="90000"/>
+        <a:tint val="40000"/>
+      </a:schemeClr>
+    </dgm:linClrLst>
+    <dgm:effectClrLst/>
+    <dgm:txLinClrLst/>
+    <dgm:txFillClrLst meth="repeat">
+      <a:schemeClr val="dk1"/>
+    </dgm:txFillClrLst>
+    <dgm:txEffectClrLst/>
+  </dgm:styleLbl>
+  <dgm:styleLbl name="alignAccFollowNode1">
+    <dgm:fillClrLst meth="repeat">
+      <a:schemeClr val="accent1">
+        <a:alpha val="90000"/>
+        <a:tint val="40000"/>
+      </a:schemeClr>
+    </dgm:fillClrLst>
+    <dgm:linClrLst meth="repeat">
+      <a:schemeClr val="accent1">
+        <a:alpha val="90000"/>
+        <a:tint val="40000"/>
+      </a:schemeClr>
+    </dgm:linClrLst>
+    <dgm:effectClrLst/>
+    <dgm:txLinClrLst/>
+    <dgm:txFillClrLst meth="repeat">
+      <a:schemeClr val="dk1"/>
+    </dgm:txFillClrLst>
+    <dgm:txEffectClrLst/>
+  </dgm:styleLbl>
+  <dgm:styleLbl name="bgAccFollowNode1">
+    <dgm:fillClrLst meth="repeat">
+      <a:schemeClr val="accent1">
+        <a:alpha val="90000"/>
+        <a:tint val="40000"/>
+      </a:schemeClr>
+    </dgm:fillClrLst>
+    <dgm:linClrLst meth="repeat">
+      <a:schemeClr val="accent1">
+        <a:alpha val="90000"/>
+        <a:tint val="40000"/>
+      </a:schemeClr>
+    </dgm:linClrLst>
+    <dgm:effectClrLst/>
+    <dgm:txLinClrLst/>
+    <dgm:txFillClrLst meth="repeat">
+      <a:schemeClr val="dk1"/>
+    </dgm:txFillClrLst>
+    <dgm:txEffectClrLst/>
+  </dgm:styleLbl>
+  <dgm:styleLbl name="fgAcc0">
+    <dgm:fillClrLst meth="repeat">
+      <a:schemeClr val="lt1">
+        <a:alpha val="90000"/>
+      </a:schemeClr>
+    </dgm:fillClrLst>
+    <dgm:linClrLst meth="repeat">
+      <a:schemeClr val="accent1"/>
+    </dgm:linClrLst>
+    <dgm:effectClrLst/>
+    <dgm:txLinClrLst/>
+    <dgm:txFillClrLst meth="repeat">
+      <a:schemeClr val="dk1"/>
+    </dgm:txFillClrLst>
+    <dgm:txEffectClrLst/>
+  </dgm:styleLbl>
+  <dgm:styleLbl name="fgAcc2">
+    <dgm:fillClrLst meth="repeat">
+      <a:schemeClr val="lt1">
+        <a:alpha val="90000"/>
+      </a:schemeClr>
+    </dgm:fillClrLst>
+    <dgm:linClrLst meth="repeat">
+      <a:schemeClr val="accent1"/>
+    </dgm:linClrLst>
+    <dgm:effectClrLst/>
+    <dgm:txLinClrLst/>
+    <dgm:txFillClrLst meth="repeat">
+      <a:schemeClr val="dk1"/>
+    </dgm:txFillClrLst>
+    <dgm:txEffectClrLst/>
+  </dgm:styleLbl>
+  <dgm:styleLbl name="fgAcc3">
+    <dgm:fillClrLst meth="repeat">
+      <a:schemeClr val="lt1">
+        <a:alpha val="90000"/>
+      </a:schemeClr>
+    </dgm:fillClrLst>
+    <dgm:linClrLst meth="repeat">
+      <a:schemeClr val="accent1"/>
+    </dgm:linClrLst>
+    <dgm:effectClrLst/>
+    <dgm:txLinClrLst/>
+    <dgm:txFillClrLst meth="repeat">
+      <a:schemeClr val="dk1"/>
+    </dgm:txFillClrLst>
+    <dgm:txEffectClrLst/>
+  </dgm:styleLbl>
+  <dgm:styleLbl name="fgAcc4">
+    <dgm:fillClrLst meth="repeat">
+      <a:schemeClr val="lt1">
+        <a:alpha val="90000"/>
+      </a:schemeClr>
+    </dgm:fillClrLst>
+    <dgm:linClrLst meth="repeat">
+      <a:schemeClr val="accent1"/>
+    </dgm:linClrLst>
+    <dgm:effectClrLst/>
+    <dgm:txLinClrLst/>
+    <dgm:txFillClrLst meth="repeat">
+      <a:schemeClr val="dk1"/>
+    </dgm:txFillClrLst>
+    <dgm:txEffectClrLst/>
+  </dgm:styleLbl>
+  <dgm:styleLbl name="bgShp">
+    <dgm:fillClrLst meth="repeat">
+      <a:schemeClr val="accent1">
+        <a:tint val="40000"/>
+      </a:schemeClr>
+    </dgm:fillClrLst>
+    <dgm:linClrLst meth="repeat">
+      <a:schemeClr val="accent1"/>
+    </dgm:linClrLst>
+    <dgm:effectClrLst/>
+    <dgm:txLinClrLst/>
+    <dgm:txFillClrLst meth="repeat">
+      <a:schemeClr val="dk1"/>
+    </dgm:txFillClrLst>
+    <dgm:txEffectClrLst/>
+  </dgm:styleLbl>
+  <dgm:styleLbl name="dkBgShp">
+    <dgm:fillClrLst meth="repeat">
+      <a:schemeClr val="accent1">
+        <a:shade val="80000"/>
+      </a:schemeClr>
+    </dgm:fillClrLst>
+    <dgm:linClrLst meth="repeat">
+      <a:schemeClr val="accent1"/>
+    </dgm:linClrLst>
+    <dgm:effectClrLst/>
+    <dgm:txLinClrLst/>
+    <dgm:txFillClrLst meth="repeat">
+      <a:schemeClr val="lt1"/>
+    </dgm:txFillClrLst>
+    <dgm:txEffectClrLst/>
+  </dgm:styleLbl>
+  <dgm:styleLbl name="trBgShp">
+    <dgm:fillClrLst meth="repeat">
+      <a:schemeClr val="accent1">
+        <a:tint val="50000"/>
+        <a:alpha val="40000"/>
+      </a:schemeClr>
+    </dgm:fillClrLst>
+    <dgm:linClrLst meth="repeat">
+      <a:schemeClr val="accent1"/>
+    </dgm:linClrLst>
+    <dgm:effectClrLst/>
+    <dgm:txLinClrLst/>
+    <dgm:txFillClrLst meth="repeat">
+      <a:schemeClr val="lt1"/>
+    </dgm:txFillClrLst>
+    <dgm:txEffectClrLst/>
+  </dgm:styleLbl>
+  <dgm:styleLbl name="fgShp">
+    <dgm:fillClrLst meth="repeat">
+      <a:schemeClr val="accent1">
+        <a:tint val="60000"/>
+      </a:schemeClr>
+    </dgm:fillClrLst>
+    <dgm:linClrLst meth="repeat">
+      <a:schemeClr val="lt1"/>
+    </dgm:linClrLst>
+    <dgm:effectClrLst/>
+    <dgm:txLinClrLst/>
+    <dgm:txFillClrLst meth="repeat">
+      <a:schemeClr val="dk1"/>
+    </dgm:txFillClrLst>
+    <dgm:txEffectClrLst/>
+  </dgm:styleLbl>
+  <dgm:styleLbl name="revTx">
+    <dgm:fillClrLst meth="repeat">
+      <a:schemeClr val="lt1">
+        <a:alpha val="0"/>
+      </a:schemeClr>
+    </dgm:fillClrLst>
+    <dgm:linClrLst meth="repeat">
+      <a:schemeClr val="dk1">
+        <a:alpha val="0"/>
+      </a:schemeClr>
+    </dgm:linClrLst>
+    <dgm:effectClrLst/>
+    <dgm:txLinClrLst/>
+    <dgm:txFillClrLst meth="repeat">
+      <a:schemeClr val="tx1"/>
+    </dgm:txFillClrLst>
+    <dgm:txEffectClrLst/>
+  </dgm:styleLbl>
+</dgm:colorsDef>
+</file>
+
+<file path=ppt/diagrams/colors2.xml><?xml version="1.0" encoding="utf-8"?>
+<dgm:colorsDef xmlns:dgm="http://schemas.openxmlformats.org/drawingml/2006/diagram" xmlns:a="http://schemas.openxmlformats.org/drawingml/2006/main" uniqueId="urn:microsoft.com/office/officeart/2005/8/colors/accent1_2">
+  <dgm:title val=""/>
+  <dgm:desc val=""/>
+  <dgm:catLst>
+    <dgm:cat type="accent1" pri="11200"/>
+  </dgm:catLst>
+  <dgm:styleLbl name="node0">
+    <dgm:fillClrLst meth="repeat">
+      <a:schemeClr val="accent1"/>
+    </dgm:fillClrLst>
+    <dgm:linClrLst meth="repeat">
+      <a:schemeClr val="lt1"/>
+    </dgm:linClrLst>
+    <dgm:effectClrLst/>
+    <dgm:txLinClrLst/>
+    <dgm:txFillClrLst/>
+    <dgm:txEffectClrLst/>
+  </dgm:styleLbl>
+  <dgm:styleLbl name="alignNode1">
+    <dgm:fillClrLst meth="repeat">
+      <a:schemeClr val="accent1"/>
+    </dgm:fillClrLst>
+    <dgm:linClrLst meth="repeat">
+      <a:schemeClr val="accent1"/>
+    </dgm:linClrLst>
+    <dgm:effectClrLst/>
+    <dgm:txLinClrLst/>
+    <dgm:txFillClrLst/>
+    <dgm:txEffectClrLst/>
+  </dgm:styleLbl>
+  <dgm:styleLbl name="node1">
+    <dgm:fillClrLst meth="repeat">
+      <a:schemeClr val="accent1"/>
+    </dgm:fillClrLst>
+    <dgm:linClrLst meth="repeat">
+      <a:schemeClr val="lt1"/>
+    </dgm:linClrLst>
+    <dgm:effectClrLst/>
+    <dgm:txLinClrLst/>
+    <dgm:txFillClrLst/>
+    <dgm:txEffectClrLst/>
+  </dgm:styleLbl>
+  <dgm:styleLbl name="lnNode1">
+    <dgm:fillClrLst meth="repeat">
+      <a:schemeClr val="accent1"/>
+    </dgm:fillClrLst>
+    <dgm:linClrLst meth="repeat">
+      <a:schemeClr val="lt1"/>
+    </dgm:linClrLst>
+    <dgm:effectClrLst/>
+    <dgm:txLinClrLst/>
+    <dgm:txFillClrLst/>
+    <dgm:txEffectClrLst/>
+  </dgm:styleLbl>
+  <dgm:styleLbl name="vennNode1">
+    <dgm:fillClrLst meth="repeat">
+      <a:schemeClr val="accent1">
+        <a:alpha val="50000"/>
+      </a:schemeClr>
+    </dgm:fillClrLst>
+    <dgm:linClrLst meth="repeat">
+      <a:schemeClr val="lt1"/>
+    </dgm:linClrLst>
+    <dgm:effectClrLst/>
+    <dgm:txLinClrLst/>
+    <dgm:txFillClrLst/>
+    <dgm:txEffectClrLst/>
+  </dgm:styleLbl>
+  <dgm:styleLbl name="node2">
+    <dgm:fillClrLst meth="repeat">
+      <a:schemeClr val="accent1"/>
+    </dgm:fillClrLst>
+    <dgm:linClrLst meth="repeat">
+      <a:schemeClr val="lt1"/>
+    </dgm:linClrLst>
+    <dgm:effectClrLst/>
+    <dgm:txLinClrLst/>
+    <dgm:txFillClrLst/>
+    <dgm:txEffectClrLst/>
+  </dgm:styleLbl>
+  <dgm:styleLbl name="node3">
+    <dgm:fillClrLst meth="repeat">
+      <a:schemeClr val="accent1"/>
+    </dgm:fillClrLst>
+    <dgm:linClrLst meth="repeat">
+      <a:schemeClr val="lt1"/>
+    </dgm:linClrLst>
+    <dgm:effectClrLst/>
+    <dgm:txLinClrLst/>
+    <dgm:txFillClrLst/>
+    <dgm:txEffectClrLst/>
+  </dgm:styleLbl>
+  <dgm:styleLbl name="node4">
+    <dgm:fillClrLst meth="repeat">
+      <a:schemeClr val="accent1"/>
+    </dgm:fillClrLst>
+    <dgm:linClrLst meth="repeat">
+      <a:schemeClr val="lt1"/>
+    </dgm:linClrLst>
+    <dgm:effectClrLst/>
+    <dgm:txLinClrLst/>
+    <dgm:txFillClrLst/>
+    <dgm:txEffectClrLst/>
+  </dgm:styleLbl>
+  <dgm:styleLbl name="fgImgPlace1">
+    <dgm:fillClrLst meth="repeat">
+      <a:schemeClr val="accent1">
+        <a:tint val="50000"/>
+      </a:schemeClr>
+    </dgm:fillClrLst>
+    <dgm:linClrLst meth="repeat">
+      <a:schemeClr val="lt1"/>
+    </dgm:linClrLst>
+    <dgm:effectClrLst/>
+    <dgm:txLinClrLst/>
+    <dgm:txFillClrLst meth="repeat">
+      <a:schemeClr val="lt1"/>
+    </dgm:txFillClrLst>
+    <dgm:txEffectClrLst/>
+  </dgm:styleLbl>
+  <dgm:styleLbl name="alignImgPlace1">
+    <dgm:fillClrLst meth="repeat">
+      <a:schemeClr val="accent1">
+        <a:tint val="50000"/>
+      </a:schemeClr>
+    </dgm:fillClrLst>
+    <dgm:linClrLst meth="repeat">
+      <a:schemeClr val="lt1"/>
+    </dgm:linClrLst>
+    <dgm:effectClrLst/>
+    <dgm:txLinClrLst/>
+    <dgm:txFillClrLst meth="repeat">
+      <a:schemeClr val="lt1"/>
+    </dgm:txFillClrLst>
+    <dgm:txEffectClrLst/>
+  </dgm:styleLbl>
+  <dgm:styleLbl name="bgImgPlace1">
+    <dgm:fillClrLst meth="repeat">
+      <a:schemeClr val="accent1">
+        <a:tint val="50000"/>
+      </a:schemeClr>
+    </dgm:fillClrLst>
+    <dgm:linClrLst meth="repeat">
+      <a:schemeClr val="lt1"/>
+    </dgm:linClrLst>
+    <dgm:effectClrLst/>
+    <dgm:txLinClrLst/>
+    <dgm:txFillClrLst meth="repeat">
+      <a:schemeClr val="lt1"/>
+    </dgm:txFillClrLst>
+    <dgm:txEffectClrLst/>
+  </dgm:styleLbl>
+  <dgm:styleLbl name="sibTrans2D1">
+    <dgm:fillClrLst meth="repeat">
+      <a:schemeClr val="accent1">
+        <a:tint val="60000"/>
+      </a:schemeClr>
+    </dgm:fillClrLst>
+    <dgm:linClrLst meth="repeat">
+      <a:schemeClr val="accent1">
+        <a:tint val="60000"/>
+      </a:schemeClr>
+    </dgm:linClrLst>
+    <dgm:effectClrLst/>
+    <dgm:txLinClrLst/>
+    <dgm:txFillClrLst/>
+    <dgm:txEffectClrLst/>
+  </dgm:styleLbl>
+  <dgm:styleLbl name="fgSibTrans2D1">
+    <dgm:fillClrLst meth="repeat">
+      <a:schemeClr val="accent1">
+        <a:tint val="60000"/>
+      </a:schemeClr>
+    </dgm:fillClrLst>
+    <dgm:linClrLst meth="repeat">
+      <a:schemeClr val="accent1">
+        <a:tint val="60000"/>
+      </a:schemeClr>
+    </dgm:linClrLst>
+    <dgm:effectClrLst/>
+    <dgm:txLinClrLst/>
+    <dgm:txFillClrLst/>
+    <dgm:txEffectClrLst/>
+  </dgm:styleLbl>
+  <dgm:styleLbl name="bgSibTrans2D1">
+    <dgm:fillClrLst meth="repeat">
+      <a:schemeClr val="accent1">
+        <a:tint val="60000"/>
+      </a:schemeClr>
+    </dgm:fillClrLst>
+    <dgm:linClrLst meth="repeat">
+      <a:schemeClr val="accent1">
+        <a:tint val="60000"/>
+      </a:schemeClr>
+    </dgm:linClrLst>
+    <dgm:effectClrLst/>
+    <dgm:txLinClrLst/>
+    <dgm:txFillClrLst/>
+    <dgm:txEffectClrLst/>
+  </dgm:styleLbl>
+  <dgm:styleLbl name="sibTrans1D1">
+    <dgm:fillClrLst meth="repeat">
+      <a:schemeClr val="accent1"/>
+    </dgm:fillClrLst>
+    <dgm:linClrLst meth="repeat">
+      <a:schemeClr val="accent1"/>
+    </dgm:linClrLst>
+    <dgm:effectClrLst/>
+    <dgm:txLinClrLst/>
+    <dgm:txFillClrLst meth="repeat">
+      <a:schemeClr val="tx1"/>
+    </dgm:txFillClrLst>
+    <dgm:txEffectClrLst/>
+  </dgm:styleLbl>
+  <dgm:styleLbl name="callout">
+    <dgm:fillClrLst meth="repeat">
+      <a:schemeClr val="accent1"/>
+    </dgm:fillClrLst>
+    <dgm:linClrLst meth="repeat">
+      <a:schemeClr val="accent1">
+        <a:tint val="50000"/>
+      </a:schemeClr>
+    </dgm:linClrLst>
+    <dgm:effectClrLst/>
+    <dgm:txLinClrLst/>
+    <dgm:txFillClrLst meth="repeat">
+      <a:schemeClr val="tx1"/>
+    </dgm:txFillClrLst>
+    <dgm:txEffectClrLst/>
+  </dgm:styleLbl>
+  <dgm:styleLbl name="asst0">
+    <dgm:fillClrLst meth="repeat">
+      <a:schemeClr val="accent1"/>
+    </dgm:fillClrLst>
+    <dgm:linClrLst meth="repeat">
+      <a:schemeClr val="lt1"/>
+    </dgm:linClrLst>
+    <dgm:effectClrLst/>
+    <dgm:txLinClrLst/>
+    <dgm:txFillClrLst/>
+    <dgm:txEffectClrLst/>
+  </dgm:styleLbl>
+  <dgm:styleLbl name="asst1">
+    <dgm:fillClrLst meth="repeat">
+      <a:schemeClr val="accent1"/>
+    </dgm:fillClrLst>
+    <dgm:linClrLst meth="repeat">
+      <a:schemeClr val="lt1"/>
+    </dgm:linClrLst>
+    <dgm:effectClrLst/>
+    <dgm:txLinClrLst/>
+    <dgm:txFillClrLst/>
+    <dgm:txEffectClrLst/>
+  </dgm:styleLbl>
+  <dgm:styleLbl name="asst2">
+    <dgm:fillClrLst meth="repeat">
+      <a:schemeClr val="accent1"/>
+    </dgm:fillClrLst>
+    <dgm:linClrLst meth="repeat">
+      <a:schemeClr val="lt1"/>
+    </dgm:linClrLst>
+    <dgm:effectClrLst/>
+    <dgm:txLinClrLst/>
+    <dgm:txFillClrLst/>
+    <dgm:txEffectClrLst/>
+  </dgm:styleLbl>
+  <dgm:styleLbl name="asst3">
+    <dgm:fillClrLst meth="repeat">
+      <a:schemeClr val="accent1"/>
+    </dgm:fillClrLst>
+    <dgm:linClrLst meth="repeat">
+      <a:schemeClr val="lt1"/>
+    </dgm:linClrLst>
+    <dgm:effectClrLst/>
+    <dgm:txLinClrLst/>
+    <dgm:txFillClrLst/>
+    <dgm:txEffectClrLst/>
+  </dgm:styleLbl>
+  <dgm:styleLbl name="asst4">
+    <dgm:fillClrLst meth="repeat">
+      <a:schemeClr val="accent1"/>
+    </dgm:fillClrLst>
+    <dgm:linClrLst meth="repeat">
+      <a:schemeClr val="lt1"/>
+    </dgm:linClrLst>
+    <dgm:effectClrLst/>
+    <dgm:txLinClrLst/>
+    <dgm:txFillClrLst/>
+    <dgm:txEffectClrLst/>
+  </dgm:styleLbl>
+  <dgm:styleLbl name="parChTrans2D1">
+    <dgm:fillClrLst meth="repeat">
+      <a:schemeClr val="accent1">
+        <a:tint val="60000"/>
+      </a:schemeClr>
+    </dgm:fillClrLst>
+    <dgm:linClrLst meth="repeat">
+      <a:schemeClr val="accent1">
+        <a:tint val="60000"/>
+      </a:schemeClr>
+    </dgm:linClrLst>
+    <dgm:effectClrLst/>
+    <dgm:txLinClrLst/>
+    <dgm:txFillClrLst meth="repeat">
+      <a:schemeClr val="lt1"/>
+    </dgm:txFillClrLst>
+    <dgm:txEffectClrLst/>
+  </dgm:styleLbl>
+  <dgm:styleLbl name="parChTrans2D2">
+    <dgm:fillClrLst meth="repeat">
+      <a:schemeClr val="accent1"/>
+    </dgm:fillClrLst>
+    <dgm:linClrLst meth="repeat">
+      <a:schemeClr val="accent1"/>
+    </dgm:linClrLst>
+    <dgm:effectClrLst/>
+    <dgm:txLinClrLst/>
+    <dgm:txFillClrLst meth="repeat">
+      <a:schemeClr val="lt1"/>
+    </dgm:txFillClrLst>
+    <dgm:txEffectClrLst/>
+  </dgm:styleLbl>
+  <dgm:styleLbl name="parChTrans2D3">
+    <dgm:fillClrLst meth="repeat">
+      <a:schemeClr val="accent1"/>
+    </dgm:fillClrLst>
+    <dgm:linClrLst meth="repeat">
+      <a:schemeClr val="accent1"/>
+    </dgm:linClrLst>
+    <dgm:effectClrLst/>
+    <dgm:txLinClrLst/>
+    <dgm:txFillClrLst meth="repeat">
+      <a:schemeClr val="lt1"/>
+    </dgm:txFillClrLst>
+    <dgm:txEffectClrLst/>
+  </dgm:styleLbl>
+  <dgm:styleLbl name="parChTrans2D4">
+    <dgm:fillClrLst meth="repeat">
+      <a:schemeClr val="accent1"/>
+    </dgm:fillClrLst>
+    <dgm:linClrLst meth="repeat">
+      <a:schemeClr val="accent1"/>
+    </dgm:linClrLst>
+    <dgm:effectClrLst/>
+    <dgm:txLinClrLst/>
+    <dgm:txFillClrLst meth="repeat">
+      <a:schemeClr val="lt1"/>
+    </dgm:txFillClrLst>
+    <dgm:txEffectClrLst/>
+  </dgm:styleLbl>
+  <dgm:styleLbl name="parChTrans1D1">
+    <dgm:fillClrLst meth="repeat">
+      <a:schemeClr val="accent1"/>
+    </dgm:fillClrLst>
+    <dgm:linClrLst meth="repeat">
+      <a:schemeClr val="accent1">
+        <a:shade val="60000"/>
+      </a:schemeClr>
+    </dgm:linClrLst>
+    <dgm:effectClrLst/>
+    <dgm:txLinClrLst/>
+    <dgm:txFillClrLst meth="repeat">
+      <a:schemeClr val="tx1"/>
+    </dgm:txFillClrLst>
+    <dgm:txEffectClrLst/>
+  </dgm:styleLbl>
+  <dgm:styleLbl name="parChTrans1D2">
+    <dgm:fillClrLst meth="repeat">
+      <a:schemeClr val="accent1"/>
+    </dgm:fillClrLst>
+    <dgm:linClrLst meth="repeat">
+      <a:schemeClr val="accent1">
+        <a:shade val="60000"/>
+      </a:schemeClr>
+    </dgm:linClrLst>
+    <dgm:effectClrLst/>
+    <dgm:txLinClrLst/>
+    <dgm:txFillClrLst meth="repeat">
+      <a:schemeClr val="tx1"/>
+    </dgm:txFillClrLst>
+    <dgm:txEffectClrLst/>
+  </dgm:styleLbl>
+  <dgm:styleLbl name="parChTrans1D3">
+    <dgm:fillClrLst meth="repeat">
+      <a:schemeClr val="accent1"/>
+    </dgm:fillClrLst>
+    <dgm:linClrLst meth="repeat">
+      <a:schemeClr val="accent1">
+        <a:shade val="80000"/>
+      </a:schemeClr>
+    </dgm:linClrLst>
+    <dgm:effectClrLst/>
+    <dgm:txLinClrLst/>
+    <dgm:txFillClrLst meth="repeat">
+      <a:schemeClr val="tx1"/>
+    </dgm:txFillClrLst>
+    <dgm:txEffectClrLst/>
+  </dgm:styleLbl>
+  <dgm:styleLbl name="parChTrans1D4">
+    <dgm:fillClrLst meth="repeat">
+      <a:schemeClr val="accent1"/>
+    </dgm:fillClrLst>
+    <dgm:linClrLst meth="repeat">
+      <a:schemeClr val="accent1">
+        <a:shade val="80000"/>
+      </a:schemeClr>
+    </dgm:linClrLst>
+    <dgm:effectClrLst/>
+    <dgm:txLinClrLst/>
+    <dgm:txFillClrLst meth="repeat">
+      <a:schemeClr val="tx1"/>
+    </dgm:txFillClrLst>
+    <dgm:txEffectClrLst/>
+  </dgm:styleLbl>
+  <dgm:styleLbl name="fgAcc1">
+    <dgm:fillClrLst meth="repeat">
+      <a:schemeClr val="lt1">
+        <a:alpha val="90000"/>
+      </a:schemeClr>
+    </dgm:fillClrLst>
+    <dgm:linClrLst meth="repeat">
+      <a:schemeClr val="accent1"/>
+    </dgm:linClrLst>
+    <dgm:effectClrLst/>
+    <dgm:txLinClrLst/>
+    <dgm:txFillClrLst meth="repeat">
+      <a:schemeClr val="dk1"/>
+    </dgm:txFillClrLst>
+    <dgm:txEffectClrLst/>
+  </dgm:styleLbl>
+  <dgm:styleLbl name="conFgAcc1">
+    <dgm:fillClrLst meth="repeat">
+      <a:schemeClr val="lt1">
+        <a:alpha val="90000"/>
+      </a:schemeClr>
+    </dgm:fillClrLst>
+    <dgm:linClrLst meth="repeat">
+      <a:schemeClr val="accent1"/>
+    </dgm:linClrLst>
+    <dgm:effectClrLst/>
+    <dgm:txLinClrLst/>
+    <dgm:txFillClrLst meth="repeat">
+      <a:schemeClr val="dk1"/>
+    </dgm:txFillClrLst>
+    <dgm:txEffectClrLst/>
+  </dgm:styleLbl>
+  <dgm:styleLbl name="alignAcc1">
+    <dgm:fillClrLst meth="repeat">
+      <a:schemeClr val="lt1">
+        <a:alpha val="90000"/>
+      </a:schemeClr>
+    </dgm:fillClrLst>
+    <dgm:linClrLst meth="repeat">
+      <a:schemeClr val="accent1"/>
+    </dgm:linClrLst>
+    <dgm:effectClrLst/>
+    <dgm:txLinClrLst/>
+    <dgm:txFillClrLst meth="repeat">
+      <a:schemeClr val="dk1"/>
+    </dgm:txFillClrLst>
+    <dgm:txEffectClrLst/>
+  </dgm:styleLbl>
+  <dgm:styleLbl name="trAlignAcc1">
+    <dgm:fillClrLst meth="repeat">
+      <a:schemeClr val="lt1">
+        <a:alpha val="40000"/>
+      </a:schemeClr>
+    </dgm:fillClrLst>
+    <dgm:linClrLst meth="repeat">
+      <a:schemeClr val="accent1"/>
+    </dgm:linClrLst>
+    <dgm:effectClrLst/>
+    <dgm:txLinClrLst/>
+    <dgm:txFillClrLst meth="repeat">
+      <a:schemeClr val="dk1"/>
+    </dgm:txFillClrLst>
+    <dgm:txEffectClrLst/>
+  </dgm:styleLbl>
+  <dgm:styleLbl name="bgAcc1">
+    <dgm:fillClrLst meth="repeat">
+      <a:schemeClr val="lt1">
+        <a:alpha val="90000"/>
+      </a:schemeClr>
+    </dgm:fillClrLst>
+    <dgm:linClrLst meth="repeat">
+      <a:schemeClr val="accent1"/>
+    </dgm:linClrLst>
+    <dgm:effectClrLst/>
+    <dgm:txLinClrLst/>
+    <dgm:txFillClrLst meth="repeat">
+      <a:schemeClr val="dk1"/>
+    </dgm:txFillClrLst>
+    <dgm:txEffectClrLst/>
+  </dgm:styleLbl>
+  <dgm:styleLbl name="solidFgAcc1">
+    <dgm:fillClrLst meth="repeat">
+      <a:schemeClr val="lt1"/>
+    </dgm:fillClrLst>
+    <dgm:linClrLst meth="repeat">
+      <a:schemeClr val="accent1"/>
+    </dgm:linClrLst>
+    <dgm:effectClrLst/>
+    <dgm:txLinClrLst/>
+    <dgm:txFillClrLst meth="repeat">
+      <a:schemeClr val="dk1"/>
+    </dgm:txFillClrLst>
+    <dgm:txEffectClrLst/>
+  </dgm:styleLbl>
+  <dgm:styleLbl name="solidAlignAcc1">
+    <dgm:fillClrLst meth="repeat">
+      <a:schemeClr val="lt1"/>
+    </dgm:fillClrLst>
+    <dgm:linClrLst meth="repeat">
+      <a:schemeClr val="accent1"/>
+    </dgm:linClrLst>
+    <dgm:effectClrLst/>
+    <dgm:txLinClrLst/>
+    <dgm:txFillClrLst meth="repeat">
+      <a:schemeClr val="dk1"/>
+    </dgm:txFillClrLst>
+    <dgm:txEffectClrLst/>
+  </dgm:styleLbl>
+  <dgm:styleLbl name="solidBgAcc1">
+    <dgm:fillClrLst meth="repeat">
+      <a:schemeClr val="lt1"/>
+    </dgm:fillClrLst>
+    <dgm:linClrLst meth="repeat">
+      <a:schemeClr val="accent1"/>
+    </dgm:linClrLst>
+    <dgm:effectClrLst/>
+    <dgm:txLinClrLst/>
+    <dgm:txFillClrLst meth="repeat">
+      <a:schemeClr val="dk1"/>
+    </dgm:txFillClrLst>
+    <dgm:txEffectClrLst/>
+  </dgm:styleLbl>
+  <dgm:styleLbl name="fgAccFollowNode1">
+    <dgm:fillClrLst meth="repeat">
+      <a:schemeClr val="accent1">
+        <a:alpha val="90000"/>
+        <a:tint val="40000"/>
+      </a:schemeClr>
+    </dgm:fillClrLst>
+    <dgm:linClrLst meth="repeat">
+      <a:schemeClr val="accent1">
+        <a:alpha val="90000"/>
+        <a:tint val="40000"/>
+      </a:schemeClr>
+    </dgm:linClrLst>
+    <dgm:effectClrLst/>
+    <dgm:txLinClrLst/>
+    <dgm:txFillClrLst meth="repeat">
+      <a:schemeClr val="dk1"/>
+    </dgm:txFillClrLst>
+    <dgm:txEffectClrLst/>
+  </dgm:styleLbl>
+  <dgm:styleLbl name="alignAccFollowNode1">
+    <dgm:fillClrLst meth="repeat">
+      <a:schemeClr val="accent1">
+        <a:alpha val="90000"/>
+        <a:tint val="40000"/>
+      </a:schemeClr>
+    </dgm:fillClrLst>
+    <dgm:linClrLst meth="repeat">
+      <a:schemeClr val="accent1">
+        <a:alpha val="90000"/>
+        <a:tint val="40000"/>
+      </a:schemeClr>
+    </dgm:linClrLst>
+    <dgm:effectClrLst/>
+    <dgm:txLinClrLst/>
+    <dgm:txFillClrLst meth="repeat">
+      <a:schemeClr val="dk1"/>
+    </dgm:txFillClrLst>
+    <dgm:txEffectClrLst/>
+  </dgm:styleLbl>
+  <dgm:styleLbl name="bgAccFollowNode1">
+    <dgm:fillClrLst meth="repeat">
+      <a:schemeClr val="accent1">
+        <a:alpha val="90000"/>
+        <a:tint val="40000"/>
+      </a:schemeClr>
+    </dgm:fillClrLst>
+    <dgm:linClrLst meth="repeat">
+      <a:schemeClr val="accent1">
+        <a:alpha val="90000"/>
+        <a:tint val="40000"/>
+      </a:schemeClr>
+    </dgm:linClrLst>
+    <dgm:effectClrLst/>
+    <dgm:txLinClrLst/>
+    <dgm:txFillClrLst meth="repeat">
+      <a:schemeClr val="dk1"/>
+    </dgm:txFillClrLst>
+    <dgm:txEffectClrLst/>
+  </dgm:styleLbl>
+  <dgm:styleLbl name="fgAcc0">
+    <dgm:fillClrLst meth="repeat">
+      <a:schemeClr val="lt1">
+        <a:alpha val="90000"/>
+      </a:schemeClr>
+    </dgm:fillClrLst>
+    <dgm:linClrLst meth="repeat">
+      <a:schemeClr val="accent1"/>
+    </dgm:linClrLst>
+    <dgm:effectClrLst/>
+    <dgm:txLinClrLst/>
+    <dgm:txFillClrLst meth="repeat">
+      <a:schemeClr val="dk1"/>
+    </dgm:txFillClrLst>
+    <dgm:txEffectClrLst/>
+  </dgm:styleLbl>
+  <dgm:styleLbl name="fgAcc2">
+    <dgm:fillClrLst meth="repeat">
+      <a:schemeClr val="lt1">
+        <a:alpha val="90000"/>
+      </a:schemeClr>
+    </dgm:fillClrLst>
+    <dgm:linClrLst meth="repeat">
+      <a:schemeClr val="accent1"/>
+    </dgm:linClrLst>
+    <dgm:effectClrLst/>
+    <dgm:txLinClrLst/>
+    <dgm:txFillClrLst meth="repeat">
+      <a:schemeClr val="dk1"/>
+    </dgm:txFillClrLst>
+    <dgm:txEffectClrLst/>
+  </dgm:styleLbl>
+  <dgm:styleLbl name="fgAcc3">
+    <dgm:fillClrLst meth="repeat">
+      <a:schemeClr val="lt1">
+        <a:alpha val="90000"/>
+      </a:schemeClr>
+    </dgm:fillClrLst>
+    <dgm:linClrLst meth="repeat">
+      <a:schemeClr val="accent1"/>
+    </dgm:linClrLst>
+    <dgm:effectClrLst/>
+    <dgm:txLinClrLst/>
+    <dgm:txFillClrLst meth="repeat">
+      <a:schemeClr val="dk1"/>
+    </dgm:txFillClrLst>
+    <dgm:txEffectClrLst/>
+  </dgm:styleLbl>
+  <dgm:styleLbl name="fgAcc4">
+    <dgm:fillClrLst meth="repeat">
+      <a:schemeClr val="lt1">
+        <a:alpha val="90000"/>
+      </a:schemeClr>
+    </dgm:fillClrLst>
+    <dgm:linClrLst meth="repeat">
+      <a:schemeClr val="accent1"/>
+    </dgm:linClrLst>
+    <dgm:effectClrLst/>
+    <dgm:txLinClrLst/>
+    <dgm:txFillClrLst meth="repeat">
+      <a:schemeClr val="dk1"/>
+    </dgm:txFillClrLst>
+    <dgm:txEffectClrLst/>
+  </dgm:styleLbl>
+  <dgm:styleLbl name="bgShp">
+    <dgm:fillClrLst meth="repeat">
+      <a:schemeClr val="accent1">
+        <a:tint val="40000"/>
+      </a:schemeClr>
+    </dgm:fillClrLst>
+    <dgm:linClrLst meth="repeat">
+      <a:schemeClr val="accent1"/>
+    </dgm:linClrLst>
+    <dgm:effectClrLst/>
+    <dgm:txLinClrLst/>
+    <dgm:txFillClrLst meth="repeat">
+      <a:schemeClr val="dk1"/>
+    </dgm:txFillClrLst>
+    <dgm:txEffectClrLst/>
+  </dgm:styleLbl>
+  <dgm:styleLbl name="dkBgShp">
+    <dgm:fillClrLst meth="repeat">
+      <a:schemeClr val="accent1">
+        <a:shade val="80000"/>
+      </a:schemeClr>
+    </dgm:fillClrLst>
+    <dgm:linClrLst meth="repeat">
+      <a:schemeClr val="accent1"/>
+    </dgm:linClrLst>
+    <dgm:effectClrLst/>
+    <dgm:txLinClrLst/>
+    <dgm:txFillClrLst meth="repeat">
+      <a:schemeClr val="lt1"/>
+    </dgm:txFillClrLst>
+    <dgm:txEffectClrLst/>
+  </dgm:styleLbl>
+  <dgm:styleLbl name="trBgShp">
+    <dgm:fillClrLst meth="repeat">
+      <a:schemeClr val="accent1">
+        <a:tint val="50000"/>
+        <a:alpha val="40000"/>
+      </a:schemeClr>
+    </dgm:fillClrLst>
+    <dgm:linClrLst meth="repeat">
+      <a:schemeClr val="accent1"/>
+    </dgm:linClrLst>
+    <dgm:effectClrLst/>
+    <dgm:txLinClrLst/>
+    <dgm:txFillClrLst meth="repeat">
+      <a:schemeClr val="lt1"/>
+    </dgm:txFillClrLst>
+    <dgm:txEffectClrLst/>
+  </dgm:styleLbl>
+  <dgm:styleLbl name="fgShp">
+    <dgm:fillClrLst meth="repeat">
+      <a:schemeClr val="accent1">
+        <a:tint val="60000"/>
+      </a:schemeClr>
+    </dgm:fillClrLst>
+    <dgm:linClrLst meth="repeat">
+      <a:schemeClr val="lt1"/>
+    </dgm:linClrLst>
+    <dgm:effectClrLst/>
+    <dgm:txLinClrLst/>
+    <dgm:txFillClrLst meth="repeat">
+      <a:schemeClr val="dk1"/>
+    </dgm:txFillClrLst>
+    <dgm:txEffectClrLst/>
+  </dgm:styleLbl>
+  <dgm:styleLbl name="revTx">
+    <dgm:fillClrLst meth="repeat">
+      <a:schemeClr val="lt1">
+        <a:alpha val="0"/>
+      </a:schemeClr>
+    </dgm:fillClrLst>
+    <dgm:linClrLst meth="repeat">
+      <a:schemeClr val="dk1">
+        <a:alpha val="0"/>
+      </a:schemeClr>
+    </dgm:linClrLst>
+    <dgm:effectClrLst/>
+    <dgm:txLinClrLst/>
+    <dgm:txFillClrLst meth="repeat">
+      <a:schemeClr val="tx1"/>
+    </dgm:txFillClrLst>
+    <dgm:txEffectClrLst/>
+  </dgm:styleLbl>
+</dgm:colorsDef>
+</file>
+
+<file path=ppt/diagrams/data1.xml><?xml version="1.0" encoding="utf-8"?>
+<dgm:dataModel xmlns:dgm="http://schemas.openxmlformats.org/drawingml/2006/diagram" xmlns:a="http://schemas.openxmlformats.org/drawingml/2006/main">
+  <dgm:ptLst>
+    <dgm:pt modelId="{F7FDFEF3-CF04-4A07-BE31-3D991BA1BFF1}" type="doc">
+      <dgm:prSet loTypeId="urn:microsoft.com/office/officeart/2005/8/layout/hProcess3" loCatId="process" qsTypeId="urn:microsoft.com/office/officeart/2005/8/quickstyle/simple1" qsCatId="simple" csTypeId="urn:microsoft.com/office/officeart/2005/8/colors/accent1_2" csCatId="accent1" phldr="1"/>
+      <dgm:spPr/>
+    </dgm:pt>
+    <dgm:pt modelId="{DE81D696-55D7-4F04-A338-D15E16CC942E}">
+      <dgm:prSet phldrT="[Text]" custT="1"/>
+      <dgm:spPr/>
+      <dgm:t>
+        <a:bodyPr/>
+        <a:lstStyle/>
+        <a:p>
+          <a:r>
+            <a:rPr lang="en-US" sz="2800" dirty="0">
+              <a:solidFill>
+                <a:schemeClr val="bg1"/>
+              </a:solidFill>
+            </a:rPr>
+            <a:t>TF - IDF</a:t>
+          </a:r>
+        </a:p>
+      </dgm:t>
+    </dgm:pt>
+    <dgm:pt modelId="{088A240D-7473-47BD-BFC5-AF7A5E0ADD40}" type="parTrans" cxnId="{0A9B0CB6-F687-444D-B143-7335208E402C}">
+      <dgm:prSet/>
+      <dgm:spPr/>
+      <dgm:t>
+        <a:bodyPr/>
+        <a:lstStyle/>
+        <a:p>
+          <a:endParaRPr lang="en-US"/>
+        </a:p>
+      </dgm:t>
+    </dgm:pt>
+    <dgm:pt modelId="{C2D8E557-5904-4EBA-8799-0DBC65FF33FE}" type="sibTrans" cxnId="{0A9B0CB6-F687-444D-B143-7335208E402C}">
+      <dgm:prSet/>
+      <dgm:spPr/>
+      <dgm:t>
+        <a:bodyPr/>
+        <a:lstStyle/>
+        <a:p>
+          <a:endParaRPr lang="en-US"/>
+        </a:p>
+      </dgm:t>
+    </dgm:pt>
+    <dgm:pt modelId="{7BC9571B-4C27-42A8-BB71-5744ABBD42AF}" type="pres">
+      <dgm:prSet presAssocID="{F7FDFEF3-CF04-4A07-BE31-3D991BA1BFF1}" presName="Name0" presStyleCnt="0">
+        <dgm:presLayoutVars>
+          <dgm:dir/>
+          <dgm:animLvl val="lvl"/>
+          <dgm:resizeHandles val="exact"/>
+        </dgm:presLayoutVars>
+      </dgm:prSet>
+      <dgm:spPr/>
+    </dgm:pt>
+    <dgm:pt modelId="{DD317D26-F781-435B-A5C4-97242330245E}" type="pres">
+      <dgm:prSet presAssocID="{F7FDFEF3-CF04-4A07-BE31-3D991BA1BFF1}" presName="dummy" presStyleCnt="0"/>
+      <dgm:spPr/>
+    </dgm:pt>
+    <dgm:pt modelId="{D02D88C2-E594-4B27-8313-E459AD4EF518}" type="pres">
+      <dgm:prSet presAssocID="{F7FDFEF3-CF04-4A07-BE31-3D991BA1BFF1}" presName="linH" presStyleCnt="0"/>
+      <dgm:spPr/>
+    </dgm:pt>
+    <dgm:pt modelId="{01D93F6F-79A6-4B6C-8666-E8CC9AD08FBD}" type="pres">
+      <dgm:prSet presAssocID="{F7FDFEF3-CF04-4A07-BE31-3D991BA1BFF1}" presName="padding1" presStyleCnt="0"/>
+      <dgm:spPr/>
+    </dgm:pt>
+    <dgm:pt modelId="{2E4E41B4-89D8-4417-A453-0CFA839D6F11}" type="pres">
+      <dgm:prSet presAssocID="{DE81D696-55D7-4F04-A338-D15E16CC942E}" presName="linV" presStyleCnt="0"/>
+      <dgm:spPr/>
+    </dgm:pt>
+    <dgm:pt modelId="{55DA0BAA-D215-48CA-916C-C5B3E9528D56}" type="pres">
+      <dgm:prSet presAssocID="{DE81D696-55D7-4F04-A338-D15E16CC942E}" presName="spVertical1" presStyleCnt="0"/>
+      <dgm:spPr/>
+    </dgm:pt>
+    <dgm:pt modelId="{942F92E8-F311-47EF-93A9-BD97F791C149}" type="pres">
+      <dgm:prSet presAssocID="{DE81D696-55D7-4F04-A338-D15E16CC942E}" presName="parTx" presStyleLbl="revTx" presStyleIdx="0" presStyleCnt="1" custScaleY="102833" custLinFactNeighborX="-98550" custLinFactNeighborY="159">
+        <dgm:presLayoutVars>
+          <dgm:chMax val="0"/>
+          <dgm:chPref val="0"/>
+          <dgm:bulletEnabled val="1"/>
+        </dgm:presLayoutVars>
+      </dgm:prSet>
+      <dgm:spPr/>
+    </dgm:pt>
+    <dgm:pt modelId="{8952AFAF-761E-422A-883C-575FA4AA0F04}" type="pres">
+      <dgm:prSet presAssocID="{DE81D696-55D7-4F04-A338-D15E16CC942E}" presName="spVertical2" presStyleCnt="0"/>
+      <dgm:spPr/>
+    </dgm:pt>
+    <dgm:pt modelId="{ADBF5169-0EDB-4127-BF2C-F0017E8ED513}" type="pres">
+      <dgm:prSet presAssocID="{DE81D696-55D7-4F04-A338-D15E16CC942E}" presName="spVertical3" presStyleCnt="0"/>
+      <dgm:spPr/>
+    </dgm:pt>
+    <dgm:pt modelId="{CB8BF7F7-F9A9-46C1-BF4E-CD9CA4A3920C}" type="pres">
+      <dgm:prSet presAssocID="{F7FDFEF3-CF04-4A07-BE31-3D991BA1BFF1}" presName="padding2" presStyleCnt="0"/>
+      <dgm:spPr/>
+    </dgm:pt>
+    <dgm:pt modelId="{A0AD2312-687B-4AF2-8C58-B3D3A3BAF79F}" type="pres">
+      <dgm:prSet presAssocID="{F7FDFEF3-CF04-4A07-BE31-3D991BA1BFF1}" presName="negArrow" presStyleCnt="0"/>
+      <dgm:spPr/>
+    </dgm:pt>
+    <dgm:pt modelId="{B36C7952-DFFF-4575-B3D4-21BB23AEC777}" type="pres">
+      <dgm:prSet presAssocID="{F7FDFEF3-CF04-4A07-BE31-3D991BA1BFF1}" presName="backgroundArrow" presStyleLbl="node1" presStyleIdx="0" presStyleCnt="1" custLinFactNeighborX="-356" custLinFactNeighborY="-1751"/>
+      <dgm:spPr/>
+    </dgm:pt>
+  </dgm:ptLst>
+  <dgm:cxnLst>
+    <dgm:cxn modelId="{0A9B0CB6-F687-444D-B143-7335208E402C}" srcId="{F7FDFEF3-CF04-4A07-BE31-3D991BA1BFF1}" destId="{DE81D696-55D7-4F04-A338-D15E16CC942E}" srcOrd="0" destOrd="0" parTransId="{088A240D-7473-47BD-BFC5-AF7A5E0ADD40}" sibTransId="{C2D8E557-5904-4EBA-8799-0DBC65FF33FE}"/>
+    <dgm:cxn modelId="{2661999D-93DA-4C53-B722-A707263C35F0}" type="presOf" srcId="{DE81D696-55D7-4F04-A338-D15E16CC942E}" destId="{942F92E8-F311-47EF-93A9-BD97F791C149}" srcOrd="0" destOrd="0" presId="urn:microsoft.com/office/officeart/2005/8/layout/hProcess3"/>
+    <dgm:cxn modelId="{8C21653B-9EB9-4DC7-A355-293CD281300B}" type="presOf" srcId="{F7FDFEF3-CF04-4A07-BE31-3D991BA1BFF1}" destId="{7BC9571B-4C27-42A8-BB71-5744ABBD42AF}" srcOrd="0" destOrd="0" presId="urn:microsoft.com/office/officeart/2005/8/layout/hProcess3"/>
+    <dgm:cxn modelId="{332448BD-37CD-4202-BE77-AD47AA248D74}" type="presParOf" srcId="{7BC9571B-4C27-42A8-BB71-5744ABBD42AF}" destId="{DD317D26-F781-435B-A5C4-97242330245E}" srcOrd="0" destOrd="0" presId="urn:microsoft.com/office/officeart/2005/8/layout/hProcess3"/>
+    <dgm:cxn modelId="{AA9F6B24-C7B9-43DA-A7D6-64818FD4AF81}" type="presParOf" srcId="{7BC9571B-4C27-42A8-BB71-5744ABBD42AF}" destId="{D02D88C2-E594-4B27-8313-E459AD4EF518}" srcOrd="1" destOrd="0" presId="urn:microsoft.com/office/officeart/2005/8/layout/hProcess3"/>
+    <dgm:cxn modelId="{D63BA580-42B2-4EBC-B561-FA4ED294E626}" type="presParOf" srcId="{D02D88C2-E594-4B27-8313-E459AD4EF518}" destId="{01D93F6F-79A6-4B6C-8666-E8CC9AD08FBD}" srcOrd="0" destOrd="0" presId="urn:microsoft.com/office/officeart/2005/8/layout/hProcess3"/>
+    <dgm:cxn modelId="{99DBB4C0-75B5-4655-B31C-8B1A56BB5FA3}" type="presParOf" srcId="{D02D88C2-E594-4B27-8313-E459AD4EF518}" destId="{2E4E41B4-89D8-4417-A453-0CFA839D6F11}" srcOrd="1" destOrd="0" presId="urn:microsoft.com/office/officeart/2005/8/layout/hProcess3"/>
+    <dgm:cxn modelId="{FC81670F-7400-4C74-8195-8791005C9F9C}" type="presParOf" srcId="{2E4E41B4-89D8-4417-A453-0CFA839D6F11}" destId="{55DA0BAA-D215-48CA-916C-C5B3E9528D56}" srcOrd="0" destOrd="0" presId="urn:microsoft.com/office/officeart/2005/8/layout/hProcess3"/>
+    <dgm:cxn modelId="{A54D933C-7125-4920-8BD9-CD4482515A4E}" type="presParOf" srcId="{2E4E41B4-89D8-4417-A453-0CFA839D6F11}" destId="{942F92E8-F311-47EF-93A9-BD97F791C149}" srcOrd="1" destOrd="0" presId="urn:microsoft.com/office/officeart/2005/8/layout/hProcess3"/>
+    <dgm:cxn modelId="{7902E948-EBD2-447E-9390-E051E3ED4A3C}" type="presParOf" srcId="{2E4E41B4-89D8-4417-A453-0CFA839D6F11}" destId="{8952AFAF-761E-422A-883C-575FA4AA0F04}" srcOrd="2" destOrd="0" presId="urn:microsoft.com/office/officeart/2005/8/layout/hProcess3"/>
+    <dgm:cxn modelId="{894671EC-BB06-4374-A364-CD99419EF40C}" type="presParOf" srcId="{2E4E41B4-89D8-4417-A453-0CFA839D6F11}" destId="{ADBF5169-0EDB-4127-BF2C-F0017E8ED513}" srcOrd="3" destOrd="0" presId="urn:microsoft.com/office/officeart/2005/8/layout/hProcess3"/>
+    <dgm:cxn modelId="{FB100BC8-1CB7-4700-B8C3-E941C4428CB9}" type="presParOf" srcId="{D02D88C2-E594-4B27-8313-E459AD4EF518}" destId="{CB8BF7F7-F9A9-46C1-BF4E-CD9CA4A3920C}" srcOrd="2" destOrd="0" presId="urn:microsoft.com/office/officeart/2005/8/layout/hProcess3"/>
+    <dgm:cxn modelId="{BCBF06E5-1A1A-4E2E-A51F-17BF94609D80}" type="presParOf" srcId="{D02D88C2-E594-4B27-8313-E459AD4EF518}" destId="{A0AD2312-687B-4AF2-8C58-B3D3A3BAF79F}" srcOrd="3" destOrd="0" presId="urn:microsoft.com/office/officeart/2005/8/layout/hProcess3"/>
+    <dgm:cxn modelId="{CB11AB41-D0B9-4A91-87DD-B147C00896AD}" type="presParOf" srcId="{D02D88C2-E594-4B27-8313-E459AD4EF518}" destId="{B36C7952-DFFF-4575-B3D4-21BB23AEC777}" srcOrd="4" destOrd="0" presId="urn:microsoft.com/office/officeart/2005/8/layout/hProcess3"/>
+  </dgm:cxnLst>
+  <dgm:bg/>
+  <dgm:whole/>
+  <dgm:extLst>
+    <a:ext uri="http://schemas.microsoft.com/office/drawing/2008/diagram">
+      <dsp:dataModelExt xmlns:dsp="http://schemas.microsoft.com/office/drawing/2008/diagram" relId="rId6" minVer="http://schemas.openxmlformats.org/drawingml/2006/diagram"/>
+    </a:ext>
+  </dgm:extLst>
+</dgm:dataModel>
+</file>
+
+<file path=ppt/diagrams/data2.xml><?xml version="1.0" encoding="utf-8"?>
+<dgm:dataModel xmlns:dgm="http://schemas.openxmlformats.org/drawingml/2006/diagram" xmlns:a="http://schemas.openxmlformats.org/drawingml/2006/main">
+  <dgm:ptLst>
+    <dgm:pt modelId="{F7FDFEF3-CF04-4A07-BE31-3D991BA1BFF1}" type="doc">
+      <dgm:prSet loTypeId="urn:microsoft.com/office/officeart/2005/8/layout/hProcess3" loCatId="process" qsTypeId="urn:microsoft.com/office/officeart/2005/8/quickstyle/simple1" qsCatId="simple" csTypeId="urn:microsoft.com/office/officeart/2005/8/colors/accent1_2" csCatId="accent1" phldr="1"/>
+      <dgm:spPr/>
+    </dgm:pt>
+    <dgm:pt modelId="{DE81D696-55D7-4F04-A338-D15E16CC942E}">
+      <dgm:prSet phldrT="[Text]" custT="1"/>
+      <dgm:spPr/>
+      <dgm:t>
+        <a:bodyPr/>
+        <a:lstStyle/>
+        <a:p>
+          <a:r>
+            <a:rPr lang="en-US" sz="2400" dirty="0">
+              <a:solidFill>
+                <a:schemeClr val="bg1"/>
+              </a:solidFill>
+            </a:rPr>
+            <a:t> Events: Interested &amp; Uninterested</a:t>
+          </a:r>
+        </a:p>
+      </dgm:t>
+    </dgm:pt>
+    <dgm:pt modelId="{088A240D-7473-47BD-BFC5-AF7A5E0ADD40}" type="parTrans" cxnId="{0A9B0CB6-F687-444D-B143-7335208E402C}">
+      <dgm:prSet/>
+      <dgm:spPr/>
+      <dgm:t>
+        <a:bodyPr/>
+        <a:lstStyle/>
+        <a:p>
+          <a:endParaRPr lang="en-US"/>
+        </a:p>
+      </dgm:t>
+    </dgm:pt>
+    <dgm:pt modelId="{C2D8E557-5904-4EBA-8799-0DBC65FF33FE}" type="sibTrans" cxnId="{0A9B0CB6-F687-444D-B143-7335208E402C}">
+      <dgm:prSet/>
+      <dgm:spPr/>
+      <dgm:t>
+        <a:bodyPr/>
+        <a:lstStyle/>
+        <a:p>
+          <a:endParaRPr lang="en-US"/>
+        </a:p>
+      </dgm:t>
+    </dgm:pt>
+    <dgm:pt modelId="{7BC9571B-4C27-42A8-BB71-5744ABBD42AF}" type="pres">
+      <dgm:prSet presAssocID="{F7FDFEF3-CF04-4A07-BE31-3D991BA1BFF1}" presName="Name0" presStyleCnt="0">
+        <dgm:presLayoutVars>
+          <dgm:dir/>
+          <dgm:animLvl val="lvl"/>
+          <dgm:resizeHandles val="exact"/>
+        </dgm:presLayoutVars>
+      </dgm:prSet>
+      <dgm:spPr/>
+    </dgm:pt>
+    <dgm:pt modelId="{DD317D26-F781-435B-A5C4-97242330245E}" type="pres">
+      <dgm:prSet presAssocID="{F7FDFEF3-CF04-4A07-BE31-3D991BA1BFF1}" presName="dummy" presStyleCnt="0"/>
+      <dgm:spPr/>
+    </dgm:pt>
+    <dgm:pt modelId="{D02D88C2-E594-4B27-8313-E459AD4EF518}" type="pres">
+      <dgm:prSet presAssocID="{F7FDFEF3-CF04-4A07-BE31-3D991BA1BFF1}" presName="linH" presStyleCnt="0"/>
+      <dgm:spPr/>
+    </dgm:pt>
+    <dgm:pt modelId="{01D93F6F-79A6-4B6C-8666-E8CC9AD08FBD}" type="pres">
+      <dgm:prSet presAssocID="{F7FDFEF3-CF04-4A07-BE31-3D991BA1BFF1}" presName="padding1" presStyleCnt="0"/>
+      <dgm:spPr/>
+    </dgm:pt>
+    <dgm:pt modelId="{2E4E41B4-89D8-4417-A453-0CFA839D6F11}" type="pres">
+      <dgm:prSet presAssocID="{DE81D696-55D7-4F04-A338-D15E16CC942E}" presName="linV" presStyleCnt="0"/>
+      <dgm:spPr/>
+    </dgm:pt>
+    <dgm:pt modelId="{55DA0BAA-D215-48CA-916C-C5B3E9528D56}" type="pres">
+      <dgm:prSet presAssocID="{DE81D696-55D7-4F04-A338-D15E16CC942E}" presName="spVertical1" presStyleCnt="0"/>
+      <dgm:spPr/>
+    </dgm:pt>
+    <dgm:pt modelId="{942F92E8-F311-47EF-93A9-BD97F791C149}" type="pres">
+      <dgm:prSet presAssocID="{DE81D696-55D7-4F04-A338-D15E16CC942E}" presName="parTx" presStyleLbl="revTx" presStyleIdx="0" presStyleCnt="1" custScaleX="119769" custScaleY="102833" custLinFactNeighborX="-98550" custLinFactNeighborY="159">
+        <dgm:presLayoutVars>
+          <dgm:chMax val="0"/>
+          <dgm:chPref val="0"/>
+          <dgm:bulletEnabled val="1"/>
+        </dgm:presLayoutVars>
+      </dgm:prSet>
+      <dgm:spPr/>
+    </dgm:pt>
+    <dgm:pt modelId="{8952AFAF-761E-422A-883C-575FA4AA0F04}" type="pres">
+      <dgm:prSet presAssocID="{DE81D696-55D7-4F04-A338-D15E16CC942E}" presName="spVertical2" presStyleCnt="0"/>
+      <dgm:spPr/>
+    </dgm:pt>
+    <dgm:pt modelId="{ADBF5169-0EDB-4127-BF2C-F0017E8ED513}" type="pres">
+      <dgm:prSet presAssocID="{DE81D696-55D7-4F04-A338-D15E16CC942E}" presName="spVertical3" presStyleCnt="0"/>
+      <dgm:spPr/>
+    </dgm:pt>
+    <dgm:pt modelId="{CB8BF7F7-F9A9-46C1-BF4E-CD9CA4A3920C}" type="pres">
+      <dgm:prSet presAssocID="{F7FDFEF3-CF04-4A07-BE31-3D991BA1BFF1}" presName="padding2" presStyleCnt="0"/>
+      <dgm:spPr/>
+    </dgm:pt>
+    <dgm:pt modelId="{A0AD2312-687B-4AF2-8C58-B3D3A3BAF79F}" type="pres">
+      <dgm:prSet presAssocID="{F7FDFEF3-CF04-4A07-BE31-3D991BA1BFF1}" presName="negArrow" presStyleCnt="0"/>
+      <dgm:spPr/>
+    </dgm:pt>
+    <dgm:pt modelId="{B36C7952-DFFF-4575-B3D4-21BB23AEC777}" type="pres">
+      <dgm:prSet presAssocID="{F7FDFEF3-CF04-4A07-BE31-3D991BA1BFF1}" presName="backgroundArrow" presStyleLbl="node1" presStyleIdx="0" presStyleCnt="1" custLinFactNeighborX="-2782" custLinFactNeighborY="115"/>
+      <dgm:spPr/>
+    </dgm:pt>
+  </dgm:ptLst>
+  <dgm:cxnLst>
+    <dgm:cxn modelId="{0A9B0CB6-F687-444D-B143-7335208E402C}" srcId="{F7FDFEF3-CF04-4A07-BE31-3D991BA1BFF1}" destId="{DE81D696-55D7-4F04-A338-D15E16CC942E}" srcOrd="0" destOrd="0" parTransId="{088A240D-7473-47BD-BFC5-AF7A5E0ADD40}" sibTransId="{C2D8E557-5904-4EBA-8799-0DBC65FF33FE}"/>
+    <dgm:cxn modelId="{2661999D-93DA-4C53-B722-A707263C35F0}" type="presOf" srcId="{DE81D696-55D7-4F04-A338-D15E16CC942E}" destId="{942F92E8-F311-47EF-93A9-BD97F791C149}" srcOrd="0" destOrd="0" presId="urn:microsoft.com/office/officeart/2005/8/layout/hProcess3"/>
+    <dgm:cxn modelId="{8C21653B-9EB9-4DC7-A355-293CD281300B}" type="presOf" srcId="{F7FDFEF3-CF04-4A07-BE31-3D991BA1BFF1}" destId="{7BC9571B-4C27-42A8-BB71-5744ABBD42AF}" srcOrd="0" destOrd="0" presId="urn:microsoft.com/office/officeart/2005/8/layout/hProcess3"/>
+    <dgm:cxn modelId="{332448BD-37CD-4202-BE77-AD47AA248D74}" type="presParOf" srcId="{7BC9571B-4C27-42A8-BB71-5744ABBD42AF}" destId="{DD317D26-F781-435B-A5C4-97242330245E}" srcOrd="0" destOrd="0" presId="urn:microsoft.com/office/officeart/2005/8/layout/hProcess3"/>
+    <dgm:cxn modelId="{AA9F6B24-C7B9-43DA-A7D6-64818FD4AF81}" type="presParOf" srcId="{7BC9571B-4C27-42A8-BB71-5744ABBD42AF}" destId="{D02D88C2-E594-4B27-8313-E459AD4EF518}" srcOrd="1" destOrd="0" presId="urn:microsoft.com/office/officeart/2005/8/layout/hProcess3"/>
+    <dgm:cxn modelId="{D63BA580-42B2-4EBC-B561-FA4ED294E626}" type="presParOf" srcId="{D02D88C2-E594-4B27-8313-E459AD4EF518}" destId="{01D93F6F-79A6-4B6C-8666-E8CC9AD08FBD}" srcOrd="0" destOrd="0" presId="urn:microsoft.com/office/officeart/2005/8/layout/hProcess3"/>
+    <dgm:cxn modelId="{99DBB4C0-75B5-4655-B31C-8B1A56BB5FA3}" type="presParOf" srcId="{D02D88C2-E594-4B27-8313-E459AD4EF518}" destId="{2E4E41B4-89D8-4417-A453-0CFA839D6F11}" srcOrd="1" destOrd="0" presId="urn:microsoft.com/office/officeart/2005/8/layout/hProcess3"/>
+    <dgm:cxn modelId="{FC81670F-7400-4C74-8195-8791005C9F9C}" type="presParOf" srcId="{2E4E41B4-89D8-4417-A453-0CFA839D6F11}" destId="{55DA0BAA-D215-48CA-916C-C5B3E9528D56}" srcOrd="0" destOrd="0" presId="urn:microsoft.com/office/officeart/2005/8/layout/hProcess3"/>
+    <dgm:cxn modelId="{A54D933C-7125-4920-8BD9-CD4482515A4E}" type="presParOf" srcId="{2E4E41B4-89D8-4417-A453-0CFA839D6F11}" destId="{942F92E8-F311-47EF-93A9-BD97F791C149}" srcOrd="1" destOrd="0" presId="urn:microsoft.com/office/officeart/2005/8/layout/hProcess3"/>
+    <dgm:cxn modelId="{7902E948-EBD2-447E-9390-E051E3ED4A3C}" type="presParOf" srcId="{2E4E41B4-89D8-4417-A453-0CFA839D6F11}" destId="{8952AFAF-761E-422A-883C-575FA4AA0F04}" srcOrd="2" destOrd="0" presId="urn:microsoft.com/office/officeart/2005/8/layout/hProcess3"/>
+    <dgm:cxn modelId="{894671EC-BB06-4374-A364-CD99419EF40C}" type="presParOf" srcId="{2E4E41B4-89D8-4417-A453-0CFA839D6F11}" destId="{ADBF5169-0EDB-4127-BF2C-F0017E8ED513}" srcOrd="3" destOrd="0" presId="urn:microsoft.com/office/officeart/2005/8/layout/hProcess3"/>
+    <dgm:cxn modelId="{FB100BC8-1CB7-4700-B8C3-E941C4428CB9}" type="presParOf" srcId="{D02D88C2-E594-4B27-8313-E459AD4EF518}" destId="{CB8BF7F7-F9A9-46C1-BF4E-CD9CA4A3920C}" srcOrd="2" destOrd="0" presId="urn:microsoft.com/office/officeart/2005/8/layout/hProcess3"/>
+    <dgm:cxn modelId="{BCBF06E5-1A1A-4E2E-A51F-17BF94609D80}" type="presParOf" srcId="{D02D88C2-E594-4B27-8313-E459AD4EF518}" destId="{A0AD2312-687B-4AF2-8C58-B3D3A3BAF79F}" srcOrd="3" destOrd="0" presId="urn:microsoft.com/office/officeart/2005/8/layout/hProcess3"/>
+    <dgm:cxn modelId="{CB11AB41-D0B9-4A91-87DD-B147C00896AD}" type="presParOf" srcId="{D02D88C2-E594-4B27-8313-E459AD4EF518}" destId="{B36C7952-DFFF-4575-B3D4-21BB23AEC777}" srcOrd="4" destOrd="0" presId="urn:microsoft.com/office/officeart/2005/8/layout/hProcess3"/>
+  </dgm:cxnLst>
+  <dgm:bg/>
+  <dgm:whole/>
+  <dgm:extLst>
+    <a:ext uri="http://schemas.microsoft.com/office/drawing/2008/diagram">
+      <dsp:dataModelExt xmlns:dsp="http://schemas.microsoft.com/office/drawing/2008/diagram" relId="rId11" minVer="http://schemas.openxmlformats.org/drawingml/2006/diagram"/>
+    </a:ext>
+  </dgm:extLst>
+</dgm:dataModel>
+</file>
+
+<file path=ppt/diagrams/drawing1.xml><?xml version="1.0" encoding="utf-8"?>
+<dsp:drawing xmlns:dgm="http://schemas.openxmlformats.org/drawingml/2006/diagram" xmlns:dsp="http://schemas.microsoft.com/office/drawing/2008/diagram" xmlns:a="http://schemas.openxmlformats.org/drawingml/2006/main">
+  <dsp:spTree>
+    <dsp:nvGrpSpPr>
+      <dsp:cNvPr id="0" name=""/>
+      <dsp:cNvGrpSpPr/>
+    </dsp:nvGrpSpPr>
+    <dsp:grpSpPr/>
+    <dsp:sp modelId="{B36C7952-DFFF-4575-B3D4-21BB23AEC777}">
+      <dsp:nvSpPr>
+        <dsp:cNvPr id="0" name=""/>
+        <dsp:cNvSpPr/>
+      </dsp:nvSpPr>
+      <dsp:spPr>
+        <a:xfrm>
+          <a:off x="0" y="0"/>
+          <a:ext cx="2754304" cy="1584000"/>
+        </a:xfrm>
+        <a:prstGeom prst="rightArrow">
+          <a:avLst/>
+        </a:prstGeom>
+        <a:solidFill>
+          <a:schemeClr val="accent1">
+            <a:hueOff val="0"/>
+            <a:satOff val="0"/>
+            <a:lumOff val="0"/>
+            <a:alphaOff val="0"/>
+          </a:schemeClr>
+        </a:solidFill>
+        <a:ln w="12700" cap="flat" cmpd="sng" algn="ctr">
+          <a:solidFill>
+            <a:schemeClr val="lt1">
+              <a:hueOff val="0"/>
+              <a:satOff val="0"/>
+              <a:lumOff val="0"/>
+              <a:alphaOff val="0"/>
+            </a:schemeClr>
+          </a:solidFill>
+          <a:prstDash val="solid"/>
+          <a:miter lim="800000"/>
+        </a:ln>
+        <a:effectLst/>
+      </dsp:spPr>
+      <dsp:style>
+        <a:lnRef idx="2">
+          <a:scrgbClr r="0" g="0" b="0"/>
+        </a:lnRef>
+        <a:fillRef idx="1">
+          <a:scrgbClr r="0" g="0" b="0"/>
+        </a:fillRef>
+        <a:effectRef idx="0">
+          <a:scrgbClr r="0" g="0" b="0"/>
+        </a:effectRef>
+        <a:fontRef idx="minor">
+          <a:schemeClr val="lt1"/>
+        </a:fontRef>
+      </dsp:style>
+    </dsp:sp>
+    <dsp:sp modelId="{942F92E8-F311-47EF-93A9-BD97F791C149}">
+      <dsp:nvSpPr>
+        <dsp:cNvPr id="0" name=""/>
+        <dsp:cNvSpPr/>
+      </dsp:nvSpPr>
+      <dsp:spPr>
+        <a:xfrm>
+          <a:off x="0" y="410782"/>
+          <a:ext cx="2256700" cy="814437"/>
+        </a:xfrm>
+        <a:prstGeom prst="rect">
+          <a:avLst/>
+        </a:prstGeom>
+        <a:noFill/>
+        <a:ln>
+          <a:noFill/>
+        </a:ln>
+        <a:effectLst/>
+      </dsp:spPr>
+      <dsp:style>
+        <a:lnRef idx="0">
+          <a:scrgbClr r="0" g="0" b="0"/>
+        </a:lnRef>
+        <a:fillRef idx="0">
+          <a:scrgbClr r="0" g="0" b="0"/>
+        </a:fillRef>
+        <a:effectRef idx="0">
+          <a:scrgbClr r="0" g="0" b="0"/>
+        </a:effectRef>
+        <a:fontRef idx="minor"/>
+      </dsp:style>
+      <dsp:txBody>
+        <a:bodyPr spcFirstLastPara="0" vert="horz" wrap="square" lIns="0" tIns="284480" rIns="0" bIns="284480" numCol="1" spcCol="1270" anchor="ctr" anchorCtr="0">
+          <a:noAutofit/>
+        </a:bodyPr>
+        <a:lstStyle/>
+        <a:p>
+          <a:pPr marL="0" lvl="0" indent="0" algn="ctr" defTabSz="1244600">
+            <a:lnSpc>
+              <a:spcPct val="90000"/>
+            </a:lnSpc>
+            <a:spcBef>
+              <a:spcPct val="0"/>
+            </a:spcBef>
+            <a:spcAft>
+              <a:spcPct val="35000"/>
+            </a:spcAft>
+            <a:buNone/>
+          </a:pPr>
+          <a:r>
+            <a:rPr lang="en-US" sz="2800" kern="1200" dirty="0">
+              <a:solidFill>
+                <a:schemeClr val="bg1"/>
+              </a:solidFill>
+            </a:rPr>
+            <a:t>TF - IDF</a:t>
+          </a:r>
+        </a:p>
+      </dsp:txBody>
+      <dsp:txXfrm>
+        <a:off x="0" y="410782"/>
+        <a:ext cx="2256700" cy="814437"/>
+      </dsp:txXfrm>
+    </dsp:sp>
+  </dsp:spTree>
+</dsp:drawing>
+</file>
+
+<file path=ppt/diagrams/drawing2.xml><?xml version="1.0" encoding="utf-8"?>
+<dsp:drawing xmlns:dgm="http://schemas.openxmlformats.org/drawingml/2006/diagram" xmlns:dsp="http://schemas.microsoft.com/office/drawing/2008/diagram" xmlns:a="http://schemas.openxmlformats.org/drawingml/2006/main">
+  <dsp:spTree>
+    <dsp:nvGrpSpPr>
+      <dsp:cNvPr id="0" name=""/>
+      <dsp:cNvGrpSpPr/>
+    </dsp:nvGrpSpPr>
+    <dsp:grpSpPr/>
+    <dsp:sp modelId="{B36C7952-DFFF-4575-B3D4-21BB23AEC777}">
+      <dsp:nvSpPr>
+        <dsp:cNvPr id="0" name=""/>
+        <dsp:cNvSpPr/>
+      </dsp:nvSpPr>
+      <dsp:spPr>
+        <a:xfrm>
+          <a:off x="0" y="26411"/>
+          <a:ext cx="2745922" cy="1944000"/>
+        </a:xfrm>
+        <a:prstGeom prst="rightArrow">
+          <a:avLst/>
+        </a:prstGeom>
+        <a:solidFill>
+          <a:schemeClr val="accent1">
+            <a:hueOff val="0"/>
+            <a:satOff val="0"/>
+            <a:lumOff val="0"/>
+            <a:alphaOff val="0"/>
+          </a:schemeClr>
+        </a:solidFill>
+        <a:ln w="12700" cap="flat" cmpd="sng" algn="ctr">
+          <a:solidFill>
+            <a:schemeClr val="lt1">
+              <a:hueOff val="0"/>
+              <a:satOff val="0"/>
+              <a:lumOff val="0"/>
+              <a:alphaOff val="0"/>
+            </a:schemeClr>
+          </a:solidFill>
+          <a:prstDash val="solid"/>
+          <a:miter lim="800000"/>
+        </a:ln>
+        <a:effectLst/>
+      </dsp:spPr>
+      <dsp:style>
+        <a:lnRef idx="2">
+          <a:scrgbClr r="0" g="0" b="0"/>
+        </a:lnRef>
+        <a:fillRef idx="1">
+          <a:scrgbClr r="0" g="0" b="0"/>
+        </a:fillRef>
+        <a:effectRef idx="0">
+          <a:scrgbClr r="0" g="0" b="0"/>
+        </a:effectRef>
+        <a:fontRef idx="minor">
+          <a:schemeClr val="lt1"/>
+        </a:fontRef>
+      </dsp:style>
+    </dsp:sp>
+    <dsp:sp modelId="{942F92E8-F311-47EF-93A9-BD97F791C149}">
+      <dsp:nvSpPr>
+        <dsp:cNvPr id="0" name=""/>
+        <dsp:cNvSpPr/>
+      </dsp:nvSpPr>
+      <dsp:spPr>
+        <a:xfrm>
+          <a:off x="0" y="510948"/>
+          <a:ext cx="2251389" cy="999536"/>
+        </a:xfrm>
+        <a:prstGeom prst="rect">
+          <a:avLst/>
+        </a:prstGeom>
+        <a:noFill/>
+        <a:ln>
+          <a:noFill/>
+        </a:ln>
+        <a:effectLst/>
+      </dsp:spPr>
+      <dsp:style>
+        <a:lnRef idx="0">
+          <a:scrgbClr r="0" g="0" b="0"/>
+        </a:lnRef>
+        <a:fillRef idx="0">
+          <a:scrgbClr r="0" g="0" b="0"/>
+        </a:fillRef>
+        <a:effectRef idx="0">
+          <a:scrgbClr r="0" g="0" b="0"/>
+        </a:effectRef>
+        <a:fontRef idx="minor"/>
+      </dsp:style>
+      <dsp:txBody>
+        <a:bodyPr spcFirstLastPara="0" vert="horz" wrap="square" lIns="0" tIns="243840" rIns="0" bIns="243840" numCol="1" spcCol="1270" anchor="ctr" anchorCtr="0">
+          <a:noAutofit/>
+        </a:bodyPr>
+        <a:lstStyle/>
+        <a:p>
+          <a:pPr marL="0" lvl="0" indent="0" algn="ctr" defTabSz="1066800">
+            <a:lnSpc>
+              <a:spcPct val="90000"/>
+            </a:lnSpc>
+            <a:spcBef>
+              <a:spcPct val="0"/>
+            </a:spcBef>
+            <a:spcAft>
+              <a:spcPct val="35000"/>
+            </a:spcAft>
+            <a:buNone/>
+          </a:pPr>
+          <a:r>
+            <a:rPr lang="en-US" sz="2400" kern="1200" dirty="0">
+              <a:solidFill>
+                <a:schemeClr val="bg1"/>
+              </a:solidFill>
+            </a:rPr>
+            <a:t> Events: Interested &amp; Uninterested</a:t>
+          </a:r>
+        </a:p>
+      </dsp:txBody>
+      <dsp:txXfrm>
+        <a:off x="0" y="510948"/>
+        <a:ext cx="2251389" cy="999536"/>
+      </dsp:txXfrm>
+    </dsp:sp>
+  </dsp:spTree>
+</dsp:drawing>
+</file>
+
+<file path=ppt/diagrams/layout1.xml><?xml version="1.0" encoding="utf-8"?>
+<dgm:layoutDef xmlns:dgm="http://schemas.openxmlformats.org/drawingml/2006/diagram" xmlns:a="http://schemas.openxmlformats.org/drawingml/2006/main" uniqueId="urn:microsoft.com/office/officeart/2005/8/layout/hProcess3">
+  <dgm:title val=""/>
+  <dgm:desc val=""/>
+  <dgm:catLst>
+    <dgm:cat type="process" pri="6000"/>
+  </dgm:catLst>
+  <dgm:sampData useDef="1">
+    <dgm:dataModel>
+      <dgm:ptLst/>
+      <dgm:bg/>
+      <dgm:whole/>
+    </dgm:dataModel>
+  </dgm:sampData>
+  <dgm:styleData>
+    <dgm:dataModel>
+      <dgm:ptLst>
+        <dgm:pt modelId="0" type="doc"/>
+        <dgm:pt modelId="1"/>
+        <dgm:pt modelId="2"/>
+      </dgm:ptLst>
+      <dgm:cxnLst>
+        <dgm:cxn modelId="3" srcId="0" destId="1" srcOrd="0" destOrd="0"/>
+        <dgm:cxn modelId="4" srcId="0" destId="2" srcOrd="1" destOrd="0"/>
+      </dgm:cxnLst>
+      <dgm:bg/>
+      <dgm:whole/>
+    </dgm:dataModel>
+  </dgm:styleData>
+  <dgm:clrData>
+    <dgm:dataModel>
+      <dgm:ptLst>
+        <dgm:pt modelId="0" type="doc"/>
+        <dgm:pt modelId="1"/>
+        <dgm:pt modelId="2"/>
+        <dgm:pt modelId="3"/>
+        <dgm:pt modelId="4"/>
+      </dgm:ptLst>
+      <dgm:cxnLst>
+        <dgm:cxn modelId="5" srcId="0" destId="1" srcOrd="0" destOrd="0"/>
+        <dgm:cxn modelId="6" srcId="0" destId="2" srcOrd="1" destOrd="0"/>
+        <dgm:cxn modelId="7" srcId="0" destId="3" srcOrd="2" destOrd="0"/>
+        <dgm:cxn modelId="8" srcId="0" destId="4" srcOrd="3" destOrd="0"/>
+      </dgm:cxnLst>
+      <dgm:bg/>
+      <dgm:whole/>
+    </dgm:dataModel>
+  </dgm:clrData>
+  <dgm:layoutNode name="Name0" chOrder="t">
+    <dgm:varLst>
+      <dgm:dir/>
+      <dgm:animLvl val="lvl"/>
+      <dgm:resizeHandles val="exact"/>
+    </dgm:varLst>
+    <dgm:alg type="composite"/>
+    <dgm:shape xmlns:r="http://schemas.openxmlformats.org/officeDocument/2006/relationships" r:blip="">
+      <dgm:adjLst/>
+    </dgm:shape>
+    <dgm:presOf/>
+    <dgm:constrLst>
+      <dgm:constr type="w" for="ch" forName="dummy" refType="w"/>
+      <dgm:constr type="h" for="ch" forName="dummy" refType="h"/>
+      <dgm:constr type="h" for="ch" forName="dummy" refType="w" refFor="ch" refForName="dummy" op="lte" fact="0.4"/>
+      <dgm:constr type="ctrX" for="ch" forName="dummy" refType="w" fact="0.5"/>
+      <dgm:constr type="ctrY" for="ch" forName="dummy" refType="h" fact="0.5"/>
+      <dgm:constr type="w" for="ch" forName="linH" refType="w"/>
+      <dgm:constr type="h" for="ch" forName="linH" refType="h"/>
+      <dgm:constr type="ctrX" for="ch" forName="linH" refType="w" fact="0.5"/>
+      <dgm:constr type="ctrY" for="ch" forName="linH" refType="h" fact="0.5"/>
+      <dgm:constr type="userP" for="ch" forName="linH" refType="h" refFor="ch" refForName="dummy" fact="0.25"/>
+      <dgm:constr type="userT" for="des" forName="parTx" refType="w" refFor="ch" refForName="dummy" fact="0.2"/>
+    </dgm:constrLst>
+    <dgm:ruleLst/>
+    <dgm:layoutNode name="dummy">
+      <dgm:alg type="sp"/>
+      <dgm:shape xmlns:r="http://schemas.openxmlformats.org/officeDocument/2006/relationships" r:blip="">
+        <dgm:adjLst/>
+      </dgm:shape>
+      <dgm:presOf/>
+      <dgm:constrLst/>
+      <dgm:ruleLst/>
+    </dgm:layoutNode>
+    <dgm:layoutNode name="linH">
+      <dgm:choose name="Name1">
+        <dgm:if name="Name2" func="var" arg="dir" op="equ" val="norm">
+          <dgm:alg type="lin">
+            <dgm:param type="linDir" val="fromL"/>
+            <dgm:param type="nodeVertAlign" val="t"/>
+          </dgm:alg>
+        </dgm:if>
+        <dgm:else name="Name3">
+          <dgm:alg type="lin">
+            <dgm:param type="linDir" val="fromR"/>
+            <dgm:param type="nodeVertAlign" val="t"/>
+          </dgm:alg>
+        </dgm:else>
+      </dgm:choose>
+      <dgm:shape xmlns:r="http://schemas.openxmlformats.org/officeDocument/2006/relationships" r:blip="">
+        <dgm:adjLst/>
+      </dgm:shape>
+      <dgm:presOf/>
+      <dgm:constrLst>
+        <dgm:constr type="primFontSz" for="des" forName="parTx" val="65"/>
+        <dgm:constr type="primFontSz" for="des" forName="desTx" refType="primFontSz" refFor="des" refForName="parTx" op="equ"/>
+        <dgm:constr type="h" for="des" forName="parTx" refType="primFontSz" refFor="des" refForName="parTx"/>
+        <dgm:constr type="h" for="des" forName="desTx" refType="primFontSz" refFor="des" refForName="parTx" fact="0.5"/>
+        <dgm:constr type="h" for="des" forName="parTx" op="equ"/>
+        <dgm:constr type="h" for="des" forName="desTx" op="equ"/>
+        <dgm:constr type="h" for="ch" forName="backgroundArrow" refType="primFontSz" refFor="des" refForName="parTx" fact="2"/>
+        <dgm:constr type="h" for="ch" forName="backgroundArrow" refType="h" refFor="des" refForName="parTx" op="lte" fact="2"/>
+        <dgm:constr type="h" for="ch" forName="backgroundArrow" refType="h" refFor="des" refForName="parTx" op="gte" fact="2"/>
+        <dgm:constr type="h" for="des" forName="spVertical1" refType="primFontSz" refFor="des" refForName="parTx" fact="0.5"/>
+        <dgm:constr type="h" for="des" forName="spVertical1" refType="h" refFor="des" refForName="parTx" op="lte" fact="0.5"/>
+        <dgm:constr type="h" for="des" forName="spVertical1" refType="h" refFor="des" refForName="parTx" op="gte" fact="0.5"/>
+        <dgm:constr type="h" for="des" forName="spVertical2" refType="primFontSz" refFor="des" refForName="parTx" fact="0.5"/>
+        <dgm:constr type="h" for="des" forName="spVertical2" refType="h" refFor="des" refForName="parTx" op="lte" fact="0.5"/>
+        <dgm:constr type="h" for="des" forName="spVertical2" refType="h" refFor="des" refForName="parTx" op="gte" fact="0.5"/>
+        <dgm:constr type="h" for="des" forName="spVertical3" refType="primFontSz" refFor="des" refForName="parTx" fact="-0.4"/>
+        <dgm:constr type="h" for="des" forName="spVertical3" refType="h" refFor="des" refForName="parTx" op="lte" fact="-0.4"/>
+        <dgm:constr type="h" for="des" forName="spVertical3" refType="h" refFor="des" refForName="parTx" op="gte" fact="-0.4"/>
+        <dgm:constr type="w" for="ch" forName="backgroundArrow" refType="w"/>
+        <dgm:constr type="w" for="ch" forName="negArrow" refType="w" fact="-1"/>
+        <dgm:constr type="w" for="ch" forName="linV" refType="w"/>
+        <dgm:constr type="w" for="ch" forName="space" refType="w" refFor="ch" refForName="linV" fact="0.2"/>
+        <dgm:constr type="w" for="ch" forName="padding1" refType="w" fact="0.08"/>
+        <dgm:constr type="userP"/>
+        <dgm:constr type="w" for="ch" forName="padding2" refType="userP"/>
+      </dgm:constrLst>
+      <dgm:ruleLst>
+        <dgm:rule type="w" for="ch" forName="linV" val="0" fact="NaN" max="NaN"/>
+        <dgm:rule type="primFontSz" for="des" forName="parTx" val="5" fact="NaN" max="NaN"/>
+      </dgm:ruleLst>
+      <dgm:layoutNode name="padding1">
+        <dgm:alg type="sp"/>
+        <dgm:shape xmlns:r="http://schemas.openxmlformats.org/officeDocument/2006/relationships" r:blip="">
+          <dgm:adjLst/>
+        </dgm:shape>
+        <dgm:presOf/>
+        <dgm:constrLst/>
+        <dgm:ruleLst/>
+      </dgm:layoutNode>
+      <dgm:forEach name="Name4" axis="ch" ptType="node">
+        <dgm:layoutNode name="linV">
+          <dgm:alg type="lin">
+            <dgm:param type="linDir" val="fromT"/>
+          </dgm:alg>
+          <dgm:shape xmlns:r="http://schemas.openxmlformats.org/officeDocument/2006/relationships" r:blip="">
+            <dgm:adjLst/>
+          </dgm:shape>
+          <dgm:presOf/>
+          <dgm:constrLst>
+            <dgm:constr type="w" for="ch" forName="spVertical1" refType="w"/>
+            <dgm:constr type="w" for="ch" forName="parTx" refType="w"/>
+            <dgm:constr type="w" for="ch" forName="spVertical2" refType="w"/>
+            <dgm:constr type="w" for="ch" forName="spVertical3" refType="w"/>
+            <dgm:constr type="w" for="ch" forName="desTx" refType="w"/>
+          </dgm:constrLst>
+          <dgm:ruleLst/>
+          <dgm:layoutNode name="spVertical1">
+            <dgm:alg type="sp"/>
+            <dgm:shape xmlns:r="http://schemas.openxmlformats.org/officeDocument/2006/relationships" r:blip="">
+              <dgm:adjLst/>
+            </dgm:shape>
+            <dgm:presOf/>
+            <dgm:constrLst/>
+            <dgm:ruleLst/>
+          </dgm:layoutNode>
+          <dgm:layoutNode name="parTx" styleLbl="revTx">
+            <dgm:varLst>
+              <dgm:chMax val="0"/>
+              <dgm:chPref val="0"/>
+              <dgm:bulletEnabled val="1"/>
+            </dgm:varLst>
+            <dgm:choose name="Name5">
+              <dgm:if name="Name6" axis="root des" ptType="all node" func="maxDepth" op="gt" val="1">
+                <dgm:alg type="tx">
+                  <dgm:param type="parTxLTRAlign" val="l"/>
+                  <dgm:param type="parTxRTLAlign" val="r"/>
+                </dgm:alg>
+              </dgm:if>
+              <dgm:else name="Name7">
+                <dgm:alg type="tx">
+                  <dgm:param type="parTxLTRAlign" val="ctr"/>
+                  <dgm:param type="parTxRTLAlign" val="ctr"/>
+                </dgm:alg>
+              </dgm:else>
+            </dgm:choose>
+            <dgm:shape xmlns:r="http://schemas.openxmlformats.org/officeDocument/2006/relationships" type="rect" r:blip="">
+              <dgm:adjLst/>
+            </dgm:shape>
+            <dgm:presOf axis="self" ptType="node"/>
+            <dgm:choose name="Name8">
+              <dgm:if name="Name9" func="var" arg="dir" op="equ" val="norm">
+                <dgm:constrLst>
+                  <dgm:constr type="userT"/>
+                  <dgm:constr type="h" refType="userT" op="lte"/>
+                  <dgm:constr type="tMarg" refType="primFontSz" fact="0.8"/>
+                  <dgm:constr type="bMarg" refType="tMarg"/>
+                  <dgm:constr type="lMarg"/>
+                  <dgm:constr type="rMarg"/>
+                </dgm:constrLst>
+              </dgm:if>
+              <dgm:else name="Name10">
+                <dgm:constrLst>
+                  <dgm:constr type="userT"/>
+                  <dgm:constr type="h" refType="userT" op="lte"/>
+                  <dgm:constr type="tMarg" refType="primFontSz" fact="0.8"/>
+                  <dgm:constr type="bMarg" refType="tMarg"/>
+                  <dgm:constr type="lMarg"/>
+                  <dgm:constr type="rMarg"/>
+                </dgm:constrLst>
+              </dgm:else>
+            </dgm:choose>
+            <dgm:ruleLst>
+              <dgm:rule type="h" val="INF" fact="NaN" max="NaN"/>
+            </dgm:ruleLst>
+          </dgm:layoutNode>
+          <dgm:layoutNode name="spVertical2">
+            <dgm:alg type="sp"/>
+            <dgm:shape xmlns:r="http://schemas.openxmlformats.org/officeDocument/2006/relationships" r:blip="">
+              <dgm:adjLst/>
+            </dgm:shape>
+            <dgm:presOf/>
+            <dgm:constrLst/>
+            <dgm:ruleLst/>
+          </dgm:layoutNode>
+          <dgm:layoutNode name="spVertical3">
+            <dgm:alg type="sp"/>
+            <dgm:shape xmlns:r="http://schemas.openxmlformats.org/officeDocument/2006/relationships" r:blip="">
+              <dgm:adjLst/>
+            </dgm:shape>
+            <dgm:presOf/>
+            <dgm:constrLst/>
+            <dgm:ruleLst/>
+          </dgm:layoutNode>
+          <dgm:choose name="Name11">
+            <dgm:if name="Name12" axis="ch" ptType="node" func="cnt" op="gte" val="1">
+              <dgm:layoutNode name="desTx" styleLbl="revTx">
+                <dgm:varLst>
+                  <dgm:bulletEnabled val="1"/>
+                </dgm:varLst>
+                <dgm:alg type="tx">
+                  <dgm:param type="stBulletLvl" val="1"/>
+                </dgm:alg>
+                <dgm:shape xmlns:r="http://schemas.openxmlformats.org/officeDocument/2006/relationships" type="rect" r:blip="">
+                  <dgm:adjLst/>
+                </dgm:shape>
+                <dgm:presOf axis="des" ptType="node"/>
+                <dgm:constrLst>
+                  <dgm:constr type="tMarg"/>
+                  <dgm:constr type="bMarg"/>
+                  <dgm:constr type="rMarg"/>
+                  <dgm:constr type="lMarg"/>
+                </dgm:constrLst>
+                <dgm:ruleLst>
+                  <dgm:rule type="h" val="INF" fact="NaN" max="NaN"/>
+                </dgm:ruleLst>
+              </dgm:layoutNode>
+            </dgm:if>
+            <dgm:else name="Name13"/>
+          </dgm:choose>
+        </dgm:layoutNode>
+        <dgm:forEach name="Name14" axis="followSib" ptType="sibTrans" cnt="1">
+          <dgm:layoutNode name="space">
+            <dgm:alg type="sp"/>
+            <dgm:shape xmlns:r="http://schemas.openxmlformats.org/officeDocument/2006/relationships" r:blip="">
+              <dgm:adjLst/>
+            </dgm:shape>
+            <dgm:presOf/>
+            <dgm:constrLst/>
+            <dgm:ruleLst/>
+          </dgm:layoutNode>
+        </dgm:forEach>
+      </dgm:forEach>
+      <dgm:layoutNode name="padding2">
+        <dgm:alg type="sp"/>
+        <dgm:shape xmlns:r="http://schemas.openxmlformats.org/officeDocument/2006/relationships" r:blip="">
+          <dgm:adjLst/>
+        </dgm:shape>
+        <dgm:presOf/>
+        <dgm:constrLst/>
+        <dgm:ruleLst/>
+      </dgm:layoutNode>
+      <dgm:layoutNode name="negArrow">
+        <dgm:alg type="sp"/>
+        <dgm:shape xmlns:r="http://schemas.openxmlformats.org/officeDocument/2006/relationships" r:blip="">
+          <dgm:adjLst/>
+        </dgm:shape>
+        <dgm:presOf/>
+        <dgm:constrLst/>
+        <dgm:ruleLst/>
+      </dgm:layoutNode>
+      <dgm:layoutNode name="backgroundArrow" styleLbl="node1">
+        <dgm:alg type="sp"/>
+        <dgm:choose name="Name15">
+          <dgm:if name="Name16" func="var" arg="dir" op="equ" val="norm">
+            <dgm:shape xmlns:r="http://schemas.openxmlformats.org/officeDocument/2006/relationships" type="rightArrow" r:blip="">
+              <dgm:adjLst/>
+            </dgm:shape>
+          </dgm:if>
+          <dgm:else name="Name17">
+            <dgm:shape xmlns:r="http://schemas.openxmlformats.org/officeDocument/2006/relationships" type="leftArrow" r:blip="">
+              <dgm:adjLst/>
+            </dgm:shape>
+          </dgm:else>
+        </dgm:choose>
+        <dgm:presOf/>
+        <dgm:constrLst/>
+        <dgm:ruleLst/>
+      </dgm:layoutNode>
+    </dgm:layoutNode>
+  </dgm:layoutNode>
+</dgm:layoutDef>
+</file>
+
+<file path=ppt/diagrams/layout2.xml><?xml version="1.0" encoding="utf-8"?>
+<dgm:layoutDef xmlns:dgm="http://schemas.openxmlformats.org/drawingml/2006/diagram" xmlns:a="http://schemas.openxmlformats.org/drawingml/2006/main" uniqueId="urn:microsoft.com/office/officeart/2005/8/layout/hProcess3">
+  <dgm:title val=""/>
+  <dgm:desc val=""/>
+  <dgm:catLst>
+    <dgm:cat type="process" pri="6000"/>
+  </dgm:catLst>
+  <dgm:sampData useDef="1">
+    <dgm:dataModel>
+      <dgm:ptLst/>
+      <dgm:bg/>
+      <dgm:whole/>
+    </dgm:dataModel>
+  </dgm:sampData>
+  <dgm:styleData>
+    <dgm:dataModel>
+      <dgm:ptLst>
+        <dgm:pt modelId="0" type="doc"/>
+        <dgm:pt modelId="1"/>
+        <dgm:pt modelId="2"/>
+      </dgm:ptLst>
+      <dgm:cxnLst>
+        <dgm:cxn modelId="3" srcId="0" destId="1" srcOrd="0" destOrd="0"/>
+        <dgm:cxn modelId="4" srcId="0" destId="2" srcOrd="1" destOrd="0"/>
+      </dgm:cxnLst>
+      <dgm:bg/>
+      <dgm:whole/>
+    </dgm:dataModel>
+  </dgm:styleData>
+  <dgm:clrData>
+    <dgm:dataModel>
+      <dgm:ptLst>
+        <dgm:pt modelId="0" type="doc"/>
+        <dgm:pt modelId="1"/>
+        <dgm:pt modelId="2"/>
+        <dgm:pt modelId="3"/>
+        <dgm:pt modelId="4"/>
+      </dgm:ptLst>
+      <dgm:cxnLst>
+        <dgm:cxn modelId="5" srcId="0" destId="1" srcOrd="0" destOrd="0"/>
+        <dgm:cxn modelId="6" srcId="0" destId="2" srcOrd="1" destOrd="0"/>
+        <dgm:cxn modelId="7" srcId="0" destId="3" srcOrd="2" destOrd="0"/>
+        <dgm:cxn modelId="8" srcId="0" destId="4" srcOrd="3" destOrd="0"/>
+      </dgm:cxnLst>
+      <dgm:bg/>
+      <dgm:whole/>
+    </dgm:dataModel>
+  </dgm:clrData>
+  <dgm:layoutNode name="Name0" chOrder="t">
+    <dgm:varLst>
+      <dgm:dir/>
+      <dgm:animLvl val="lvl"/>
+      <dgm:resizeHandles val="exact"/>
+    </dgm:varLst>
+    <dgm:alg type="composite"/>
+    <dgm:shape xmlns:r="http://schemas.openxmlformats.org/officeDocument/2006/relationships" r:blip="">
+      <dgm:adjLst/>
+    </dgm:shape>
+    <dgm:presOf/>
+    <dgm:constrLst>
+      <dgm:constr type="w" for="ch" forName="dummy" refType="w"/>
+      <dgm:constr type="h" for="ch" forName="dummy" refType="h"/>
+      <dgm:constr type="h" for="ch" forName="dummy" refType="w" refFor="ch" refForName="dummy" op="lte" fact="0.4"/>
+      <dgm:constr type="ctrX" for="ch" forName="dummy" refType="w" fact="0.5"/>
+      <dgm:constr type="ctrY" for="ch" forName="dummy" refType="h" fact="0.5"/>
+      <dgm:constr type="w" for="ch" forName="linH" refType="w"/>
+      <dgm:constr type="h" for="ch" forName="linH" refType="h"/>
+      <dgm:constr type="ctrX" for="ch" forName="linH" refType="w" fact="0.5"/>
+      <dgm:constr type="ctrY" for="ch" forName="linH" refType="h" fact="0.5"/>
+      <dgm:constr type="userP" for="ch" forName="linH" refType="h" refFor="ch" refForName="dummy" fact="0.25"/>
+      <dgm:constr type="userT" for="des" forName="parTx" refType="w" refFor="ch" refForName="dummy" fact="0.2"/>
+    </dgm:constrLst>
+    <dgm:ruleLst/>
+    <dgm:layoutNode name="dummy">
+      <dgm:alg type="sp"/>
+      <dgm:shape xmlns:r="http://schemas.openxmlformats.org/officeDocument/2006/relationships" r:blip="">
+        <dgm:adjLst/>
+      </dgm:shape>
+      <dgm:presOf/>
+      <dgm:constrLst/>
+      <dgm:ruleLst/>
+    </dgm:layoutNode>
+    <dgm:layoutNode name="linH">
+      <dgm:choose name="Name1">
+        <dgm:if name="Name2" func="var" arg="dir" op="equ" val="norm">
+          <dgm:alg type="lin">
+            <dgm:param type="linDir" val="fromL"/>
+            <dgm:param type="nodeVertAlign" val="t"/>
+          </dgm:alg>
+        </dgm:if>
+        <dgm:else name="Name3">
+          <dgm:alg type="lin">
+            <dgm:param type="linDir" val="fromR"/>
+            <dgm:param type="nodeVertAlign" val="t"/>
+          </dgm:alg>
+        </dgm:else>
+      </dgm:choose>
+      <dgm:shape xmlns:r="http://schemas.openxmlformats.org/officeDocument/2006/relationships" r:blip="">
+        <dgm:adjLst/>
+      </dgm:shape>
+      <dgm:presOf/>
+      <dgm:constrLst>
+        <dgm:constr type="primFontSz" for="des" forName="parTx" val="65"/>
+        <dgm:constr type="primFontSz" for="des" forName="desTx" refType="primFontSz" refFor="des" refForName="parTx" op="equ"/>
+        <dgm:constr type="h" for="des" forName="parTx" refType="primFontSz" refFor="des" refForName="parTx"/>
+        <dgm:constr type="h" for="des" forName="desTx" refType="primFontSz" refFor="des" refForName="parTx" fact="0.5"/>
+        <dgm:constr type="h" for="des" forName="parTx" op="equ"/>
+        <dgm:constr type="h" for="des" forName="desTx" op="equ"/>
+        <dgm:constr type="h" for="ch" forName="backgroundArrow" refType="primFontSz" refFor="des" refForName="parTx" fact="2"/>
+        <dgm:constr type="h" for="ch" forName="backgroundArrow" refType="h" refFor="des" refForName="parTx" op="lte" fact="2"/>
+        <dgm:constr type="h" for="ch" forName="backgroundArrow" refType="h" refFor="des" refForName="parTx" op="gte" fact="2"/>
+        <dgm:constr type="h" for="des" forName="spVertical1" refType="primFontSz" refFor="des" refForName="parTx" fact="0.5"/>
+        <dgm:constr type="h" for="des" forName="spVertical1" refType="h" refFor="des" refForName="parTx" op="lte" fact="0.5"/>
+        <dgm:constr type="h" for="des" forName="spVertical1" refType="h" refFor="des" refForName="parTx" op="gte" fact="0.5"/>
+        <dgm:constr type="h" for="des" forName="spVertical2" refType="primFontSz" refFor="des" refForName="parTx" fact="0.5"/>
+        <dgm:constr type="h" for="des" forName="spVertical2" refType="h" refFor="des" refForName="parTx" op="lte" fact="0.5"/>
+        <dgm:constr type="h" for="des" forName="spVertical2" refType="h" refFor="des" refForName="parTx" op="gte" fact="0.5"/>
+        <dgm:constr type="h" for="des" forName="spVertical3" refType="primFontSz" refFor="des" refForName="parTx" fact="-0.4"/>
+        <dgm:constr type="h" for="des" forName="spVertical3" refType="h" refFor="des" refForName="parTx" op="lte" fact="-0.4"/>
+        <dgm:constr type="h" for="des" forName="spVertical3" refType="h" refFor="des" refForName="parTx" op="gte" fact="-0.4"/>
+        <dgm:constr type="w" for="ch" forName="backgroundArrow" refType="w"/>
+        <dgm:constr type="w" for="ch" forName="negArrow" refType="w" fact="-1"/>
+        <dgm:constr type="w" for="ch" forName="linV" refType="w"/>
+        <dgm:constr type="w" for="ch" forName="space" refType="w" refFor="ch" refForName="linV" fact="0.2"/>
+        <dgm:constr type="w" for="ch" forName="padding1" refType="w" fact="0.08"/>
+        <dgm:constr type="userP"/>
+        <dgm:constr type="w" for="ch" forName="padding2" refType="userP"/>
+      </dgm:constrLst>
+      <dgm:ruleLst>
+        <dgm:rule type="w" for="ch" forName="linV" val="0" fact="NaN" max="NaN"/>
+        <dgm:rule type="primFontSz" for="des" forName="parTx" val="5" fact="NaN" max="NaN"/>
+      </dgm:ruleLst>
+      <dgm:layoutNode name="padding1">
+        <dgm:alg type="sp"/>
+        <dgm:shape xmlns:r="http://schemas.openxmlformats.org/officeDocument/2006/relationships" r:blip="">
+          <dgm:adjLst/>
+        </dgm:shape>
+        <dgm:presOf/>
+        <dgm:constrLst/>
+        <dgm:ruleLst/>
+      </dgm:layoutNode>
+      <dgm:forEach name="Name4" axis="ch" ptType="node">
+        <dgm:layoutNode name="linV">
+          <dgm:alg type="lin">
+            <dgm:param type="linDir" val="fromT"/>
+          </dgm:alg>
+          <dgm:shape xmlns:r="http://schemas.openxmlformats.org/officeDocument/2006/relationships" r:blip="">
+            <dgm:adjLst/>
+          </dgm:shape>
+          <dgm:presOf/>
+          <dgm:constrLst>
+            <dgm:constr type="w" for="ch" forName="spVertical1" refType="w"/>
+            <dgm:constr type="w" for="ch" forName="parTx" refType="w"/>
+            <dgm:constr type="w" for="ch" forName="spVertical2" refType="w"/>
+            <dgm:constr type="w" for="ch" forName="spVertical3" refType="w"/>
+            <dgm:constr type="w" for="ch" forName="desTx" refType="w"/>
+          </dgm:constrLst>
+          <dgm:ruleLst/>
+          <dgm:layoutNode name="spVertical1">
+            <dgm:alg type="sp"/>
+            <dgm:shape xmlns:r="http://schemas.openxmlformats.org/officeDocument/2006/relationships" r:blip="">
+              <dgm:adjLst/>
+            </dgm:shape>
+            <dgm:presOf/>
+            <dgm:constrLst/>
+            <dgm:ruleLst/>
+          </dgm:layoutNode>
+          <dgm:layoutNode name="parTx" styleLbl="revTx">
+            <dgm:varLst>
+              <dgm:chMax val="0"/>
+              <dgm:chPref val="0"/>
+              <dgm:bulletEnabled val="1"/>
+            </dgm:varLst>
+            <dgm:choose name="Name5">
+              <dgm:if name="Name6" axis="root des" ptType="all node" func="maxDepth" op="gt" val="1">
+                <dgm:alg type="tx">
+                  <dgm:param type="parTxLTRAlign" val="l"/>
+                  <dgm:param type="parTxRTLAlign" val="r"/>
+                </dgm:alg>
+              </dgm:if>
+              <dgm:else name="Name7">
+                <dgm:alg type="tx">
+                  <dgm:param type="parTxLTRAlign" val="ctr"/>
+                  <dgm:param type="parTxRTLAlign" val="ctr"/>
+                </dgm:alg>
+              </dgm:else>
+            </dgm:choose>
+            <dgm:shape xmlns:r="http://schemas.openxmlformats.org/officeDocument/2006/relationships" type="rect" r:blip="">
+              <dgm:adjLst/>
+            </dgm:shape>
+            <dgm:presOf axis="self" ptType="node"/>
+            <dgm:choose name="Name8">
+              <dgm:if name="Name9" func="var" arg="dir" op="equ" val="norm">
+                <dgm:constrLst>
+                  <dgm:constr type="userT"/>
+                  <dgm:constr type="h" refType="userT" op="lte"/>
+                  <dgm:constr type="tMarg" refType="primFontSz" fact="0.8"/>
+                  <dgm:constr type="bMarg" refType="tMarg"/>
+                  <dgm:constr type="lMarg"/>
+                  <dgm:constr type="rMarg"/>
+                </dgm:constrLst>
+              </dgm:if>
+              <dgm:else name="Name10">
+                <dgm:constrLst>
+                  <dgm:constr type="userT"/>
+                  <dgm:constr type="h" refType="userT" op="lte"/>
+                  <dgm:constr type="tMarg" refType="primFontSz" fact="0.8"/>
+                  <dgm:constr type="bMarg" refType="tMarg"/>
+                  <dgm:constr type="lMarg"/>
+                  <dgm:constr type="rMarg"/>
+                </dgm:constrLst>
+              </dgm:else>
+            </dgm:choose>
+            <dgm:ruleLst>
+              <dgm:rule type="h" val="INF" fact="NaN" max="NaN"/>
+            </dgm:ruleLst>
+          </dgm:layoutNode>
+          <dgm:layoutNode name="spVertical2">
+            <dgm:alg type="sp"/>
+            <dgm:shape xmlns:r="http://schemas.openxmlformats.org/officeDocument/2006/relationships" r:blip="">
+              <dgm:adjLst/>
+            </dgm:shape>
+            <dgm:presOf/>
+            <dgm:constrLst/>
+            <dgm:ruleLst/>
+          </dgm:layoutNode>
+          <dgm:layoutNode name="spVertical3">
+            <dgm:alg type="sp"/>
+            <dgm:shape xmlns:r="http://schemas.openxmlformats.org/officeDocument/2006/relationships" r:blip="">
+              <dgm:adjLst/>
+            </dgm:shape>
+            <dgm:presOf/>
+            <dgm:constrLst/>
+            <dgm:ruleLst/>
+          </dgm:layoutNode>
+          <dgm:choose name="Name11">
+            <dgm:if name="Name12" axis="ch" ptType="node" func="cnt" op="gte" val="1">
+              <dgm:layoutNode name="desTx" styleLbl="revTx">
+                <dgm:varLst>
+                  <dgm:bulletEnabled val="1"/>
+                </dgm:varLst>
+                <dgm:alg type="tx">
+                  <dgm:param type="stBulletLvl" val="1"/>
+                </dgm:alg>
+                <dgm:shape xmlns:r="http://schemas.openxmlformats.org/officeDocument/2006/relationships" type="rect" r:blip="">
+                  <dgm:adjLst/>
+                </dgm:shape>
+                <dgm:presOf axis="des" ptType="node"/>
+                <dgm:constrLst>
+                  <dgm:constr type="tMarg"/>
+                  <dgm:constr type="bMarg"/>
+                  <dgm:constr type="rMarg"/>
+                  <dgm:constr type="lMarg"/>
+                </dgm:constrLst>
+                <dgm:ruleLst>
+                  <dgm:rule type="h" val="INF" fact="NaN" max="NaN"/>
+                </dgm:ruleLst>
+              </dgm:layoutNode>
+            </dgm:if>
+            <dgm:else name="Name13"/>
+          </dgm:choose>
+        </dgm:layoutNode>
+        <dgm:forEach name="Name14" axis="followSib" ptType="sibTrans" cnt="1">
+          <dgm:layoutNode name="space">
+            <dgm:alg type="sp"/>
+            <dgm:shape xmlns:r="http://schemas.openxmlformats.org/officeDocument/2006/relationships" r:blip="">
+              <dgm:adjLst/>
+            </dgm:shape>
+            <dgm:presOf/>
+            <dgm:constrLst/>
+            <dgm:ruleLst/>
+          </dgm:layoutNode>
+        </dgm:forEach>
+      </dgm:forEach>
+      <dgm:layoutNode name="padding2">
+        <dgm:alg type="sp"/>
+        <dgm:shape xmlns:r="http://schemas.openxmlformats.org/officeDocument/2006/relationships" r:blip="">
+          <dgm:adjLst/>
+        </dgm:shape>
+        <dgm:presOf/>
+        <dgm:constrLst/>
+        <dgm:ruleLst/>
+      </dgm:layoutNode>
+      <dgm:layoutNode name="negArrow">
+        <dgm:alg type="sp"/>
+        <dgm:shape xmlns:r="http://schemas.openxmlformats.org/officeDocument/2006/relationships" r:blip="">
+          <dgm:adjLst/>
+        </dgm:shape>
+        <dgm:presOf/>
+        <dgm:constrLst/>
+        <dgm:ruleLst/>
+      </dgm:layoutNode>
+      <dgm:layoutNode name="backgroundArrow" styleLbl="node1">
+        <dgm:alg type="sp"/>
+        <dgm:choose name="Name15">
+          <dgm:if name="Name16" func="var" arg="dir" op="equ" val="norm">
+            <dgm:shape xmlns:r="http://schemas.openxmlformats.org/officeDocument/2006/relationships" type="rightArrow" r:blip="">
+              <dgm:adjLst/>
+            </dgm:shape>
+          </dgm:if>
+          <dgm:else name="Name17">
+            <dgm:shape xmlns:r="http://schemas.openxmlformats.org/officeDocument/2006/relationships" type="leftArrow" r:blip="">
+              <dgm:adjLst/>
+            </dgm:shape>
+          </dgm:else>
+        </dgm:choose>
+        <dgm:presOf/>
+        <dgm:constrLst/>
+        <dgm:ruleLst/>
+      </dgm:layoutNode>
+    </dgm:layoutNode>
+  </dgm:layoutNode>
+</dgm:layoutDef>
+</file>
+
+<file path=ppt/diagrams/quickStyle1.xml><?xml version="1.0" encoding="utf-8"?>
+<dgm:styleDef xmlns:dgm="http://schemas.openxmlformats.org/drawingml/2006/diagram" xmlns:a="http://schemas.openxmlformats.org/drawingml/2006/main" uniqueId="urn:microsoft.com/office/officeart/2005/8/quickstyle/simple1">
+  <dgm:title val=""/>
+  <dgm:desc val=""/>
+  <dgm:catLst>
+    <dgm:cat type="simple" pri="10100"/>
+  </dgm:catLst>
+  <dgm:scene3d>
+    <a:camera prst="orthographicFront"/>
+    <a:lightRig rig="threePt" dir="t"/>
+  </dgm:scene3d>
+  <dgm:styleLbl name="node0">
+    <dgm:scene3d>
+      <a:camera prst="orthographicFront"/>
+      <a:lightRig rig="threePt" dir="t"/>
+    </dgm:scene3d>
+    <dgm:sp3d/>
+    <dgm:txPr/>
+    <dgm:style>
+      <a:lnRef idx="2">
+        <a:scrgbClr r="0" g="0" b="0"/>
+      </a:lnRef>
+      <a:fillRef idx="1">
+        <a:scrgbClr r="0" g="0" b="0"/>
+      </a:fillRef>
+      <a:effectRef idx="0">
+        <a:scrgbClr r="0" g="0" b="0"/>
+      </a:effectRef>
+      <a:fontRef idx="minor">
+        <a:schemeClr val="lt1"/>
+      </a:fontRef>
+    </dgm:style>
+  </dgm:styleLbl>
+  <dgm:styleLbl name="lnNode1">
+    <dgm:scene3d>
+      <a:camera prst="orthographicFront"/>
+      <a:lightRig rig="threePt" dir="t"/>
+    </dgm:scene3d>
+    <dgm:sp3d/>
+    <dgm:txPr/>
+    <dgm:style>
+      <a:lnRef idx="2">
+        <a:scrgbClr r="0" g="0" b="0"/>
+      </a:lnRef>
+      <a:fillRef idx="1">
+        <a:scrgbClr r="0" g="0" b="0"/>
+      </a:fillRef>
+      <a:effectRef idx="0">
+        <a:scrgbClr r="0" g="0" b="0"/>
+      </a:effectRef>
+      <a:fontRef idx="minor">
+        <a:schemeClr val="lt1"/>
+      </a:fontRef>
+    </dgm:style>
+  </dgm:styleLbl>
+  <dgm:styleLbl name="vennNode1">
+    <dgm:scene3d>
+      <a:camera prst="orthographicFront"/>
+      <a:lightRig rig="threePt" dir="t"/>
+    </dgm:scene3d>
+    <dgm:sp3d/>
+    <dgm:txPr/>
+    <dgm:style>
+      <a:lnRef idx="2">
+        <a:scrgbClr r="0" g="0" b="0"/>
+      </a:lnRef>
+      <a:fillRef idx="1">
+        <a:scrgbClr r="0" g="0" b="0"/>
+      </a:fillRef>
+      <a:effectRef idx="0">
+        <a:scrgbClr r="0" g="0" b="0"/>
+      </a:effectRef>
+      <a:fontRef idx="minor">
+        <a:schemeClr val="tx1"/>
+      </a:fontRef>
+    </dgm:style>
+  </dgm:styleLbl>
+  <dgm:styleLbl name="alignNode1">
+    <dgm:scene3d>
+      <a:camera prst="orthographicFront"/>
+      <a:lightRig rig="threePt" dir="t"/>
+    </dgm:scene3d>
+    <dgm:sp3d/>
+    <dgm:txPr/>
+    <dgm:style>
+      <a:lnRef idx="2">
+        <a:scrgbClr r="0" g="0" b="0"/>
+      </a:lnRef>
+      <a:fillRef idx="1">
+        <a:scrgbClr r="0" g="0" b="0"/>
+      </a:fillRef>
+      <a:effectRef idx="0">
+        <a:scrgbClr r="0" g="0" b="0"/>
+      </a:effectRef>
+      <a:fontRef idx="minor">
+        <a:schemeClr val="lt1"/>
+      </a:fontRef>
+    </dgm:style>
+  </dgm:styleLbl>
+  <dgm:styleLbl name="node1">
+    <dgm:scene3d>
+      <a:camera prst="orthographicFront"/>
+      <a:lightRig rig="threePt" dir="t"/>
+    </dgm:scene3d>
+    <dgm:sp3d/>
+    <dgm:txPr/>
+    <dgm:style>
+      <a:lnRef idx="2">
+        <a:scrgbClr r="0" g="0" b="0"/>
+      </a:lnRef>
+      <a:fillRef idx="1">
+        <a:scrgbClr r="0" g="0" b="0"/>
+      </a:fillRef>
+      <a:effectRef idx="0">
+        <a:scrgbClr r="0" g="0" b="0"/>
+      </a:effectRef>
+      <a:fontRef idx="minor">
+        <a:schemeClr val="lt1"/>
+      </a:fontRef>
+    </dgm:style>
+  </dgm:styleLbl>
+  <dgm:styleLbl name="node2">
+    <dgm:scene3d>
+      <a:camera prst="orthographicFront"/>
+      <a:lightRig rig="threePt" dir="t"/>
+    </dgm:scene3d>
+    <dgm:sp3d/>
+    <dgm:txPr/>
+    <dgm:style>
+      <a:lnRef idx="2">
+        <a:scrgbClr r="0" g="0" b="0"/>
+      </a:lnRef>
+      <a:fillRef idx="1">
+        <a:scrgbClr r="0" g="0" b="0"/>
+      </a:fillRef>
+      <a:effectRef idx="0">
+        <a:scrgbClr r="0" g="0" b="0"/>
+      </a:effectRef>
+      <a:fontRef idx="minor">
+        <a:schemeClr val="lt1"/>
+      </a:fontRef>
+    </dgm:style>
+  </dgm:styleLbl>
+  <dgm:styleLbl name="node3">
+    <dgm:scene3d>
+      <a:camera prst="orthographicFront"/>
+      <a:lightRig rig="threePt" dir="t"/>
+    </dgm:scene3d>
+    <dgm:sp3d/>
+    <dgm:txPr/>
+    <dgm:style>
+      <a:lnRef idx="2">
+        <a:scrgbClr r="0" g="0" b="0"/>
+      </a:lnRef>
+      <a:fillRef idx="1">
+        <a:scrgbClr r="0" g="0" b="0"/>
+      </a:fillRef>
+      <a:effectRef idx="0">
+        <a:scrgbClr r="0" g="0" b="0"/>
+      </a:effectRef>
+      <a:fontRef idx="minor">
+        <a:schemeClr val="lt1"/>
+      </a:fontRef>
+    </dgm:style>
+  </dgm:styleLbl>
+  <dgm:styleLbl name="node4">
+    <dgm:scene3d>
+      <a:camera prst="orthographicFront"/>
+      <a:lightRig rig="threePt" dir="t"/>
+    </dgm:scene3d>
+    <dgm:sp3d/>
+    <dgm:txPr/>
+    <dgm:style>
+      <a:lnRef idx="2">
+        <a:scrgbClr r="0" g="0" b="0"/>
+      </a:lnRef>
+      <a:fillRef idx="1">
+        <a:scrgbClr r="0" g="0" b="0"/>
+      </a:fillRef>
+      <a:effectRef idx="0">
+        <a:scrgbClr r="0" g="0" b="0"/>
+      </a:effectRef>
+      <a:fontRef idx="minor">
+        <a:schemeClr val="lt1"/>
+      </a:fontRef>
+    </dgm:style>
+  </dgm:styleLbl>
+  <dgm:styleLbl name="fgImgPlace1">
+    <dgm:scene3d>
+      <a:camera prst="orthographicFront"/>
+      <a:lightRig rig="threePt" dir="t"/>
+    </dgm:scene3d>
+    <dgm:sp3d/>
+    <dgm:txPr/>
+    <dgm:style>
+      <a:lnRef idx="2">
+        <a:scrgbClr r="0" g="0" b="0"/>
+      </a:lnRef>
+      <a:fillRef idx="1">
+        <a:scrgbClr r="0" g="0" b="0"/>
+      </a:fillRef>
+      <a:effectRef idx="0">
+        <a:scrgbClr r="0" g="0" b="0"/>
+      </a:effectRef>
+      <a:fontRef idx="minor"/>
+    </dgm:style>
+  </dgm:styleLbl>
+  <dgm:styleLbl name="alignImgPlace1">
+    <dgm:scene3d>
+      <a:camera prst="orthographicFront"/>
+      <a:lightRig rig="threePt" dir="t"/>
+    </dgm:scene3d>
+    <dgm:sp3d/>
+    <dgm:txPr/>
+    <dgm:style>
+      <a:lnRef idx="2">
+        <a:scrgbClr r="0" g="0" b="0"/>
+      </a:lnRef>
+      <a:fillRef idx="1">
+        <a:scrgbClr r="0" g="0" b="0"/>
+      </a:fillRef>
+      <a:effectRef idx="0">
+        <a:scrgbClr r="0" g="0" b="0"/>
+      </a:effectRef>
+      <a:fontRef idx="minor"/>
+    </dgm:style>
+  </dgm:styleLbl>
+  <dgm:styleLbl name="bgImgPlace1">
+    <dgm:scene3d>
+      <a:camera prst="orthographicFront"/>
+      <a:lightRig rig="threePt" dir="t"/>
+    </dgm:scene3d>
+    <dgm:sp3d/>
+    <dgm:txPr/>
+    <dgm:style>
+      <a:lnRef idx="2">
+        <a:scrgbClr r="0" g="0" b="0"/>
+      </a:lnRef>
+      <a:fillRef idx="1">
+        <a:scrgbClr r="0" g="0" b="0"/>
+      </a:fillRef>
+      <a:effectRef idx="0">
+        <a:scrgbClr r="0" g="0" b="0"/>
+      </a:effectRef>
+      <a:fontRef idx="minor"/>
+    </dgm:style>
+  </dgm:styleLbl>
+  <dgm:styleLbl name="sibTrans2D1">
+    <dgm:scene3d>
+      <a:camera prst="orthographicFront"/>
+      <a:lightRig rig="threePt" dir="t"/>
+    </dgm:scene3d>
+    <dgm:sp3d/>
+    <dgm:txPr/>
+    <dgm:style>
+      <a:lnRef idx="0">
+        <a:scrgbClr r="0" g="0" b="0"/>
+      </a:lnRef>
+      <a:fillRef idx="1">
+        <a:scrgbClr r="0" g="0" b="0"/>
+      </a:fillRef>
+      <a:effectRef idx="0">
+        <a:scrgbClr r="0" g="0" b="0"/>
+      </a:effectRef>
+      <a:fontRef idx="minor">
+        <a:schemeClr val="lt1"/>
+      </a:fontRef>
+    </dgm:style>
+  </dgm:styleLbl>
+  <dgm:styleLbl name="fgSibTrans2D1">
+    <dgm:scene3d>
+      <a:camera prst="orthographicFront"/>
+      <a:lightRig rig="threePt" dir="t"/>
+    </dgm:scene3d>
+    <dgm:sp3d/>
+    <dgm:txPr/>
+    <dgm:style>
+      <a:lnRef idx="0">
+        <a:scrgbClr r="0" g="0" b="0"/>
+      </a:lnRef>
+      <a:fillRef idx="1">
+        <a:scrgbClr r="0" g="0" b="0"/>
+      </a:fillRef>
+      <a:effectRef idx="0">
+        <a:scrgbClr r="0" g="0" b="0"/>
+      </a:effectRef>
+      <a:fontRef idx="minor">
+        <a:schemeClr val="lt1"/>
+      </a:fontRef>
+    </dgm:style>
+  </dgm:styleLbl>
+  <dgm:styleLbl name="bgSibTrans2D1">
+    <dgm:scene3d>
+      <a:camera prst="orthographicFront"/>
+      <a:lightRig rig="threePt" dir="t"/>
+    </dgm:scene3d>
+    <dgm:sp3d/>
+    <dgm:txPr/>
+    <dgm:style>
+      <a:lnRef idx="0">
+        <a:scrgbClr r="0" g="0" b="0"/>
+      </a:lnRef>
+      <a:fillRef idx="1">
+        <a:scrgbClr r="0" g="0" b="0"/>
+      </a:fillRef>
+      <a:effectRef idx="0">
+        <a:scrgbClr r="0" g="0" b="0"/>
+      </a:effectRef>
+      <a:fontRef idx="minor">
+        <a:schemeClr val="lt1"/>
+      </a:fontRef>
+    </dgm:style>
+  </dgm:styleLbl>
+  <dgm:styleLbl name="sibTrans1D1">
+    <dgm:scene3d>
+      <a:camera prst="orthographicFront"/>
+      <a:lightRig rig="threePt" dir="t"/>
+    </dgm:scene3d>
+    <dgm:sp3d/>
+    <dgm:txPr/>
+    <dgm:style>
+      <a:lnRef idx="1">
+        <a:scrgbClr r="0" g="0" b="0"/>
+      </a:lnRef>
+      <a:fillRef idx="0">
+        <a:scrgbClr r="0" g="0" b="0"/>
+      </a:fillRef>
+      <a:effectRef idx="0">
+        <a:scrgbClr r="0" g="0" b="0"/>
+      </a:effectRef>
+      <a:fontRef idx="minor"/>
+    </dgm:style>
+  </dgm:styleLbl>
+  <dgm:styleLbl name="callout">
+    <dgm:scene3d>
+      <a:camera prst="orthographicFront"/>
+      <a:lightRig rig="threePt" dir="t"/>
+    </dgm:scene3d>
+    <dgm:sp3d/>
+    <dgm:txPr/>
+    <dgm:style>
+      <a:lnRef idx="2">
+        <a:scrgbClr r="0" g="0" b="0"/>
+      </a:lnRef>
+      <a:fillRef idx="1">
+        <a:scrgbClr r="0" g="0" b="0"/>
+      </a:fillRef>
+      <a:effectRef idx="0">
+        <a:scrgbClr r="0" g="0" b="0"/>
+      </a:effectRef>
+      <a:fontRef idx="minor"/>
+    </dgm:style>
+  </dgm:styleLbl>
+  <dgm:styleLbl name="asst0">
+    <dgm:scene3d>
+      <a:camera prst="orthographicFront"/>
+      <a:lightRig rig="threePt" dir="t"/>
+    </dgm:scene3d>
+    <dgm:sp3d/>
+    <dgm:txPr/>
+    <dgm:style>
+      <a:lnRef idx="2">
+        <a:scrgbClr r="0" g="0" b="0"/>
+      </a:lnRef>
+      <a:fillRef idx="1">
+        <a:scrgbClr r="0" g="0" b="0"/>
+      </a:fillRef>
+      <a:effectRef idx="0">
+        <a:scrgbClr r="0" g="0" b="0"/>
+      </a:effectRef>
+      <a:fontRef idx="minor">
+        <a:schemeClr val="lt1"/>
+      </a:fontRef>
+    </dgm:style>
+  </dgm:styleLbl>
+  <dgm:styleLbl name="asst1">
+    <dgm:scene3d>
+      <a:camera prst="orthographicFront"/>
+      <a:lightRig rig="threePt" dir="t"/>
+    </dgm:scene3d>
+    <dgm:sp3d/>
+    <dgm:txPr/>
+    <dgm:style>
+      <a:lnRef idx="2">
+        <a:scrgbClr r="0" g="0" b="0"/>
+      </a:lnRef>
+      <a:fillRef idx="1">
+        <a:scrgbClr r="0" g="0" b="0"/>
+      </a:fillRef>
+      <a:effectRef idx="0">
+        <a:scrgbClr r="0" g="0" b="0"/>
+      </a:effectRef>
+      <a:fontRef idx="minor">
+        <a:schemeClr val="lt1"/>
+      </a:fontRef>
+    </dgm:style>
+  </dgm:styleLbl>
+  <dgm:styleLbl name="asst2">
+    <dgm:scene3d>
+      <a:camera prst="orthographicFront"/>
+      <a:lightRig rig="threePt" dir="t"/>
+    </dgm:scene3d>
+    <dgm:sp3d/>
+    <dgm:txPr/>
+    <dgm:style>
+      <a:lnRef idx="2">
+        <a:scrgbClr r="0" g="0" b="0"/>
+      </a:lnRef>
+      <a:fillRef idx="1">
+        <a:scrgbClr r="0" g="0" b="0"/>
+      </a:fillRef>
+      <a:effectRef idx="0">
+        <a:scrgbClr r="0" g="0" b="0"/>
+      </a:effectRef>
+      <a:fontRef idx="minor">
+        <a:schemeClr val="lt1"/>
+      </a:fontRef>
+    </dgm:style>
+  </dgm:styleLbl>
+  <dgm:styleLbl name="asst3">
+    <dgm:scene3d>
+      <a:camera prst="orthographicFront"/>
+      <a:lightRig rig="threePt" dir="t"/>
+    </dgm:scene3d>
+    <dgm:sp3d/>
+    <dgm:txPr/>
+    <dgm:style>
+      <a:lnRef idx="2">
+        <a:scrgbClr r="0" g="0" b="0"/>
+      </a:lnRef>
+      <a:fillRef idx="1">
+        <a:scrgbClr r="0" g="0" b="0"/>
+      </a:fillRef>
+      <a:effectRef idx="0">
+        <a:scrgbClr r="0" g="0" b="0"/>
+      </a:effectRef>
+      <a:fontRef idx="minor">
+        <a:schemeClr val="lt1"/>
+      </a:fontRef>
+    </dgm:style>
+  </dgm:styleLbl>
+  <dgm:styleLbl name="asst4">
+    <dgm:scene3d>
+      <a:camera prst="orthographicFront"/>
+      <a:lightRig rig="threePt" dir="t"/>
+    </dgm:scene3d>
+    <dgm:sp3d/>
+    <dgm:txPr/>
+    <dgm:style>
+      <a:lnRef idx="2">
+        <a:scrgbClr r="0" g="0" b="0"/>
+      </a:lnRef>
+      <a:fillRef idx="1">
+        <a:scrgbClr r="0" g="0" b="0"/>
+      </a:fillRef>
+      <a:effectRef idx="0">
+        <a:scrgbClr r="0" g="0" b="0"/>
+      </a:effectRef>
+      <a:fontRef idx="minor">
+        <a:schemeClr val="lt1"/>
+      </a:fontRef>
+    </dgm:style>
+  </dgm:styleLbl>
+  <dgm:styleLbl name="parChTrans2D1">
+    <dgm:scene3d>
+      <a:camera prst="orthographicFront"/>
+      <a:lightRig rig="threePt" dir="t"/>
+    </dgm:scene3d>
+    <dgm:sp3d/>
+    <dgm:txPr/>
+    <dgm:style>
+      <a:lnRef idx="2">
+        <a:scrgbClr r="0" g="0" b="0"/>
+      </a:lnRef>
+      <a:fillRef idx="1">
+        <a:scrgbClr r="0" g="0" b="0"/>
+      </a:fillRef>
+      <a:effectRef idx="0">
+        <a:scrgbClr r="0" g="0" b="0"/>
+      </a:effectRef>
+      <a:fontRef idx="minor">
+        <a:schemeClr val="lt1"/>
+      </a:fontRef>
+    </dgm:style>
+  </dgm:styleLbl>
+  <dgm:styleLbl name="parChTrans2D2">
+    <dgm:scene3d>
+      <a:camera prst="orthographicFront"/>
+      <a:lightRig rig="threePt" dir="t"/>
+    </dgm:scene3d>
+    <dgm:sp3d/>
+    <dgm:txPr/>
+    <dgm:style>
+      <a:lnRef idx="2">
+        <a:scrgbClr r="0" g="0" b="0"/>
+      </a:lnRef>
+      <a:fillRef idx="1">
+        <a:scrgbClr r="0" g="0" b="0"/>
+      </a:fillRef>
+      <a:effectRef idx="0">
+        <a:scrgbClr r="0" g="0" b="0"/>
+      </a:effectRef>
+      <a:fontRef idx="minor">
+        <a:schemeClr val="lt1"/>
+      </a:fontRef>
+    </dgm:style>
+  </dgm:styleLbl>
+  <dgm:styleLbl name="parChTrans2D3">
+    <dgm:scene3d>
+      <a:camera prst="orthographicFront"/>
+      <a:lightRig rig="threePt" dir="t"/>
+    </dgm:scene3d>
+    <dgm:sp3d/>
+    <dgm:txPr/>
+    <dgm:style>
+      <a:lnRef idx="2">
+        <a:scrgbClr r="0" g="0" b="0"/>
+      </a:lnRef>
+      <a:fillRef idx="1">
+        <a:scrgbClr r="0" g="0" b="0"/>
+      </a:fillRef>
+      <a:effectRef idx="0">
+        <a:scrgbClr r="0" g="0" b="0"/>
+      </a:effectRef>
+      <a:fontRef idx="minor">
+        <a:schemeClr val="lt1"/>
+      </a:fontRef>
+    </dgm:style>
+  </dgm:styleLbl>
+  <dgm:styleLbl name="parChTrans2D4">
+    <dgm:scene3d>
+      <a:camera prst="orthographicFront"/>
+      <a:lightRig rig="threePt" dir="t"/>
+    </dgm:scene3d>
+    <dgm:sp3d/>
+    <dgm:txPr/>
+    <dgm:style>
+      <a:lnRef idx="2">
+        <a:scrgbClr r="0" g="0" b="0"/>
+      </a:lnRef>
+      <a:fillRef idx="1">
+        <a:scrgbClr r="0" g="0" b="0"/>
+      </a:fillRef>
+      <a:effectRef idx="0">
+        <a:scrgbClr r="0" g="0" b="0"/>
+      </a:effectRef>
+      <a:fontRef idx="minor">
+        <a:schemeClr val="lt1"/>
+      </a:fontRef>
+    </dgm:style>
+  </dgm:styleLbl>
+  <dgm:styleLbl name="parChTrans1D1">
+    <dgm:scene3d>
+      <a:camera prst="orthographicFront"/>
+      <a:lightRig rig="threePt" dir="t"/>
+    </dgm:scene3d>
+    <dgm:sp3d/>
+    <dgm:txPr/>
+    <dgm:style>
+      <a:lnRef idx="2">
+        <a:scrgbClr r="0" g="0" b="0"/>
+      </a:lnRef>
+      <a:fillRef idx="0">
+        <a:scrgbClr r="0" g="0" b="0"/>
+      </a:fillRef>
+      <a:effectRef idx="0">
+        <a:scrgbClr r="0" g="0" b="0"/>
+      </a:effectRef>
+      <a:fontRef idx="minor"/>
+    </dgm:style>
+  </dgm:styleLbl>
+  <dgm:styleLbl name="parChTrans1D2">
+    <dgm:scene3d>
+      <a:camera prst="orthographicFront"/>
+      <a:lightRig rig="threePt" dir="t"/>
+    </dgm:scene3d>
+    <dgm:sp3d/>
+    <dgm:txPr/>
+    <dgm:style>
+      <a:lnRef idx="2">
+        <a:scrgbClr r="0" g="0" b="0"/>
+      </a:lnRef>
+      <a:fillRef idx="0">
+        <a:scrgbClr r="0" g="0" b="0"/>
+      </a:fillRef>
+      <a:effectRef idx="0">
+        <a:scrgbClr r="0" g="0" b="0"/>
+      </a:effectRef>
+      <a:fontRef idx="minor"/>
+    </dgm:style>
+  </dgm:styleLbl>
+  <dgm:styleLbl name="parChTrans1D3">
+    <dgm:scene3d>
+      <a:camera prst="orthographicFront"/>
+      <a:lightRig rig="threePt" dir="t"/>
+    </dgm:scene3d>
+    <dgm:sp3d/>
+    <dgm:txPr/>
+    <dgm:style>
+      <a:lnRef idx="2">
+        <a:scrgbClr r="0" g="0" b="0"/>
+      </a:lnRef>
+      <a:fillRef idx="0">
+        <a:scrgbClr r="0" g="0" b="0"/>
+      </a:fillRef>
+      <a:effectRef idx="0">
+        <a:scrgbClr r="0" g="0" b="0"/>
+      </a:effectRef>
+      <a:fontRef idx="minor"/>
+    </dgm:style>
+  </dgm:styleLbl>
+  <dgm:styleLbl name="parChTrans1D4">
+    <dgm:scene3d>
+      <a:camera prst="orthographicFront"/>
+      <a:lightRig rig="threePt" dir="t"/>
+    </dgm:scene3d>
+    <dgm:sp3d/>
+    <dgm:txPr/>
+    <dgm:style>
+      <a:lnRef idx="2">
+        <a:scrgbClr r="0" g="0" b="0"/>
+      </a:lnRef>
+      <a:fillRef idx="0">
+        <a:scrgbClr r="0" g="0" b="0"/>
+      </a:fillRef>
+      <a:effectRef idx="0">
+        <a:scrgbClr r="0" g="0" b="0"/>
+      </a:effectRef>
+      <a:fontRef idx="minor"/>
+    </dgm:style>
+  </dgm:styleLbl>
+  <dgm:styleLbl name="fgAcc1">
+    <dgm:scene3d>
+      <a:camera prst="orthographicFront"/>
+      <a:lightRig rig="threePt" dir="t"/>
+    </dgm:scene3d>
+    <dgm:sp3d/>
+    <dgm:txPr/>
+    <dgm:style>
+      <a:lnRef idx="2">
+        <a:scrgbClr r="0" g="0" b="0"/>
+      </a:lnRef>
+      <a:fillRef idx="1">
+        <a:scrgbClr r="0" g="0" b="0"/>
+      </a:fillRef>
+      <a:effectRef idx="0">
+        <a:scrgbClr r="0" g="0" b="0"/>
+      </a:effectRef>
+      <a:fontRef idx="minor"/>
+    </dgm:style>
+  </dgm:styleLbl>
+  <dgm:styleLbl name="conFgAcc1">
+    <dgm:scene3d>
+      <a:camera prst="orthographicFront"/>
+      <a:lightRig rig="threePt" dir="t"/>
+    </dgm:scene3d>
+    <dgm:sp3d/>
+    <dgm:txPr/>
+    <dgm:style>
+      <a:lnRef idx="2">
+        <a:scrgbClr r="0" g="0" b="0"/>
+      </a:lnRef>
+      <a:fillRef idx="1">
+        <a:scrgbClr r="0" g="0" b="0"/>
+      </a:fillRef>
+      <a:effectRef idx="0">
+        <a:scrgbClr r="0" g="0" b="0"/>
+      </a:effectRef>
+      <a:fontRef idx="minor"/>
+    </dgm:style>
+  </dgm:styleLbl>
+  <dgm:styleLbl name="alignAcc1">
+    <dgm:scene3d>
+      <a:camera prst="orthographicFront"/>
+      <a:lightRig rig="threePt" dir="t"/>
+    </dgm:scene3d>
+    <dgm:sp3d/>
+    <dgm:txPr/>
+    <dgm:style>
+      <a:lnRef idx="2">
+        <a:scrgbClr r="0" g="0" b="0"/>
+      </a:lnRef>
+      <a:fillRef idx="1">
+        <a:scrgbClr r="0" g="0" b="0"/>
+      </a:fillRef>
+      <a:effectRef idx="0">
+        <a:scrgbClr r="0" g="0" b="0"/>
+      </a:effectRef>
+      <a:fontRef idx="minor"/>
+    </dgm:style>
+  </dgm:styleLbl>
+  <dgm:styleLbl name="trAlignAcc1">
+    <dgm:scene3d>
+      <a:camera prst="orthographicFront"/>
+      <a:lightRig rig="threePt" dir="t"/>
+    </dgm:scene3d>
+    <dgm:sp3d/>
+    <dgm:txPr/>
+    <dgm:style>
+      <a:lnRef idx="1">
+        <a:scrgbClr r="0" g="0" b="0"/>
+      </a:lnRef>
+      <a:fillRef idx="1">
+        <a:scrgbClr r="0" g="0" b="0"/>
+      </a:fillRef>
+      <a:effectRef idx="0">
+        <a:scrgbClr r="0" g="0" b="0"/>
+      </a:effectRef>
+      <a:fontRef idx="minor"/>
+    </dgm:style>
+  </dgm:styleLbl>
+  <dgm:styleLbl name="bgAcc1">
+    <dgm:scene3d>
+      <a:camera prst="orthographicFront"/>
+      <a:lightRig rig="threePt" dir="t"/>
+    </dgm:scene3d>
+    <dgm:sp3d/>
+    <dgm:txPr/>
+    <dgm:style>
+      <a:lnRef idx="2">
+        <a:scrgbClr r="0" g="0" b="0"/>
+      </a:lnRef>
+      <a:fillRef idx="1">
+        <a:scrgbClr r="0" g="0" b="0"/>
+      </a:fillRef>
+      <a:effectRef idx="0">
+        <a:scrgbClr r="0" g="0" b="0"/>
+      </a:effectRef>
+      <a:fontRef idx="minor"/>
+    </dgm:style>
+  </dgm:styleLbl>
+  <dgm:styleLbl name="solidFgAcc1">
+    <dgm:scene3d>
+      <a:camera prst="orthographicFront"/>
+      <a:lightRig rig="threePt" dir="t"/>
+    </dgm:scene3d>
+    <dgm:sp3d/>
+    <dgm:txPr/>
+    <dgm:style>
+      <a:lnRef idx="2">
+        <a:scrgbClr r="0" g="0" b="0"/>
+      </a:lnRef>
+      <a:fillRef idx="1">
+        <a:scrgbClr r="0" g="0" b="0"/>
+      </a:fillRef>
+      <a:effectRef idx="0">
+        <a:scrgbClr r="0" g="0" b="0"/>
+      </a:effectRef>
+      <a:fontRef idx="minor"/>
+    </dgm:style>
+  </dgm:styleLbl>
+  <dgm:styleLbl name="solidAlignAcc1">
+    <dgm:scene3d>
+      <a:camera prst="orthographicFront"/>
+      <a:lightRig rig="threePt" dir="t"/>
+    </dgm:scene3d>
+    <dgm:sp3d/>
+    <dgm:txPr/>
+    <dgm:style>
+      <a:lnRef idx="2">
+        <a:scrgbClr r="0" g="0" b="0"/>
+      </a:lnRef>
+      <a:fillRef idx="1">
+        <a:scrgbClr r="0" g="0" b="0"/>
+      </a:fillRef>
+      <a:effectRef idx="0">
+        <a:scrgbClr r="0" g="0" b="0"/>
+      </a:effectRef>
+      <a:fontRef idx="minor"/>
+    </dgm:style>
+  </dgm:styleLbl>
+  <dgm:styleLbl name="solidBgAcc1">
+    <dgm:scene3d>
+      <a:camera prst="orthographicFront"/>
+      <a:lightRig rig="threePt" dir="t"/>
+    </dgm:scene3d>
+    <dgm:sp3d/>
+    <dgm:txPr/>
+    <dgm:style>
+      <a:lnRef idx="2">
+        <a:scrgbClr r="0" g="0" b="0"/>
+      </a:lnRef>
+      <a:fillRef idx="1">
+        <a:scrgbClr r="0" g="0" b="0"/>
+      </a:fillRef>
+      <a:effectRef idx="0">
+        <a:scrgbClr r="0" g="0" b="0"/>
+      </a:effectRef>
+      <a:fontRef idx="minor"/>
+    </dgm:style>
+  </dgm:styleLbl>
+  <dgm:styleLbl name="fgAccFollowNode1">
+    <dgm:scene3d>
+      <a:camera prst="orthographicFront"/>
+      <a:lightRig rig="threePt" dir="t"/>
+    </dgm:scene3d>
+    <dgm:sp3d/>
+    <dgm:txPr/>
+    <dgm:style>
+      <a:lnRef idx="2">
+        <a:scrgbClr r="0" g="0" b="0"/>
+      </a:lnRef>
+      <a:fillRef idx="1">
+        <a:scrgbClr r="0" g="0" b="0"/>
+      </a:fillRef>
+      <a:effectRef idx="0">
+        <a:scrgbClr r="0" g="0" b="0"/>
+      </a:effectRef>
+      <a:fontRef idx="minor"/>
+    </dgm:style>
+  </dgm:styleLbl>
+  <dgm:styleLbl name="alignAccFollowNode1">
+    <dgm:scene3d>
+      <a:camera prst="orthographicFront"/>
+      <a:lightRig rig="threePt" dir="t"/>
+    </dgm:scene3d>
+    <dgm:sp3d/>
+    <dgm:txPr/>
+    <dgm:style>
+      <a:lnRef idx="2">
+        <a:scrgbClr r="0" g="0" b="0"/>
+      </a:lnRef>
+      <a:fillRef idx="1">
+        <a:scrgbClr r="0" g="0" b="0"/>
+      </a:fillRef>
+      <a:effectRef idx="0">
+        <a:scrgbClr r="0" g="0" b="0"/>
+      </a:effectRef>
+      <a:fontRef idx="minor"/>
+    </dgm:style>
+  </dgm:styleLbl>
+  <dgm:styleLbl name="bgAccFollowNode1">
+    <dgm:scene3d>
+      <a:camera prst="orthographicFront"/>
+      <a:lightRig rig="threePt" dir="t"/>
+    </dgm:scene3d>
+    <dgm:sp3d/>
+    <dgm:txPr/>
+    <dgm:style>
+      <a:lnRef idx="2">
+        <a:scrgbClr r="0" g="0" b="0"/>
+      </a:lnRef>
+      <a:fillRef idx="1">
+        <a:scrgbClr r="0" g="0" b="0"/>
+      </a:fillRef>
+      <a:effectRef idx="0">
+        <a:scrgbClr r="0" g="0" b="0"/>
+      </a:effectRef>
+      <a:fontRef idx="minor"/>
+    </dgm:style>
+  </dgm:styleLbl>
+  <dgm:styleLbl name="fgAcc0">
+    <dgm:scene3d>
+      <a:camera prst="orthographicFront"/>
+      <a:lightRig rig="threePt" dir="t"/>
+    </dgm:scene3d>
+    <dgm:sp3d/>
+    <dgm:txPr/>
+    <dgm:style>
+      <a:lnRef idx="2">
+        <a:scrgbClr r="0" g="0" b="0"/>
+      </a:lnRef>
+      <a:fillRef idx="1">
+        <a:scrgbClr r="0" g="0" b="0"/>
+      </a:fillRef>
+      <a:effectRef idx="0">
+        <a:scrgbClr r="0" g="0" b="0"/>
+      </a:effectRef>
+      <a:fontRef idx="minor"/>
+    </dgm:style>
+  </dgm:styleLbl>
+  <dgm:styleLbl name="fgAcc2">
+    <dgm:scene3d>
+      <a:camera prst="orthographicFront"/>
+      <a:lightRig rig="threePt" dir="t"/>
+    </dgm:scene3d>
+    <dgm:sp3d/>
+    <dgm:txPr/>
+    <dgm:style>
+      <a:lnRef idx="2">
+        <a:scrgbClr r="0" g="0" b="0"/>
+      </a:lnRef>
+      <a:fillRef idx="1">
+        <a:scrgbClr r="0" g="0" b="0"/>
+      </a:fillRef>
+      <a:effectRef idx="0">
+        <a:scrgbClr r="0" g="0" b="0"/>
+      </a:effectRef>
+      <a:fontRef idx="minor"/>
+    </dgm:style>
+  </dgm:styleLbl>
+  <dgm:styleLbl name="fgAcc3">
+    <dgm:scene3d>
+      <a:camera prst="orthographicFront"/>
+      <a:lightRig rig="threePt" dir="t"/>
+    </dgm:scene3d>
+    <dgm:sp3d/>
+    <dgm:txPr/>
+    <dgm:style>
+      <a:lnRef idx="2">
+        <a:scrgbClr r="0" g="0" b="0"/>
+      </a:lnRef>
+      <a:fillRef idx="1">
+        <a:scrgbClr r="0" g="0" b="0"/>
+      </a:fillRef>
+      <a:effectRef idx="0">
+        <a:scrgbClr r="0" g="0" b="0"/>
+      </a:effectRef>
+      <a:fontRef idx="minor"/>
+    </dgm:style>
+  </dgm:styleLbl>
+  <dgm:styleLbl name="fgAcc4">
+    <dgm:scene3d>
+      <a:camera prst="orthographicFront"/>
+      <a:lightRig rig="threePt" dir="t"/>
+    </dgm:scene3d>
+    <dgm:sp3d/>
+    <dgm:txPr/>
+    <dgm:style>
+      <a:lnRef idx="2">
+        <a:scrgbClr r="0" g="0" b="0"/>
+      </a:lnRef>
+      <a:fillRef idx="1">
+        <a:scrgbClr r="0" g="0" b="0"/>
+      </a:fillRef>
+      <a:effectRef idx="0">
+        <a:scrgbClr r="0" g="0" b="0"/>
+      </a:effectRef>
+      <a:fontRef idx="minor"/>
+    </dgm:style>
+  </dgm:styleLbl>
+  <dgm:styleLbl name="bgShp">
+    <dgm:scene3d>
+      <a:camera prst="orthographicFront"/>
+      <a:lightRig rig="threePt" dir="t"/>
+    </dgm:scene3d>
+    <dgm:sp3d/>
+    <dgm:txPr/>
+    <dgm:style>
+      <a:lnRef idx="0">
+        <a:scrgbClr r="0" g="0" b="0"/>
+      </a:lnRef>
+      <a:fillRef idx="1">
+        <a:scrgbClr r="0" g="0" b="0"/>
+      </a:fillRef>
+      <a:effectRef idx="0">
+        <a:scrgbClr r="0" g="0" b="0"/>
+      </a:effectRef>
+      <a:fontRef idx="minor"/>
+    </dgm:style>
+  </dgm:styleLbl>
+  <dgm:styleLbl name="dkBgShp">
+    <dgm:scene3d>
+      <a:camera prst="orthographicFront"/>
+      <a:lightRig rig="threePt" dir="t"/>
+    </dgm:scene3d>
+    <dgm:sp3d/>
+    <dgm:txPr/>
+    <dgm:style>
+      <a:lnRef idx="0">
+        <a:scrgbClr r="0" g="0" b="0"/>
+      </a:lnRef>
+      <a:fillRef idx="1">
+        <a:scrgbClr r="0" g="0" b="0"/>
+      </a:fillRef>
+      <a:effectRef idx="0">
+        <a:scrgbClr r="0" g="0" b="0"/>
+      </a:effectRef>
+      <a:fontRef idx="minor"/>
+    </dgm:style>
+  </dgm:styleLbl>
+  <dgm:styleLbl name="trBgShp">
+    <dgm:scene3d>
+      <a:camera prst="orthographicFront"/>
+      <a:lightRig rig="threePt" dir="t"/>
+    </dgm:scene3d>
+    <dgm:sp3d/>
+    <dgm:txPr/>
+    <dgm:style>
+      <a:lnRef idx="0">
+        <a:scrgbClr r="0" g="0" b="0"/>
+      </a:lnRef>
+      <a:fillRef idx="1">
+        <a:scrgbClr r="0" g="0" b="0"/>
+      </a:fillRef>
+      <a:effectRef idx="0">
+        <a:scrgbClr r="0" g="0" b="0"/>
+      </a:effectRef>
+      <a:fontRef idx="minor"/>
+    </dgm:style>
+  </dgm:styleLbl>
+  <dgm:styleLbl name="fgShp">
+    <dgm:scene3d>
+      <a:camera prst="orthographicFront"/>
+      <a:lightRig rig="threePt" dir="t"/>
+    </dgm:scene3d>
+    <dgm:sp3d/>
+    <dgm:txPr/>
+    <dgm:style>
+      <a:lnRef idx="2">
+        <a:scrgbClr r="0" g="0" b="0"/>
+      </a:lnRef>
+      <a:fillRef idx="1">
+        <a:scrgbClr r="0" g="0" b="0"/>
+      </a:fillRef>
+      <a:effectRef idx="0">
+        <a:scrgbClr r="0" g="0" b="0"/>
+      </a:effectRef>
+      <a:fontRef idx="minor"/>
+    </dgm:style>
+  </dgm:styleLbl>
+  <dgm:styleLbl name="revTx">
+    <dgm:scene3d>
+      <a:camera prst="orthographicFront"/>
+      <a:lightRig rig="threePt" dir="t"/>
+    </dgm:scene3d>
+    <dgm:sp3d/>
+    <dgm:txPr/>
+    <dgm:style>
+      <a:lnRef idx="0">
+        <a:scrgbClr r="0" g="0" b="0"/>
+      </a:lnRef>
+      <a:fillRef idx="0">
+        <a:scrgbClr r="0" g="0" b="0"/>
+      </a:fillRef>
+      <a:effectRef idx="0">
+        <a:scrgbClr r="0" g="0" b="0"/>
+      </a:effectRef>
+      <a:fontRef idx="minor"/>
+    </dgm:style>
+  </dgm:styleLbl>
+</dgm:styleDef>
+</file>
+
+<file path=ppt/diagrams/quickStyle2.xml><?xml version="1.0" encoding="utf-8"?>
+<dgm:styleDef xmlns:dgm="http://schemas.openxmlformats.org/drawingml/2006/diagram" xmlns:a="http://schemas.openxmlformats.org/drawingml/2006/main" uniqueId="urn:microsoft.com/office/officeart/2005/8/quickstyle/simple1">
+  <dgm:title val=""/>
+  <dgm:desc val=""/>
+  <dgm:catLst>
+    <dgm:cat type="simple" pri="10100"/>
+  </dgm:catLst>
+  <dgm:scene3d>
+    <a:camera prst="orthographicFront"/>
+    <a:lightRig rig="threePt" dir="t"/>
+  </dgm:scene3d>
+  <dgm:styleLbl name="node0">
+    <dgm:scene3d>
+      <a:camera prst="orthographicFront"/>
+      <a:lightRig rig="threePt" dir="t"/>
+    </dgm:scene3d>
+    <dgm:sp3d/>
+    <dgm:txPr/>
+    <dgm:style>
+      <a:lnRef idx="2">
+        <a:scrgbClr r="0" g="0" b="0"/>
+      </a:lnRef>
+      <a:fillRef idx="1">
+        <a:scrgbClr r="0" g="0" b="0"/>
+      </a:fillRef>
+      <a:effectRef idx="0">
+        <a:scrgbClr r="0" g="0" b="0"/>
+      </a:effectRef>
+      <a:fontRef idx="minor">
+        <a:schemeClr val="lt1"/>
+      </a:fontRef>
+    </dgm:style>
+  </dgm:styleLbl>
+  <dgm:styleLbl name="lnNode1">
+    <dgm:scene3d>
+      <a:camera prst="orthographicFront"/>
+      <a:lightRig rig="threePt" dir="t"/>
+    </dgm:scene3d>
+    <dgm:sp3d/>
+    <dgm:txPr/>
+    <dgm:style>
+      <a:lnRef idx="2">
+        <a:scrgbClr r="0" g="0" b="0"/>
+      </a:lnRef>
+      <a:fillRef idx="1">
+        <a:scrgbClr r="0" g="0" b="0"/>
+      </a:fillRef>
+      <a:effectRef idx="0">
+        <a:scrgbClr r="0" g="0" b="0"/>
+      </a:effectRef>
+      <a:fontRef idx="minor">
+        <a:schemeClr val="lt1"/>
+      </a:fontRef>
+    </dgm:style>
+  </dgm:styleLbl>
+  <dgm:styleLbl name="vennNode1">
+    <dgm:scene3d>
+      <a:camera prst="orthographicFront"/>
+      <a:lightRig rig="threePt" dir="t"/>
+    </dgm:scene3d>
+    <dgm:sp3d/>
+    <dgm:txPr/>
+    <dgm:style>
+      <a:lnRef idx="2">
+        <a:scrgbClr r="0" g="0" b="0"/>
+      </a:lnRef>
+      <a:fillRef idx="1">
+        <a:scrgbClr r="0" g="0" b="0"/>
+      </a:fillRef>
+      <a:effectRef idx="0">
+        <a:scrgbClr r="0" g="0" b="0"/>
+      </a:effectRef>
+      <a:fontRef idx="minor">
+        <a:schemeClr val="tx1"/>
+      </a:fontRef>
+    </dgm:style>
+  </dgm:styleLbl>
+  <dgm:styleLbl name="alignNode1">
+    <dgm:scene3d>
+      <a:camera prst="orthographicFront"/>
+      <a:lightRig rig="threePt" dir="t"/>
+    </dgm:scene3d>
+    <dgm:sp3d/>
+    <dgm:txPr/>
+    <dgm:style>
+      <a:lnRef idx="2">
+        <a:scrgbClr r="0" g="0" b="0"/>
+      </a:lnRef>
+      <a:fillRef idx="1">
+        <a:scrgbClr r="0" g="0" b="0"/>
+      </a:fillRef>
+      <a:effectRef idx="0">
+        <a:scrgbClr r="0" g="0" b="0"/>
+      </a:effectRef>
+      <a:fontRef idx="minor">
+        <a:schemeClr val="lt1"/>
+      </a:fontRef>
+    </dgm:style>
+  </dgm:styleLbl>
+  <dgm:styleLbl name="node1">
+    <dgm:scene3d>
+      <a:camera prst="orthographicFront"/>
+      <a:lightRig rig="threePt" dir="t"/>
+    </dgm:scene3d>
+    <dgm:sp3d/>
+    <dgm:txPr/>
+    <dgm:style>
+      <a:lnRef idx="2">
+        <a:scrgbClr r="0" g="0" b="0"/>
+      </a:lnRef>
+      <a:fillRef idx="1">
+        <a:scrgbClr r="0" g="0" b="0"/>
+      </a:fillRef>
+      <a:effectRef idx="0">
+        <a:scrgbClr r="0" g="0" b="0"/>
+      </a:effectRef>
+      <a:fontRef idx="minor">
+        <a:schemeClr val="lt1"/>
+      </a:fontRef>
+    </dgm:style>
+  </dgm:styleLbl>
+  <dgm:styleLbl name="node2">
+    <dgm:scene3d>
+      <a:camera prst="orthographicFront"/>
+      <a:lightRig rig="threePt" dir="t"/>
+    </dgm:scene3d>
+    <dgm:sp3d/>
+    <dgm:txPr/>
+    <dgm:style>
+      <a:lnRef idx="2">
+        <a:scrgbClr r="0" g="0" b="0"/>
+      </a:lnRef>
+      <a:fillRef idx="1">
+        <a:scrgbClr r="0" g="0" b="0"/>
+      </a:fillRef>
+      <a:effectRef idx="0">
+        <a:scrgbClr r="0" g="0" b="0"/>
+      </a:effectRef>
+      <a:fontRef idx="minor">
+        <a:schemeClr val="lt1"/>
+      </a:fontRef>
+    </dgm:style>
+  </dgm:styleLbl>
+  <dgm:styleLbl name="node3">
+    <dgm:scene3d>
+      <a:camera prst="orthographicFront"/>
+      <a:lightRig rig="threePt" dir="t"/>
+    </dgm:scene3d>
+    <dgm:sp3d/>
+    <dgm:txPr/>
+    <dgm:style>
+      <a:lnRef idx="2">
+        <a:scrgbClr r="0" g="0" b="0"/>
+      </a:lnRef>
+      <a:fillRef idx="1">
+        <a:scrgbClr r="0" g="0" b="0"/>
+      </a:fillRef>
+      <a:effectRef idx="0">
+        <a:scrgbClr r="0" g="0" b="0"/>
+      </a:effectRef>
+      <a:fontRef idx="minor">
+        <a:schemeClr val="lt1"/>
+      </a:fontRef>
+    </dgm:style>
+  </dgm:styleLbl>
+  <dgm:styleLbl name="node4">
+    <dgm:scene3d>
+      <a:camera prst="orthographicFront"/>
+      <a:lightRig rig="threePt" dir="t"/>
+    </dgm:scene3d>
+    <dgm:sp3d/>
+    <dgm:txPr/>
+    <dgm:style>
+      <a:lnRef idx="2">
+        <a:scrgbClr r="0" g="0" b="0"/>
+      </a:lnRef>
+      <a:fillRef idx="1">
+        <a:scrgbClr r="0" g="0" b="0"/>
+      </a:fillRef>
+      <a:effectRef idx="0">
+        <a:scrgbClr r="0" g="0" b="0"/>
+      </a:effectRef>
+      <a:fontRef idx="minor">
+        <a:schemeClr val="lt1"/>
+      </a:fontRef>
+    </dgm:style>
+  </dgm:styleLbl>
+  <dgm:styleLbl name="fgImgPlace1">
+    <dgm:scene3d>
+      <a:camera prst="orthographicFront"/>
+      <a:lightRig rig="threePt" dir="t"/>
+    </dgm:scene3d>
+    <dgm:sp3d/>
+    <dgm:txPr/>
+    <dgm:style>
+      <a:lnRef idx="2">
+        <a:scrgbClr r="0" g="0" b="0"/>
+      </a:lnRef>
+      <a:fillRef idx="1">
+        <a:scrgbClr r="0" g="0" b="0"/>
+      </a:fillRef>
+      <a:effectRef idx="0">
+        <a:scrgbClr r="0" g="0" b="0"/>
+      </a:effectRef>
+      <a:fontRef idx="minor"/>
+    </dgm:style>
+  </dgm:styleLbl>
+  <dgm:styleLbl name="alignImgPlace1">
+    <dgm:scene3d>
+      <a:camera prst="orthographicFront"/>
+      <a:lightRig rig="threePt" dir="t"/>
+    </dgm:scene3d>
+    <dgm:sp3d/>
+    <dgm:txPr/>
+    <dgm:style>
+      <a:lnRef idx="2">
+        <a:scrgbClr r="0" g="0" b="0"/>
+      </a:lnRef>
+      <a:fillRef idx="1">
+        <a:scrgbClr r="0" g="0" b="0"/>
+      </a:fillRef>
+      <a:effectRef idx="0">
+        <a:scrgbClr r="0" g="0" b="0"/>
+      </a:effectRef>
+      <a:fontRef idx="minor"/>
+    </dgm:style>
+  </dgm:styleLbl>
+  <dgm:styleLbl name="bgImgPlace1">
+    <dgm:scene3d>
+      <a:camera prst="orthographicFront"/>
+      <a:lightRig rig="threePt" dir="t"/>
+    </dgm:scene3d>
+    <dgm:sp3d/>
+    <dgm:txPr/>
+    <dgm:style>
+      <a:lnRef idx="2">
+        <a:scrgbClr r="0" g="0" b="0"/>
+      </a:lnRef>
+      <a:fillRef idx="1">
+        <a:scrgbClr r="0" g="0" b="0"/>
+      </a:fillRef>
+      <a:effectRef idx="0">
+        <a:scrgbClr r="0" g="0" b="0"/>
+      </a:effectRef>
+      <a:fontRef idx="minor"/>
+    </dgm:style>
+  </dgm:styleLbl>
+  <dgm:styleLbl name="sibTrans2D1">
+    <dgm:scene3d>
+      <a:camera prst="orthographicFront"/>
+      <a:lightRig rig="threePt" dir="t"/>
+    </dgm:scene3d>
+    <dgm:sp3d/>
+    <dgm:txPr/>
+    <dgm:style>
+      <a:lnRef idx="0">
+        <a:scrgbClr r="0" g="0" b="0"/>
+      </a:lnRef>
+      <a:fillRef idx="1">
+        <a:scrgbClr r="0" g="0" b="0"/>
+      </a:fillRef>
+      <a:effectRef idx="0">
+        <a:scrgbClr r="0" g="0" b="0"/>
+      </a:effectRef>
+      <a:fontRef idx="minor">
+        <a:schemeClr val="lt1"/>
+      </a:fontRef>
+    </dgm:style>
+  </dgm:styleLbl>
+  <dgm:styleLbl name="fgSibTrans2D1">
+    <dgm:scene3d>
+      <a:camera prst="orthographicFront"/>
+      <a:lightRig rig="threePt" dir="t"/>
+    </dgm:scene3d>
+    <dgm:sp3d/>
+    <dgm:txPr/>
+    <dgm:style>
+      <a:lnRef idx="0">
+        <a:scrgbClr r="0" g="0" b="0"/>
+      </a:lnRef>
+      <a:fillRef idx="1">
+        <a:scrgbClr r="0" g="0" b="0"/>
+      </a:fillRef>
+      <a:effectRef idx="0">
+        <a:scrgbClr r="0" g="0" b="0"/>
+      </a:effectRef>
+      <a:fontRef idx="minor">
+        <a:schemeClr val="lt1"/>
+      </a:fontRef>
+    </dgm:style>
+  </dgm:styleLbl>
+  <dgm:styleLbl name="bgSibTrans2D1">
+    <dgm:scene3d>
+      <a:camera prst="orthographicFront"/>
+      <a:lightRig rig="threePt" dir="t"/>
+    </dgm:scene3d>
+    <dgm:sp3d/>
+    <dgm:txPr/>
+    <dgm:style>
+      <a:lnRef idx="0">
+        <a:scrgbClr r="0" g="0" b="0"/>
+      </a:lnRef>
+      <a:fillRef idx="1">
+        <a:scrgbClr r="0" g="0" b="0"/>
+      </a:fillRef>
+      <a:effectRef idx="0">
+        <a:scrgbClr r="0" g="0" b="0"/>
+      </a:effectRef>
+      <a:fontRef idx="minor">
+        <a:schemeClr val="lt1"/>
+      </a:fontRef>
+    </dgm:style>
+  </dgm:styleLbl>
+  <dgm:styleLbl name="sibTrans1D1">
+    <dgm:scene3d>
+      <a:camera prst="orthographicFront"/>
+      <a:lightRig rig="threePt" dir="t"/>
+    </dgm:scene3d>
+    <dgm:sp3d/>
+    <dgm:txPr/>
+    <dgm:style>
+      <a:lnRef idx="1">
+        <a:scrgbClr r="0" g="0" b="0"/>
+      </a:lnRef>
+      <a:fillRef idx="0">
+        <a:scrgbClr r="0" g="0" b="0"/>
+      </a:fillRef>
+      <a:effectRef idx="0">
+        <a:scrgbClr r="0" g="0" b="0"/>
+      </a:effectRef>
+      <a:fontRef idx="minor"/>
+    </dgm:style>
+  </dgm:styleLbl>
+  <dgm:styleLbl name="callout">
+    <dgm:scene3d>
+      <a:camera prst="orthographicFront"/>
+      <a:lightRig rig="threePt" dir="t"/>
+    </dgm:scene3d>
+    <dgm:sp3d/>
+    <dgm:txPr/>
+    <dgm:style>
+      <a:lnRef idx="2">
+        <a:scrgbClr r="0" g="0" b="0"/>
+      </a:lnRef>
+      <a:fillRef idx="1">
+        <a:scrgbClr r="0" g="0" b="0"/>
+      </a:fillRef>
+      <a:effectRef idx="0">
+        <a:scrgbClr r="0" g="0" b="0"/>
+      </a:effectRef>
+      <a:fontRef idx="minor"/>
+    </dgm:style>
+  </dgm:styleLbl>
+  <dgm:styleLbl name="asst0">
+    <dgm:scene3d>
+      <a:camera prst="orthographicFront"/>
+      <a:lightRig rig="threePt" dir="t"/>
+    </dgm:scene3d>
+    <dgm:sp3d/>
+    <dgm:txPr/>
+    <dgm:style>
+      <a:lnRef idx="2">
+        <a:scrgbClr r="0" g="0" b="0"/>
+      </a:lnRef>
+      <a:fillRef idx="1">
+        <a:scrgbClr r="0" g="0" b="0"/>
+      </a:fillRef>
+      <a:effectRef idx="0">
+        <a:scrgbClr r="0" g="0" b="0"/>
+      </a:effectRef>
+      <a:fontRef idx="minor">
+        <a:schemeClr val="lt1"/>
+      </a:fontRef>
+    </dgm:style>
+  </dgm:styleLbl>
+  <dgm:styleLbl name="asst1">
+    <dgm:scene3d>
+      <a:camera prst="orthographicFront"/>
+      <a:lightRig rig="threePt" dir="t"/>
+    </dgm:scene3d>
+    <dgm:sp3d/>
+    <dgm:txPr/>
+    <dgm:style>
+      <a:lnRef idx="2">
+        <a:scrgbClr r="0" g="0" b="0"/>
+      </a:lnRef>
+      <a:fillRef idx="1">
+        <a:scrgbClr r="0" g="0" b="0"/>
+      </a:fillRef>
+      <a:effectRef idx="0">
+        <a:scrgbClr r="0" g="0" b="0"/>
+      </a:effectRef>
+      <a:fontRef idx="minor">
+        <a:schemeClr val="lt1"/>
+      </a:fontRef>
+    </dgm:style>
+  </dgm:styleLbl>
+  <dgm:styleLbl name="asst2">
+    <dgm:scene3d>
+      <a:camera prst="orthographicFront"/>
+      <a:lightRig rig="threePt" dir="t"/>
+    </dgm:scene3d>
+    <dgm:sp3d/>
+    <dgm:txPr/>
+    <dgm:style>
+      <a:lnRef idx="2">
+        <a:scrgbClr r="0" g="0" b="0"/>
+      </a:lnRef>
+      <a:fillRef idx="1">
+        <a:scrgbClr r="0" g="0" b="0"/>
+      </a:fillRef>
+      <a:effectRef idx="0">
+        <a:scrgbClr r="0" g="0" b="0"/>
+      </a:effectRef>
+      <a:fontRef idx="minor">
+        <a:schemeClr val="lt1"/>
+      </a:fontRef>
+    </dgm:style>
+  </dgm:styleLbl>
+  <dgm:styleLbl name="asst3">
+    <dgm:scene3d>
+      <a:camera prst="orthographicFront"/>
+      <a:lightRig rig="threePt" dir="t"/>
+    </dgm:scene3d>
+    <dgm:sp3d/>
+    <dgm:txPr/>
+    <dgm:style>
+      <a:lnRef idx="2">
+        <a:scrgbClr r="0" g="0" b="0"/>
+      </a:lnRef>
+      <a:fillRef idx="1">
+        <a:scrgbClr r="0" g="0" b="0"/>
+      </a:fillRef>
+      <a:effectRef idx="0">
+        <a:scrgbClr r="0" g="0" b="0"/>
+      </a:effectRef>
+      <a:fontRef idx="minor">
+        <a:schemeClr val="lt1"/>
+      </a:fontRef>
+    </dgm:style>
+  </dgm:styleLbl>
+  <dgm:styleLbl name="asst4">
+    <dgm:scene3d>
+      <a:camera prst="orthographicFront"/>
+      <a:lightRig rig="threePt" dir="t"/>
+    </dgm:scene3d>
+    <dgm:sp3d/>
+    <dgm:txPr/>
+    <dgm:style>
+      <a:lnRef idx="2">
+        <a:scrgbClr r="0" g="0" b="0"/>
+      </a:lnRef>
+      <a:fillRef idx="1">
+        <a:scrgbClr r="0" g="0" b="0"/>
+      </a:fillRef>
+      <a:effectRef idx="0">
+        <a:scrgbClr r="0" g="0" b="0"/>
+      </a:effectRef>
+      <a:fontRef idx="minor">
+        <a:schemeClr val="lt1"/>
+      </a:fontRef>
+    </dgm:style>
+  </dgm:styleLbl>
+  <dgm:styleLbl name="parChTrans2D1">
+    <dgm:scene3d>
+      <a:camera prst="orthographicFront"/>
+      <a:lightRig rig="threePt" dir="t"/>
+    </dgm:scene3d>
+    <dgm:sp3d/>
+    <dgm:txPr/>
+    <dgm:style>
+      <a:lnRef idx="2">
+        <a:scrgbClr r="0" g="0" b="0"/>
+      </a:lnRef>
+      <a:fillRef idx="1">
+        <a:scrgbClr r="0" g="0" b="0"/>
+      </a:fillRef>
+      <a:effectRef idx="0">
+        <a:scrgbClr r="0" g="0" b="0"/>
+      </a:effectRef>
+      <a:fontRef idx="minor">
+        <a:schemeClr val="lt1"/>
+      </a:fontRef>
+    </dgm:style>
+  </dgm:styleLbl>
+  <dgm:styleLbl name="parChTrans2D2">
+    <dgm:scene3d>
+      <a:camera prst="orthographicFront"/>
+      <a:lightRig rig="threePt" dir="t"/>
+    </dgm:scene3d>
+    <dgm:sp3d/>
+    <dgm:txPr/>
+    <dgm:style>
+      <a:lnRef idx="2">
+        <a:scrgbClr r="0" g="0" b="0"/>
+      </a:lnRef>
+      <a:fillRef idx="1">
+        <a:scrgbClr r="0" g="0" b="0"/>
+      </a:fillRef>
+      <a:effectRef idx="0">
+        <a:scrgbClr r="0" g="0" b="0"/>
+      </a:effectRef>
+      <a:fontRef idx="minor">
+        <a:schemeClr val="lt1"/>
+      </a:fontRef>
+    </dgm:style>
+  </dgm:styleLbl>
+  <dgm:styleLbl name="parChTrans2D3">
+    <dgm:scene3d>
+      <a:camera prst="orthographicFront"/>
+      <a:lightRig rig="threePt" dir="t"/>
+    </dgm:scene3d>
+    <dgm:sp3d/>
+    <dgm:txPr/>
+    <dgm:style>
+      <a:lnRef idx="2">
+        <a:scrgbClr r="0" g="0" b="0"/>
+      </a:lnRef>
+      <a:fillRef idx="1">
+        <a:scrgbClr r="0" g="0" b="0"/>
+      </a:fillRef>
+      <a:effectRef idx="0">
+        <a:scrgbClr r="0" g="0" b="0"/>
+      </a:effectRef>
+      <a:fontRef idx="minor">
+        <a:schemeClr val="lt1"/>
+      </a:fontRef>
+    </dgm:style>
+  </dgm:styleLbl>
+  <dgm:styleLbl name="parChTrans2D4">
+    <dgm:scene3d>
+      <a:camera prst="orthographicFront"/>
+      <a:lightRig rig="threePt" dir="t"/>
+    </dgm:scene3d>
+    <dgm:sp3d/>
+    <dgm:txPr/>
+    <dgm:style>
+      <a:lnRef idx="2">
+        <a:scrgbClr r="0" g="0" b="0"/>
+      </a:lnRef>
+      <a:fillRef idx="1">
+        <a:scrgbClr r="0" g="0" b="0"/>
+      </a:fillRef>
+      <a:effectRef idx="0">
+        <a:scrgbClr r="0" g="0" b="0"/>
+      </a:effectRef>
+      <a:fontRef idx="minor">
+        <a:schemeClr val="lt1"/>
+      </a:fontRef>
+    </dgm:style>
+  </dgm:styleLbl>
+  <dgm:styleLbl name="parChTrans1D1">
+    <dgm:scene3d>
+      <a:camera prst="orthographicFront"/>
+      <a:lightRig rig="threePt" dir="t"/>
+    </dgm:scene3d>
+    <dgm:sp3d/>
+    <dgm:txPr/>
+    <dgm:style>
+      <a:lnRef idx="2">
+        <a:scrgbClr r="0" g="0" b="0"/>
+      </a:lnRef>
+      <a:fillRef idx="0">
+        <a:scrgbClr r="0" g="0" b="0"/>
+      </a:fillRef>
+      <a:effectRef idx="0">
+        <a:scrgbClr r="0" g="0" b="0"/>
+      </a:effectRef>
+      <a:fontRef idx="minor"/>
+    </dgm:style>
+  </dgm:styleLbl>
+  <dgm:styleLbl name="parChTrans1D2">
+    <dgm:scene3d>
+      <a:camera prst="orthographicFront"/>
+      <a:lightRig rig="threePt" dir="t"/>
+    </dgm:scene3d>
+    <dgm:sp3d/>
+    <dgm:txPr/>
+    <dgm:style>
+      <a:lnRef idx="2">
+        <a:scrgbClr r="0" g="0" b="0"/>
+      </a:lnRef>
+      <a:fillRef idx="0">
+        <a:scrgbClr r="0" g="0" b="0"/>
+      </a:fillRef>
+      <a:effectRef idx="0">
+        <a:scrgbClr r="0" g="0" b="0"/>
+      </a:effectRef>
+      <a:fontRef idx="minor"/>
+    </dgm:style>
+  </dgm:styleLbl>
+  <dgm:styleLbl name="parChTrans1D3">
+    <dgm:scene3d>
+      <a:camera prst="orthographicFront"/>
+      <a:lightRig rig="threePt" dir="t"/>
+    </dgm:scene3d>
+    <dgm:sp3d/>
+    <dgm:txPr/>
+    <dgm:style>
+      <a:lnRef idx="2">
+        <a:scrgbClr r="0" g="0" b="0"/>
+      </a:lnRef>
+      <a:fillRef idx="0">
+        <a:scrgbClr r="0" g="0" b="0"/>
+      </a:fillRef>
+      <a:effectRef idx="0">
+        <a:scrgbClr r="0" g="0" b="0"/>
+      </a:effectRef>
+      <a:fontRef idx="minor"/>
+    </dgm:style>
+  </dgm:styleLbl>
+  <dgm:styleLbl name="parChTrans1D4">
+    <dgm:scene3d>
+      <a:camera prst="orthographicFront"/>
+      <a:lightRig rig="threePt" dir="t"/>
+    </dgm:scene3d>
+    <dgm:sp3d/>
+    <dgm:txPr/>
+    <dgm:style>
+      <a:lnRef idx="2">
+        <a:scrgbClr r="0" g="0" b="0"/>
+      </a:lnRef>
+      <a:fillRef idx="0">
+        <a:scrgbClr r="0" g="0" b="0"/>
+      </a:fillRef>
+      <a:effectRef idx="0">
+        <a:scrgbClr r="0" g="0" b="0"/>
+      </a:effectRef>
+      <a:fontRef idx="minor"/>
+    </dgm:style>
+  </dgm:styleLbl>
+  <dgm:styleLbl name="fgAcc1">
+    <dgm:scene3d>
+      <a:camera prst="orthographicFront"/>
+      <a:lightRig rig="threePt" dir="t"/>
+    </dgm:scene3d>
+    <dgm:sp3d/>
+    <dgm:txPr/>
+    <dgm:style>
+      <a:lnRef idx="2">
+        <a:scrgbClr r="0" g="0" b="0"/>
+      </a:lnRef>
+      <a:fillRef idx="1">
+        <a:scrgbClr r="0" g="0" b="0"/>
+      </a:fillRef>
+      <a:effectRef idx="0">
+        <a:scrgbClr r="0" g="0" b="0"/>
+      </a:effectRef>
+      <a:fontRef idx="minor"/>
+    </dgm:style>
+  </dgm:styleLbl>
+  <dgm:styleLbl name="conFgAcc1">
+    <dgm:scene3d>
+      <a:camera prst="orthographicFront"/>
+      <a:lightRig rig="threePt" dir="t"/>
+    </dgm:scene3d>
+    <dgm:sp3d/>
+    <dgm:txPr/>
+    <dgm:style>
+      <a:lnRef idx="2">
+        <a:scrgbClr r="0" g="0" b="0"/>
+      </a:lnRef>
+      <a:fillRef idx="1">
+        <a:scrgbClr r="0" g="0" b="0"/>
+      </a:fillRef>
+      <a:effectRef idx="0">
+        <a:scrgbClr r="0" g="0" b="0"/>
+      </a:effectRef>
+      <a:fontRef idx="minor"/>
+    </dgm:style>
+  </dgm:styleLbl>
+  <dgm:styleLbl name="alignAcc1">
+    <dgm:scene3d>
+      <a:camera prst="orthographicFront"/>
+      <a:lightRig rig="threePt" dir="t"/>
+    </dgm:scene3d>
+    <dgm:sp3d/>
+    <dgm:txPr/>
+    <dgm:style>
+      <a:lnRef idx="2">
+        <a:scrgbClr r="0" g="0" b="0"/>
+      </a:lnRef>
+      <a:fillRef idx="1">
+        <a:scrgbClr r="0" g="0" b="0"/>
+      </a:fillRef>
+      <a:effectRef idx="0">
+        <a:scrgbClr r="0" g="0" b="0"/>
+      </a:effectRef>
+      <a:fontRef idx="minor"/>
+    </dgm:style>
+  </dgm:styleLbl>
+  <dgm:styleLbl name="trAlignAcc1">
+    <dgm:scene3d>
+      <a:camera prst="orthographicFront"/>
+      <a:lightRig rig="threePt" dir="t"/>
+    </dgm:scene3d>
+    <dgm:sp3d/>
+    <dgm:txPr/>
+    <dgm:style>
+      <a:lnRef idx="1">
+        <a:scrgbClr r="0" g="0" b="0"/>
+      </a:lnRef>
+      <a:fillRef idx="1">
+        <a:scrgbClr r="0" g="0" b="0"/>
+      </a:fillRef>
+      <a:effectRef idx="0">
+        <a:scrgbClr r="0" g="0" b="0"/>
+      </a:effectRef>
+      <a:fontRef idx="minor"/>
+    </dgm:style>
+  </dgm:styleLbl>
+  <dgm:styleLbl name="bgAcc1">
+    <dgm:scene3d>
+      <a:camera prst="orthographicFront"/>
+      <a:lightRig rig="threePt" dir="t"/>
+    </dgm:scene3d>
+    <dgm:sp3d/>
+    <dgm:txPr/>
+    <dgm:style>
+      <a:lnRef idx="2">
+        <a:scrgbClr r="0" g="0" b="0"/>
+      </a:lnRef>
+      <a:fillRef idx="1">
+        <a:scrgbClr r="0" g="0" b="0"/>
+      </a:fillRef>
+      <a:effectRef idx="0">
+        <a:scrgbClr r="0" g="0" b="0"/>
+      </a:effectRef>
+      <a:fontRef idx="minor"/>
+    </dgm:style>
+  </dgm:styleLbl>
+  <dgm:styleLbl name="solidFgAcc1">
+    <dgm:scene3d>
+      <a:camera prst="orthographicFront"/>
+      <a:lightRig rig="threePt" dir="t"/>
+    </dgm:scene3d>
+    <dgm:sp3d/>
+    <dgm:txPr/>
+    <dgm:style>
+      <a:lnRef idx="2">
+        <a:scrgbClr r="0" g="0" b="0"/>
+      </a:lnRef>
+      <a:fillRef idx="1">
+        <a:scrgbClr r="0" g="0" b="0"/>
+      </a:fillRef>
+      <a:effectRef idx="0">
+        <a:scrgbClr r="0" g="0" b="0"/>
+      </a:effectRef>
+      <a:fontRef idx="minor"/>
+    </dgm:style>
+  </dgm:styleLbl>
+  <dgm:styleLbl name="solidAlignAcc1">
+    <dgm:scene3d>
+      <a:camera prst="orthographicFront"/>
+      <a:lightRig rig="threePt" dir="t"/>
+    </dgm:scene3d>
+    <dgm:sp3d/>
+    <dgm:txPr/>
+    <dgm:style>
+      <a:lnRef idx="2">
+        <a:scrgbClr r="0" g="0" b="0"/>
+      </a:lnRef>
+      <a:fillRef idx="1">
+        <a:scrgbClr r="0" g="0" b="0"/>
+      </a:fillRef>
+      <a:effectRef idx="0">
+        <a:scrgbClr r="0" g="0" b="0"/>
+      </a:effectRef>
+      <a:fontRef idx="minor"/>
+    </dgm:style>
+  </dgm:styleLbl>
+  <dgm:styleLbl name="solidBgAcc1">
+    <dgm:scene3d>
+      <a:camera prst="orthographicFront"/>
+      <a:lightRig rig="threePt" dir="t"/>
+    </dgm:scene3d>
+    <dgm:sp3d/>
+    <dgm:txPr/>
+    <dgm:style>
+      <a:lnRef idx="2">
+        <a:scrgbClr r="0" g="0" b="0"/>
+      </a:lnRef>
+      <a:fillRef idx="1">
+        <a:scrgbClr r="0" g="0" b="0"/>
+      </a:fillRef>
+      <a:effectRef idx="0">
+        <a:scrgbClr r="0" g="0" b="0"/>
+      </a:effectRef>
+      <a:fontRef idx="minor"/>
+    </dgm:style>
+  </dgm:styleLbl>
+  <dgm:styleLbl name="fgAccFollowNode1">
+    <dgm:scene3d>
+      <a:camera prst="orthographicFront"/>
+      <a:lightRig rig="threePt" dir="t"/>
+    </dgm:scene3d>
+    <dgm:sp3d/>
+    <dgm:txPr/>
+    <dgm:style>
+      <a:lnRef idx="2">
+        <a:scrgbClr r="0" g="0" b="0"/>
+      </a:lnRef>
+      <a:fillRef idx="1">
+        <a:scrgbClr r="0" g="0" b="0"/>
+      </a:fillRef>
+      <a:effectRef idx="0">
+        <a:scrgbClr r="0" g="0" b="0"/>
+      </a:effectRef>
+      <a:fontRef idx="minor"/>
+    </dgm:style>
+  </dgm:styleLbl>
+  <dgm:styleLbl name="alignAccFollowNode1">
+    <dgm:scene3d>
+      <a:camera prst="orthographicFront"/>
+      <a:lightRig rig="threePt" dir="t"/>
+    </dgm:scene3d>
+    <dgm:sp3d/>
+    <dgm:txPr/>
+    <dgm:style>
+      <a:lnRef idx="2">
+        <a:scrgbClr r="0" g="0" b="0"/>
+      </a:lnRef>
+      <a:fillRef idx="1">
+        <a:scrgbClr r="0" g="0" b="0"/>
+      </a:fillRef>
+      <a:effectRef idx="0">
+        <a:scrgbClr r="0" g="0" b="0"/>
+      </a:effectRef>
+      <a:fontRef idx="minor"/>
+    </dgm:style>
+  </dgm:styleLbl>
+  <dgm:styleLbl name="bgAccFollowNode1">
+    <dgm:scene3d>
+      <a:camera prst="orthographicFront"/>
+      <a:lightRig rig="threePt" dir="t"/>
+    </dgm:scene3d>
+    <dgm:sp3d/>
+    <dgm:txPr/>
+    <dgm:style>
+      <a:lnRef idx="2">
+        <a:scrgbClr r="0" g="0" b="0"/>
+      </a:lnRef>
+      <a:fillRef idx="1">
+        <a:scrgbClr r="0" g="0" b="0"/>
+      </a:fillRef>
+      <a:effectRef idx="0">
+        <a:scrgbClr r="0" g="0" b="0"/>
+      </a:effectRef>
+      <a:fontRef idx="minor"/>
+    </dgm:style>
+  </dgm:styleLbl>
+  <dgm:styleLbl name="fgAcc0">
+    <dgm:scene3d>
+      <a:camera prst="orthographicFront"/>
+      <a:lightRig rig="threePt" dir="t"/>
+    </dgm:scene3d>
+    <dgm:sp3d/>
+    <dgm:txPr/>
+    <dgm:style>
+      <a:lnRef idx="2">
+        <a:scrgbClr r="0" g="0" b="0"/>
+      </a:lnRef>
+      <a:fillRef idx="1">
+        <a:scrgbClr r="0" g="0" b="0"/>
+      </a:fillRef>
+      <a:effectRef idx="0">
+        <a:scrgbClr r="0" g="0" b="0"/>
+      </a:effectRef>
+      <a:fontRef idx="minor"/>
+    </dgm:style>
+  </dgm:styleLbl>
+  <dgm:styleLbl name="fgAcc2">
+    <dgm:scene3d>
+      <a:camera prst="orthographicFront"/>
+      <a:lightRig rig="threePt" dir="t"/>
+    </dgm:scene3d>
+    <dgm:sp3d/>
+    <dgm:txPr/>
+    <dgm:style>
+      <a:lnRef idx="2">
+        <a:scrgbClr r="0" g="0" b="0"/>
+      </a:lnRef>
+      <a:fillRef idx="1">
+        <a:scrgbClr r="0" g="0" b="0"/>
+      </a:fillRef>
+      <a:effectRef idx="0">
+        <a:scrgbClr r="0" g="0" b="0"/>
+      </a:effectRef>
+      <a:fontRef idx="minor"/>
+    </dgm:style>
+  </dgm:styleLbl>
+  <dgm:styleLbl name="fgAcc3">
+    <dgm:scene3d>
+      <a:camera prst="orthographicFront"/>
+      <a:lightRig rig="threePt" dir="t"/>
+    </dgm:scene3d>
+    <dgm:sp3d/>
+    <dgm:txPr/>
+    <dgm:style>
+      <a:lnRef idx="2">
+        <a:scrgbClr r="0" g="0" b="0"/>
+      </a:lnRef>
+      <a:fillRef idx="1">
+        <a:scrgbClr r="0" g="0" b="0"/>
+      </a:fillRef>
+      <a:effectRef idx="0">
+        <a:scrgbClr r="0" g="0" b="0"/>
+      </a:effectRef>
+      <a:fontRef idx="minor"/>
+    </dgm:style>
+  </dgm:styleLbl>
+  <dgm:styleLbl name="fgAcc4">
+    <dgm:scene3d>
+      <a:camera prst="orthographicFront"/>
+      <a:lightRig rig="threePt" dir="t"/>
+    </dgm:scene3d>
+    <dgm:sp3d/>
+    <dgm:txPr/>
+    <dgm:style>
+      <a:lnRef idx="2">
+        <a:scrgbClr r="0" g="0" b="0"/>
+      </a:lnRef>
+      <a:fillRef idx="1">
+        <a:scrgbClr r="0" g="0" b="0"/>
+      </a:fillRef>
+      <a:effectRef idx="0">
+        <a:scrgbClr r="0" g="0" b="0"/>
+      </a:effectRef>
+      <a:fontRef idx="minor"/>
+    </dgm:style>
+  </dgm:styleLbl>
+  <dgm:styleLbl name="bgShp">
+    <dgm:scene3d>
+      <a:camera prst="orthographicFront"/>
+      <a:lightRig rig="threePt" dir="t"/>
+    </dgm:scene3d>
+    <dgm:sp3d/>
+    <dgm:txPr/>
+    <dgm:style>
+      <a:lnRef idx="0">
+        <a:scrgbClr r="0" g="0" b="0"/>
+      </a:lnRef>
+      <a:fillRef idx="1">
+        <a:scrgbClr r="0" g="0" b="0"/>
+      </a:fillRef>
+      <a:effectRef idx="0">
+        <a:scrgbClr r="0" g="0" b="0"/>
+      </a:effectRef>
+      <a:fontRef idx="minor"/>
+    </dgm:style>
+  </dgm:styleLbl>
+  <dgm:styleLbl name="dkBgShp">
+    <dgm:scene3d>
+      <a:camera prst="orthographicFront"/>
+      <a:lightRig rig="threePt" dir="t"/>
+    </dgm:scene3d>
+    <dgm:sp3d/>
+    <dgm:txPr/>
+    <dgm:style>
+      <a:lnRef idx="0">
+        <a:scrgbClr r="0" g="0" b="0"/>
+      </a:lnRef>
+      <a:fillRef idx="1">
+        <a:scrgbClr r="0" g="0" b="0"/>
+      </a:fillRef>
+      <a:effectRef idx="0">
+        <a:scrgbClr r="0" g="0" b="0"/>
+      </a:effectRef>
+      <a:fontRef idx="minor"/>
+    </dgm:style>
+  </dgm:styleLbl>
+  <dgm:styleLbl name="trBgShp">
+    <dgm:scene3d>
+      <a:camera prst="orthographicFront"/>
+      <a:lightRig rig="threePt" dir="t"/>
+    </dgm:scene3d>
+    <dgm:sp3d/>
+    <dgm:txPr/>
+    <dgm:style>
+      <a:lnRef idx="0">
+        <a:scrgbClr r="0" g="0" b="0"/>
+      </a:lnRef>
+      <a:fillRef idx="1">
+        <a:scrgbClr r="0" g="0" b="0"/>
+      </a:fillRef>
+      <a:effectRef idx="0">
+        <a:scrgbClr r="0" g="0" b="0"/>
+      </a:effectRef>
+      <a:fontRef idx="minor"/>
+    </dgm:style>
+  </dgm:styleLbl>
+  <dgm:styleLbl name="fgShp">
+    <dgm:scene3d>
+      <a:camera prst="orthographicFront"/>
+      <a:lightRig rig="threePt" dir="t"/>
+    </dgm:scene3d>
+    <dgm:sp3d/>
+    <dgm:txPr/>
+    <dgm:style>
+      <a:lnRef idx="2">
+        <a:scrgbClr r="0" g="0" b="0"/>
+      </a:lnRef>
+      <a:fillRef idx="1">
+        <a:scrgbClr r="0" g="0" b="0"/>
+      </a:fillRef>
+      <a:effectRef idx="0">
+        <a:scrgbClr r="0" g="0" b="0"/>
+      </a:effectRef>
+      <a:fontRef idx="minor"/>
+    </dgm:style>
+  </dgm:styleLbl>
+  <dgm:styleLbl name="revTx">
+    <dgm:scene3d>
+      <a:camera prst="orthographicFront"/>
+      <a:lightRig rig="threePt" dir="t"/>
+    </dgm:scene3d>
+    <dgm:sp3d/>
+    <dgm:txPr/>
+    <dgm:style>
+      <a:lnRef idx="0">
+        <a:scrgbClr r="0" g="0" b="0"/>
+      </a:lnRef>
+      <a:fillRef idx="0">
+        <a:scrgbClr r="0" g="0" b="0"/>
+      </a:fillRef>
+      <a:effectRef idx="0">
+        <a:scrgbClr r="0" g="0" b="0"/>
+      </a:effectRef>
+      <a:fontRef idx="minor"/>
+    </dgm:style>
+  </dgm:styleLbl>
+</dgm:styleDef>
+</file>
+
 <file path=ppt/slideLayouts/slideLayout1.xml><?xml version="1.0" encoding="utf-8"?>
 <p:sldLayout xmlns:a="http://schemas.openxmlformats.org/drawingml/2006/main" xmlns:r="http://schemas.openxmlformats.org/officeDocument/2006/relationships" xmlns:p="http://schemas.openxmlformats.org/presentationml/2006/main" type="title" preserve="1">
   <p:cSld name="Title Slide">
@@ -249,7 +4961,7 @@
           <a:p>
             <a:fld id="{90F19E8C-F446-4C11-9AAE-B4B295EA670E}" type="datetimeFigureOut">
               <a:rPr lang="en-US" smtClean="0"/>
-              <a:t>11/28/2016</a:t>
+              <a:t>11/30/2016</a:t>
             </a:fld>
             <a:endParaRPr lang="en-US"/>
           </a:p>
@@ -417,7 +5129,7 @@
           <a:p>
             <a:fld id="{90F19E8C-F446-4C11-9AAE-B4B295EA670E}" type="datetimeFigureOut">
               <a:rPr lang="en-US" smtClean="0"/>
-              <a:t>11/28/2016</a:t>
+              <a:t>11/30/2016</a:t>
             </a:fld>
             <a:endParaRPr lang="en-US"/>
           </a:p>
@@ -595,7 +5307,7 @@
           <a:p>
             <a:fld id="{90F19E8C-F446-4C11-9AAE-B4B295EA670E}" type="datetimeFigureOut">
               <a:rPr lang="en-US" smtClean="0"/>
-              <a:t>11/28/2016</a:t>
+              <a:t>11/30/2016</a:t>
             </a:fld>
             <a:endParaRPr lang="en-US"/>
           </a:p>
@@ -763,7 +5475,7 @@
           <a:p>
             <a:fld id="{90F19E8C-F446-4C11-9AAE-B4B295EA670E}" type="datetimeFigureOut">
               <a:rPr lang="en-US" smtClean="0"/>
-              <a:t>11/28/2016</a:t>
+              <a:t>11/30/2016</a:t>
             </a:fld>
             <a:endParaRPr lang="en-US"/>
           </a:p>
@@ -1008,7 +5720,7 @@
           <a:p>
             <a:fld id="{90F19E8C-F446-4C11-9AAE-B4B295EA670E}" type="datetimeFigureOut">
               <a:rPr lang="en-US" smtClean="0"/>
-              <a:t>11/28/2016</a:t>
+              <a:t>11/30/2016</a:t>
             </a:fld>
             <a:endParaRPr lang="en-US"/>
           </a:p>
@@ -1237,7 +5949,7 @@
           <a:p>
             <a:fld id="{90F19E8C-F446-4C11-9AAE-B4B295EA670E}" type="datetimeFigureOut">
               <a:rPr lang="en-US" smtClean="0"/>
-              <a:t>11/28/2016</a:t>
+              <a:t>11/30/2016</a:t>
             </a:fld>
             <a:endParaRPr lang="en-US"/>
           </a:p>
@@ -1601,7 +6313,7 @@
           <a:p>
             <a:fld id="{90F19E8C-F446-4C11-9AAE-B4B295EA670E}" type="datetimeFigureOut">
               <a:rPr lang="en-US" smtClean="0"/>
-              <a:t>11/28/2016</a:t>
+              <a:t>11/30/2016</a:t>
             </a:fld>
             <a:endParaRPr lang="en-US"/>
           </a:p>
@@ -1718,7 +6430,7 @@
           <a:p>
             <a:fld id="{90F19E8C-F446-4C11-9AAE-B4B295EA670E}" type="datetimeFigureOut">
               <a:rPr lang="en-US" smtClean="0"/>
-              <a:t>11/28/2016</a:t>
+              <a:t>11/30/2016</a:t>
             </a:fld>
             <a:endParaRPr lang="en-US"/>
           </a:p>
@@ -1813,7 +6525,7 @@
           <a:p>
             <a:fld id="{90F19E8C-F446-4C11-9AAE-B4B295EA670E}" type="datetimeFigureOut">
               <a:rPr lang="en-US" smtClean="0"/>
-              <a:t>11/28/2016</a:t>
+              <a:t>11/30/2016</a:t>
             </a:fld>
             <a:endParaRPr lang="en-US"/>
           </a:p>
@@ -2088,7 +6800,7 @@
           <a:p>
             <a:fld id="{90F19E8C-F446-4C11-9AAE-B4B295EA670E}" type="datetimeFigureOut">
               <a:rPr lang="en-US" smtClean="0"/>
-              <a:t>11/28/2016</a:t>
+              <a:t>11/30/2016</a:t>
             </a:fld>
             <a:endParaRPr lang="en-US"/>
           </a:p>
@@ -2340,7 +7052,7 @@
           <a:p>
             <a:fld id="{90F19E8C-F446-4C11-9AAE-B4B295EA670E}" type="datetimeFigureOut">
               <a:rPr lang="en-US" smtClean="0"/>
-              <a:t>11/28/2016</a:t>
+              <a:t>11/30/2016</a:t>
             </a:fld>
             <a:endParaRPr lang="en-US"/>
           </a:p>
@@ -2554,7 +7266,7 @@
           <a:p>
             <a:fld id="{90F19E8C-F446-4C11-9AAE-B4B295EA670E}" type="datetimeFigureOut">
               <a:rPr lang="en-US" smtClean="0"/>
-              <a:t>11/28/2016</a:t>
+              <a:t>11/30/2016</a:t>
             </a:fld>
             <a:endParaRPr lang="en-US"/>
           </a:p>
@@ -4416,25 +9128,607 @@
           </a:p>
         </p:txBody>
       </p:sp>
-      <p:sp>
-        <p:nvSpPr>
-          <p:cNvPr id="3" name="Content Placeholder 2"/>
-          <p:cNvSpPr>
-            <a:spLocks noGrp="1"/>
-          </p:cNvSpPr>
-          <p:nvPr>
-            <p:ph idx="1"/>
-          </p:nvPr>
-        </p:nvSpPr>
-        <p:spPr/>
-        <p:txBody>
-          <a:bodyPr/>
-          <a:lstStyle/>
-          <a:p>
-            <a:endParaRPr lang="en-US" dirty="0"/>
-          </a:p>
-        </p:txBody>
-      </p:sp>
+      <p:grpSp>
+        <p:nvGrpSpPr>
+          <p:cNvPr id="4" name="Group 3"/>
+          <p:cNvGrpSpPr/>
+          <p:nvPr/>
+        </p:nvGrpSpPr>
+        <p:grpSpPr>
+          <a:xfrm>
+            <a:off x="644356" y="1795698"/>
+            <a:ext cx="10654208" cy="4546108"/>
+            <a:chOff x="644356" y="1795698"/>
+            <a:chExt cx="10654208" cy="4546108"/>
+          </a:xfrm>
+        </p:grpSpPr>
+        <p:sp>
+          <p:nvSpPr>
+            <p:cNvPr id="5" name="Rectangle 4"/>
+            <p:cNvSpPr/>
+            <p:nvPr/>
+          </p:nvSpPr>
+          <p:spPr>
+            <a:xfrm>
+              <a:off x="6886684" y="1795698"/>
+              <a:ext cx="1179865" cy="3930927"/>
+            </a:xfrm>
+            <a:prstGeom prst="rect">
+              <a:avLst/>
+            </a:prstGeom>
+            <a:solidFill>
+              <a:srgbClr val="D85E28"/>
+            </a:solidFill>
+          </p:spPr>
+          <p:style>
+            <a:lnRef idx="2">
+              <a:schemeClr val="accent1">
+                <a:shade val="50000"/>
+              </a:schemeClr>
+            </a:lnRef>
+            <a:fillRef idx="1">
+              <a:schemeClr val="accent1"/>
+            </a:fillRef>
+            <a:effectRef idx="0">
+              <a:schemeClr val="accent1"/>
+            </a:effectRef>
+            <a:fontRef idx="minor">
+              <a:schemeClr val="lt1"/>
+            </a:fontRef>
+          </p:style>
+          <p:txBody>
+            <a:bodyPr rtlCol="0" anchor="ctr"/>
+            <a:lstStyle/>
+            <a:p>
+              <a:pPr algn="ctr"/>
+              <a:r>
+                <a:rPr lang="en-US" sz="2800" dirty="0" err="1"/>
+                <a:t>HBase</a:t>
+              </a:r>
+              <a:endParaRPr lang="en-US" sz="2800" dirty="0"/>
+            </a:p>
+          </p:txBody>
+        </p:sp>
+        <p:sp>
+          <p:nvSpPr>
+            <p:cNvPr id="6" name="Rounded Rectangle 5"/>
+            <p:cNvSpPr/>
+            <p:nvPr/>
+          </p:nvSpPr>
+          <p:spPr>
+            <a:xfrm>
+              <a:off x="2136062" y="3852969"/>
+              <a:ext cx="1747732" cy="798146"/>
+            </a:xfrm>
+            <a:prstGeom prst="roundRect">
+              <a:avLst/>
+            </a:prstGeom>
+            <a:solidFill>
+              <a:srgbClr val="D85E28"/>
+            </a:solidFill>
+            <a:ln>
+              <a:solidFill>
+                <a:schemeClr val="bg1"/>
+              </a:solidFill>
+            </a:ln>
+          </p:spPr>
+          <p:style>
+            <a:lnRef idx="2">
+              <a:schemeClr val="accent1">
+                <a:shade val="50000"/>
+              </a:schemeClr>
+            </a:lnRef>
+            <a:fillRef idx="1">
+              <a:schemeClr val="accent1"/>
+            </a:fillRef>
+            <a:effectRef idx="0">
+              <a:schemeClr val="accent1"/>
+            </a:effectRef>
+            <a:fontRef idx="minor">
+              <a:schemeClr val="lt1"/>
+            </a:fontRef>
+          </p:style>
+          <p:txBody>
+            <a:bodyPr rtlCol="0" anchor="ctr"/>
+            <a:lstStyle/>
+            <a:p>
+              <a:pPr algn="ctr"/>
+              <a:r>
+                <a:rPr lang="en-US" sz="2400" dirty="0"/>
+                <a:t>MapReduce</a:t>
+              </a:r>
+            </a:p>
+          </p:txBody>
+        </p:sp>
+        <p:sp>
+          <p:nvSpPr>
+            <p:cNvPr id="7" name="Rounded Rectangle 6"/>
+            <p:cNvSpPr/>
+            <p:nvPr/>
+          </p:nvSpPr>
+          <p:spPr>
+            <a:xfrm>
+              <a:off x="2136062" y="4738736"/>
+              <a:ext cx="1747732" cy="798146"/>
+            </a:xfrm>
+            <a:prstGeom prst="roundRect">
+              <a:avLst/>
+            </a:prstGeom>
+            <a:solidFill>
+              <a:srgbClr val="D85E28"/>
+            </a:solidFill>
+            <a:ln>
+              <a:solidFill>
+                <a:schemeClr val="bg1"/>
+              </a:solidFill>
+            </a:ln>
+          </p:spPr>
+          <p:style>
+            <a:lnRef idx="2">
+              <a:schemeClr val="accent1">
+                <a:shade val="50000"/>
+              </a:schemeClr>
+            </a:lnRef>
+            <a:fillRef idx="1">
+              <a:schemeClr val="accent1"/>
+            </a:fillRef>
+            <a:effectRef idx="0">
+              <a:schemeClr val="accent1"/>
+            </a:effectRef>
+            <a:fontRef idx="minor">
+              <a:schemeClr val="lt1"/>
+            </a:fontRef>
+          </p:style>
+          <p:txBody>
+            <a:bodyPr rtlCol="0" anchor="ctr"/>
+            <a:lstStyle/>
+            <a:p>
+              <a:pPr algn="ctr"/>
+              <a:r>
+                <a:rPr lang="en-US" sz="2400" dirty="0"/>
+                <a:t>MapReduce</a:t>
+              </a:r>
+            </a:p>
+          </p:txBody>
+        </p:sp>
+        <p:graphicFrame>
+          <p:nvGraphicFramePr>
+            <p:cNvPr id="8" name="Diagram 7"/>
+            <p:cNvGraphicFramePr/>
+            <p:nvPr>
+              <p:extLst>
+                <p:ext uri="{D42A27DB-BD31-4B8C-83A1-F6EECF244321}">
+                  <p14:modId xmlns:p14="http://schemas.microsoft.com/office/powerpoint/2010/main" val="2883811595"/>
+                </p:ext>
+              </p:extLst>
+            </p:nvPr>
+          </p:nvGraphicFramePr>
+          <p:xfrm>
+            <a:off x="4029953" y="3902138"/>
+            <a:ext cx="2754304" cy="1634744"/>
+          </p:xfrm>
+          <a:graphic>
+            <a:graphicData uri="http://schemas.openxmlformats.org/drawingml/2006/diagram">
+              <dgm:relIds xmlns:dgm="http://schemas.openxmlformats.org/drawingml/2006/diagram" xmlns:r="http://schemas.openxmlformats.org/officeDocument/2006/relationships" r:dm="rId2" r:lo="rId3" r:qs="rId4" r:cs="rId5"/>
+            </a:graphicData>
+          </a:graphic>
+        </p:graphicFrame>
+        <p:sp>
+          <p:nvSpPr>
+            <p:cNvPr id="9" name="Rounded Rectangle 8"/>
+            <p:cNvSpPr/>
+            <p:nvPr/>
+          </p:nvSpPr>
+          <p:spPr>
+            <a:xfrm>
+              <a:off x="2111338" y="2202426"/>
+              <a:ext cx="1833634" cy="1405143"/>
+            </a:xfrm>
+            <a:prstGeom prst="roundRect">
+              <a:avLst/>
+            </a:prstGeom>
+            <a:solidFill>
+              <a:srgbClr val="D85E28"/>
+            </a:solidFill>
+            <a:ln>
+              <a:solidFill>
+                <a:schemeClr val="bg1"/>
+              </a:solidFill>
+            </a:ln>
+          </p:spPr>
+          <p:style>
+            <a:lnRef idx="2">
+              <a:schemeClr val="accent1">
+                <a:shade val="50000"/>
+              </a:schemeClr>
+            </a:lnRef>
+            <a:fillRef idx="1">
+              <a:schemeClr val="accent1"/>
+            </a:fillRef>
+            <a:effectRef idx="0">
+              <a:schemeClr val="accent1"/>
+            </a:effectRef>
+            <a:fontRef idx="minor">
+              <a:schemeClr val="lt1"/>
+            </a:fontRef>
+          </p:style>
+          <p:txBody>
+            <a:bodyPr rtlCol="0" anchor="ctr"/>
+            <a:lstStyle/>
+            <a:p>
+              <a:pPr algn="ctr"/>
+              <a:r>
+                <a:rPr lang="en-US" sz="2400" dirty="0"/>
+                <a:t>MapReduce</a:t>
+              </a:r>
+            </a:p>
+          </p:txBody>
+        </p:sp>
+        <p:sp>
+          <p:nvSpPr>
+            <p:cNvPr id="10" name="Rounded Rectangle 9"/>
+            <p:cNvSpPr/>
+            <p:nvPr/>
+          </p:nvSpPr>
+          <p:spPr>
+            <a:xfrm>
+              <a:off x="9164301" y="3451122"/>
+              <a:ext cx="1495832" cy="904568"/>
+            </a:xfrm>
+            <a:prstGeom prst="roundRect">
+              <a:avLst/>
+            </a:prstGeom>
+          </p:spPr>
+          <p:style>
+            <a:lnRef idx="2">
+              <a:schemeClr val="accent1">
+                <a:shade val="50000"/>
+              </a:schemeClr>
+            </a:lnRef>
+            <a:fillRef idx="1">
+              <a:schemeClr val="accent1"/>
+            </a:fillRef>
+            <a:effectRef idx="0">
+              <a:schemeClr val="accent1"/>
+            </a:effectRef>
+            <a:fontRef idx="minor">
+              <a:schemeClr val="lt1"/>
+            </a:fontRef>
+          </p:style>
+          <p:txBody>
+            <a:bodyPr rtlCol="0" anchor="ctr"/>
+            <a:lstStyle/>
+            <a:p>
+              <a:pPr algn="ctr"/>
+              <a:r>
+                <a:rPr lang="en-US" sz="2400" dirty="0"/>
+                <a:t>Cosine Similarity</a:t>
+              </a:r>
+            </a:p>
+          </p:txBody>
+        </p:sp>
+        <p:sp>
+          <p:nvSpPr>
+            <p:cNvPr id="11" name="Down Arrow 10"/>
+            <p:cNvSpPr/>
+            <p:nvPr/>
+          </p:nvSpPr>
+          <p:spPr>
+            <a:xfrm>
+              <a:off x="9587752" y="2537038"/>
+              <a:ext cx="648929" cy="874754"/>
+            </a:xfrm>
+            <a:prstGeom prst="downArrow">
+              <a:avLst/>
+            </a:prstGeom>
+          </p:spPr>
+          <p:style>
+            <a:lnRef idx="2">
+              <a:schemeClr val="accent1">
+                <a:shade val="50000"/>
+              </a:schemeClr>
+            </a:lnRef>
+            <a:fillRef idx="1">
+              <a:schemeClr val="accent1"/>
+            </a:fillRef>
+            <a:effectRef idx="0">
+              <a:schemeClr val="accent1"/>
+            </a:effectRef>
+            <a:fontRef idx="minor">
+              <a:schemeClr val="lt1"/>
+            </a:fontRef>
+          </p:style>
+          <p:txBody>
+            <a:bodyPr rtlCol="0" anchor="ctr"/>
+            <a:lstStyle/>
+            <a:p>
+              <a:pPr algn="ctr"/>
+              <a:endParaRPr lang="en-US"/>
+            </a:p>
+          </p:txBody>
+        </p:sp>
+        <p:sp>
+          <p:nvSpPr>
+            <p:cNvPr id="12" name="Flowchart: Alternate Process 11"/>
+            <p:cNvSpPr/>
+            <p:nvPr/>
+          </p:nvSpPr>
+          <p:spPr>
+            <a:xfrm>
+              <a:off x="8595345" y="1795698"/>
+              <a:ext cx="2633739" cy="865035"/>
+            </a:xfrm>
+            <a:prstGeom prst="flowChartAlternateProcess">
+              <a:avLst/>
+            </a:prstGeom>
+          </p:spPr>
+          <p:style>
+            <a:lnRef idx="2">
+              <a:schemeClr val="accent1">
+                <a:shade val="50000"/>
+              </a:schemeClr>
+            </a:lnRef>
+            <a:fillRef idx="1">
+              <a:schemeClr val="accent1"/>
+            </a:fillRef>
+            <a:effectRef idx="0">
+              <a:schemeClr val="accent1"/>
+            </a:effectRef>
+            <a:fontRef idx="minor">
+              <a:schemeClr val="lt1"/>
+            </a:fontRef>
+          </p:style>
+          <p:txBody>
+            <a:bodyPr rtlCol="0" anchor="ctr"/>
+            <a:lstStyle/>
+            <a:p>
+              <a:pPr algn="ctr"/>
+              <a:r>
+                <a:rPr lang="en-US" sz="2400" dirty="0"/>
+                <a:t>Incoming Event for particular User</a:t>
+              </a:r>
+            </a:p>
+          </p:txBody>
+        </p:sp>
+        <p:sp>
+          <p:nvSpPr>
+            <p:cNvPr id="13" name="Down Arrow 12"/>
+            <p:cNvSpPr/>
+            <p:nvPr/>
+          </p:nvSpPr>
+          <p:spPr>
+            <a:xfrm>
+              <a:off x="9558255" y="4434348"/>
+              <a:ext cx="707922" cy="936023"/>
+            </a:xfrm>
+            <a:prstGeom prst="downArrow">
+              <a:avLst/>
+            </a:prstGeom>
+          </p:spPr>
+          <p:style>
+            <a:lnRef idx="2">
+              <a:schemeClr val="accent1">
+                <a:shade val="50000"/>
+              </a:schemeClr>
+            </a:lnRef>
+            <a:fillRef idx="1">
+              <a:schemeClr val="accent1"/>
+            </a:fillRef>
+            <a:effectRef idx="0">
+              <a:schemeClr val="accent1"/>
+            </a:effectRef>
+            <a:fontRef idx="minor">
+              <a:schemeClr val="lt1"/>
+            </a:fontRef>
+          </p:style>
+          <p:txBody>
+            <a:bodyPr rtlCol="0" anchor="ctr"/>
+            <a:lstStyle/>
+            <a:p>
+              <a:pPr algn="ctr"/>
+              <a:endParaRPr lang="en-US"/>
+            </a:p>
+          </p:txBody>
+        </p:sp>
+        <p:graphicFrame>
+          <p:nvGraphicFramePr>
+            <p:cNvPr id="14" name="Diagram 13"/>
+            <p:cNvGraphicFramePr/>
+            <p:nvPr>
+              <p:extLst>
+                <p:ext uri="{D42A27DB-BD31-4B8C-83A1-F6EECF244321}">
+                  <p14:modId xmlns:p14="http://schemas.microsoft.com/office/powerpoint/2010/main" val="3429547932"/>
+                </p:ext>
+              </p:extLst>
+            </p:nvPr>
+          </p:nvGraphicFramePr>
+          <p:xfrm>
+            <a:off x="4053409" y="1890647"/>
+            <a:ext cx="2745922" cy="2019888"/>
+          </p:xfrm>
+          <a:graphic>
+            <a:graphicData uri="http://schemas.openxmlformats.org/drawingml/2006/diagram">
+              <dgm:relIds xmlns:dgm="http://schemas.openxmlformats.org/drawingml/2006/diagram" xmlns:r="http://schemas.openxmlformats.org/officeDocument/2006/relationships" r:dm="rId7" r:lo="rId8" r:qs="rId9" r:cs="rId10"/>
+            </a:graphicData>
+          </a:graphic>
+        </p:graphicFrame>
+        <p:sp>
+          <p:nvSpPr>
+            <p:cNvPr id="15" name="Rounded Rectangle 14"/>
+            <p:cNvSpPr/>
+            <p:nvPr/>
+          </p:nvSpPr>
+          <p:spPr>
+            <a:xfrm>
+              <a:off x="8525867" y="5449029"/>
+              <a:ext cx="2772697" cy="892777"/>
+            </a:xfrm>
+            <a:prstGeom prst="roundRect">
+              <a:avLst/>
+            </a:prstGeom>
+          </p:spPr>
+          <p:style>
+            <a:lnRef idx="2">
+              <a:schemeClr val="accent1">
+                <a:shade val="50000"/>
+              </a:schemeClr>
+            </a:lnRef>
+            <a:fillRef idx="1">
+              <a:schemeClr val="accent1"/>
+            </a:fillRef>
+            <a:effectRef idx="0">
+              <a:schemeClr val="accent1"/>
+            </a:effectRef>
+            <a:fontRef idx="minor">
+              <a:schemeClr val="lt1"/>
+            </a:fontRef>
+          </p:style>
+          <p:txBody>
+            <a:bodyPr rtlCol="0" anchor="ctr"/>
+            <a:lstStyle/>
+            <a:p>
+              <a:pPr algn="ctr"/>
+              <a:r>
+                <a:rPr lang="en-US" sz="2400" dirty="0"/>
+                <a:t>Recommendation Result</a:t>
+              </a:r>
+            </a:p>
+          </p:txBody>
+        </p:sp>
+        <p:sp>
+          <p:nvSpPr>
+            <p:cNvPr id="16" name="Right Arrow 15"/>
+            <p:cNvSpPr/>
+            <p:nvPr/>
+          </p:nvSpPr>
+          <p:spPr>
+            <a:xfrm>
+              <a:off x="8125822" y="3533779"/>
+              <a:ext cx="989320" cy="736718"/>
+            </a:xfrm>
+            <a:prstGeom prst="rightArrow">
+              <a:avLst/>
+            </a:prstGeom>
+          </p:spPr>
+          <p:style>
+            <a:lnRef idx="2">
+              <a:schemeClr val="accent1">
+                <a:shade val="50000"/>
+              </a:schemeClr>
+            </a:lnRef>
+            <a:fillRef idx="1">
+              <a:schemeClr val="accent1"/>
+            </a:fillRef>
+            <a:effectRef idx="0">
+              <a:schemeClr val="accent1"/>
+            </a:effectRef>
+            <a:fontRef idx="minor">
+              <a:schemeClr val="lt1"/>
+            </a:fontRef>
+          </p:style>
+          <p:txBody>
+            <a:bodyPr rtlCol="0" anchor="ctr"/>
+            <a:lstStyle/>
+            <a:p>
+              <a:pPr algn="ctr"/>
+              <a:endParaRPr lang="en-US"/>
+            </a:p>
+          </p:txBody>
+        </p:sp>
+        <p:sp>
+          <p:nvSpPr>
+            <p:cNvPr id="17" name="Rounded Rectangle 16"/>
+            <p:cNvSpPr/>
+            <p:nvPr/>
+          </p:nvSpPr>
+          <p:spPr>
+            <a:xfrm>
+              <a:off x="644356" y="3893507"/>
+              <a:ext cx="1102299" cy="1643375"/>
+            </a:xfrm>
+            <a:prstGeom prst="roundRect">
+              <a:avLst/>
+            </a:prstGeom>
+          </p:spPr>
+          <p:style>
+            <a:lnRef idx="2">
+              <a:schemeClr val="accent1">
+                <a:shade val="50000"/>
+              </a:schemeClr>
+            </a:lnRef>
+            <a:fillRef idx="1">
+              <a:schemeClr val="accent1"/>
+            </a:fillRef>
+            <a:effectRef idx="0">
+              <a:schemeClr val="accent1"/>
+            </a:effectRef>
+            <a:fontRef idx="minor">
+              <a:schemeClr val="lt1"/>
+            </a:fontRef>
+          </p:style>
+          <p:txBody>
+            <a:bodyPr rtlCol="0" anchor="ctr"/>
+            <a:lstStyle/>
+            <a:p>
+              <a:pPr algn="ctr"/>
+              <a:r>
+                <a:rPr lang="en-US" sz="2400" dirty="0"/>
+                <a:t>Events</a:t>
+              </a:r>
+            </a:p>
+          </p:txBody>
+        </p:sp>
+        <p:sp>
+          <p:nvSpPr>
+            <p:cNvPr id="18" name="Rounded Rectangle 17"/>
+            <p:cNvSpPr/>
+            <p:nvPr/>
+          </p:nvSpPr>
+          <p:spPr>
+            <a:xfrm>
+              <a:off x="644356" y="2078903"/>
+              <a:ext cx="1102299" cy="1643375"/>
+            </a:xfrm>
+            <a:prstGeom prst="roundRect">
+              <a:avLst/>
+            </a:prstGeom>
+          </p:spPr>
+          <p:style>
+            <a:lnRef idx="2">
+              <a:schemeClr val="accent1">
+                <a:shade val="50000"/>
+              </a:schemeClr>
+            </a:lnRef>
+            <a:fillRef idx="1">
+              <a:schemeClr val="accent1"/>
+            </a:fillRef>
+            <a:effectRef idx="0">
+              <a:schemeClr val="accent1"/>
+            </a:effectRef>
+            <a:fontRef idx="minor">
+              <a:schemeClr val="lt1"/>
+            </a:fontRef>
+          </p:style>
+          <p:txBody>
+            <a:bodyPr rtlCol="0" anchor="ctr"/>
+            <a:lstStyle/>
+            <a:p>
+              <a:pPr algn="ctr"/>
+              <a:r>
+                <a:rPr lang="en-US" sz="2400" dirty="0"/>
+                <a:t>User </a:t>
+              </a:r>
+            </a:p>
+            <a:p>
+              <a:pPr algn="ctr"/>
+              <a:r>
+                <a:rPr lang="en-US" sz="2400" dirty="0"/>
+                <a:t>Data</a:t>
+              </a:r>
+            </a:p>
+          </p:txBody>
+        </p:sp>
+      </p:grpSp>
     </p:spTree>
     <p:extLst>
       <p:ext uri="{BB962C8B-B14F-4D97-AF65-F5344CB8AC3E}">
@@ -4546,6 +9840,16 @@
                 </a:solidFill>
               </a:rPr>
               <a:t>Out of RAM – GB of data</a:t>
+            </a:r>
+          </a:p>
+          <a:p>
+            <a:r>
+              <a:rPr lang="en-US" dirty="0">
+                <a:solidFill>
+                  <a:schemeClr val="bg1"/>
+                </a:solidFill>
+              </a:rPr>
+              <a:t>Excessive Logging</a:t>
             </a:r>
           </a:p>
           <a:p>

--- a/Big Data Project.pptx
+++ b/Big Data Project.pptx
@@ -4,16 +4,20 @@
   <p:sldMasterIdLst>
     <p:sldMasterId id="2147483648" r:id="rId1"/>
   </p:sldMasterIdLst>
+  <p:notesMasterIdLst>
+    <p:notesMasterId r:id="rId12"/>
+  </p:notesMasterIdLst>
   <p:sldIdLst>
     <p:sldId id="256" r:id="rId2"/>
     <p:sldId id="257" r:id="rId3"/>
     <p:sldId id="264" r:id="rId4"/>
-    <p:sldId id="261" r:id="rId5"/>
-    <p:sldId id="265" r:id="rId6"/>
-    <p:sldId id="262" r:id="rId7"/>
-    <p:sldId id="260" r:id="rId8"/>
-    <p:sldId id="258" r:id="rId9"/>
-    <p:sldId id="263" r:id="rId10"/>
+    <p:sldId id="266" r:id="rId5"/>
+    <p:sldId id="261" r:id="rId6"/>
+    <p:sldId id="267" r:id="rId7"/>
+    <p:sldId id="265" r:id="rId8"/>
+    <p:sldId id="262" r:id="rId9"/>
+    <p:sldId id="258" r:id="rId10"/>
+    <p:sldId id="263" r:id="rId11"/>
   </p:sldIdLst>
   <p:sldSz cx="12192000" cy="6858000"/>
   <p:notesSz cx="6858000" cy="9144000"/>
@@ -1700,6 +1704,13 @@
         </dgm:presLayoutVars>
       </dgm:prSet>
       <dgm:spPr/>
+      <dgm:t>
+        <a:bodyPr/>
+        <a:lstStyle/>
+        <a:p>
+          <a:endParaRPr lang="en-US"/>
+        </a:p>
+      </dgm:t>
     </dgm:pt>
     <dgm:pt modelId="{8952AFAF-761E-422A-883C-575FA4AA0F04}" type="pres">
       <dgm:prSet presAssocID="{DE81D696-55D7-4F04-A338-D15E16CC942E}" presName="spVertical2" presStyleCnt="0"/>
@@ -1742,7 +1753,7 @@
   <dgm:whole/>
   <dgm:extLst>
     <a:ext uri="http://schemas.microsoft.com/office/drawing/2008/diagram">
-      <dsp:dataModelExt xmlns:dsp="http://schemas.microsoft.com/office/drawing/2008/diagram" relId="rId6" minVer="http://schemas.openxmlformats.org/drawingml/2006/diagram"/>
+      <dsp:dataModelExt xmlns:dsp="http://schemas.microsoft.com/office/drawing/2008/diagram" relId="rId7" minVer="http://schemas.openxmlformats.org/drawingml/2006/diagram"/>
     </a:ext>
   </dgm:extLst>
 </dgm:dataModel>
@@ -1834,6 +1845,13 @@
         </dgm:presLayoutVars>
       </dgm:prSet>
       <dgm:spPr/>
+      <dgm:t>
+        <a:bodyPr/>
+        <a:lstStyle/>
+        <a:p>
+          <a:endParaRPr lang="en-US"/>
+        </a:p>
+      </dgm:t>
     </dgm:pt>
     <dgm:pt modelId="{8952AFAF-761E-422A-883C-575FA4AA0F04}" type="pres">
       <dgm:prSet presAssocID="{DE81D696-55D7-4F04-A338-D15E16CC942E}" presName="spVertical2" presStyleCnt="0"/>
@@ -1876,7 +1894,7 @@
   <dgm:whole/>
   <dgm:extLst>
     <a:ext uri="http://schemas.microsoft.com/office/drawing/2008/diagram">
-      <dsp:dataModelExt xmlns:dsp="http://schemas.microsoft.com/office/drawing/2008/diagram" relId="rId11" minVer="http://schemas.openxmlformats.org/drawingml/2006/diagram"/>
+      <dsp:dataModelExt xmlns:dsp="http://schemas.microsoft.com/office/drawing/2008/diagram" relId="rId12" minVer="http://schemas.openxmlformats.org/drawingml/2006/diagram"/>
     </a:ext>
   </dgm:extLst>
 </dgm:dataModel>
@@ -1977,7 +1995,7 @@
         </a:bodyPr>
         <a:lstStyle/>
         <a:p>
-          <a:pPr marL="0" lvl="0" indent="0" algn="ctr" defTabSz="1244600">
+          <a:pPr lvl="0" algn="ctr" defTabSz="1244600">
             <a:lnSpc>
               <a:spcPct val="90000"/>
             </a:lnSpc>
@@ -1987,7 +2005,6 @@
             <a:spcAft>
               <a:spcPct val="35000"/>
             </a:spcAft>
-            <a:buNone/>
           </a:pPr>
           <a:r>
             <a:rPr lang="en-US" sz="2800" kern="1200" dirty="0">
@@ -2103,7 +2120,7 @@
         </a:bodyPr>
         <a:lstStyle/>
         <a:p>
-          <a:pPr marL="0" lvl="0" indent="0" algn="ctr" defTabSz="1066800">
+          <a:pPr lvl="0" algn="ctr" defTabSz="1066800">
             <a:lnSpc>
               <a:spcPct val="90000"/>
             </a:lnSpc>
@@ -2113,7 +2130,6 @@
             <a:spcAft>
               <a:spcPct val="35000"/>
             </a:spcAft>
-            <a:buNone/>
           </a:pPr>
           <a:r>
             <a:rPr lang="en-US" sz="2400" kern="1200" dirty="0">
@@ -4832,6 +4848,623 @@
 </dgm:styleDef>
 </file>
 
+<file path=ppt/notesMasters/notesMaster1.xml><?xml version="1.0" encoding="utf-8"?>
+<p:notesMaster xmlns:a="http://schemas.openxmlformats.org/drawingml/2006/main" xmlns:r="http://schemas.openxmlformats.org/officeDocument/2006/relationships" xmlns:p="http://schemas.openxmlformats.org/presentationml/2006/main">
+  <p:cSld>
+    <p:bg>
+      <p:bgRef idx="1001">
+        <a:schemeClr val="bg1"/>
+      </p:bgRef>
+    </p:bg>
+    <p:spTree>
+      <p:nvGrpSpPr>
+        <p:cNvPr id="1" name=""/>
+        <p:cNvGrpSpPr/>
+        <p:nvPr/>
+      </p:nvGrpSpPr>
+      <p:grpSpPr>
+        <a:xfrm>
+          <a:off x="0" y="0"/>
+          <a:ext cx="0" cy="0"/>
+          <a:chOff x="0" y="0"/>
+          <a:chExt cx="0" cy="0"/>
+        </a:xfrm>
+      </p:grpSpPr>
+      <p:sp>
+        <p:nvSpPr>
+          <p:cNvPr id="2" name="Header Placeholder 1"/>
+          <p:cNvSpPr>
+            <a:spLocks noGrp="1"/>
+          </p:cNvSpPr>
+          <p:nvPr>
+            <p:ph type="hdr" sz="quarter"/>
+          </p:nvPr>
+        </p:nvSpPr>
+        <p:spPr>
+          <a:xfrm>
+            <a:off x="0" y="0"/>
+            <a:ext cx="2971800" cy="458788"/>
+          </a:xfrm>
+          <a:prstGeom prst="rect">
+            <a:avLst/>
+          </a:prstGeom>
+        </p:spPr>
+        <p:txBody>
+          <a:bodyPr vert="horz" lIns="91440" tIns="45720" rIns="91440" bIns="45720" rtlCol="0"/>
+          <a:lstStyle>
+            <a:lvl1pPr algn="l">
+              <a:defRPr sz="1200"/>
+            </a:lvl1pPr>
+          </a:lstStyle>
+          <a:p>
+            <a:endParaRPr lang="en-US"/>
+          </a:p>
+        </p:txBody>
+      </p:sp>
+      <p:sp>
+        <p:nvSpPr>
+          <p:cNvPr id="3" name="Date Placeholder 2"/>
+          <p:cNvSpPr>
+            <a:spLocks noGrp="1"/>
+          </p:cNvSpPr>
+          <p:nvPr>
+            <p:ph type="dt" idx="1"/>
+          </p:nvPr>
+        </p:nvSpPr>
+        <p:spPr>
+          <a:xfrm>
+            <a:off x="3884613" y="0"/>
+            <a:ext cx="2971800" cy="458788"/>
+          </a:xfrm>
+          <a:prstGeom prst="rect">
+            <a:avLst/>
+          </a:prstGeom>
+        </p:spPr>
+        <p:txBody>
+          <a:bodyPr vert="horz" lIns="91440" tIns="45720" rIns="91440" bIns="45720" rtlCol="0"/>
+          <a:lstStyle>
+            <a:lvl1pPr algn="r">
+              <a:defRPr sz="1200"/>
+            </a:lvl1pPr>
+          </a:lstStyle>
+          <a:p>
+            <a:fld id="{2F51C6A9-9B48-214A-BCCE-5B688AEA7A9F}" type="datetimeFigureOut">
+              <a:rPr lang="en-US" smtClean="0"/>
+              <a:t>11/30/16</a:t>
+            </a:fld>
+            <a:endParaRPr lang="en-US"/>
+          </a:p>
+        </p:txBody>
+      </p:sp>
+      <p:sp>
+        <p:nvSpPr>
+          <p:cNvPr id="4" name="Slide Image Placeholder 3"/>
+          <p:cNvSpPr>
+            <a:spLocks noGrp="1" noRot="1" noChangeAspect="1"/>
+          </p:cNvSpPr>
+          <p:nvPr>
+            <p:ph type="sldImg" idx="2"/>
+          </p:nvPr>
+        </p:nvSpPr>
+        <p:spPr>
+          <a:xfrm>
+            <a:off x="685800" y="1143000"/>
+            <a:ext cx="5486400" cy="3086100"/>
+          </a:xfrm>
+          <a:prstGeom prst="rect">
+            <a:avLst/>
+          </a:prstGeom>
+          <a:noFill/>
+          <a:ln w="12700">
+            <a:solidFill>
+              <a:prstClr val="black"/>
+            </a:solidFill>
+          </a:ln>
+        </p:spPr>
+        <p:txBody>
+          <a:bodyPr vert="horz" lIns="91440" tIns="45720" rIns="91440" bIns="45720" rtlCol="0" anchor="ctr"/>
+          <a:lstStyle/>
+          <a:p>
+            <a:endParaRPr lang="en-US"/>
+          </a:p>
+        </p:txBody>
+      </p:sp>
+      <p:sp>
+        <p:nvSpPr>
+          <p:cNvPr id="5" name="Notes Placeholder 4"/>
+          <p:cNvSpPr>
+            <a:spLocks noGrp="1"/>
+          </p:cNvSpPr>
+          <p:nvPr>
+            <p:ph type="body" sz="quarter" idx="3"/>
+          </p:nvPr>
+        </p:nvSpPr>
+        <p:spPr>
+          <a:xfrm>
+            <a:off x="685800" y="4400550"/>
+            <a:ext cx="5486400" cy="3600450"/>
+          </a:xfrm>
+          <a:prstGeom prst="rect">
+            <a:avLst/>
+          </a:prstGeom>
+        </p:spPr>
+        <p:txBody>
+          <a:bodyPr vert="horz" lIns="91440" tIns="45720" rIns="91440" bIns="45720" rtlCol="0"/>
+          <a:lstStyle/>
+          <a:p>
+            <a:pPr lvl="0"/>
+            <a:r>
+              <a:rPr lang="en-US" smtClean="0"/>
+              <a:t>Click to edit Master text styles</a:t>
+            </a:r>
+          </a:p>
+          <a:p>
+            <a:pPr lvl="1"/>
+            <a:r>
+              <a:rPr lang="en-US" smtClean="0"/>
+              <a:t>Second level</a:t>
+            </a:r>
+          </a:p>
+          <a:p>
+            <a:pPr lvl="2"/>
+            <a:r>
+              <a:rPr lang="en-US" smtClean="0"/>
+              <a:t>Third level</a:t>
+            </a:r>
+          </a:p>
+          <a:p>
+            <a:pPr lvl="3"/>
+            <a:r>
+              <a:rPr lang="en-US" smtClean="0"/>
+              <a:t>Fourth level</a:t>
+            </a:r>
+          </a:p>
+          <a:p>
+            <a:pPr lvl="4"/>
+            <a:r>
+              <a:rPr lang="en-US" smtClean="0"/>
+              <a:t>Fifth level</a:t>
+            </a:r>
+            <a:endParaRPr lang="en-US"/>
+          </a:p>
+        </p:txBody>
+      </p:sp>
+      <p:sp>
+        <p:nvSpPr>
+          <p:cNvPr id="6" name="Footer Placeholder 5"/>
+          <p:cNvSpPr>
+            <a:spLocks noGrp="1"/>
+          </p:cNvSpPr>
+          <p:nvPr>
+            <p:ph type="ftr" sz="quarter" idx="4"/>
+          </p:nvPr>
+        </p:nvSpPr>
+        <p:spPr>
+          <a:xfrm>
+            <a:off x="0" y="8685213"/>
+            <a:ext cx="2971800" cy="458787"/>
+          </a:xfrm>
+          <a:prstGeom prst="rect">
+            <a:avLst/>
+          </a:prstGeom>
+        </p:spPr>
+        <p:txBody>
+          <a:bodyPr vert="horz" lIns="91440" tIns="45720" rIns="91440" bIns="45720" rtlCol="0" anchor="b"/>
+          <a:lstStyle>
+            <a:lvl1pPr algn="l">
+              <a:defRPr sz="1200"/>
+            </a:lvl1pPr>
+          </a:lstStyle>
+          <a:p>
+            <a:endParaRPr lang="en-US"/>
+          </a:p>
+        </p:txBody>
+      </p:sp>
+      <p:sp>
+        <p:nvSpPr>
+          <p:cNvPr id="7" name="Slide Number Placeholder 6"/>
+          <p:cNvSpPr>
+            <a:spLocks noGrp="1"/>
+          </p:cNvSpPr>
+          <p:nvPr>
+            <p:ph type="sldNum" sz="quarter" idx="5"/>
+          </p:nvPr>
+        </p:nvSpPr>
+        <p:spPr>
+          <a:xfrm>
+            <a:off x="3884613" y="8685213"/>
+            <a:ext cx="2971800" cy="458787"/>
+          </a:xfrm>
+          <a:prstGeom prst="rect">
+            <a:avLst/>
+          </a:prstGeom>
+        </p:spPr>
+        <p:txBody>
+          <a:bodyPr vert="horz" lIns="91440" tIns="45720" rIns="91440" bIns="45720" rtlCol="0" anchor="b"/>
+          <a:lstStyle>
+            <a:lvl1pPr algn="r">
+              <a:defRPr sz="1200"/>
+            </a:lvl1pPr>
+          </a:lstStyle>
+          <a:p>
+            <a:fld id="{30297E2A-C7AB-874C-97FE-7F67254B703E}" type="slidenum">
+              <a:rPr lang="en-US" smtClean="0"/>
+              <a:t>‹#›</a:t>
+            </a:fld>
+            <a:endParaRPr lang="en-US"/>
+          </a:p>
+        </p:txBody>
+      </p:sp>
+    </p:spTree>
+    <p:extLst>
+      <p:ext uri="{BB962C8B-B14F-4D97-AF65-F5344CB8AC3E}">
+        <p14:creationId xmlns:p14="http://schemas.microsoft.com/office/powerpoint/2010/main" val="1233467681"/>
+      </p:ext>
+    </p:extLst>
+  </p:cSld>
+  <p:clrMap bg1="lt1" tx1="dk1" bg2="lt2" tx2="dk2" accent1="accent1" accent2="accent2" accent3="accent3" accent4="accent4" accent5="accent5" accent6="accent6" hlink="hlink" folHlink="folHlink"/>
+  <p:notesStyle>
+    <a:lvl1pPr marL="0" algn="l" defTabSz="914400" rtl="0" eaLnBrk="1" latinLnBrk="0" hangingPunct="1">
+      <a:defRPr sz="1200" kern="1200">
+        <a:solidFill>
+          <a:schemeClr val="tx1"/>
+        </a:solidFill>
+        <a:latin typeface="+mn-lt"/>
+        <a:ea typeface="+mn-ea"/>
+        <a:cs typeface="+mn-cs"/>
+      </a:defRPr>
+    </a:lvl1pPr>
+    <a:lvl2pPr marL="457200" algn="l" defTabSz="914400" rtl="0" eaLnBrk="1" latinLnBrk="0" hangingPunct="1">
+      <a:defRPr sz="1200" kern="1200">
+        <a:solidFill>
+          <a:schemeClr val="tx1"/>
+        </a:solidFill>
+        <a:latin typeface="+mn-lt"/>
+        <a:ea typeface="+mn-ea"/>
+        <a:cs typeface="+mn-cs"/>
+      </a:defRPr>
+    </a:lvl2pPr>
+    <a:lvl3pPr marL="914400" algn="l" defTabSz="914400" rtl="0" eaLnBrk="1" latinLnBrk="0" hangingPunct="1">
+      <a:defRPr sz="1200" kern="1200">
+        <a:solidFill>
+          <a:schemeClr val="tx1"/>
+        </a:solidFill>
+        <a:latin typeface="+mn-lt"/>
+        <a:ea typeface="+mn-ea"/>
+        <a:cs typeface="+mn-cs"/>
+      </a:defRPr>
+    </a:lvl3pPr>
+    <a:lvl4pPr marL="1371600" algn="l" defTabSz="914400" rtl="0" eaLnBrk="1" latinLnBrk="0" hangingPunct="1">
+      <a:defRPr sz="1200" kern="1200">
+        <a:solidFill>
+          <a:schemeClr val="tx1"/>
+        </a:solidFill>
+        <a:latin typeface="+mn-lt"/>
+        <a:ea typeface="+mn-ea"/>
+        <a:cs typeface="+mn-cs"/>
+      </a:defRPr>
+    </a:lvl4pPr>
+    <a:lvl5pPr marL="1828800" algn="l" defTabSz="914400" rtl="0" eaLnBrk="1" latinLnBrk="0" hangingPunct="1">
+      <a:defRPr sz="1200" kern="1200">
+        <a:solidFill>
+          <a:schemeClr val="tx1"/>
+        </a:solidFill>
+        <a:latin typeface="+mn-lt"/>
+        <a:ea typeface="+mn-ea"/>
+        <a:cs typeface="+mn-cs"/>
+      </a:defRPr>
+    </a:lvl5pPr>
+    <a:lvl6pPr marL="2286000" algn="l" defTabSz="914400" rtl="0" eaLnBrk="1" latinLnBrk="0" hangingPunct="1">
+      <a:defRPr sz="1200" kern="1200">
+        <a:solidFill>
+          <a:schemeClr val="tx1"/>
+        </a:solidFill>
+        <a:latin typeface="+mn-lt"/>
+        <a:ea typeface="+mn-ea"/>
+        <a:cs typeface="+mn-cs"/>
+      </a:defRPr>
+    </a:lvl6pPr>
+    <a:lvl7pPr marL="2743200" algn="l" defTabSz="914400" rtl="0" eaLnBrk="1" latinLnBrk="0" hangingPunct="1">
+      <a:defRPr sz="1200" kern="1200">
+        <a:solidFill>
+          <a:schemeClr val="tx1"/>
+        </a:solidFill>
+        <a:latin typeface="+mn-lt"/>
+        <a:ea typeface="+mn-ea"/>
+        <a:cs typeface="+mn-cs"/>
+      </a:defRPr>
+    </a:lvl7pPr>
+    <a:lvl8pPr marL="3200400" algn="l" defTabSz="914400" rtl="0" eaLnBrk="1" latinLnBrk="0" hangingPunct="1">
+      <a:defRPr sz="1200" kern="1200">
+        <a:solidFill>
+          <a:schemeClr val="tx1"/>
+        </a:solidFill>
+        <a:latin typeface="+mn-lt"/>
+        <a:ea typeface="+mn-ea"/>
+        <a:cs typeface="+mn-cs"/>
+      </a:defRPr>
+    </a:lvl8pPr>
+    <a:lvl9pPr marL="3657600" algn="l" defTabSz="914400" rtl="0" eaLnBrk="1" latinLnBrk="0" hangingPunct="1">
+      <a:defRPr sz="1200" kern="1200">
+        <a:solidFill>
+          <a:schemeClr val="tx1"/>
+        </a:solidFill>
+        <a:latin typeface="+mn-lt"/>
+        <a:ea typeface="+mn-ea"/>
+        <a:cs typeface="+mn-cs"/>
+      </a:defRPr>
+    </a:lvl9pPr>
+  </p:notesStyle>
+</p:notesMaster>
+</file>
+
+<file path=ppt/notesSlides/notesSlide1.xml><?xml version="1.0" encoding="utf-8"?>
+<p:notes xmlns:a="http://schemas.openxmlformats.org/drawingml/2006/main" xmlns:r="http://schemas.openxmlformats.org/officeDocument/2006/relationships" xmlns:p="http://schemas.openxmlformats.org/presentationml/2006/main">
+  <p:cSld>
+    <p:spTree>
+      <p:nvGrpSpPr>
+        <p:cNvPr id="1" name=""/>
+        <p:cNvGrpSpPr/>
+        <p:nvPr/>
+      </p:nvGrpSpPr>
+      <p:grpSpPr>
+        <a:xfrm>
+          <a:off x="0" y="0"/>
+          <a:ext cx="0" cy="0"/>
+          <a:chOff x="0" y="0"/>
+          <a:chExt cx="0" cy="0"/>
+        </a:xfrm>
+      </p:grpSpPr>
+      <p:sp>
+        <p:nvSpPr>
+          <p:cNvPr id="2" name="Slide Image Placeholder 1"/>
+          <p:cNvSpPr>
+            <a:spLocks noGrp="1" noRot="1" noChangeAspect="1"/>
+          </p:cNvSpPr>
+          <p:nvPr>
+            <p:ph type="sldImg"/>
+          </p:nvPr>
+        </p:nvSpPr>
+        <p:spPr/>
+      </p:sp>
+      <p:sp>
+        <p:nvSpPr>
+          <p:cNvPr id="3" name="Notes Placeholder 2"/>
+          <p:cNvSpPr>
+            <a:spLocks noGrp="1"/>
+          </p:cNvSpPr>
+          <p:nvPr>
+            <p:ph type="body" idx="1"/>
+          </p:nvPr>
+        </p:nvSpPr>
+        <p:spPr/>
+        <p:txBody>
+          <a:bodyPr/>
+          <a:lstStyle/>
+          <a:p>
+            <a:r>
+              <a:rPr lang="en-US" dirty="0" smtClean="0"/>
+              <a:t>A lot of</a:t>
+            </a:r>
+            <a:r>
+              <a:rPr lang="en-US" baseline="0" dirty="0" smtClean="0"/>
+              <a:t> data. Too little time. So we decided to focus on event descriptions only. We can definitely improve the recommendation accuracy by using other features.</a:t>
+            </a:r>
+            <a:endParaRPr lang="en-US" dirty="0"/>
+          </a:p>
+        </p:txBody>
+      </p:sp>
+      <p:sp>
+        <p:nvSpPr>
+          <p:cNvPr id="4" name="Slide Number Placeholder 3"/>
+          <p:cNvSpPr>
+            <a:spLocks noGrp="1"/>
+          </p:cNvSpPr>
+          <p:nvPr>
+            <p:ph type="sldNum" sz="quarter" idx="10"/>
+          </p:nvPr>
+        </p:nvSpPr>
+        <p:spPr/>
+        <p:txBody>
+          <a:bodyPr/>
+          <a:lstStyle/>
+          <a:p>
+            <a:fld id="{30297E2A-C7AB-874C-97FE-7F67254B703E}" type="slidenum">
+              <a:rPr lang="en-US" smtClean="0"/>
+              <a:t>5</a:t>
+            </a:fld>
+            <a:endParaRPr lang="en-US"/>
+          </a:p>
+        </p:txBody>
+      </p:sp>
+    </p:spTree>
+    <p:extLst>
+      <p:ext uri="{BB962C8B-B14F-4D97-AF65-F5344CB8AC3E}">
+        <p14:creationId xmlns:p14="http://schemas.microsoft.com/office/powerpoint/2010/main" val="1231670076"/>
+      </p:ext>
+    </p:extLst>
+  </p:cSld>
+  <p:clrMapOvr>
+    <a:masterClrMapping/>
+  </p:clrMapOvr>
+</p:notes>
+</file>
+
+<file path=ppt/notesSlides/notesSlide2.xml><?xml version="1.0" encoding="utf-8"?>
+<p:notes xmlns:a="http://schemas.openxmlformats.org/drawingml/2006/main" xmlns:r="http://schemas.openxmlformats.org/officeDocument/2006/relationships" xmlns:p="http://schemas.openxmlformats.org/presentationml/2006/main">
+  <p:cSld>
+    <p:spTree>
+      <p:nvGrpSpPr>
+        <p:cNvPr id="1" name=""/>
+        <p:cNvGrpSpPr/>
+        <p:nvPr/>
+      </p:nvGrpSpPr>
+      <p:grpSpPr>
+        <a:xfrm>
+          <a:off x="0" y="0"/>
+          <a:ext cx="0" cy="0"/>
+          <a:chOff x="0" y="0"/>
+          <a:chExt cx="0" cy="0"/>
+        </a:xfrm>
+      </p:grpSpPr>
+      <p:sp>
+        <p:nvSpPr>
+          <p:cNvPr id="2" name="Slide Image Placeholder 1"/>
+          <p:cNvSpPr>
+            <a:spLocks noGrp="1" noRot="1" noChangeAspect="1"/>
+          </p:cNvSpPr>
+          <p:nvPr>
+            <p:ph type="sldImg"/>
+          </p:nvPr>
+        </p:nvSpPr>
+        <p:spPr/>
+      </p:sp>
+      <p:sp>
+        <p:nvSpPr>
+          <p:cNvPr id="3" name="Notes Placeholder 2"/>
+          <p:cNvSpPr>
+            <a:spLocks noGrp="1"/>
+          </p:cNvSpPr>
+          <p:nvPr>
+            <p:ph type="body" idx="1"/>
+          </p:nvPr>
+        </p:nvSpPr>
+        <p:spPr/>
+        <p:txBody>
+          <a:bodyPr/>
+          <a:lstStyle/>
+          <a:p>
+            <a:r>
+              <a:rPr lang="en-US" dirty="0" smtClean="0"/>
+              <a:t>TF-IDF</a:t>
+            </a:r>
+            <a:r>
+              <a:rPr lang="en-US" baseline="0" dirty="0" smtClean="0"/>
+              <a:t> calculation</a:t>
+            </a:r>
+          </a:p>
+        </p:txBody>
+      </p:sp>
+      <p:sp>
+        <p:nvSpPr>
+          <p:cNvPr id="4" name="Slide Number Placeholder 3"/>
+          <p:cNvSpPr>
+            <a:spLocks noGrp="1"/>
+          </p:cNvSpPr>
+          <p:nvPr>
+            <p:ph type="sldNum" sz="quarter" idx="10"/>
+          </p:nvPr>
+        </p:nvSpPr>
+        <p:spPr/>
+        <p:txBody>
+          <a:bodyPr/>
+          <a:lstStyle/>
+          <a:p>
+            <a:fld id="{30297E2A-C7AB-874C-97FE-7F67254B703E}" type="slidenum">
+              <a:rPr lang="en-US" smtClean="0"/>
+              <a:t>6</a:t>
+            </a:fld>
+            <a:endParaRPr lang="en-US"/>
+          </a:p>
+        </p:txBody>
+      </p:sp>
+    </p:spTree>
+    <p:extLst>
+      <p:ext uri="{BB962C8B-B14F-4D97-AF65-F5344CB8AC3E}">
+        <p14:creationId xmlns:p14="http://schemas.microsoft.com/office/powerpoint/2010/main" val="1373402993"/>
+      </p:ext>
+    </p:extLst>
+  </p:cSld>
+  <p:clrMapOvr>
+    <a:masterClrMapping/>
+  </p:clrMapOvr>
+</p:notes>
+</file>
+
+<file path=ppt/notesSlides/notesSlide3.xml><?xml version="1.0" encoding="utf-8"?>
+<p:notes xmlns:a="http://schemas.openxmlformats.org/drawingml/2006/main" xmlns:r="http://schemas.openxmlformats.org/officeDocument/2006/relationships" xmlns:p="http://schemas.openxmlformats.org/presentationml/2006/main">
+  <p:cSld>
+    <p:spTree>
+      <p:nvGrpSpPr>
+        <p:cNvPr id="1" name=""/>
+        <p:cNvGrpSpPr/>
+        <p:nvPr/>
+      </p:nvGrpSpPr>
+      <p:grpSpPr>
+        <a:xfrm>
+          <a:off x="0" y="0"/>
+          <a:ext cx="0" cy="0"/>
+          <a:chOff x="0" y="0"/>
+          <a:chExt cx="0" cy="0"/>
+        </a:xfrm>
+      </p:grpSpPr>
+      <p:sp>
+        <p:nvSpPr>
+          <p:cNvPr id="2" name="Slide Image Placeholder 1"/>
+          <p:cNvSpPr>
+            <a:spLocks noGrp="1" noRot="1" noChangeAspect="1"/>
+          </p:cNvSpPr>
+          <p:nvPr>
+            <p:ph type="sldImg"/>
+          </p:nvPr>
+        </p:nvSpPr>
+        <p:spPr/>
+      </p:sp>
+      <p:sp>
+        <p:nvSpPr>
+          <p:cNvPr id="3" name="Notes Placeholder 2"/>
+          <p:cNvSpPr>
+            <a:spLocks noGrp="1"/>
+          </p:cNvSpPr>
+          <p:nvPr>
+            <p:ph type="body" idx="1"/>
+          </p:nvPr>
+        </p:nvSpPr>
+        <p:spPr/>
+        <p:txBody>
+          <a:bodyPr/>
+          <a:lstStyle/>
+          <a:p>
+            <a:endParaRPr lang="en-US" dirty="0"/>
+          </a:p>
+        </p:txBody>
+      </p:sp>
+      <p:sp>
+        <p:nvSpPr>
+          <p:cNvPr id="4" name="Slide Number Placeholder 3"/>
+          <p:cNvSpPr>
+            <a:spLocks noGrp="1"/>
+          </p:cNvSpPr>
+          <p:nvPr>
+            <p:ph type="sldNum" sz="quarter" idx="10"/>
+          </p:nvPr>
+        </p:nvSpPr>
+        <p:spPr/>
+        <p:txBody>
+          <a:bodyPr/>
+          <a:lstStyle/>
+          <a:p>
+            <a:fld id="{30297E2A-C7AB-874C-97FE-7F67254B703E}" type="slidenum">
+              <a:rPr lang="en-US" smtClean="0"/>
+              <a:t>7</a:t>
+            </a:fld>
+            <a:endParaRPr lang="en-US"/>
+          </a:p>
+        </p:txBody>
+      </p:sp>
+    </p:spTree>
+    <p:extLst>
+      <p:ext uri="{BB962C8B-B14F-4D97-AF65-F5344CB8AC3E}">
+        <p14:creationId xmlns:p14="http://schemas.microsoft.com/office/powerpoint/2010/main" val="1617140029"/>
+      </p:ext>
+    </p:extLst>
+  </p:cSld>
+  <p:clrMapOvr>
+    <a:masterClrMapping/>
+  </p:clrMapOvr>
+</p:notes>
+</file>
+
 <file path=ppt/slideLayouts/slideLayout1.xml><?xml version="1.0" encoding="utf-8"?>
 <p:sldLayout xmlns:a="http://schemas.openxmlformats.org/drawingml/2006/main" xmlns:r="http://schemas.openxmlformats.org/officeDocument/2006/relationships" xmlns:p="http://schemas.openxmlformats.org/presentationml/2006/main" type="title" preserve="1">
   <p:cSld name="Title Slide">
@@ -4961,7 +5594,7 @@
           <a:p>
             <a:fld id="{90F19E8C-F446-4C11-9AAE-B4B295EA670E}" type="datetimeFigureOut">
               <a:rPr lang="en-US" smtClean="0"/>
-              <a:t>11/30/2016</a:t>
+              <a:t>11/30/16</a:t>
             </a:fld>
             <a:endParaRPr lang="en-US"/>
           </a:p>
@@ -5129,7 +5762,7 @@
           <a:p>
             <a:fld id="{90F19E8C-F446-4C11-9AAE-B4B295EA670E}" type="datetimeFigureOut">
               <a:rPr lang="en-US" smtClean="0"/>
-              <a:t>11/30/2016</a:t>
+              <a:t>11/30/16</a:t>
             </a:fld>
             <a:endParaRPr lang="en-US"/>
           </a:p>
@@ -5307,7 +5940,7 @@
           <a:p>
             <a:fld id="{90F19E8C-F446-4C11-9AAE-B4B295EA670E}" type="datetimeFigureOut">
               <a:rPr lang="en-US" smtClean="0"/>
-              <a:t>11/30/2016</a:t>
+              <a:t>11/30/16</a:t>
             </a:fld>
             <a:endParaRPr lang="en-US"/>
           </a:p>
@@ -5475,7 +6108,7 @@
           <a:p>
             <a:fld id="{90F19E8C-F446-4C11-9AAE-B4B295EA670E}" type="datetimeFigureOut">
               <a:rPr lang="en-US" smtClean="0"/>
-              <a:t>11/30/2016</a:t>
+              <a:t>11/30/16</a:t>
             </a:fld>
             <a:endParaRPr lang="en-US"/>
           </a:p>
@@ -5720,7 +6353,7 @@
           <a:p>
             <a:fld id="{90F19E8C-F446-4C11-9AAE-B4B295EA670E}" type="datetimeFigureOut">
               <a:rPr lang="en-US" smtClean="0"/>
-              <a:t>11/30/2016</a:t>
+              <a:t>11/30/16</a:t>
             </a:fld>
             <a:endParaRPr lang="en-US"/>
           </a:p>
@@ -5949,7 +6582,7 @@
           <a:p>
             <a:fld id="{90F19E8C-F446-4C11-9AAE-B4B295EA670E}" type="datetimeFigureOut">
               <a:rPr lang="en-US" smtClean="0"/>
-              <a:t>11/30/2016</a:t>
+              <a:t>11/30/16</a:t>
             </a:fld>
             <a:endParaRPr lang="en-US"/>
           </a:p>
@@ -6313,7 +6946,7 @@
           <a:p>
             <a:fld id="{90F19E8C-F446-4C11-9AAE-B4B295EA670E}" type="datetimeFigureOut">
               <a:rPr lang="en-US" smtClean="0"/>
-              <a:t>11/30/2016</a:t>
+              <a:t>11/30/16</a:t>
             </a:fld>
             <a:endParaRPr lang="en-US"/>
           </a:p>
@@ -6430,7 +7063,7 @@
           <a:p>
             <a:fld id="{90F19E8C-F446-4C11-9AAE-B4B295EA670E}" type="datetimeFigureOut">
               <a:rPr lang="en-US" smtClean="0"/>
-              <a:t>11/30/2016</a:t>
+              <a:t>11/30/16</a:t>
             </a:fld>
             <a:endParaRPr lang="en-US"/>
           </a:p>
@@ -6525,7 +7158,7 @@
           <a:p>
             <a:fld id="{90F19E8C-F446-4C11-9AAE-B4B295EA670E}" type="datetimeFigureOut">
               <a:rPr lang="en-US" smtClean="0"/>
-              <a:t>11/30/2016</a:t>
+              <a:t>11/30/16</a:t>
             </a:fld>
             <a:endParaRPr lang="en-US"/>
           </a:p>
@@ -6800,7 +7433,7 @@
           <a:p>
             <a:fld id="{90F19E8C-F446-4C11-9AAE-B4B295EA670E}" type="datetimeFigureOut">
               <a:rPr lang="en-US" smtClean="0"/>
-              <a:t>11/30/2016</a:t>
+              <a:t>11/30/16</a:t>
             </a:fld>
             <a:endParaRPr lang="en-US"/>
           </a:p>
@@ -7052,7 +7685,7 @@
           <a:p>
             <a:fld id="{90F19E8C-F446-4C11-9AAE-B4B295EA670E}" type="datetimeFigureOut">
               <a:rPr lang="en-US" smtClean="0"/>
-              <a:t>11/30/2016</a:t>
+              <a:t>11/30/16</a:t>
             </a:fld>
             <a:endParaRPr lang="en-US"/>
           </a:p>
@@ -7266,7 +7899,7 @@
           <a:p>
             <a:fld id="{90F19E8C-F446-4C11-9AAE-B4B295EA670E}" type="datetimeFigureOut">
               <a:rPr lang="en-US" smtClean="0"/>
-              <a:t>11/30/2016</a:t>
+              <a:t>11/30/16</a:t>
             </a:fld>
             <a:endParaRPr lang="en-US"/>
           </a:p>
@@ -7907,6 +8540,177 @@
   <p:clrMapOvr>
     <a:masterClrMapping/>
   </p:clrMapOvr>
+  <p:timing>
+    <p:tnLst>
+      <p:par>
+        <p:cTn id="1" dur="indefinite" restart="never" nodeType="tmRoot"/>
+      </p:par>
+    </p:tnLst>
+  </p:timing>
+</p:sld>
+</file>
+
+<file path=ppt/slides/slide10.xml><?xml version="1.0" encoding="utf-8"?>
+<p:sld xmlns:a="http://schemas.openxmlformats.org/drawingml/2006/main" xmlns:r="http://schemas.openxmlformats.org/officeDocument/2006/relationships" xmlns:p="http://schemas.openxmlformats.org/presentationml/2006/main">
+  <p:cSld>
+    <p:spTree>
+      <p:nvGrpSpPr>
+        <p:cNvPr id="1" name=""/>
+        <p:cNvGrpSpPr/>
+        <p:nvPr/>
+      </p:nvGrpSpPr>
+      <p:grpSpPr>
+        <a:xfrm>
+          <a:off x="0" y="0"/>
+          <a:ext cx="0" cy="0"/>
+          <a:chOff x="0" y="0"/>
+          <a:chExt cx="0" cy="0"/>
+        </a:xfrm>
+      </p:grpSpPr>
+      <p:sp>
+        <p:nvSpPr>
+          <p:cNvPr id="2" name="Title 1"/>
+          <p:cNvSpPr>
+            <a:spLocks noGrp="1"/>
+          </p:cNvSpPr>
+          <p:nvPr>
+            <p:ph type="title"/>
+          </p:nvPr>
+        </p:nvSpPr>
+        <p:spPr/>
+        <p:txBody>
+          <a:bodyPr/>
+          <a:lstStyle/>
+          <a:p>
+            <a:r>
+              <a:rPr lang="en-US" dirty="0">
+                <a:solidFill>
+                  <a:schemeClr val="bg1"/>
+                </a:solidFill>
+              </a:rPr>
+              <a:t>Appendix</a:t>
+            </a:r>
+          </a:p>
+        </p:txBody>
+      </p:sp>
+      <p:sp>
+        <p:nvSpPr>
+          <p:cNvPr id="3" name="Content Placeholder 2"/>
+          <p:cNvSpPr>
+            <a:spLocks noGrp="1"/>
+          </p:cNvSpPr>
+          <p:nvPr>
+            <p:ph idx="1"/>
+          </p:nvPr>
+        </p:nvSpPr>
+        <p:spPr/>
+        <p:txBody>
+          <a:bodyPr/>
+          <a:lstStyle/>
+          <a:p>
+            <a:r>
+              <a:rPr lang="en-US" dirty="0" err="1">
+                <a:solidFill>
+                  <a:schemeClr val="bg1"/>
+                </a:solidFill>
+              </a:rPr>
+              <a:t>Github</a:t>
+            </a:r>
+            <a:r>
+              <a:rPr lang="en-US" dirty="0">
+                <a:solidFill>
+                  <a:schemeClr val="bg1"/>
+                </a:solidFill>
+              </a:rPr>
+              <a:t> URL: </a:t>
+            </a:r>
+            <a:r>
+              <a:rPr lang="en-US" dirty="0">
+                <a:solidFill>
+                  <a:schemeClr val="bg1"/>
+                </a:solidFill>
+                <a:hlinkClick r:id="rId2"/>
+              </a:rPr>
+              <a:t>https://github.com/dhiviyadhanasekar/Events_Recommender</a:t>
+            </a:r>
+            <a:r>
+              <a:rPr lang="en-US" dirty="0">
+                <a:solidFill>
+                  <a:schemeClr val="bg1"/>
+                </a:solidFill>
+              </a:rPr>
+              <a:t> </a:t>
+            </a:r>
+          </a:p>
+          <a:p>
+            <a:endParaRPr lang="en-US" dirty="0">
+              <a:solidFill>
+                <a:schemeClr val="bg1"/>
+              </a:solidFill>
+            </a:endParaRPr>
+          </a:p>
+          <a:p>
+            <a:r>
+              <a:rPr lang="en-US" dirty="0">
+                <a:solidFill>
+                  <a:schemeClr val="bg1"/>
+                </a:solidFill>
+              </a:rPr>
+              <a:t>Dataset: </a:t>
+            </a:r>
+            <a:r>
+              <a:rPr lang="en-US" dirty="0">
+                <a:solidFill>
+                  <a:srgbClr val="FFC000"/>
+                </a:solidFill>
+                <a:hlinkClick r:id="rId3"/>
+              </a:rPr>
+              <a:t>https://www.kaggle.com/c/event-recommendation-engine-challenge/data</a:t>
+            </a:r>
+            <a:r>
+              <a:rPr lang="en-US" dirty="0">
+                <a:solidFill>
+                  <a:srgbClr val="FFC000"/>
+                </a:solidFill>
+              </a:rPr>
+              <a:t> </a:t>
+            </a:r>
+          </a:p>
+          <a:p>
+            <a:pPr lvl="1"/>
+            <a:endParaRPr lang="en-US" dirty="0">
+              <a:solidFill>
+                <a:schemeClr val="bg1"/>
+              </a:solidFill>
+            </a:endParaRPr>
+          </a:p>
+          <a:p>
+            <a:pPr lvl="1"/>
+            <a:endParaRPr lang="en-US" dirty="0">
+              <a:solidFill>
+                <a:schemeClr val="bg1"/>
+              </a:solidFill>
+            </a:endParaRPr>
+          </a:p>
+        </p:txBody>
+      </p:sp>
+    </p:spTree>
+    <p:extLst>
+      <p:ext uri="{BB962C8B-B14F-4D97-AF65-F5344CB8AC3E}">
+        <p14:creationId xmlns:p14="http://schemas.microsoft.com/office/powerpoint/2010/main" val="1700977332"/>
+      </p:ext>
+    </p:extLst>
+  </p:cSld>
+  <p:clrMapOvr>
+    <a:masterClrMapping/>
+  </p:clrMapOvr>
+  <p:timing>
+    <p:tnLst>
+      <p:par>
+        <p:cTn id="1" dur="indefinite" restart="never" nodeType="tmRoot"/>
+      </p:par>
+    </p:tnLst>
+  </p:timing>
 </p:sld>
 </file>
 
@@ -7980,7 +8784,23 @@
                   <a:schemeClr val="bg1"/>
                 </a:solidFill>
               </a:rPr>
-              <a:t>  Why an events recommender?</a:t>
+              <a:t>  Why an </a:t>
+            </a:r>
+            <a:r>
+              <a:rPr lang="en-US" sz="3200" dirty="0" smtClean="0">
+                <a:solidFill>
+                  <a:schemeClr val="bg1"/>
+                </a:solidFill>
+              </a:rPr>
+              <a:t>event recommender</a:t>
+            </a:r>
+            <a:r>
+              <a:rPr lang="en-US" sz="3200" dirty="0">
+                <a:solidFill>
+                  <a:schemeClr val="bg1"/>
+                </a:solidFill>
+              </a:rPr>
+              <a:t>?</a:t>
             </a:r>
           </a:p>
           <a:p>
@@ -8030,8 +8850,21 @@
                   <a:schemeClr val="bg1"/>
                 </a:solidFill>
               </a:rPr>
-              <a:t>  Results</a:t>
-            </a:r>
+              <a:t>  </a:t>
+            </a:r>
+            <a:r>
+              <a:rPr lang="en-US" sz="3200" dirty="0" smtClean="0">
+                <a:solidFill>
+                  <a:schemeClr val="bg1"/>
+                </a:solidFill>
+              </a:rPr>
+              <a:t>Challenges we faced</a:t>
+            </a:r>
+            <a:endParaRPr lang="en-US" sz="3200" dirty="0">
+              <a:solidFill>
+                <a:schemeClr val="bg1"/>
+              </a:solidFill>
+            </a:endParaRPr>
           </a:p>
         </p:txBody>
       </p:sp>
@@ -8045,6 +8878,13 @@
   <p:clrMapOvr>
     <a:masterClrMapping/>
   </p:clrMapOvr>
+  <p:timing>
+    <p:tnLst>
+      <p:par>
+        <p:cTn id="1" dur="indefinite" restart="never" nodeType="tmRoot"/>
+      </p:par>
+    </p:tnLst>
+  </p:timing>
 </p:sld>
 </file>
 
@@ -8694,6 +9534,105 @@
           <a:lstStyle/>
           <a:p>
             <a:r>
+              <a:rPr lang="en-US" dirty="0" smtClean="0">
+                <a:solidFill>
+                  <a:schemeClr val="bg1"/>
+                </a:solidFill>
+              </a:rPr>
+              <a:t>					Demo</a:t>
+            </a:r>
+            <a:endParaRPr lang="en-US" dirty="0">
+              <a:solidFill>
+                <a:schemeClr val="bg1"/>
+              </a:solidFill>
+            </a:endParaRPr>
+          </a:p>
+        </p:txBody>
+      </p:sp>
+      <p:sp>
+        <p:nvSpPr>
+          <p:cNvPr id="3" name="Content Placeholder 2"/>
+          <p:cNvSpPr>
+            <a:spLocks noGrp="1"/>
+          </p:cNvSpPr>
+          <p:nvPr>
+            <p:ph idx="1"/>
+          </p:nvPr>
+        </p:nvSpPr>
+        <p:spPr/>
+        <p:txBody>
+          <a:bodyPr/>
+          <a:lstStyle/>
+          <a:p>
+            <a:r>
+              <a:rPr lang="en-US" dirty="0" smtClean="0">
+                <a:solidFill>
+                  <a:schemeClr val="bg1"/>
+                </a:solidFill>
+              </a:rPr>
+              <a:t>Add screenshot here</a:t>
+            </a:r>
+            <a:endParaRPr lang="en-US" dirty="0">
+              <a:solidFill>
+                <a:schemeClr val="bg1"/>
+              </a:solidFill>
+            </a:endParaRPr>
+          </a:p>
+        </p:txBody>
+      </p:sp>
+    </p:spTree>
+    <p:extLst>
+      <p:ext uri="{BB962C8B-B14F-4D97-AF65-F5344CB8AC3E}">
+        <p14:creationId xmlns:p14="http://schemas.microsoft.com/office/powerpoint/2010/main" val="1914683071"/>
+      </p:ext>
+    </p:extLst>
+  </p:cSld>
+  <p:clrMapOvr>
+    <a:masterClrMapping/>
+  </p:clrMapOvr>
+  <p:timing>
+    <p:tnLst>
+      <p:par>
+        <p:cTn id="1" dur="indefinite" restart="never" nodeType="tmRoot"/>
+      </p:par>
+    </p:tnLst>
+  </p:timing>
+</p:sld>
+</file>
+
+<file path=ppt/slides/slide5.xml><?xml version="1.0" encoding="utf-8"?>
+<p:sld xmlns:a="http://schemas.openxmlformats.org/drawingml/2006/main" xmlns:r="http://schemas.openxmlformats.org/officeDocument/2006/relationships" xmlns:p="http://schemas.openxmlformats.org/presentationml/2006/main">
+  <p:cSld>
+    <p:spTree>
+      <p:nvGrpSpPr>
+        <p:cNvPr id="1" name=""/>
+        <p:cNvGrpSpPr/>
+        <p:nvPr/>
+      </p:nvGrpSpPr>
+      <p:grpSpPr>
+        <a:xfrm>
+          <a:off x="0" y="0"/>
+          <a:ext cx="0" cy="0"/>
+          <a:chOff x="0" y="0"/>
+          <a:chExt cx="0" cy="0"/>
+        </a:xfrm>
+      </p:grpSpPr>
+      <p:sp>
+        <p:nvSpPr>
+          <p:cNvPr id="2" name="Title 1"/>
+          <p:cNvSpPr>
+            <a:spLocks noGrp="1"/>
+          </p:cNvSpPr>
+          <p:nvPr>
+            <p:ph type="title"/>
+          </p:nvPr>
+        </p:nvSpPr>
+        <p:spPr/>
+        <p:txBody>
+          <a:bodyPr/>
+          <a:lstStyle/>
+          <a:p>
+            <a:r>
               <a:rPr lang="en-US" dirty="0">
                 <a:solidFill>
                   <a:schemeClr val="bg1"/>
@@ -8715,7 +9654,7 @@
           </p:nvPr>
         </p:nvPicPr>
         <p:blipFill>
-          <a:blip r:embed="rId2">
+          <a:blip r:embed="rId3">
             <a:extLst>
               <a:ext uri="{28A0092B-C50C-407E-A947-70E740481C1C}">
                 <a14:useLocalDpi xmlns:a14="http://schemas.microsoft.com/office/drawing/2010/main" val="0"/>
@@ -8742,7 +9681,7 @@
           <p:nvPr/>
         </p:nvPicPr>
         <p:blipFill>
-          <a:blip r:embed="rId3">
+          <a:blip r:embed="rId4">
             <a:extLst>
               <a:ext uri="{28A0092B-C50C-407E-A947-70E740481C1C}">
                 <a14:useLocalDpi xmlns:a14="http://schemas.microsoft.com/office/drawing/2010/main" val="0"/>
@@ -8772,7 +9711,7 @@
           <p:nvPr/>
         </p:nvPicPr>
         <p:blipFill>
-          <a:blip r:embed="rId4">
+          <a:blip r:embed="rId5">
             <a:extLst>
               <a:ext uri="{28A0092B-C50C-407E-A947-70E740481C1C}">
                 <a14:useLocalDpi xmlns:a14="http://schemas.microsoft.com/office/drawing/2010/main" val="0"/>
@@ -9082,10 +10021,17 @@
   <p:clrMapOvr>
     <a:masterClrMapping/>
   </p:clrMapOvr>
+  <p:timing>
+    <p:tnLst>
+      <p:par>
+        <p:cTn id="1" dur="indefinite" restart="never" nodeType="tmRoot"/>
+      </p:par>
+    </p:tnLst>
+  </p:timing>
 </p:sld>
 </file>
 
-<file path=ppt/slides/slide5.xml><?xml version="1.0" encoding="utf-8"?>
+<file path=ppt/slides/slide6.xml><?xml version="1.0" encoding="utf-8"?>
 <p:sld xmlns:a="http://schemas.openxmlformats.org/drawingml/2006/main" xmlns:r="http://schemas.openxmlformats.org/officeDocument/2006/relationships" xmlns:p="http://schemas.openxmlformats.org/presentationml/2006/main">
   <p:cSld>
     <p:spTree>
@@ -9117,6 +10063,116 @@
           <a:bodyPr/>
           <a:lstStyle/>
           <a:p>
+            <a:pPr algn="ctr"/>
+            <a:r>
+              <a:rPr lang="en-US" dirty="0" smtClean="0">
+                <a:solidFill>
+                  <a:schemeClr val="bg1"/>
+                </a:solidFill>
+              </a:rPr>
+              <a:t>Why Big Data?</a:t>
+            </a:r>
+            <a:endParaRPr lang="en-US" dirty="0">
+              <a:solidFill>
+                <a:schemeClr val="bg1"/>
+              </a:solidFill>
+            </a:endParaRPr>
+          </a:p>
+        </p:txBody>
+      </p:sp>
+      <p:sp>
+        <p:nvSpPr>
+          <p:cNvPr id="3" name="Content Placeholder 2"/>
+          <p:cNvSpPr>
+            <a:spLocks noGrp="1"/>
+          </p:cNvSpPr>
+          <p:nvPr>
+            <p:ph idx="1"/>
+          </p:nvPr>
+        </p:nvSpPr>
+        <p:spPr>
+          <a:xfrm>
+            <a:off x="838200" y="2903798"/>
+            <a:ext cx="10515600" cy="1654554"/>
+          </a:xfrm>
+        </p:spPr>
+        <p:txBody>
+          <a:bodyPr>
+            <a:normAutofit/>
+          </a:bodyPr>
+          <a:lstStyle/>
+          <a:p>
+            <a:pPr marL="0" indent="0" algn="ctr">
+              <a:buNone/>
+            </a:pPr>
+            <a:r>
+              <a:rPr lang="en-US" sz="8000" dirty="0" smtClean="0">
+                <a:solidFill>
+                  <a:schemeClr val="bg1"/>
+                </a:solidFill>
+              </a:rPr>
+              <a:t>3M events</a:t>
+            </a:r>
+            <a:endParaRPr lang="en-US" sz="8000" dirty="0">
+              <a:solidFill>
+                <a:schemeClr val="bg1"/>
+              </a:solidFill>
+            </a:endParaRPr>
+          </a:p>
+        </p:txBody>
+      </p:sp>
+    </p:spTree>
+    <p:extLst>
+      <p:ext uri="{BB962C8B-B14F-4D97-AF65-F5344CB8AC3E}">
+        <p14:creationId xmlns:p14="http://schemas.microsoft.com/office/powerpoint/2010/main" val="1143396987"/>
+      </p:ext>
+    </p:extLst>
+  </p:cSld>
+  <p:clrMapOvr>
+    <a:masterClrMapping/>
+  </p:clrMapOvr>
+  <p:timing>
+    <p:tnLst>
+      <p:par>
+        <p:cTn id="1" dur="indefinite" restart="never" nodeType="tmRoot"/>
+      </p:par>
+    </p:tnLst>
+  </p:timing>
+</p:sld>
+</file>
+
+<file path=ppt/slides/slide7.xml><?xml version="1.0" encoding="utf-8"?>
+<p:sld xmlns:a="http://schemas.openxmlformats.org/drawingml/2006/main" xmlns:r="http://schemas.openxmlformats.org/officeDocument/2006/relationships" xmlns:p="http://schemas.openxmlformats.org/presentationml/2006/main">
+  <p:cSld>
+    <p:spTree>
+      <p:nvGrpSpPr>
+        <p:cNvPr id="1" name=""/>
+        <p:cNvGrpSpPr/>
+        <p:nvPr/>
+      </p:nvGrpSpPr>
+      <p:grpSpPr>
+        <a:xfrm>
+          <a:off x="0" y="0"/>
+          <a:ext cx="0" cy="0"/>
+          <a:chOff x="0" y="0"/>
+          <a:chExt cx="0" cy="0"/>
+        </a:xfrm>
+      </p:grpSpPr>
+      <p:sp>
+        <p:nvSpPr>
+          <p:cNvPr id="2" name="Title 1"/>
+          <p:cNvSpPr>
+            <a:spLocks noGrp="1"/>
+          </p:cNvSpPr>
+          <p:nvPr>
+            <p:ph type="title"/>
+          </p:nvPr>
+        </p:nvSpPr>
+        <p:spPr/>
+        <p:txBody>
+          <a:bodyPr/>
+          <a:lstStyle/>
+          <a:p>
             <a:r>
               <a:rPr lang="en-US" dirty="0">
                 <a:solidFill>
@@ -9128,67 +10184,67 @@
           </a:p>
         </p:txBody>
       </p:sp>
+      <p:sp>
+        <p:nvSpPr>
+          <p:cNvPr id="5" name="Rectangle 4"/>
+          <p:cNvSpPr/>
+          <p:nvPr/>
+        </p:nvSpPr>
+        <p:spPr>
+          <a:xfrm>
+            <a:off x="6886684" y="1795698"/>
+            <a:ext cx="1179865" cy="3930927"/>
+          </a:xfrm>
+          <a:prstGeom prst="rect">
+            <a:avLst/>
+          </a:prstGeom>
+          <a:solidFill>
+            <a:srgbClr val="D85E28"/>
+          </a:solidFill>
+        </p:spPr>
+        <p:style>
+          <a:lnRef idx="2">
+            <a:schemeClr val="accent1">
+              <a:shade val="50000"/>
+            </a:schemeClr>
+          </a:lnRef>
+          <a:fillRef idx="1">
+            <a:schemeClr val="accent1"/>
+          </a:fillRef>
+          <a:effectRef idx="0">
+            <a:schemeClr val="accent1"/>
+          </a:effectRef>
+          <a:fontRef idx="minor">
+            <a:schemeClr val="lt1"/>
+          </a:fontRef>
+        </p:style>
+        <p:txBody>
+          <a:bodyPr rtlCol="0" anchor="ctr"/>
+          <a:lstStyle/>
+          <a:p>
+            <a:pPr algn="ctr"/>
+            <a:r>
+              <a:rPr lang="en-US" sz="2800" dirty="0" err="1"/>
+              <a:t>HBase</a:t>
+            </a:r>
+            <a:endParaRPr lang="en-US" sz="2800" dirty="0"/>
+          </a:p>
+        </p:txBody>
+      </p:sp>
       <p:grpSp>
         <p:nvGrpSpPr>
-          <p:cNvPr id="4" name="Group 3"/>
+          <p:cNvPr id="3" name="Group 2"/>
           <p:cNvGrpSpPr/>
           <p:nvPr/>
         </p:nvGrpSpPr>
         <p:grpSpPr>
           <a:xfrm>
-            <a:off x="644356" y="1795698"/>
-            <a:ext cx="10654208" cy="4546108"/>
-            <a:chOff x="644356" y="1795698"/>
-            <a:chExt cx="10654208" cy="4546108"/>
+            <a:off x="687510" y="1791817"/>
+            <a:ext cx="6139901" cy="1683913"/>
+            <a:chOff x="644356" y="3852969"/>
+            <a:chExt cx="6139901" cy="1683913"/>
           </a:xfrm>
         </p:grpSpPr>
-        <p:sp>
-          <p:nvSpPr>
-            <p:cNvPr id="5" name="Rectangle 4"/>
-            <p:cNvSpPr/>
-            <p:nvPr/>
-          </p:nvSpPr>
-          <p:spPr>
-            <a:xfrm>
-              <a:off x="6886684" y="1795698"/>
-              <a:ext cx="1179865" cy="3930927"/>
-            </a:xfrm>
-            <a:prstGeom prst="rect">
-              <a:avLst/>
-            </a:prstGeom>
-            <a:solidFill>
-              <a:srgbClr val="D85E28"/>
-            </a:solidFill>
-          </p:spPr>
-          <p:style>
-            <a:lnRef idx="2">
-              <a:schemeClr val="accent1">
-                <a:shade val="50000"/>
-              </a:schemeClr>
-            </a:lnRef>
-            <a:fillRef idx="1">
-              <a:schemeClr val="accent1"/>
-            </a:fillRef>
-            <a:effectRef idx="0">
-              <a:schemeClr val="accent1"/>
-            </a:effectRef>
-            <a:fontRef idx="minor">
-              <a:schemeClr val="lt1"/>
-            </a:fontRef>
-          </p:style>
-          <p:txBody>
-            <a:bodyPr rtlCol="0" anchor="ctr"/>
-            <a:lstStyle/>
-            <a:p>
-              <a:pPr algn="ctr"/>
-              <a:r>
-                <a:rPr lang="en-US" sz="2800" dirty="0" err="1"/>
-                <a:t>HBase</a:t>
-              </a:r>
-              <a:endParaRPr lang="en-US" sz="2800" dirty="0"/>
-            </a:p>
-          </p:txBody>
-        </p:sp>
         <p:sp>
           <p:nvSpPr>
             <p:cNvPr id="6" name="Rounded Rectangle 5"/>
@@ -9298,7 +10354,7 @@
             <p:nvPr>
               <p:extLst>
                 <p:ext uri="{D42A27DB-BD31-4B8C-83A1-F6EECF244321}">
-                  <p14:modId xmlns:p14="http://schemas.microsoft.com/office/powerpoint/2010/main" val="2883811595"/>
+                  <p14:modId xmlns:p14="http://schemas.microsoft.com/office/powerpoint/2010/main" val="859025581"/>
                 </p:ext>
               </p:extLst>
             </p:nvPr>
@@ -9309,10 +10365,68 @@
           </p:xfrm>
           <a:graphic>
             <a:graphicData uri="http://schemas.openxmlformats.org/drawingml/2006/diagram">
-              <dgm:relIds xmlns:dgm="http://schemas.openxmlformats.org/drawingml/2006/diagram" xmlns:r="http://schemas.openxmlformats.org/officeDocument/2006/relationships" r:dm="rId2" r:lo="rId3" r:qs="rId4" r:cs="rId5"/>
+              <dgm:relIds xmlns:dgm="http://schemas.openxmlformats.org/drawingml/2006/diagram" xmlns:r="http://schemas.openxmlformats.org/officeDocument/2006/relationships" r:dm="rId3" r:lo="rId4" r:qs="rId5" r:cs="rId6"/>
             </a:graphicData>
           </a:graphic>
         </p:graphicFrame>
+        <p:sp>
+          <p:nvSpPr>
+            <p:cNvPr id="17" name="Rounded Rectangle 16"/>
+            <p:cNvSpPr/>
+            <p:nvPr/>
+          </p:nvSpPr>
+          <p:spPr>
+            <a:xfrm>
+              <a:off x="644356" y="3893507"/>
+              <a:ext cx="1102299" cy="1643375"/>
+            </a:xfrm>
+            <a:prstGeom prst="roundRect">
+              <a:avLst/>
+            </a:prstGeom>
+          </p:spPr>
+          <p:style>
+            <a:lnRef idx="2">
+              <a:schemeClr val="accent1">
+                <a:shade val="50000"/>
+              </a:schemeClr>
+            </a:lnRef>
+            <a:fillRef idx="1">
+              <a:schemeClr val="accent1"/>
+            </a:fillRef>
+            <a:effectRef idx="0">
+              <a:schemeClr val="accent1"/>
+            </a:effectRef>
+            <a:fontRef idx="minor">
+              <a:schemeClr val="lt1"/>
+            </a:fontRef>
+          </p:style>
+          <p:txBody>
+            <a:bodyPr rtlCol="0" anchor="ctr"/>
+            <a:lstStyle/>
+            <a:p>
+              <a:pPr algn="ctr"/>
+              <a:r>
+                <a:rPr lang="en-US" sz="2400" dirty="0"/>
+                <a:t>Events</a:t>
+              </a:r>
+            </a:p>
+          </p:txBody>
+        </p:sp>
+      </p:grpSp>
+      <p:grpSp>
+        <p:nvGrpSpPr>
+          <p:cNvPr id="19" name="Group 18"/>
+          <p:cNvGrpSpPr/>
+          <p:nvPr/>
+        </p:nvGrpSpPr>
+        <p:grpSpPr>
+          <a:xfrm>
+            <a:off x="645697" y="3822553"/>
+            <a:ext cx="6154975" cy="2019888"/>
+            <a:chOff x="644356" y="1890647"/>
+            <a:chExt cx="6154975" cy="2019888"/>
+          </a:xfrm>
+        </p:grpSpPr>
         <p:sp>
           <p:nvSpPr>
             <p:cNvPr id="9" name="Rounded Rectangle 8"/>
@@ -9364,172 +10478,6 @@
             </a:p>
           </p:txBody>
         </p:sp>
-        <p:sp>
-          <p:nvSpPr>
-            <p:cNvPr id="10" name="Rounded Rectangle 9"/>
-            <p:cNvSpPr/>
-            <p:nvPr/>
-          </p:nvSpPr>
-          <p:spPr>
-            <a:xfrm>
-              <a:off x="9164301" y="3451122"/>
-              <a:ext cx="1495832" cy="904568"/>
-            </a:xfrm>
-            <a:prstGeom prst="roundRect">
-              <a:avLst/>
-            </a:prstGeom>
-          </p:spPr>
-          <p:style>
-            <a:lnRef idx="2">
-              <a:schemeClr val="accent1">
-                <a:shade val="50000"/>
-              </a:schemeClr>
-            </a:lnRef>
-            <a:fillRef idx="1">
-              <a:schemeClr val="accent1"/>
-            </a:fillRef>
-            <a:effectRef idx="0">
-              <a:schemeClr val="accent1"/>
-            </a:effectRef>
-            <a:fontRef idx="minor">
-              <a:schemeClr val="lt1"/>
-            </a:fontRef>
-          </p:style>
-          <p:txBody>
-            <a:bodyPr rtlCol="0" anchor="ctr"/>
-            <a:lstStyle/>
-            <a:p>
-              <a:pPr algn="ctr"/>
-              <a:r>
-                <a:rPr lang="en-US" sz="2400" dirty="0"/>
-                <a:t>Cosine Similarity</a:t>
-              </a:r>
-            </a:p>
-          </p:txBody>
-        </p:sp>
-        <p:sp>
-          <p:nvSpPr>
-            <p:cNvPr id="11" name="Down Arrow 10"/>
-            <p:cNvSpPr/>
-            <p:nvPr/>
-          </p:nvSpPr>
-          <p:spPr>
-            <a:xfrm>
-              <a:off x="9587752" y="2537038"/>
-              <a:ext cx="648929" cy="874754"/>
-            </a:xfrm>
-            <a:prstGeom prst="downArrow">
-              <a:avLst/>
-            </a:prstGeom>
-          </p:spPr>
-          <p:style>
-            <a:lnRef idx="2">
-              <a:schemeClr val="accent1">
-                <a:shade val="50000"/>
-              </a:schemeClr>
-            </a:lnRef>
-            <a:fillRef idx="1">
-              <a:schemeClr val="accent1"/>
-            </a:fillRef>
-            <a:effectRef idx="0">
-              <a:schemeClr val="accent1"/>
-            </a:effectRef>
-            <a:fontRef idx="minor">
-              <a:schemeClr val="lt1"/>
-            </a:fontRef>
-          </p:style>
-          <p:txBody>
-            <a:bodyPr rtlCol="0" anchor="ctr"/>
-            <a:lstStyle/>
-            <a:p>
-              <a:pPr algn="ctr"/>
-              <a:endParaRPr lang="en-US"/>
-            </a:p>
-          </p:txBody>
-        </p:sp>
-        <p:sp>
-          <p:nvSpPr>
-            <p:cNvPr id="12" name="Flowchart: Alternate Process 11"/>
-            <p:cNvSpPr/>
-            <p:nvPr/>
-          </p:nvSpPr>
-          <p:spPr>
-            <a:xfrm>
-              <a:off x="8595345" y="1795698"/>
-              <a:ext cx="2633739" cy="865035"/>
-            </a:xfrm>
-            <a:prstGeom prst="flowChartAlternateProcess">
-              <a:avLst/>
-            </a:prstGeom>
-          </p:spPr>
-          <p:style>
-            <a:lnRef idx="2">
-              <a:schemeClr val="accent1">
-                <a:shade val="50000"/>
-              </a:schemeClr>
-            </a:lnRef>
-            <a:fillRef idx="1">
-              <a:schemeClr val="accent1"/>
-            </a:fillRef>
-            <a:effectRef idx="0">
-              <a:schemeClr val="accent1"/>
-            </a:effectRef>
-            <a:fontRef idx="minor">
-              <a:schemeClr val="lt1"/>
-            </a:fontRef>
-          </p:style>
-          <p:txBody>
-            <a:bodyPr rtlCol="0" anchor="ctr"/>
-            <a:lstStyle/>
-            <a:p>
-              <a:pPr algn="ctr"/>
-              <a:r>
-                <a:rPr lang="en-US" sz="2400" dirty="0"/>
-                <a:t>Incoming Event for particular User</a:t>
-              </a:r>
-            </a:p>
-          </p:txBody>
-        </p:sp>
-        <p:sp>
-          <p:nvSpPr>
-            <p:cNvPr id="13" name="Down Arrow 12"/>
-            <p:cNvSpPr/>
-            <p:nvPr/>
-          </p:nvSpPr>
-          <p:spPr>
-            <a:xfrm>
-              <a:off x="9558255" y="4434348"/>
-              <a:ext cx="707922" cy="936023"/>
-            </a:xfrm>
-            <a:prstGeom prst="downArrow">
-              <a:avLst/>
-            </a:prstGeom>
-          </p:spPr>
-          <p:style>
-            <a:lnRef idx="2">
-              <a:schemeClr val="accent1">
-                <a:shade val="50000"/>
-              </a:schemeClr>
-            </a:lnRef>
-            <a:fillRef idx="1">
-              <a:schemeClr val="accent1"/>
-            </a:fillRef>
-            <a:effectRef idx="0">
-              <a:schemeClr val="accent1"/>
-            </a:effectRef>
-            <a:fontRef idx="minor">
-              <a:schemeClr val="lt1"/>
-            </a:fontRef>
-          </p:style>
-          <p:txBody>
-            <a:bodyPr rtlCol="0" anchor="ctr"/>
-            <a:lstStyle/>
-            <a:p>
-              <a:pPr algn="ctr"/>
-              <a:endParaRPr lang="en-US"/>
-            </a:p>
-          </p:txBody>
-        </p:sp>
         <p:graphicFrame>
           <p:nvGraphicFramePr>
             <p:cNvPr id="14" name="Diagram 13"/>
@@ -9537,7 +10485,7 @@
             <p:nvPr>
               <p:extLst>
                 <p:ext uri="{D42A27DB-BD31-4B8C-83A1-F6EECF244321}">
-                  <p14:modId xmlns:p14="http://schemas.microsoft.com/office/powerpoint/2010/main" val="3429547932"/>
+                  <p14:modId xmlns:p14="http://schemas.microsoft.com/office/powerpoint/2010/main" val="1944075313"/>
                 </p:ext>
               </p:extLst>
             </p:nvPr>
@@ -9548,136 +10496,10 @@
           </p:xfrm>
           <a:graphic>
             <a:graphicData uri="http://schemas.openxmlformats.org/drawingml/2006/diagram">
-              <dgm:relIds xmlns:dgm="http://schemas.openxmlformats.org/drawingml/2006/diagram" xmlns:r="http://schemas.openxmlformats.org/officeDocument/2006/relationships" r:dm="rId7" r:lo="rId8" r:qs="rId9" r:cs="rId10"/>
+              <dgm:relIds xmlns:dgm="http://schemas.openxmlformats.org/drawingml/2006/diagram" xmlns:r="http://schemas.openxmlformats.org/officeDocument/2006/relationships" r:dm="rId8" r:lo="rId9" r:qs="rId10" r:cs="rId11"/>
             </a:graphicData>
           </a:graphic>
         </p:graphicFrame>
-        <p:sp>
-          <p:nvSpPr>
-            <p:cNvPr id="15" name="Rounded Rectangle 14"/>
-            <p:cNvSpPr/>
-            <p:nvPr/>
-          </p:nvSpPr>
-          <p:spPr>
-            <a:xfrm>
-              <a:off x="8525867" y="5449029"/>
-              <a:ext cx="2772697" cy="892777"/>
-            </a:xfrm>
-            <a:prstGeom prst="roundRect">
-              <a:avLst/>
-            </a:prstGeom>
-          </p:spPr>
-          <p:style>
-            <a:lnRef idx="2">
-              <a:schemeClr val="accent1">
-                <a:shade val="50000"/>
-              </a:schemeClr>
-            </a:lnRef>
-            <a:fillRef idx="1">
-              <a:schemeClr val="accent1"/>
-            </a:fillRef>
-            <a:effectRef idx="0">
-              <a:schemeClr val="accent1"/>
-            </a:effectRef>
-            <a:fontRef idx="minor">
-              <a:schemeClr val="lt1"/>
-            </a:fontRef>
-          </p:style>
-          <p:txBody>
-            <a:bodyPr rtlCol="0" anchor="ctr"/>
-            <a:lstStyle/>
-            <a:p>
-              <a:pPr algn="ctr"/>
-              <a:r>
-                <a:rPr lang="en-US" sz="2400" dirty="0"/>
-                <a:t>Recommendation Result</a:t>
-              </a:r>
-            </a:p>
-          </p:txBody>
-        </p:sp>
-        <p:sp>
-          <p:nvSpPr>
-            <p:cNvPr id="16" name="Right Arrow 15"/>
-            <p:cNvSpPr/>
-            <p:nvPr/>
-          </p:nvSpPr>
-          <p:spPr>
-            <a:xfrm>
-              <a:off x="8125822" y="3533779"/>
-              <a:ext cx="989320" cy="736718"/>
-            </a:xfrm>
-            <a:prstGeom prst="rightArrow">
-              <a:avLst/>
-            </a:prstGeom>
-          </p:spPr>
-          <p:style>
-            <a:lnRef idx="2">
-              <a:schemeClr val="accent1">
-                <a:shade val="50000"/>
-              </a:schemeClr>
-            </a:lnRef>
-            <a:fillRef idx="1">
-              <a:schemeClr val="accent1"/>
-            </a:fillRef>
-            <a:effectRef idx="0">
-              <a:schemeClr val="accent1"/>
-            </a:effectRef>
-            <a:fontRef idx="minor">
-              <a:schemeClr val="lt1"/>
-            </a:fontRef>
-          </p:style>
-          <p:txBody>
-            <a:bodyPr rtlCol="0" anchor="ctr"/>
-            <a:lstStyle/>
-            <a:p>
-              <a:pPr algn="ctr"/>
-              <a:endParaRPr lang="en-US"/>
-            </a:p>
-          </p:txBody>
-        </p:sp>
-        <p:sp>
-          <p:nvSpPr>
-            <p:cNvPr id="17" name="Rounded Rectangle 16"/>
-            <p:cNvSpPr/>
-            <p:nvPr/>
-          </p:nvSpPr>
-          <p:spPr>
-            <a:xfrm>
-              <a:off x="644356" y="3893507"/>
-              <a:ext cx="1102299" cy="1643375"/>
-            </a:xfrm>
-            <a:prstGeom prst="roundRect">
-              <a:avLst/>
-            </a:prstGeom>
-          </p:spPr>
-          <p:style>
-            <a:lnRef idx="2">
-              <a:schemeClr val="accent1">
-                <a:shade val="50000"/>
-              </a:schemeClr>
-            </a:lnRef>
-            <a:fillRef idx="1">
-              <a:schemeClr val="accent1"/>
-            </a:fillRef>
-            <a:effectRef idx="0">
-              <a:schemeClr val="accent1"/>
-            </a:effectRef>
-            <a:fontRef idx="minor">
-              <a:schemeClr val="lt1"/>
-            </a:fontRef>
-          </p:style>
-          <p:txBody>
-            <a:bodyPr rtlCol="0" anchor="ctr"/>
-            <a:lstStyle/>
-            <a:p>
-              <a:pPr algn="ctr"/>
-              <a:r>
-                <a:rPr lang="en-US" sz="2400" dirty="0"/>
-                <a:t>Events</a:t>
-              </a:r>
-            </a:p>
-          </p:txBody>
-        </p:sp>
         <p:sp>
           <p:nvSpPr>
             <p:cNvPr id="18" name="Rounded Rectangle 17"/>
@@ -9729,6 +10551,253 @@
           </p:txBody>
         </p:sp>
       </p:grpSp>
+      <p:sp>
+        <p:nvSpPr>
+          <p:cNvPr id="10" name="Rounded Rectangle 9"/>
+          <p:cNvSpPr/>
+          <p:nvPr/>
+        </p:nvSpPr>
+        <p:spPr>
+          <a:xfrm>
+            <a:off x="9164301" y="3451122"/>
+            <a:ext cx="1495832" cy="904568"/>
+          </a:xfrm>
+          <a:prstGeom prst="roundRect">
+            <a:avLst/>
+          </a:prstGeom>
+        </p:spPr>
+        <p:style>
+          <a:lnRef idx="2">
+            <a:schemeClr val="accent1">
+              <a:shade val="50000"/>
+            </a:schemeClr>
+          </a:lnRef>
+          <a:fillRef idx="1">
+            <a:schemeClr val="accent1"/>
+          </a:fillRef>
+          <a:effectRef idx="0">
+            <a:schemeClr val="accent1"/>
+          </a:effectRef>
+          <a:fontRef idx="minor">
+            <a:schemeClr val="lt1"/>
+          </a:fontRef>
+        </p:style>
+        <p:txBody>
+          <a:bodyPr rtlCol="0" anchor="ctr"/>
+          <a:lstStyle/>
+          <a:p>
+            <a:pPr algn="ctr"/>
+            <a:r>
+              <a:rPr lang="en-US" sz="2400" dirty="0"/>
+              <a:t>Cosine Similarity</a:t>
+            </a:r>
+          </a:p>
+        </p:txBody>
+      </p:sp>
+      <p:sp>
+        <p:nvSpPr>
+          <p:cNvPr id="11" name="Down Arrow 10"/>
+          <p:cNvSpPr/>
+          <p:nvPr/>
+        </p:nvSpPr>
+        <p:spPr>
+          <a:xfrm>
+            <a:off x="9587752" y="2537038"/>
+            <a:ext cx="648929" cy="874754"/>
+          </a:xfrm>
+          <a:prstGeom prst="downArrow">
+            <a:avLst/>
+          </a:prstGeom>
+        </p:spPr>
+        <p:style>
+          <a:lnRef idx="2">
+            <a:schemeClr val="accent1">
+              <a:shade val="50000"/>
+            </a:schemeClr>
+          </a:lnRef>
+          <a:fillRef idx="1">
+            <a:schemeClr val="accent1"/>
+          </a:fillRef>
+          <a:effectRef idx="0">
+            <a:schemeClr val="accent1"/>
+          </a:effectRef>
+          <a:fontRef idx="minor">
+            <a:schemeClr val="lt1"/>
+          </a:fontRef>
+        </p:style>
+        <p:txBody>
+          <a:bodyPr rtlCol="0" anchor="ctr"/>
+          <a:lstStyle/>
+          <a:p>
+            <a:pPr algn="ctr"/>
+            <a:endParaRPr lang="en-US"/>
+          </a:p>
+        </p:txBody>
+      </p:sp>
+      <p:sp>
+        <p:nvSpPr>
+          <p:cNvPr id="13" name="Down Arrow 12"/>
+          <p:cNvSpPr/>
+          <p:nvPr/>
+        </p:nvSpPr>
+        <p:spPr>
+          <a:xfrm>
+            <a:off x="9558255" y="4434348"/>
+            <a:ext cx="707922" cy="936023"/>
+          </a:xfrm>
+          <a:prstGeom prst="downArrow">
+            <a:avLst/>
+          </a:prstGeom>
+        </p:spPr>
+        <p:style>
+          <a:lnRef idx="2">
+            <a:schemeClr val="accent1">
+              <a:shade val="50000"/>
+            </a:schemeClr>
+          </a:lnRef>
+          <a:fillRef idx="1">
+            <a:schemeClr val="accent1"/>
+          </a:fillRef>
+          <a:effectRef idx="0">
+            <a:schemeClr val="accent1"/>
+          </a:effectRef>
+          <a:fontRef idx="minor">
+            <a:schemeClr val="lt1"/>
+          </a:fontRef>
+        </p:style>
+        <p:txBody>
+          <a:bodyPr rtlCol="0" anchor="ctr"/>
+          <a:lstStyle/>
+          <a:p>
+            <a:pPr algn="ctr"/>
+            <a:endParaRPr lang="en-US"/>
+          </a:p>
+        </p:txBody>
+      </p:sp>
+      <p:sp>
+        <p:nvSpPr>
+          <p:cNvPr id="16" name="Right Arrow 15"/>
+          <p:cNvSpPr/>
+          <p:nvPr/>
+        </p:nvSpPr>
+        <p:spPr>
+          <a:xfrm>
+            <a:off x="8125822" y="3533779"/>
+            <a:ext cx="989320" cy="736718"/>
+          </a:xfrm>
+          <a:prstGeom prst="rightArrow">
+            <a:avLst/>
+          </a:prstGeom>
+        </p:spPr>
+        <p:style>
+          <a:lnRef idx="2">
+            <a:schemeClr val="accent1">
+              <a:shade val="50000"/>
+            </a:schemeClr>
+          </a:lnRef>
+          <a:fillRef idx="1">
+            <a:schemeClr val="accent1"/>
+          </a:fillRef>
+          <a:effectRef idx="0">
+            <a:schemeClr val="accent1"/>
+          </a:effectRef>
+          <a:fontRef idx="minor">
+            <a:schemeClr val="lt1"/>
+          </a:fontRef>
+        </p:style>
+        <p:txBody>
+          <a:bodyPr rtlCol="0" anchor="ctr"/>
+          <a:lstStyle/>
+          <a:p>
+            <a:pPr algn="ctr"/>
+            <a:endParaRPr lang="en-US"/>
+          </a:p>
+        </p:txBody>
+      </p:sp>
+      <p:pic>
+        <p:nvPicPr>
+          <p:cNvPr id="22" name="Picture 16" descr="https://d2v9y0dukr6mq2.cloudfront.net/video/thumbnail/QwIr88a/snow-hiker-hiking-adventure-mountain-travel-outdoor-trekking-extreme-sport-cold-active-ice-winter-landscape-sky-backpacker-nature-people-trek-mountaineering-hike-climbing-high-summit-activity-climber-tourist-altitude-man_4yxzrjrr__S0000.jpg"/>
+          <p:cNvPicPr>
+            <a:picLocks noChangeAspect="1" noChangeArrowheads="1"/>
+          </p:cNvPicPr>
+          <p:nvPr/>
+        </p:nvPicPr>
+        <p:blipFill>
+          <a:blip r:embed="rId13">
+            <a:extLst>
+              <a:ext uri="{28A0092B-C50C-407E-A947-70E740481C1C}">
+                <a14:useLocalDpi xmlns:a14="http://schemas.microsoft.com/office/drawing/2010/main" val="0"/>
+              </a:ext>
+            </a:extLst>
+          </a:blip>
+          <a:srcRect/>
+          <a:stretch>
+            <a:fillRect/>
+          </a:stretch>
+        </p:blipFill>
+        <p:spPr bwMode="auto">
+          <a:xfrm>
+            <a:off x="8680742" y="1271684"/>
+            <a:ext cx="2345543" cy="1283494"/>
+          </a:xfrm>
+          <a:prstGeom prst="rect">
+            <a:avLst/>
+          </a:prstGeom>
+          <a:noFill/>
+          <a:extLst>
+            <a:ext uri="{909E8E84-426E-40DD-AFC4-6F175D3DCCD1}">
+              <a14:hiddenFill xmlns:a14="http://schemas.microsoft.com/office/drawing/2010/main">
+                <a:solidFill>
+                  <a:srgbClr val="FFFFFF"/>
+                </a:solidFill>
+              </a14:hiddenFill>
+            </a:ext>
+          </a:extLst>
+        </p:spPr>
+      </p:pic>
+      <p:sp>
+        <p:nvSpPr>
+          <p:cNvPr id="24" name="Multiply 23"/>
+          <p:cNvSpPr/>
+          <p:nvPr/>
+        </p:nvSpPr>
+        <p:spPr>
+          <a:xfrm>
+            <a:off x="8792887" y="4902359"/>
+            <a:ext cx="2238658" cy="1811825"/>
+          </a:xfrm>
+          <a:prstGeom prst="mathMultiply">
+            <a:avLst/>
+          </a:prstGeom>
+          <a:solidFill>
+            <a:srgbClr val="C00000"/>
+          </a:solidFill>
+        </p:spPr>
+        <p:style>
+          <a:lnRef idx="2">
+            <a:schemeClr val="accent1">
+              <a:shade val="50000"/>
+            </a:schemeClr>
+          </a:lnRef>
+          <a:fillRef idx="1">
+            <a:schemeClr val="accent1"/>
+          </a:fillRef>
+          <a:effectRef idx="0">
+            <a:schemeClr val="accent1"/>
+          </a:effectRef>
+          <a:fontRef idx="minor">
+            <a:schemeClr val="lt1"/>
+          </a:fontRef>
+        </p:style>
+        <p:txBody>
+          <a:bodyPr rtlCol="0" anchor="ctr"/>
+          <a:lstStyle/>
+          <a:p>
+            <a:pPr algn="ctr"/>
+            <a:endParaRPr lang="en-US"/>
+          </a:p>
+        </p:txBody>
+      </p:sp>
     </p:spTree>
     <p:extLst>
       <p:ext uri="{BB962C8B-B14F-4D97-AF65-F5344CB8AC3E}">
@@ -9739,231 +10808,385 @@
   <p:clrMapOvr>
     <a:masterClrMapping/>
   </p:clrMapOvr>
-</p:sld>
-</file>
-
-<file path=ppt/slides/slide6.xml><?xml version="1.0" encoding="utf-8"?>
-<p:sld xmlns:a="http://schemas.openxmlformats.org/drawingml/2006/main" xmlns:r="http://schemas.openxmlformats.org/officeDocument/2006/relationships" xmlns:p="http://schemas.openxmlformats.org/presentationml/2006/main">
-  <p:cSld>
-    <p:spTree>
-      <p:nvGrpSpPr>
-        <p:cNvPr id="1" name=""/>
-        <p:cNvGrpSpPr/>
-        <p:nvPr/>
-      </p:nvGrpSpPr>
-      <p:grpSpPr>
-        <a:xfrm>
-          <a:off x="0" y="0"/>
-          <a:ext cx="0" cy="0"/>
-          <a:chOff x="0" y="0"/>
-          <a:chExt cx="0" cy="0"/>
-        </a:xfrm>
-      </p:grpSpPr>
-      <p:sp>
-        <p:nvSpPr>
-          <p:cNvPr id="2" name="Title 1"/>
-          <p:cNvSpPr>
-            <a:spLocks noGrp="1"/>
-          </p:cNvSpPr>
-          <p:nvPr>
-            <p:ph type="title"/>
-          </p:nvPr>
-        </p:nvSpPr>
-        <p:spPr/>
-        <p:txBody>
-          <a:bodyPr/>
-          <a:lstStyle/>
-          <a:p>
-            <a:r>
-              <a:rPr lang="en-US" dirty="0">
-                <a:solidFill>
-                  <a:schemeClr val="bg1"/>
-                </a:solidFill>
-              </a:rPr>
-              <a:t>Challenges</a:t>
-            </a:r>
-          </a:p>
-        </p:txBody>
-      </p:sp>
-      <p:sp>
-        <p:nvSpPr>
-          <p:cNvPr id="3" name="Content Placeholder 2"/>
-          <p:cNvSpPr>
-            <a:spLocks noGrp="1"/>
-          </p:cNvSpPr>
-          <p:nvPr>
-            <p:ph idx="1"/>
-          </p:nvPr>
-        </p:nvSpPr>
-        <p:spPr/>
-        <p:txBody>
-          <a:bodyPr/>
-          <a:lstStyle/>
-          <a:p>
-            <a:r>
-              <a:rPr lang="en-US" dirty="0">
-                <a:solidFill>
-                  <a:schemeClr val="bg1"/>
-                </a:solidFill>
-              </a:rPr>
-              <a:t>Too many features/attributes </a:t>
-            </a:r>
-          </a:p>
-          <a:p>
-            <a:r>
-              <a:rPr lang="en-US" dirty="0">
-                <a:solidFill>
-                  <a:schemeClr val="bg1"/>
-                </a:solidFill>
-              </a:rPr>
-              <a:t>Bulk Loading into </a:t>
-            </a:r>
-            <a:r>
-              <a:rPr lang="en-US" dirty="0" err="1">
-                <a:solidFill>
-                  <a:schemeClr val="bg1"/>
-                </a:solidFill>
-              </a:rPr>
-              <a:t>Hbase</a:t>
-            </a:r>
-            <a:endParaRPr lang="en-US" dirty="0">
-              <a:solidFill>
-                <a:schemeClr val="bg1"/>
-              </a:solidFill>
-            </a:endParaRPr>
-          </a:p>
-          <a:p>
-            <a:r>
-              <a:rPr lang="en-US" dirty="0">
-                <a:solidFill>
-                  <a:schemeClr val="bg1"/>
-                </a:solidFill>
-              </a:rPr>
-              <a:t>Out of RAM – GB of data</a:t>
-            </a:r>
-          </a:p>
-          <a:p>
-            <a:r>
-              <a:rPr lang="en-US" dirty="0">
-                <a:solidFill>
-                  <a:schemeClr val="bg1"/>
-                </a:solidFill>
-              </a:rPr>
-              <a:t>Excessive Logging</a:t>
-            </a:r>
-          </a:p>
-          <a:p>
-            <a:endParaRPr lang="en-US" dirty="0">
-              <a:solidFill>
-                <a:schemeClr val="bg1"/>
-              </a:solidFill>
-            </a:endParaRPr>
-          </a:p>
-          <a:p>
-            <a:endParaRPr lang="en-US" dirty="0">
-              <a:solidFill>
-                <a:schemeClr val="bg1"/>
-              </a:solidFill>
-            </a:endParaRPr>
-          </a:p>
-          <a:p>
-            <a:endParaRPr lang="en-US" dirty="0">
-              <a:solidFill>
-                <a:schemeClr val="bg1"/>
-              </a:solidFill>
-            </a:endParaRPr>
-          </a:p>
-        </p:txBody>
-      </p:sp>
-    </p:spTree>
-    <p:extLst>
-      <p:ext uri="{BB962C8B-B14F-4D97-AF65-F5344CB8AC3E}">
-        <p14:creationId xmlns:p14="http://schemas.microsoft.com/office/powerpoint/2010/main" val="3151929899"/>
-      </p:ext>
-    </p:extLst>
-  </p:cSld>
-  <p:clrMapOvr>
-    <a:masterClrMapping/>
-  </p:clrMapOvr>
-</p:sld>
-</file>
-
-<file path=ppt/slides/slide7.xml><?xml version="1.0" encoding="utf-8"?>
-<p:sld xmlns:a="http://schemas.openxmlformats.org/drawingml/2006/main" xmlns:r="http://schemas.openxmlformats.org/officeDocument/2006/relationships" xmlns:p="http://schemas.openxmlformats.org/presentationml/2006/main">
-  <p:cSld>
-    <p:spTree>
-      <p:nvGrpSpPr>
-        <p:cNvPr id="1" name=""/>
-        <p:cNvGrpSpPr/>
-        <p:nvPr/>
-      </p:nvGrpSpPr>
-      <p:grpSpPr>
-        <a:xfrm>
-          <a:off x="0" y="0"/>
-          <a:ext cx="0" cy="0"/>
-          <a:chOff x="0" y="0"/>
-          <a:chExt cx="0" cy="0"/>
-        </a:xfrm>
-      </p:grpSpPr>
-      <p:sp>
-        <p:nvSpPr>
-          <p:cNvPr id="2" name="Title 1"/>
-          <p:cNvSpPr>
-            <a:spLocks noGrp="1"/>
-          </p:cNvSpPr>
-          <p:nvPr>
-            <p:ph type="title"/>
-          </p:nvPr>
-        </p:nvSpPr>
-        <p:spPr/>
-        <p:txBody>
-          <a:bodyPr/>
-          <a:lstStyle/>
-          <a:p>
-            <a:r>
-              <a:rPr lang="en-US" dirty="0">
-                <a:solidFill>
-                  <a:schemeClr val="bg1"/>
-                </a:solidFill>
-              </a:rPr>
-              <a:t>Demo  &amp; Results</a:t>
-            </a:r>
-          </a:p>
-        </p:txBody>
-      </p:sp>
-      <p:sp>
-        <p:nvSpPr>
-          <p:cNvPr id="3" name="Content Placeholder 2"/>
-          <p:cNvSpPr>
-            <a:spLocks noGrp="1"/>
-          </p:cNvSpPr>
-          <p:nvPr>
-            <p:ph idx="1"/>
-          </p:nvPr>
-        </p:nvSpPr>
-        <p:spPr/>
-        <p:txBody>
-          <a:bodyPr/>
-          <a:lstStyle/>
-          <a:p>
-            <a:endParaRPr lang="en-US" dirty="0">
-              <a:solidFill>
-                <a:schemeClr val="bg1"/>
-              </a:solidFill>
-            </a:endParaRPr>
-          </a:p>
-        </p:txBody>
-      </p:sp>
-    </p:spTree>
-    <p:extLst>
-      <p:ext uri="{BB962C8B-B14F-4D97-AF65-F5344CB8AC3E}">
-        <p14:creationId xmlns:p14="http://schemas.microsoft.com/office/powerpoint/2010/main" val="2327261966"/>
-      </p:ext>
-    </p:extLst>
-  </p:cSld>
-  <p:clrMapOvr>
-    <a:masterClrMapping/>
-  </p:clrMapOvr>
+  <mc:AlternateContent xmlns:mc="http://schemas.openxmlformats.org/markup-compatibility/2006">
+    <mc:Choice xmlns:p14="http://schemas.microsoft.com/office/powerpoint/2010/main" Requires="p14">
+      <p:transition p14:dur="0"/>
+    </mc:Choice>
+    <mc:Fallback>
+      <p:transition/>
+    </mc:Fallback>
+  </mc:AlternateContent>
+  <p:timing>
+    <p:tnLst>
+      <p:par>
+        <p:cTn id="1" dur="indefinite" restart="never" nodeType="tmRoot">
+          <p:childTnLst>
+            <p:seq concurrent="1" nextAc="seek">
+              <p:cTn id="2" dur="indefinite" nodeType="mainSeq">
+                <p:childTnLst>
+                  <p:par>
+                    <p:cTn id="3" fill="hold">
+                      <p:stCondLst>
+                        <p:cond delay="indefinite"/>
+                      </p:stCondLst>
+                      <p:childTnLst>
+                        <p:par>
+                          <p:cTn id="4" fill="hold">
+                            <p:stCondLst>
+                              <p:cond delay="0"/>
+                            </p:stCondLst>
+                            <p:childTnLst>
+                              <p:par>
+                                <p:cTn id="5" presetID="1" presetClass="entr" presetSubtype="0" fill="hold" nodeType="clickEffect">
+                                  <p:stCondLst>
+                                    <p:cond delay="0"/>
+                                  </p:stCondLst>
+                                  <p:childTnLst>
+                                    <p:set>
+                                      <p:cBhvr>
+                                        <p:cTn id="6" dur="1" fill="hold">
+                                          <p:stCondLst>
+                                            <p:cond delay="0"/>
+                                          </p:stCondLst>
+                                        </p:cTn>
+                                        <p:tgtEl>
+                                          <p:spTgt spid="3"/>
+                                        </p:tgtEl>
+                                        <p:attrNameLst>
+                                          <p:attrName>style.visibility</p:attrName>
+                                        </p:attrNameLst>
+                                      </p:cBhvr>
+                                      <p:to>
+                                        <p:strVal val="visible"/>
+                                      </p:to>
+                                    </p:set>
+                                  </p:childTnLst>
+                                </p:cTn>
+                              </p:par>
+                              <p:par>
+                                <p:cTn id="7" presetID="1" presetClass="entr" presetSubtype="0" fill="hold" grpId="0" nodeType="withEffect">
+                                  <p:stCondLst>
+                                    <p:cond delay="0"/>
+                                  </p:stCondLst>
+                                  <p:childTnLst>
+                                    <p:set>
+                                      <p:cBhvr>
+                                        <p:cTn id="8" dur="1" fill="hold">
+                                          <p:stCondLst>
+                                            <p:cond delay="0"/>
+                                          </p:stCondLst>
+                                        </p:cTn>
+                                        <p:tgtEl>
+                                          <p:spTgt spid="5"/>
+                                        </p:tgtEl>
+                                        <p:attrNameLst>
+                                          <p:attrName>style.visibility</p:attrName>
+                                        </p:attrNameLst>
+                                      </p:cBhvr>
+                                      <p:to>
+                                        <p:strVal val="visible"/>
+                                      </p:to>
+                                    </p:set>
+                                  </p:childTnLst>
+                                </p:cTn>
+                              </p:par>
+                            </p:childTnLst>
+                          </p:cTn>
+                        </p:par>
+                      </p:childTnLst>
+                    </p:cTn>
+                  </p:par>
+                  <p:par>
+                    <p:cTn id="9" fill="hold">
+                      <p:stCondLst>
+                        <p:cond delay="indefinite"/>
+                      </p:stCondLst>
+                      <p:childTnLst>
+                        <p:par>
+                          <p:cTn id="10" fill="hold">
+                            <p:stCondLst>
+                              <p:cond delay="0"/>
+                            </p:stCondLst>
+                            <p:childTnLst>
+                              <p:par>
+                                <p:cTn id="11" presetID="1" presetClass="entr" presetSubtype="0" fill="hold" nodeType="clickEffect">
+                                  <p:stCondLst>
+                                    <p:cond delay="0"/>
+                                  </p:stCondLst>
+                                  <p:childTnLst>
+                                    <p:set>
+                                      <p:cBhvr>
+                                        <p:cTn id="12" dur="1" fill="hold">
+                                          <p:stCondLst>
+                                            <p:cond delay="0"/>
+                                          </p:stCondLst>
+                                        </p:cTn>
+                                        <p:tgtEl>
+                                          <p:spTgt spid="19"/>
+                                        </p:tgtEl>
+                                        <p:attrNameLst>
+                                          <p:attrName>style.visibility</p:attrName>
+                                        </p:attrNameLst>
+                                      </p:cBhvr>
+                                      <p:to>
+                                        <p:strVal val="visible"/>
+                                      </p:to>
+                                    </p:set>
+                                  </p:childTnLst>
+                                </p:cTn>
+                              </p:par>
+                            </p:childTnLst>
+                          </p:cTn>
+                        </p:par>
+                      </p:childTnLst>
+                    </p:cTn>
+                  </p:par>
+                  <p:par>
+                    <p:cTn id="13" fill="hold">
+                      <p:stCondLst>
+                        <p:cond delay="indefinite"/>
+                      </p:stCondLst>
+                      <p:childTnLst>
+                        <p:par>
+                          <p:cTn id="14" fill="hold">
+                            <p:stCondLst>
+                              <p:cond delay="0"/>
+                            </p:stCondLst>
+                            <p:childTnLst>
+                              <p:par>
+                                <p:cTn id="15" presetID="1" presetClass="entr" presetSubtype="0" fill="hold" nodeType="clickEffect">
+                                  <p:stCondLst>
+                                    <p:cond delay="0"/>
+                                  </p:stCondLst>
+                                  <p:childTnLst>
+                                    <p:set>
+                                      <p:cBhvr>
+                                        <p:cTn id="16" dur="1" fill="hold">
+                                          <p:stCondLst>
+                                            <p:cond delay="0"/>
+                                          </p:stCondLst>
+                                        </p:cTn>
+                                        <p:tgtEl>
+                                          <p:spTgt spid="22"/>
+                                        </p:tgtEl>
+                                        <p:attrNameLst>
+                                          <p:attrName>style.visibility</p:attrName>
+                                        </p:attrNameLst>
+                                      </p:cBhvr>
+                                      <p:to>
+                                        <p:strVal val="visible"/>
+                                      </p:to>
+                                    </p:set>
+                                  </p:childTnLst>
+                                </p:cTn>
+                              </p:par>
+                            </p:childTnLst>
+                          </p:cTn>
+                        </p:par>
+                      </p:childTnLst>
+                    </p:cTn>
+                  </p:par>
+                  <p:par>
+                    <p:cTn id="17" fill="hold">
+                      <p:stCondLst>
+                        <p:cond delay="indefinite"/>
+                      </p:stCondLst>
+                      <p:childTnLst>
+                        <p:par>
+                          <p:cTn id="18" fill="hold">
+                            <p:stCondLst>
+                              <p:cond delay="0"/>
+                            </p:stCondLst>
+                            <p:childTnLst>
+                              <p:par>
+                                <p:cTn id="19" presetID="1" presetClass="entr" presetSubtype="0" fill="hold" grpId="0" nodeType="clickEffect">
+                                  <p:stCondLst>
+                                    <p:cond delay="0"/>
+                                  </p:stCondLst>
+                                  <p:childTnLst>
+                                    <p:set>
+                                      <p:cBhvr>
+                                        <p:cTn id="20" dur="1" fill="hold">
+                                          <p:stCondLst>
+                                            <p:cond delay="0"/>
+                                          </p:stCondLst>
+                                        </p:cTn>
+                                        <p:tgtEl>
+                                          <p:spTgt spid="11"/>
+                                        </p:tgtEl>
+                                        <p:attrNameLst>
+                                          <p:attrName>style.visibility</p:attrName>
+                                        </p:attrNameLst>
+                                      </p:cBhvr>
+                                      <p:to>
+                                        <p:strVal val="visible"/>
+                                      </p:to>
+                                    </p:set>
+                                  </p:childTnLst>
+                                </p:cTn>
+                              </p:par>
+                              <p:par>
+                                <p:cTn id="21" presetID="1" presetClass="entr" presetSubtype="0" fill="hold" grpId="0" nodeType="withEffect">
+                                  <p:stCondLst>
+                                    <p:cond delay="0"/>
+                                  </p:stCondLst>
+                                  <p:childTnLst>
+                                    <p:set>
+                                      <p:cBhvr>
+                                        <p:cTn id="22" dur="1" fill="hold">
+                                          <p:stCondLst>
+                                            <p:cond delay="0"/>
+                                          </p:stCondLst>
+                                        </p:cTn>
+                                        <p:tgtEl>
+                                          <p:spTgt spid="10"/>
+                                        </p:tgtEl>
+                                        <p:attrNameLst>
+                                          <p:attrName>style.visibility</p:attrName>
+                                        </p:attrNameLst>
+                                      </p:cBhvr>
+                                      <p:to>
+                                        <p:strVal val="visible"/>
+                                      </p:to>
+                                    </p:set>
+                                  </p:childTnLst>
+                                </p:cTn>
+                              </p:par>
+                              <p:par>
+                                <p:cTn id="23" presetID="1" presetClass="entr" presetSubtype="0" fill="hold" grpId="0" nodeType="withEffect">
+                                  <p:stCondLst>
+                                    <p:cond delay="0"/>
+                                  </p:stCondLst>
+                                  <p:childTnLst>
+                                    <p:set>
+                                      <p:cBhvr>
+                                        <p:cTn id="24" dur="1" fill="hold">
+                                          <p:stCondLst>
+                                            <p:cond delay="0"/>
+                                          </p:stCondLst>
+                                        </p:cTn>
+                                        <p:tgtEl>
+                                          <p:spTgt spid="16"/>
+                                        </p:tgtEl>
+                                        <p:attrNameLst>
+                                          <p:attrName>style.visibility</p:attrName>
+                                        </p:attrNameLst>
+                                      </p:cBhvr>
+                                      <p:to>
+                                        <p:strVal val="visible"/>
+                                      </p:to>
+                                    </p:set>
+                                  </p:childTnLst>
+                                </p:cTn>
+                              </p:par>
+                            </p:childTnLst>
+                          </p:cTn>
+                        </p:par>
+                      </p:childTnLst>
+                    </p:cTn>
+                  </p:par>
+                  <p:par>
+                    <p:cTn id="25" fill="hold">
+                      <p:stCondLst>
+                        <p:cond delay="indefinite"/>
+                      </p:stCondLst>
+                      <p:childTnLst>
+                        <p:par>
+                          <p:cTn id="26" fill="hold">
+                            <p:stCondLst>
+                              <p:cond delay="0"/>
+                            </p:stCondLst>
+                            <p:childTnLst>
+                              <p:par>
+                                <p:cTn id="27" presetID="1" presetClass="entr" presetSubtype="0" fill="hold" grpId="0" nodeType="clickEffect">
+                                  <p:stCondLst>
+                                    <p:cond delay="0"/>
+                                  </p:stCondLst>
+                                  <p:childTnLst>
+                                    <p:set>
+                                      <p:cBhvr>
+                                        <p:cTn id="28" dur="1" fill="hold">
+                                          <p:stCondLst>
+                                            <p:cond delay="0"/>
+                                          </p:stCondLst>
+                                        </p:cTn>
+                                        <p:tgtEl>
+                                          <p:spTgt spid="13"/>
+                                        </p:tgtEl>
+                                        <p:attrNameLst>
+                                          <p:attrName>style.visibility</p:attrName>
+                                        </p:attrNameLst>
+                                      </p:cBhvr>
+                                      <p:to>
+                                        <p:strVal val="visible"/>
+                                      </p:to>
+                                    </p:set>
+                                  </p:childTnLst>
+                                </p:cTn>
+                              </p:par>
+                              <p:par>
+                                <p:cTn id="29" presetID="1" presetClass="entr" presetSubtype="0" fill="hold" grpId="0" nodeType="withEffect">
+                                  <p:stCondLst>
+                                    <p:cond delay="0"/>
+                                  </p:stCondLst>
+                                  <p:childTnLst>
+                                    <p:set>
+                                      <p:cBhvr>
+                                        <p:cTn id="30" dur="1" fill="hold">
+                                          <p:stCondLst>
+                                            <p:cond delay="0"/>
+                                          </p:stCondLst>
+                                        </p:cTn>
+                                        <p:tgtEl>
+                                          <p:spTgt spid="24"/>
+                                        </p:tgtEl>
+                                        <p:attrNameLst>
+                                          <p:attrName>style.visibility</p:attrName>
+                                        </p:attrNameLst>
+                                      </p:cBhvr>
+                                      <p:to>
+                                        <p:strVal val="visible"/>
+                                      </p:to>
+                                    </p:set>
+                                  </p:childTnLst>
+                                </p:cTn>
+                              </p:par>
+                            </p:childTnLst>
+                          </p:cTn>
+                        </p:par>
+                      </p:childTnLst>
+                    </p:cTn>
+                  </p:par>
+                </p:childTnLst>
+              </p:cTn>
+              <p:prevCondLst>
+                <p:cond evt="onPrev" delay="0">
+                  <p:tgtEl>
+                    <p:sldTgt/>
+                  </p:tgtEl>
+                </p:cond>
+              </p:prevCondLst>
+              <p:nextCondLst>
+                <p:cond evt="onNext" delay="0">
+                  <p:tgtEl>
+                    <p:sldTgt/>
+                  </p:tgtEl>
+                </p:cond>
+              </p:nextCondLst>
+            </p:seq>
+          </p:childTnLst>
+        </p:cTn>
+      </p:par>
+    </p:tnLst>
+    <p:bldLst>
+      <p:bldP spid="5" grpId="0" animBg="1"/>
+      <p:bldP spid="10" grpId="0" animBg="1"/>
+      <p:bldP spid="11" grpId="0" animBg="1"/>
+      <p:bldP spid="13" grpId="0" animBg="1"/>
+      <p:bldP spid="16" grpId="0" animBg="1"/>
+      <p:bldP spid="24" grpId="0" animBg="1"/>
+    </p:bldLst>
+  </p:timing>
 </p:sld>
 </file>
 
@@ -10005,7 +11228,7 @@
                   <a:schemeClr val="bg1"/>
                 </a:solidFill>
               </a:rPr>
-              <a:t>Summary</a:t>
+              <a:t>Challenges</a:t>
             </a:r>
           </a:p>
         </p:txBody>
@@ -10025,24 +11248,144 @@
           <a:bodyPr/>
           <a:lstStyle/>
           <a:p>
+            <a:r>
+              <a:rPr lang="en-US" dirty="0">
+                <a:solidFill>
+                  <a:schemeClr val="bg1"/>
+                </a:solidFill>
+              </a:rPr>
+              <a:t>Too many features/attributes </a:t>
+            </a:r>
+            <a:endParaRPr lang="en-US" dirty="0" smtClean="0">
+              <a:solidFill>
+                <a:schemeClr val="bg1"/>
+              </a:solidFill>
+            </a:endParaRPr>
+          </a:p>
+          <a:p>
+            <a:r>
+              <a:rPr lang="en-US" dirty="0">
+                <a:solidFill>
+                  <a:schemeClr val="bg1"/>
+                </a:solidFill>
+              </a:rPr>
+              <a:t>Environment to </a:t>
+            </a:r>
+            <a:r>
+              <a:rPr lang="en-US" dirty="0" smtClean="0">
+                <a:solidFill>
+                  <a:schemeClr val="bg1"/>
+                </a:solidFill>
+              </a:rPr>
+              <a:t>run jobs</a:t>
+            </a:r>
             <a:endParaRPr lang="en-US" dirty="0">
               <a:solidFill>
                 <a:schemeClr val="bg1"/>
               </a:solidFill>
             </a:endParaRPr>
           </a:p>
+          <a:p>
+            <a:r>
+              <a:rPr lang="en-US" dirty="0">
+                <a:solidFill>
+                  <a:schemeClr val="bg1"/>
+                </a:solidFill>
+              </a:rPr>
+              <a:t>Bulk Loading into </a:t>
+            </a:r>
+            <a:r>
+              <a:rPr lang="en-US" dirty="0" err="1" smtClean="0">
+                <a:solidFill>
+                  <a:schemeClr val="bg1"/>
+                </a:solidFill>
+              </a:rPr>
+              <a:t>HBase</a:t>
+            </a:r>
+            <a:endParaRPr lang="en-US" dirty="0">
+              <a:solidFill>
+                <a:schemeClr val="bg1"/>
+              </a:solidFill>
+            </a:endParaRPr>
+          </a:p>
+          <a:p>
+            <a:r>
+              <a:rPr lang="en-US" dirty="0">
+                <a:solidFill>
+                  <a:schemeClr val="bg1"/>
+                </a:solidFill>
+              </a:rPr>
+              <a:t>Out of RAM – GB of data</a:t>
+            </a:r>
+          </a:p>
+          <a:p>
+            <a:r>
+              <a:rPr lang="en-US" dirty="0">
+                <a:solidFill>
+                  <a:schemeClr val="bg1"/>
+                </a:solidFill>
+              </a:rPr>
+              <a:t>Excessive </a:t>
+            </a:r>
+            <a:r>
+              <a:rPr lang="en-US" dirty="0" smtClean="0">
+                <a:solidFill>
+                  <a:schemeClr val="bg1"/>
+                </a:solidFill>
+              </a:rPr>
+              <a:t>Logging</a:t>
+            </a:r>
+          </a:p>
+          <a:p>
+            <a:r>
+              <a:rPr lang="en-US" dirty="0" smtClean="0">
+                <a:solidFill>
+                  <a:schemeClr val="bg1"/>
+                </a:solidFill>
+              </a:rPr>
+              <a:t>Tuning the number of reducers</a:t>
+            </a:r>
+          </a:p>
+          <a:p>
+            <a:endParaRPr lang="en-US" dirty="0">
+              <a:solidFill>
+                <a:schemeClr val="bg1"/>
+              </a:solidFill>
+            </a:endParaRPr>
+          </a:p>
+          <a:p>
+            <a:endParaRPr lang="en-US" dirty="0">
+              <a:solidFill>
+                <a:schemeClr val="bg1"/>
+              </a:solidFill>
+            </a:endParaRPr>
+          </a:p>
+          <a:p>
+            <a:endParaRPr lang="en-US" dirty="0">
+              <a:solidFill>
+                <a:schemeClr val="bg1"/>
+              </a:solidFill>
+            </a:endParaRPr>
+          </a:p>
         </p:txBody>
       </p:sp>
     </p:spTree>
     <p:extLst>
       <p:ext uri="{BB962C8B-B14F-4D97-AF65-F5344CB8AC3E}">
-        <p14:creationId xmlns:p14="http://schemas.microsoft.com/office/powerpoint/2010/main" val="610321729"/>
+        <p14:creationId xmlns:p14="http://schemas.microsoft.com/office/powerpoint/2010/main" val="3151929899"/>
       </p:ext>
     </p:extLst>
   </p:cSld>
   <p:clrMapOvr>
     <a:masterClrMapping/>
   </p:clrMapOvr>
+  <p:timing>
+    <p:tnLst>
+      <p:par>
+        <p:cTn id="1" dur="indefinite" restart="never" nodeType="tmRoot"/>
+      </p:par>
+    </p:tnLst>
+  </p:timing>
 </p:sld>
 </file>
 
@@ -10084,7 +11427,7 @@
                   <a:schemeClr val="bg1"/>
                 </a:solidFill>
               </a:rPr>
-              <a:t>Appendix</a:t>
+              <a:t>Summary</a:t>
             </a:r>
           </a:p>
         </p:txBody>
@@ -10105,72 +11448,73 @@
           <a:lstStyle/>
           <a:p>
             <a:r>
-              <a:rPr lang="en-US" dirty="0" err="1">
+              <a:rPr lang="en-US" dirty="0" smtClean="0">
                 <a:solidFill>
                   <a:schemeClr val="bg1"/>
                 </a:solidFill>
               </a:rPr>
-              <a:t>Github</a:t>
-            </a:r>
+              <a:t>Tables </a:t>
+            </a:r>
+          </a:p>
+          <a:p>
+            <a:pPr lvl="1"/>
             <a:r>
               <a:rPr lang="en-US" dirty="0">
                 <a:solidFill>
                   <a:schemeClr val="bg1"/>
                 </a:solidFill>
               </a:rPr>
-              <a:t> URL: </a:t>
-            </a:r>
-            <a:r>
-              <a:rPr lang="en-US" dirty="0">
-                <a:solidFill>
-                  <a:schemeClr val="bg1"/>
-                </a:solidFill>
-                <a:hlinkClick r:id="rId2"/>
-              </a:rPr>
-              <a:t>https://github.com/dhiviyadhanasekar/Events_Recommender</a:t>
-            </a:r>
-            <a:r>
-              <a:rPr lang="en-US" dirty="0">
+              <a:t>original </a:t>
+            </a:r>
+            <a:r>
+              <a:rPr lang="en-US" dirty="0" smtClean="0">
                 <a:solidFill>
                   <a:schemeClr val="bg1"/>
                 </a:solidFill>
               </a:rPr>
-              <a:t> </a:t>
-            </a:r>
-          </a:p>
-          <a:p>
-            <a:endParaRPr lang="en-US" dirty="0">
+              <a:t>csv</a:t>
+            </a:r>
+          </a:p>
+          <a:p>
+            <a:pPr lvl="1"/>
+            <a:r>
+              <a:rPr lang="en-US" dirty="0" smtClean="0">
+                <a:solidFill>
+                  <a:schemeClr val="bg1"/>
+                </a:solidFill>
+              </a:rPr>
+              <a:t>Transformed table</a:t>
+            </a:r>
+          </a:p>
+          <a:p>
+            <a:pPr lvl="1"/>
+            <a:r>
+              <a:rPr lang="en-US" dirty="0" smtClean="0">
+                <a:solidFill>
+                  <a:schemeClr val="bg1"/>
+                </a:solidFill>
+              </a:rPr>
+              <a:t>Cosine similarity</a:t>
+            </a:r>
+          </a:p>
+          <a:p>
+            <a:pPr lvl="1"/>
+            <a:r>
+              <a:rPr lang="en-US" dirty="0" smtClean="0">
+                <a:solidFill>
+                  <a:schemeClr val="bg1"/>
+                </a:solidFill>
+              </a:rPr>
+              <a:t>result</a:t>
+            </a:r>
+          </a:p>
+          <a:p>
+            <a:pPr lvl="1"/>
+            <a:endParaRPr lang="en-US" dirty="0" smtClean="0">
               <a:solidFill>
                 <a:schemeClr val="bg1"/>
               </a:solidFill>
             </a:endParaRPr>
-          </a:p>
-          <a:p>
-            <a:r>
-              <a:rPr lang="en-US" dirty="0">
-                <a:solidFill>
-                  <a:schemeClr val="bg1"/>
-                </a:solidFill>
-              </a:rPr>
-              <a:t>Dataset: </a:t>
-            </a:r>
-            <a:r>
-              <a:rPr lang="en-US" dirty="0">
-                <a:solidFill>
-                  <a:schemeClr val="bg1"/>
-                </a:solidFill>
-                <a:hlinkClick r:id="rId3"/>
-              </a:rPr>
-              <a:t>https://www.kaggle.com/c/event-recommendation-engine-challenge/data</a:t>
-            </a:r>
-            <a:r>
-              <a:rPr lang="en-US" dirty="0">
-                <a:solidFill>
-                  <a:schemeClr val="bg1"/>
-                </a:solidFill>
-              </a:rPr>
-              <a:t> </a:t>
-            </a:r>
           </a:p>
           <a:p>
             <a:pPr lvl="1"/>
@@ -10181,7 +11525,13 @@
             </a:endParaRPr>
           </a:p>
           <a:p>
-            <a:pPr lvl="1"/>
+            <a:endParaRPr lang="en-US" dirty="0" smtClean="0">
+              <a:solidFill>
+                <a:schemeClr val="bg1"/>
+              </a:solidFill>
+            </a:endParaRPr>
+          </a:p>
+          <a:p>
             <a:endParaRPr lang="en-US" dirty="0">
               <a:solidFill>
                 <a:schemeClr val="bg1"/>
@@ -10193,13 +11543,20 @@
     </p:spTree>
     <p:extLst>
       <p:ext uri="{BB962C8B-B14F-4D97-AF65-F5344CB8AC3E}">
-        <p14:creationId xmlns:p14="http://schemas.microsoft.com/office/powerpoint/2010/main" val="1700977332"/>
+        <p14:creationId xmlns:p14="http://schemas.microsoft.com/office/powerpoint/2010/main" val="610321729"/>
       </p:ext>
     </p:extLst>
   </p:cSld>
   <p:clrMapOvr>
     <a:masterClrMapping/>
   </p:clrMapOvr>
+  <p:timing>
+    <p:tnLst>
+      <p:par>
+        <p:cTn id="1" dur="indefinite" restart="never" nodeType="tmRoot"/>
+      </p:par>
+    </p:tnLst>
+  </p:timing>
 </p:sld>
 </file>
 
@@ -10496,4 +11853,265 @@
     </a:ext>
   </a:extLst>
 </a:theme>
+</file>
+
+<file path=ppt/theme/theme2.xml><?xml version="1.0" encoding="utf-8"?>
+<a:theme xmlns:a="http://schemas.openxmlformats.org/drawingml/2006/main" name="Office Theme">
+  <a:themeElements>
+    <a:clrScheme name="Office">
+      <a:dk1>
+        <a:sysClr val="windowText" lastClr="000000"/>
+      </a:dk1>
+      <a:lt1>
+        <a:sysClr val="window" lastClr="FFFFFF"/>
+      </a:lt1>
+      <a:dk2>
+        <a:srgbClr val="44546A"/>
+      </a:dk2>
+      <a:lt2>
+        <a:srgbClr val="E7E6E6"/>
+      </a:lt2>
+      <a:accent1>
+        <a:srgbClr val="5B9BD5"/>
+      </a:accent1>
+      <a:accent2>
+        <a:srgbClr val="ED7D31"/>
+      </a:accent2>
+      <a:accent3>
+        <a:srgbClr val="A5A5A5"/>
+      </a:accent3>
+      <a:accent4>
+        <a:srgbClr val="FFC000"/>
+      </a:accent4>
+      <a:accent5>
+        <a:srgbClr val="4472C4"/>
+      </a:accent5>
+      <a:accent6>
+        <a:srgbClr val="70AD47"/>
+      </a:accent6>
+      <a:hlink>
+        <a:srgbClr val="0563C1"/>
+      </a:hlink>
+      <a:folHlink>
+        <a:srgbClr val="954F72"/>
+      </a:folHlink>
+    </a:clrScheme>
+    <a:fontScheme name="Office">
+      <a:majorFont>
+        <a:latin typeface="Calibri Light" panose="020F0302020204030204"/>
+        <a:ea typeface=""/>
+        <a:cs typeface=""/>
+        <a:font script="Jpan" typeface="Yu Gothic Light"/>
+        <a:font script="Hang" typeface="맑은 고딕"/>
+        <a:font script="Hans" typeface="DengXian Light"/>
+        <a:font script="Hant" typeface="新細明體"/>
+        <a:font script="Arab" typeface="Times New Roman"/>
+        <a:font script="Hebr" typeface="Times New Roman"/>
+        <a:font script="Thai" typeface="Angsana New"/>
+        <a:font script="Ethi" typeface="Nyala"/>
+        <a:font script="Beng" typeface="Vrinda"/>
+        <a:font script="Gujr" typeface="Shruti"/>
+        <a:font script="Khmr" typeface="MoolBoran"/>
+        <a:font script="Knda" typeface="Tunga"/>
+        <a:font script="Guru" typeface="Raavi"/>
+        <a:font script="Cans" typeface="Euphemia"/>
+        <a:font script="Cher" typeface="Plantagenet Cherokee"/>
+        <a:font script="Yiii" typeface="Microsoft Yi Baiti"/>
+        <a:font script="Tibt" typeface="Microsoft Himalaya"/>
+        <a:font script="Thaa" typeface="MV Boli"/>
+        <a:font script="Deva" typeface="Mangal"/>
+        <a:font script="Telu" typeface="Gautami"/>
+        <a:font script="Taml" typeface="Latha"/>
+        <a:font script="Syrc" typeface="Estrangelo Edessa"/>
+        <a:font script="Orya" typeface="Kalinga"/>
+        <a:font script="Mlym" typeface="Kartika"/>
+        <a:font script="Laoo" typeface="DokChampa"/>
+        <a:font script="Sinh" typeface="Iskoola Pota"/>
+        <a:font script="Mong" typeface="Mongolian Baiti"/>
+        <a:font script="Viet" typeface="Times New Roman"/>
+        <a:font script="Uigh" typeface="Microsoft Uighur"/>
+        <a:font script="Geor" typeface="Sylfaen"/>
+      </a:majorFont>
+      <a:minorFont>
+        <a:latin typeface="Calibri" panose="020F0502020204030204"/>
+        <a:ea typeface=""/>
+        <a:cs typeface=""/>
+        <a:font script="Jpan" typeface="Yu Gothic"/>
+        <a:font script="Hang" typeface="맑은 고딕"/>
+        <a:font script="Hans" typeface="DengXian"/>
+        <a:font script="Hant" typeface="新細明體"/>
+        <a:font script="Arab" typeface="Arial"/>
+        <a:font script="Hebr" typeface="Arial"/>
+        <a:font script="Thai" typeface="Cordia New"/>
+        <a:font script="Ethi" typeface="Nyala"/>
+        <a:font script="Beng" typeface="Vrinda"/>
+        <a:font script="Gujr" typeface="Shruti"/>
+        <a:font script="Khmr" typeface="DaunPenh"/>
+        <a:font script="Knda" typeface="Tunga"/>
+        <a:font script="Guru" typeface="Raavi"/>
+        <a:font script="Cans" typeface="Euphemia"/>
+        <a:font script="Cher" typeface="Plantagenet Cherokee"/>
+        <a:font script="Yiii" typeface="Microsoft Yi Baiti"/>
+        <a:font script="Tibt" typeface="Microsoft Himalaya"/>
+        <a:font script="Thaa" typeface="MV Boli"/>
+        <a:font script="Deva" typeface="Mangal"/>
+        <a:font script="Telu" typeface="Gautami"/>
+        <a:font script="Taml" typeface="Latha"/>
+        <a:font script="Syrc" typeface="Estrangelo Edessa"/>
+        <a:font script="Orya" typeface="Kalinga"/>
+        <a:font script="Mlym" typeface="Kartika"/>
+        <a:font script="Laoo" typeface="DokChampa"/>
+        <a:font script="Sinh" typeface="Iskoola Pota"/>
+        <a:font script="Mong" typeface="Mongolian Baiti"/>
+        <a:font script="Viet" typeface="Arial"/>
+        <a:font script="Uigh" typeface="Microsoft Uighur"/>
+        <a:font script="Geor" typeface="Sylfaen"/>
+      </a:minorFont>
+    </a:fontScheme>
+    <a:fmtScheme name="Office">
+      <a:fillStyleLst>
+        <a:solidFill>
+          <a:schemeClr val="phClr"/>
+        </a:solidFill>
+        <a:gradFill rotWithShape="1">
+          <a:gsLst>
+            <a:gs pos="0">
+              <a:schemeClr val="phClr">
+                <a:lumMod val="110000"/>
+                <a:satMod val="105000"/>
+                <a:tint val="67000"/>
+              </a:schemeClr>
+            </a:gs>
+            <a:gs pos="50000">
+              <a:schemeClr val="phClr">
+                <a:lumMod val="105000"/>
+                <a:satMod val="103000"/>
+                <a:tint val="73000"/>
+              </a:schemeClr>
+            </a:gs>
+            <a:gs pos="100000">
+              <a:schemeClr val="phClr">
+                <a:lumMod val="105000"/>
+                <a:satMod val="109000"/>
+                <a:tint val="81000"/>
+              </a:schemeClr>
+            </a:gs>
+          </a:gsLst>
+          <a:lin ang="5400000" scaled="0"/>
+        </a:gradFill>
+        <a:gradFill rotWithShape="1">
+          <a:gsLst>
+            <a:gs pos="0">
+              <a:schemeClr val="phClr">
+                <a:satMod val="103000"/>
+                <a:lumMod val="102000"/>
+                <a:tint val="94000"/>
+              </a:schemeClr>
+            </a:gs>
+            <a:gs pos="50000">
+              <a:schemeClr val="phClr">
+                <a:satMod val="110000"/>
+                <a:lumMod val="100000"/>
+                <a:shade val="100000"/>
+              </a:schemeClr>
+            </a:gs>
+            <a:gs pos="100000">
+              <a:schemeClr val="phClr">
+                <a:lumMod val="99000"/>
+                <a:satMod val="120000"/>
+                <a:shade val="78000"/>
+              </a:schemeClr>
+            </a:gs>
+          </a:gsLst>
+          <a:lin ang="5400000" scaled="0"/>
+        </a:gradFill>
+      </a:fillStyleLst>
+      <a:lnStyleLst>
+        <a:ln w="6350" cap="flat" cmpd="sng" algn="ctr">
+          <a:solidFill>
+            <a:schemeClr val="phClr"/>
+          </a:solidFill>
+          <a:prstDash val="solid"/>
+          <a:miter lim="800000"/>
+        </a:ln>
+        <a:ln w="12700" cap="flat" cmpd="sng" algn="ctr">
+          <a:solidFill>
+            <a:schemeClr val="phClr"/>
+          </a:solidFill>
+          <a:prstDash val="solid"/>
+          <a:miter lim="800000"/>
+        </a:ln>
+        <a:ln w="19050" cap="flat" cmpd="sng" algn="ctr">
+          <a:solidFill>
+            <a:schemeClr val="phClr"/>
+          </a:solidFill>
+          <a:prstDash val="solid"/>
+          <a:miter lim="800000"/>
+        </a:ln>
+      </a:lnStyleLst>
+      <a:effectStyleLst>
+        <a:effectStyle>
+          <a:effectLst/>
+        </a:effectStyle>
+        <a:effectStyle>
+          <a:effectLst/>
+        </a:effectStyle>
+        <a:effectStyle>
+          <a:effectLst>
+            <a:outerShdw blurRad="57150" dist="19050" dir="5400000" algn="ctr" rotWithShape="0">
+              <a:srgbClr val="000000">
+                <a:alpha val="63000"/>
+              </a:srgbClr>
+            </a:outerShdw>
+          </a:effectLst>
+        </a:effectStyle>
+      </a:effectStyleLst>
+      <a:bgFillStyleLst>
+        <a:solidFill>
+          <a:schemeClr val="phClr"/>
+        </a:solidFill>
+        <a:solidFill>
+          <a:schemeClr val="phClr">
+            <a:tint val="95000"/>
+            <a:satMod val="170000"/>
+          </a:schemeClr>
+        </a:solidFill>
+        <a:gradFill rotWithShape="1">
+          <a:gsLst>
+            <a:gs pos="0">
+              <a:schemeClr val="phClr">
+                <a:tint val="93000"/>
+                <a:satMod val="150000"/>
+                <a:shade val="98000"/>
+                <a:lumMod val="102000"/>
+              </a:schemeClr>
+            </a:gs>
+            <a:gs pos="50000">
+              <a:schemeClr val="phClr">
+                <a:tint val="98000"/>
+                <a:satMod val="130000"/>
+                <a:shade val="90000"/>
+                <a:lumMod val="103000"/>
+              </a:schemeClr>
+            </a:gs>
+            <a:gs pos="100000">
+              <a:schemeClr val="phClr">
+                <a:shade val="63000"/>
+                <a:satMod val="120000"/>
+              </a:schemeClr>
+            </a:gs>
+          </a:gsLst>
+          <a:lin ang="5400000" scaled="0"/>
+        </a:gradFill>
+      </a:bgFillStyleLst>
+    </a:fmtScheme>
+  </a:themeElements>
+  <a:objectDefaults/>
+  <a:extraClrSchemeLst/>
+  <a:extLst>
+    <a:ext uri="{05A4C25C-085E-4340-85A3-A5531E510DB2}">
+      <thm15:themeFamily xmlns:thm15="http://schemas.microsoft.com/office/thememl/2012/main" name="Office Theme" id="{62F939B6-93AF-4DB8-9C6B-D6C7DFDC589F}" vid="{4A3C46E8-61CC-4603-A589-7422A47A8E4A}"/>
+    </a:ext>
+  </a:extLst>
+</a:theme>
 </file>
--- a/Big Data Project.pptx
+++ b/Big Data Project.pptx
@@ -1618,6 +1618,753 @@
 </dgm:colorsDef>
 </file>
 
+<file path=ppt/diagrams/colors3.xml><?xml version="1.0" encoding="utf-8"?>
+<dgm:colorsDef xmlns:dgm="http://schemas.openxmlformats.org/drawingml/2006/diagram" xmlns:a="http://schemas.openxmlformats.org/drawingml/2006/main" uniqueId="urn:microsoft.com/office/officeart/2005/8/colors/accent1_2">
+  <dgm:title val=""/>
+  <dgm:desc val=""/>
+  <dgm:catLst>
+    <dgm:cat type="accent1" pri="11200"/>
+  </dgm:catLst>
+  <dgm:styleLbl name="node0">
+    <dgm:fillClrLst meth="repeat">
+      <a:schemeClr val="accent1"/>
+    </dgm:fillClrLst>
+    <dgm:linClrLst meth="repeat">
+      <a:schemeClr val="lt1"/>
+    </dgm:linClrLst>
+    <dgm:effectClrLst/>
+    <dgm:txLinClrLst/>
+    <dgm:txFillClrLst/>
+    <dgm:txEffectClrLst/>
+  </dgm:styleLbl>
+  <dgm:styleLbl name="alignNode1">
+    <dgm:fillClrLst meth="repeat">
+      <a:schemeClr val="accent1"/>
+    </dgm:fillClrLst>
+    <dgm:linClrLst meth="repeat">
+      <a:schemeClr val="accent1"/>
+    </dgm:linClrLst>
+    <dgm:effectClrLst/>
+    <dgm:txLinClrLst/>
+    <dgm:txFillClrLst/>
+    <dgm:txEffectClrLst/>
+  </dgm:styleLbl>
+  <dgm:styleLbl name="node1">
+    <dgm:fillClrLst meth="repeat">
+      <a:schemeClr val="accent1"/>
+    </dgm:fillClrLst>
+    <dgm:linClrLst meth="repeat">
+      <a:schemeClr val="lt1"/>
+    </dgm:linClrLst>
+    <dgm:effectClrLst/>
+    <dgm:txLinClrLst/>
+    <dgm:txFillClrLst/>
+    <dgm:txEffectClrLst/>
+  </dgm:styleLbl>
+  <dgm:styleLbl name="lnNode1">
+    <dgm:fillClrLst meth="repeat">
+      <a:schemeClr val="accent1"/>
+    </dgm:fillClrLst>
+    <dgm:linClrLst meth="repeat">
+      <a:schemeClr val="lt1"/>
+    </dgm:linClrLst>
+    <dgm:effectClrLst/>
+    <dgm:txLinClrLst/>
+    <dgm:txFillClrLst/>
+    <dgm:txEffectClrLst/>
+  </dgm:styleLbl>
+  <dgm:styleLbl name="vennNode1">
+    <dgm:fillClrLst meth="repeat">
+      <a:schemeClr val="accent1">
+        <a:alpha val="50000"/>
+      </a:schemeClr>
+    </dgm:fillClrLst>
+    <dgm:linClrLst meth="repeat">
+      <a:schemeClr val="lt1"/>
+    </dgm:linClrLst>
+    <dgm:effectClrLst/>
+    <dgm:txLinClrLst/>
+    <dgm:txFillClrLst/>
+    <dgm:txEffectClrLst/>
+  </dgm:styleLbl>
+  <dgm:styleLbl name="node2">
+    <dgm:fillClrLst meth="repeat">
+      <a:schemeClr val="accent1"/>
+    </dgm:fillClrLst>
+    <dgm:linClrLst meth="repeat">
+      <a:schemeClr val="lt1"/>
+    </dgm:linClrLst>
+    <dgm:effectClrLst/>
+    <dgm:txLinClrLst/>
+    <dgm:txFillClrLst/>
+    <dgm:txEffectClrLst/>
+  </dgm:styleLbl>
+  <dgm:styleLbl name="node3">
+    <dgm:fillClrLst meth="repeat">
+      <a:schemeClr val="accent1"/>
+    </dgm:fillClrLst>
+    <dgm:linClrLst meth="repeat">
+      <a:schemeClr val="lt1"/>
+    </dgm:linClrLst>
+    <dgm:effectClrLst/>
+    <dgm:txLinClrLst/>
+    <dgm:txFillClrLst/>
+    <dgm:txEffectClrLst/>
+  </dgm:styleLbl>
+  <dgm:styleLbl name="node4">
+    <dgm:fillClrLst meth="repeat">
+      <a:schemeClr val="accent1"/>
+    </dgm:fillClrLst>
+    <dgm:linClrLst meth="repeat">
+      <a:schemeClr val="lt1"/>
+    </dgm:linClrLst>
+    <dgm:effectClrLst/>
+    <dgm:txLinClrLst/>
+    <dgm:txFillClrLst/>
+    <dgm:txEffectClrLst/>
+  </dgm:styleLbl>
+  <dgm:styleLbl name="fgImgPlace1">
+    <dgm:fillClrLst meth="repeat">
+      <a:schemeClr val="accent1">
+        <a:tint val="50000"/>
+      </a:schemeClr>
+    </dgm:fillClrLst>
+    <dgm:linClrLst meth="repeat">
+      <a:schemeClr val="lt1"/>
+    </dgm:linClrLst>
+    <dgm:effectClrLst/>
+    <dgm:txLinClrLst/>
+    <dgm:txFillClrLst meth="repeat">
+      <a:schemeClr val="lt1"/>
+    </dgm:txFillClrLst>
+    <dgm:txEffectClrLst/>
+  </dgm:styleLbl>
+  <dgm:styleLbl name="alignImgPlace1">
+    <dgm:fillClrLst meth="repeat">
+      <a:schemeClr val="accent1">
+        <a:tint val="50000"/>
+      </a:schemeClr>
+    </dgm:fillClrLst>
+    <dgm:linClrLst meth="repeat">
+      <a:schemeClr val="lt1"/>
+    </dgm:linClrLst>
+    <dgm:effectClrLst/>
+    <dgm:txLinClrLst/>
+    <dgm:txFillClrLst meth="repeat">
+      <a:schemeClr val="lt1"/>
+    </dgm:txFillClrLst>
+    <dgm:txEffectClrLst/>
+  </dgm:styleLbl>
+  <dgm:styleLbl name="bgImgPlace1">
+    <dgm:fillClrLst meth="repeat">
+      <a:schemeClr val="accent1">
+        <a:tint val="50000"/>
+      </a:schemeClr>
+    </dgm:fillClrLst>
+    <dgm:linClrLst meth="repeat">
+      <a:schemeClr val="lt1"/>
+    </dgm:linClrLst>
+    <dgm:effectClrLst/>
+    <dgm:txLinClrLst/>
+    <dgm:txFillClrLst meth="repeat">
+      <a:schemeClr val="lt1"/>
+    </dgm:txFillClrLst>
+    <dgm:txEffectClrLst/>
+  </dgm:styleLbl>
+  <dgm:styleLbl name="sibTrans2D1">
+    <dgm:fillClrLst meth="repeat">
+      <a:schemeClr val="accent1">
+        <a:tint val="60000"/>
+      </a:schemeClr>
+    </dgm:fillClrLst>
+    <dgm:linClrLst meth="repeat">
+      <a:schemeClr val="accent1">
+        <a:tint val="60000"/>
+      </a:schemeClr>
+    </dgm:linClrLst>
+    <dgm:effectClrLst/>
+    <dgm:txLinClrLst/>
+    <dgm:txFillClrLst/>
+    <dgm:txEffectClrLst/>
+  </dgm:styleLbl>
+  <dgm:styleLbl name="fgSibTrans2D1">
+    <dgm:fillClrLst meth="repeat">
+      <a:schemeClr val="accent1">
+        <a:tint val="60000"/>
+      </a:schemeClr>
+    </dgm:fillClrLst>
+    <dgm:linClrLst meth="repeat">
+      <a:schemeClr val="accent1">
+        <a:tint val="60000"/>
+      </a:schemeClr>
+    </dgm:linClrLst>
+    <dgm:effectClrLst/>
+    <dgm:txLinClrLst/>
+    <dgm:txFillClrLst/>
+    <dgm:txEffectClrLst/>
+  </dgm:styleLbl>
+  <dgm:styleLbl name="bgSibTrans2D1">
+    <dgm:fillClrLst meth="repeat">
+      <a:schemeClr val="accent1">
+        <a:tint val="60000"/>
+      </a:schemeClr>
+    </dgm:fillClrLst>
+    <dgm:linClrLst meth="repeat">
+      <a:schemeClr val="accent1">
+        <a:tint val="60000"/>
+      </a:schemeClr>
+    </dgm:linClrLst>
+    <dgm:effectClrLst/>
+    <dgm:txLinClrLst/>
+    <dgm:txFillClrLst/>
+    <dgm:txEffectClrLst/>
+  </dgm:styleLbl>
+  <dgm:styleLbl name="sibTrans1D1">
+    <dgm:fillClrLst meth="repeat">
+      <a:schemeClr val="accent1"/>
+    </dgm:fillClrLst>
+    <dgm:linClrLst meth="repeat">
+      <a:schemeClr val="accent1"/>
+    </dgm:linClrLst>
+    <dgm:effectClrLst/>
+    <dgm:txLinClrLst/>
+    <dgm:txFillClrLst meth="repeat">
+      <a:schemeClr val="tx1"/>
+    </dgm:txFillClrLst>
+    <dgm:txEffectClrLst/>
+  </dgm:styleLbl>
+  <dgm:styleLbl name="callout">
+    <dgm:fillClrLst meth="repeat">
+      <a:schemeClr val="accent1"/>
+    </dgm:fillClrLst>
+    <dgm:linClrLst meth="repeat">
+      <a:schemeClr val="accent1">
+        <a:tint val="50000"/>
+      </a:schemeClr>
+    </dgm:linClrLst>
+    <dgm:effectClrLst/>
+    <dgm:txLinClrLst/>
+    <dgm:txFillClrLst meth="repeat">
+      <a:schemeClr val="tx1"/>
+    </dgm:txFillClrLst>
+    <dgm:txEffectClrLst/>
+  </dgm:styleLbl>
+  <dgm:styleLbl name="asst0">
+    <dgm:fillClrLst meth="repeat">
+      <a:schemeClr val="accent1"/>
+    </dgm:fillClrLst>
+    <dgm:linClrLst meth="repeat">
+      <a:schemeClr val="lt1"/>
+    </dgm:linClrLst>
+    <dgm:effectClrLst/>
+    <dgm:txLinClrLst/>
+    <dgm:txFillClrLst/>
+    <dgm:txEffectClrLst/>
+  </dgm:styleLbl>
+  <dgm:styleLbl name="asst1">
+    <dgm:fillClrLst meth="repeat">
+      <a:schemeClr val="accent1"/>
+    </dgm:fillClrLst>
+    <dgm:linClrLst meth="repeat">
+      <a:schemeClr val="lt1"/>
+    </dgm:linClrLst>
+    <dgm:effectClrLst/>
+    <dgm:txLinClrLst/>
+    <dgm:txFillClrLst/>
+    <dgm:txEffectClrLst/>
+  </dgm:styleLbl>
+  <dgm:styleLbl name="asst2">
+    <dgm:fillClrLst meth="repeat">
+      <a:schemeClr val="accent1"/>
+    </dgm:fillClrLst>
+    <dgm:linClrLst meth="repeat">
+      <a:schemeClr val="lt1"/>
+    </dgm:linClrLst>
+    <dgm:effectClrLst/>
+    <dgm:txLinClrLst/>
+    <dgm:txFillClrLst/>
+    <dgm:txEffectClrLst/>
+  </dgm:styleLbl>
+  <dgm:styleLbl name="asst3">
+    <dgm:fillClrLst meth="repeat">
+      <a:schemeClr val="accent1"/>
+    </dgm:fillClrLst>
+    <dgm:linClrLst meth="repeat">
+      <a:schemeClr val="lt1"/>
+    </dgm:linClrLst>
+    <dgm:effectClrLst/>
+    <dgm:txLinClrLst/>
+    <dgm:txFillClrLst/>
+    <dgm:txEffectClrLst/>
+  </dgm:styleLbl>
+  <dgm:styleLbl name="asst4">
+    <dgm:fillClrLst meth="repeat">
+      <a:schemeClr val="accent1"/>
+    </dgm:fillClrLst>
+    <dgm:linClrLst meth="repeat">
+      <a:schemeClr val="lt1"/>
+    </dgm:linClrLst>
+    <dgm:effectClrLst/>
+    <dgm:txLinClrLst/>
+    <dgm:txFillClrLst/>
+    <dgm:txEffectClrLst/>
+  </dgm:styleLbl>
+  <dgm:styleLbl name="parChTrans2D1">
+    <dgm:fillClrLst meth="repeat">
+      <a:schemeClr val="accent1">
+        <a:tint val="60000"/>
+      </a:schemeClr>
+    </dgm:fillClrLst>
+    <dgm:linClrLst meth="repeat">
+      <a:schemeClr val="accent1">
+        <a:tint val="60000"/>
+      </a:schemeClr>
+    </dgm:linClrLst>
+    <dgm:effectClrLst/>
+    <dgm:txLinClrLst/>
+    <dgm:txFillClrLst meth="repeat">
+      <a:schemeClr val="lt1"/>
+    </dgm:txFillClrLst>
+    <dgm:txEffectClrLst/>
+  </dgm:styleLbl>
+  <dgm:styleLbl name="parChTrans2D2">
+    <dgm:fillClrLst meth="repeat">
+      <a:schemeClr val="accent1"/>
+    </dgm:fillClrLst>
+    <dgm:linClrLst meth="repeat">
+      <a:schemeClr val="accent1"/>
+    </dgm:linClrLst>
+    <dgm:effectClrLst/>
+    <dgm:txLinClrLst/>
+    <dgm:txFillClrLst meth="repeat">
+      <a:schemeClr val="lt1"/>
+    </dgm:txFillClrLst>
+    <dgm:txEffectClrLst/>
+  </dgm:styleLbl>
+  <dgm:styleLbl name="parChTrans2D3">
+    <dgm:fillClrLst meth="repeat">
+      <a:schemeClr val="accent1"/>
+    </dgm:fillClrLst>
+    <dgm:linClrLst meth="repeat">
+      <a:schemeClr val="accent1"/>
+    </dgm:linClrLst>
+    <dgm:effectClrLst/>
+    <dgm:txLinClrLst/>
+    <dgm:txFillClrLst meth="repeat">
+      <a:schemeClr val="lt1"/>
+    </dgm:txFillClrLst>
+    <dgm:txEffectClrLst/>
+  </dgm:styleLbl>
+  <dgm:styleLbl name="parChTrans2D4">
+    <dgm:fillClrLst meth="repeat">
+      <a:schemeClr val="accent1"/>
+    </dgm:fillClrLst>
+    <dgm:linClrLst meth="repeat">
+      <a:schemeClr val="accent1"/>
+    </dgm:linClrLst>
+    <dgm:effectClrLst/>
+    <dgm:txLinClrLst/>
+    <dgm:txFillClrLst meth="repeat">
+      <a:schemeClr val="lt1"/>
+    </dgm:txFillClrLst>
+    <dgm:txEffectClrLst/>
+  </dgm:styleLbl>
+  <dgm:styleLbl name="parChTrans1D1">
+    <dgm:fillClrLst meth="repeat">
+      <a:schemeClr val="accent1"/>
+    </dgm:fillClrLst>
+    <dgm:linClrLst meth="repeat">
+      <a:schemeClr val="accent1">
+        <a:shade val="60000"/>
+      </a:schemeClr>
+    </dgm:linClrLst>
+    <dgm:effectClrLst/>
+    <dgm:txLinClrLst/>
+    <dgm:txFillClrLst meth="repeat">
+      <a:schemeClr val="tx1"/>
+    </dgm:txFillClrLst>
+    <dgm:txEffectClrLst/>
+  </dgm:styleLbl>
+  <dgm:styleLbl name="parChTrans1D2">
+    <dgm:fillClrLst meth="repeat">
+      <a:schemeClr val="accent1"/>
+    </dgm:fillClrLst>
+    <dgm:linClrLst meth="repeat">
+      <a:schemeClr val="accent1">
+        <a:shade val="60000"/>
+      </a:schemeClr>
+    </dgm:linClrLst>
+    <dgm:effectClrLst/>
+    <dgm:txLinClrLst/>
+    <dgm:txFillClrLst meth="repeat">
+      <a:schemeClr val="tx1"/>
+    </dgm:txFillClrLst>
+    <dgm:txEffectClrLst/>
+  </dgm:styleLbl>
+  <dgm:styleLbl name="parChTrans1D3">
+    <dgm:fillClrLst meth="repeat">
+      <a:schemeClr val="accent1"/>
+    </dgm:fillClrLst>
+    <dgm:linClrLst meth="repeat">
+      <a:schemeClr val="accent1">
+        <a:shade val="80000"/>
+      </a:schemeClr>
+    </dgm:linClrLst>
+    <dgm:effectClrLst/>
+    <dgm:txLinClrLst/>
+    <dgm:txFillClrLst meth="repeat">
+      <a:schemeClr val="tx1"/>
+    </dgm:txFillClrLst>
+    <dgm:txEffectClrLst/>
+  </dgm:styleLbl>
+  <dgm:styleLbl name="parChTrans1D4">
+    <dgm:fillClrLst meth="repeat">
+      <a:schemeClr val="accent1"/>
+    </dgm:fillClrLst>
+    <dgm:linClrLst meth="repeat">
+      <a:schemeClr val="accent1">
+        <a:shade val="80000"/>
+      </a:schemeClr>
+    </dgm:linClrLst>
+    <dgm:effectClrLst/>
+    <dgm:txLinClrLst/>
+    <dgm:txFillClrLst meth="repeat">
+      <a:schemeClr val="tx1"/>
+    </dgm:txFillClrLst>
+    <dgm:txEffectClrLst/>
+  </dgm:styleLbl>
+  <dgm:styleLbl name="fgAcc1">
+    <dgm:fillClrLst meth="repeat">
+      <a:schemeClr val="lt1">
+        <a:alpha val="90000"/>
+      </a:schemeClr>
+    </dgm:fillClrLst>
+    <dgm:linClrLst meth="repeat">
+      <a:schemeClr val="accent1"/>
+    </dgm:linClrLst>
+    <dgm:effectClrLst/>
+    <dgm:txLinClrLst/>
+    <dgm:txFillClrLst meth="repeat">
+      <a:schemeClr val="dk1"/>
+    </dgm:txFillClrLst>
+    <dgm:txEffectClrLst/>
+  </dgm:styleLbl>
+  <dgm:styleLbl name="conFgAcc1">
+    <dgm:fillClrLst meth="repeat">
+      <a:schemeClr val="lt1">
+        <a:alpha val="90000"/>
+      </a:schemeClr>
+    </dgm:fillClrLst>
+    <dgm:linClrLst meth="repeat">
+      <a:schemeClr val="accent1"/>
+    </dgm:linClrLst>
+    <dgm:effectClrLst/>
+    <dgm:txLinClrLst/>
+    <dgm:txFillClrLst meth="repeat">
+      <a:schemeClr val="dk1"/>
+    </dgm:txFillClrLst>
+    <dgm:txEffectClrLst/>
+  </dgm:styleLbl>
+  <dgm:styleLbl name="alignAcc1">
+    <dgm:fillClrLst meth="repeat">
+      <a:schemeClr val="lt1">
+        <a:alpha val="90000"/>
+      </a:schemeClr>
+    </dgm:fillClrLst>
+    <dgm:linClrLst meth="repeat">
+      <a:schemeClr val="accent1"/>
+    </dgm:linClrLst>
+    <dgm:effectClrLst/>
+    <dgm:txLinClrLst/>
+    <dgm:txFillClrLst meth="repeat">
+      <a:schemeClr val="dk1"/>
+    </dgm:txFillClrLst>
+    <dgm:txEffectClrLst/>
+  </dgm:styleLbl>
+  <dgm:styleLbl name="trAlignAcc1">
+    <dgm:fillClrLst meth="repeat">
+      <a:schemeClr val="lt1">
+        <a:alpha val="40000"/>
+      </a:schemeClr>
+    </dgm:fillClrLst>
+    <dgm:linClrLst meth="repeat">
+      <a:schemeClr val="accent1"/>
+    </dgm:linClrLst>
+    <dgm:effectClrLst/>
+    <dgm:txLinClrLst/>
+    <dgm:txFillClrLst meth="repeat">
+      <a:schemeClr val="dk1"/>
+    </dgm:txFillClrLst>
+    <dgm:txEffectClrLst/>
+  </dgm:styleLbl>
+  <dgm:styleLbl name="bgAcc1">
+    <dgm:fillClrLst meth="repeat">
+      <a:schemeClr val="lt1">
+        <a:alpha val="90000"/>
+      </a:schemeClr>
+    </dgm:fillClrLst>
+    <dgm:linClrLst meth="repeat">
+      <a:schemeClr val="accent1"/>
+    </dgm:linClrLst>
+    <dgm:effectClrLst/>
+    <dgm:txLinClrLst/>
+    <dgm:txFillClrLst meth="repeat">
+      <a:schemeClr val="dk1"/>
+    </dgm:txFillClrLst>
+    <dgm:txEffectClrLst/>
+  </dgm:styleLbl>
+  <dgm:styleLbl name="solidFgAcc1">
+    <dgm:fillClrLst meth="repeat">
+      <a:schemeClr val="lt1"/>
+    </dgm:fillClrLst>
+    <dgm:linClrLst meth="repeat">
+      <a:schemeClr val="accent1"/>
+    </dgm:linClrLst>
+    <dgm:effectClrLst/>
+    <dgm:txLinClrLst/>
+    <dgm:txFillClrLst meth="repeat">
+      <a:schemeClr val="dk1"/>
+    </dgm:txFillClrLst>
+    <dgm:txEffectClrLst/>
+  </dgm:styleLbl>
+  <dgm:styleLbl name="solidAlignAcc1">
+    <dgm:fillClrLst meth="repeat">
+      <a:schemeClr val="lt1"/>
+    </dgm:fillClrLst>
+    <dgm:linClrLst meth="repeat">
+      <a:schemeClr val="accent1"/>
+    </dgm:linClrLst>
+    <dgm:effectClrLst/>
+    <dgm:txLinClrLst/>
+    <dgm:txFillClrLst meth="repeat">
+      <a:schemeClr val="dk1"/>
+    </dgm:txFillClrLst>
+    <dgm:txEffectClrLst/>
+  </dgm:styleLbl>
+  <dgm:styleLbl name="solidBgAcc1">
+    <dgm:fillClrLst meth="repeat">
+      <a:schemeClr val="lt1"/>
+    </dgm:fillClrLst>
+    <dgm:linClrLst meth="repeat">
+      <a:schemeClr val="accent1"/>
+    </dgm:linClrLst>
+    <dgm:effectClrLst/>
+    <dgm:txLinClrLst/>
+    <dgm:txFillClrLst meth="repeat">
+      <a:schemeClr val="dk1"/>
+    </dgm:txFillClrLst>
+    <dgm:txEffectClrLst/>
+  </dgm:styleLbl>
+  <dgm:styleLbl name="fgAccFollowNode1">
+    <dgm:fillClrLst meth="repeat">
+      <a:schemeClr val="accent1">
+        <a:alpha val="90000"/>
+        <a:tint val="40000"/>
+      </a:schemeClr>
+    </dgm:fillClrLst>
+    <dgm:linClrLst meth="repeat">
+      <a:schemeClr val="accent1">
+        <a:alpha val="90000"/>
+        <a:tint val="40000"/>
+      </a:schemeClr>
+    </dgm:linClrLst>
+    <dgm:effectClrLst/>
+    <dgm:txLinClrLst/>
+    <dgm:txFillClrLst meth="repeat">
+      <a:schemeClr val="dk1"/>
+    </dgm:txFillClrLst>
+    <dgm:txEffectClrLst/>
+  </dgm:styleLbl>
+  <dgm:styleLbl name="alignAccFollowNode1">
+    <dgm:fillClrLst meth="repeat">
+      <a:schemeClr val="accent1">
+        <a:alpha val="90000"/>
+        <a:tint val="40000"/>
+      </a:schemeClr>
+    </dgm:fillClrLst>
+    <dgm:linClrLst meth="repeat">
+      <a:schemeClr val="accent1">
+        <a:alpha val="90000"/>
+        <a:tint val="40000"/>
+      </a:schemeClr>
+    </dgm:linClrLst>
+    <dgm:effectClrLst/>
+    <dgm:txLinClrLst/>
+    <dgm:txFillClrLst meth="repeat">
+      <a:schemeClr val="dk1"/>
+    </dgm:txFillClrLst>
+    <dgm:txEffectClrLst/>
+  </dgm:styleLbl>
+  <dgm:styleLbl name="bgAccFollowNode1">
+    <dgm:fillClrLst meth="repeat">
+      <a:schemeClr val="accent1">
+        <a:alpha val="90000"/>
+        <a:tint val="40000"/>
+      </a:schemeClr>
+    </dgm:fillClrLst>
+    <dgm:linClrLst meth="repeat">
+      <a:schemeClr val="accent1">
+        <a:alpha val="90000"/>
+        <a:tint val="40000"/>
+      </a:schemeClr>
+    </dgm:linClrLst>
+    <dgm:effectClrLst/>
+    <dgm:txLinClrLst/>
+    <dgm:txFillClrLst meth="repeat">
+      <a:schemeClr val="dk1"/>
+    </dgm:txFillClrLst>
+    <dgm:txEffectClrLst/>
+  </dgm:styleLbl>
+  <dgm:styleLbl name="fgAcc0">
+    <dgm:fillClrLst meth="repeat">
+      <a:schemeClr val="lt1">
+        <a:alpha val="90000"/>
+      </a:schemeClr>
+    </dgm:fillClrLst>
+    <dgm:linClrLst meth="repeat">
+      <a:schemeClr val="accent1"/>
+    </dgm:linClrLst>
+    <dgm:effectClrLst/>
+    <dgm:txLinClrLst/>
+    <dgm:txFillClrLst meth="repeat">
+      <a:schemeClr val="dk1"/>
+    </dgm:txFillClrLst>
+    <dgm:txEffectClrLst/>
+  </dgm:styleLbl>
+  <dgm:styleLbl name="fgAcc2">
+    <dgm:fillClrLst meth="repeat">
+      <a:schemeClr val="lt1">
+        <a:alpha val="90000"/>
+      </a:schemeClr>
+    </dgm:fillClrLst>
+    <dgm:linClrLst meth="repeat">
+      <a:schemeClr val="accent1"/>
+    </dgm:linClrLst>
+    <dgm:effectClrLst/>
+    <dgm:txLinClrLst/>
+    <dgm:txFillClrLst meth="repeat">
+      <a:schemeClr val="dk1"/>
+    </dgm:txFillClrLst>
+    <dgm:txEffectClrLst/>
+  </dgm:styleLbl>
+  <dgm:styleLbl name="fgAcc3">
+    <dgm:fillClrLst meth="repeat">
+      <a:schemeClr val="lt1">
+        <a:alpha val="90000"/>
+      </a:schemeClr>
+    </dgm:fillClrLst>
+    <dgm:linClrLst meth="repeat">
+      <a:schemeClr val="accent1"/>
+    </dgm:linClrLst>
+    <dgm:effectClrLst/>
+    <dgm:txLinClrLst/>
+    <dgm:txFillClrLst meth="repeat">
+      <a:schemeClr val="dk1"/>
+    </dgm:txFillClrLst>
+    <dgm:txEffectClrLst/>
+  </dgm:styleLbl>
+  <dgm:styleLbl name="fgAcc4">
+    <dgm:fillClrLst meth="repeat">
+      <a:schemeClr val="lt1">
+        <a:alpha val="90000"/>
+      </a:schemeClr>
+    </dgm:fillClrLst>
+    <dgm:linClrLst meth="repeat">
+      <a:schemeClr val="accent1"/>
+    </dgm:linClrLst>
+    <dgm:effectClrLst/>
+    <dgm:txLinClrLst/>
+    <dgm:txFillClrLst meth="repeat">
+      <a:schemeClr val="dk1"/>
+    </dgm:txFillClrLst>
+    <dgm:txEffectClrLst/>
+  </dgm:styleLbl>
+  <dgm:styleLbl name="bgShp">
+    <dgm:fillClrLst meth="repeat">
+      <a:schemeClr val="accent1">
+        <a:tint val="40000"/>
+      </a:schemeClr>
+    </dgm:fillClrLst>
+    <dgm:linClrLst meth="repeat">
+      <a:schemeClr val="accent1"/>
+    </dgm:linClrLst>
+    <dgm:effectClrLst/>
+    <dgm:txLinClrLst/>
+    <dgm:txFillClrLst meth="repeat">
+      <a:schemeClr val="dk1"/>
+    </dgm:txFillClrLst>
+    <dgm:txEffectClrLst/>
+  </dgm:styleLbl>
+  <dgm:styleLbl name="dkBgShp">
+    <dgm:fillClrLst meth="repeat">
+      <a:schemeClr val="accent1">
+        <a:shade val="80000"/>
+      </a:schemeClr>
+    </dgm:fillClrLst>
+    <dgm:linClrLst meth="repeat">
+      <a:schemeClr val="accent1"/>
+    </dgm:linClrLst>
+    <dgm:effectClrLst/>
+    <dgm:txLinClrLst/>
+    <dgm:txFillClrLst meth="repeat">
+      <a:schemeClr val="lt1"/>
+    </dgm:txFillClrLst>
+    <dgm:txEffectClrLst/>
+  </dgm:styleLbl>
+  <dgm:styleLbl name="trBgShp">
+    <dgm:fillClrLst meth="repeat">
+      <a:schemeClr val="accent1">
+        <a:tint val="50000"/>
+        <a:alpha val="40000"/>
+      </a:schemeClr>
+    </dgm:fillClrLst>
+    <dgm:linClrLst meth="repeat">
+      <a:schemeClr val="accent1"/>
+    </dgm:linClrLst>
+    <dgm:effectClrLst/>
+    <dgm:txLinClrLst/>
+    <dgm:txFillClrLst meth="repeat">
+      <a:schemeClr val="lt1"/>
+    </dgm:txFillClrLst>
+    <dgm:txEffectClrLst/>
+  </dgm:styleLbl>
+  <dgm:styleLbl name="fgShp">
+    <dgm:fillClrLst meth="repeat">
+      <a:schemeClr val="accent1">
+        <a:tint val="60000"/>
+      </a:schemeClr>
+    </dgm:fillClrLst>
+    <dgm:linClrLst meth="repeat">
+      <a:schemeClr val="lt1"/>
+    </dgm:linClrLst>
+    <dgm:effectClrLst/>
+    <dgm:txLinClrLst/>
+    <dgm:txFillClrLst meth="repeat">
+      <a:schemeClr val="dk1"/>
+    </dgm:txFillClrLst>
+    <dgm:txEffectClrLst/>
+  </dgm:styleLbl>
+  <dgm:styleLbl name="revTx">
+    <dgm:fillClrLst meth="repeat">
+      <a:schemeClr val="lt1">
+        <a:alpha val="0"/>
+      </a:schemeClr>
+    </dgm:fillClrLst>
+    <dgm:linClrLst meth="repeat">
+      <a:schemeClr val="dk1">
+        <a:alpha val="0"/>
+      </a:schemeClr>
+    </dgm:linClrLst>
+    <dgm:effectClrLst/>
+    <dgm:txLinClrLst/>
+    <dgm:txFillClrLst meth="repeat">
+      <a:schemeClr val="tx1"/>
+    </dgm:txFillClrLst>
+    <dgm:txEffectClrLst/>
+  </dgm:styleLbl>
+</dgm:colorsDef>
+</file>
+
 <file path=ppt/diagrams/data1.xml><?xml version="1.0" encoding="utf-8"?>
 <dgm:dataModel xmlns:dgm="http://schemas.openxmlformats.org/drawingml/2006/diagram" xmlns:a="http://schemas.openxmlformats.org/drawingml/2006/main">
   <dgm:ptLst>
@@ -1704,13 +2451,6 @@
         </dgm:presLayoutVars>
       </dgm:prSet>
       <dgm:spPr/>
-      <dgm:t>
-        <a:bodyPr/>
-        <a:lstStyle/>
-        <a:p>
-          <a:endParaRPr lang="en-US"/>
-        </a:p>
-      </dgm:t>
     </dgm:pt>
     <dgm:pt modelId="{8952AFAF-761E-422A-883C-575FA4AA0F04}" type="pres">
       <dgm:prSet presAssocID="{DE81D696-55D7-4F04-A338-D15E16CC942E}" presName="spVertical2" presStyleCnt="0"/>
@@ -1845,13 +2585,6 @@
         </dgm:presLayoutVars>
       </dgm:prSet>
       <dgm:spPr/>
-      <dgm:t>
-        <a:bodyPr/>
-        <a:lstStyle/>
-        <a:p>
-          <a:endParaRPr lang="en-US"/>
-        </a:p>
-      </dgm:t>
     </dgm:pt>
     <dgm:pt modelId="{8952AFAF-761E-422A-883C-575FA4AA0F04}" type="pres">
       <dgm:prSet presAssocID="{DE81D696-55D7-4F04-A338-D15E16CC942E}" presName="spVertical2" presStyleCnt="0"/>
@@ -1895,6 +2628,137 @@
   <dgm:extLst>
     <a:ext uri="http://schemas.microsoft.com/office/drawing/2008/diagram">
       <dsp:dataModelExt xmlns:dsp="http://schemas.microsoft.com/office/drawing/2008/diagram" relId="rId12" minVer="http://schemas.openxmlformats.org/drawingml/2006/diagram"/>
+    </a:ext>
+  </dgm:extLst>
+</dgm:dataModel>
+</file>
+
+<file path=ppt/diagrams/data3.xml><?xml version="1.0" encoding="utf-8"?>
+<dgm:dataModel xmlns:dgm="http://schemas.openxmlformats.org/drawingml/2006/diagram" xmlns:a="http://schemas.openxmlformats.org/drawingml/2006/main">
+  <dgm:ptLst>
+    <dgm:pt modelId="{E2063D3D-5447-473A-8D5C-66246D7AC317}" type="doc">
+      <dgm:prSet loTypeId="urn:microsoft.com/office/officeart/2005/8/layout/arrow5" loCatId="relationship" qsTypeId="urn:microsoft.com/office/officeart/2005/8/quickstyle/simple1" qsCatId="simple" csTypeId="urn:microsoft.com/office/officeart/2005/8/colors/accent1_2" csCatId="accent1" phldr="1"/>
+      <dgm:spPr/>
+      <dgm:t>
+        <a:bodyPr/>
+        <a:lstStyle/>
+        <a:p>
+          <a:endParaRPr lang="en-US"/>
+        </a:p>
+      </dgm:t>
+    </dgm:pt>
+    <dgm:pt modelId="{F42F66D6-4C25-40D8-8C8D-99D783020CB7}">
+      <dgm:prSet phldrT="[Text]"/>
+      <dgm:spPr/>
+      <dgm:t>
+        <a:bodyPr/>
+        <a:lstStyle/>
+        <a:p>
+          <a:r>
+            <a:rPr lang="en-US" dirty="0"/>
+            <a:t>Event 1</a:t>
+          </a:r>
+        </a:p>
+      </dgm:t>
+    </dgm:pt>
+    <dgm:pt modelId="{A62E12C4-D51A-4A28-B772-2088285C863B}" type="parTrans" cxnId="{EE49A847-134B-4075-AE44-53D8CDD52D00}">
+      <dgm:prSet/>
+      <dgm:spPr/>
+      <dgm:t>
+        <a:bodyPr/>
+        <a:lstStyle/>
+        <a:p>
+          <a:endParaRPr lang="en-US"/>
+        </a:p>
+      </dgm:t>
+    </dgm:pt>
+    <dgm:pt modelId="{018EB7AA-7D2D-4440-A2DA-5C2BDC48BFE4}" type="sibTrans" cxnId="{EE49A847-134B-4075-AE44-53D8CDD52D00}">
+      <dgm:prSet/>
+      <dgm:spPr/>
+      <dgm:t>
+        <a:bodyPr/>
+        <a:lstStyle/>
+        <a:p>
+          <a:endParaRPr lang="en-US"/>
+        </a:p>
+      </dgm:t>
+    </dgm:pt>
+    <dgm:pt modelId="{A0ACF810-A02D-4B18-80F9-AAAA50A45B1B}">
+      <dgm:prSet phldrT="[Text]"/>
+      <dgm:spPr/>
+      <dgm:t>
+        <a:bodyPr/>
+        <a:lstStyle/>
+        <a:p>
+          <a:r>
+            <a:rPr lang="en-US" dirty="0"/>
+            <a:t>Event 2</a:t>
+          </a:r>
+        </a:p>
+      </dgm:t>
+    </dgm:pt>
+    <dgm:pt modelId="{F2AD9833-6636-4BA3-8831-0C485AE35442}" type="parTrans" cxnId="{991B21B4-0F65-474B-9B76-160DD4B2C119}">
+      <dgm:prSet/>
+      <dgm:spPr/>
+      <dgm:t>
+        <a:bodyPr/>
+        <a:lstStyle/>
+        <a:p>
+          <a:endParaRPr lang="en-US"/>
+        </a:p>
+      </dgm:t>
+    </dgm:pt>
+    <dgm:pt modelId="{8AB44169-902F-413D-9F86-9A9C0A22EAB2}" type="sibTrans" cxnId="{991B21B4-0F65-474B-9B76-160DD4B2C119}">
+      <dgm:prSet/>
+      <dgm:spPr/>
+      <dgm:t>
+        <a:bodyPr/>
+        <a:lstStyle/>
+        <a:p>
+          <a:endParaRPr lang="en-US"/>
+        </a:p>
+      </dgm:t>
+    </dgm:pt>
+    <dgm:pt modelId="{879827B7-2B74-4C5A-AF23-F3FC224019F9}" type="pres">
+      <dgm:prSet presAssocID="{E2063D3D-5447-473A-8D5C-66246D7AC317}" presName="diagram" presStyleCnt="0">
+        <dgm:presLayoutVars>
+          <dgm:dir/>
+          <dgm:resizeHandles val="exact"/>
+        </dgm:presLayoutVars>
+      </dgm:prSet>
+      <dgm:spPr/>
+    </dgm:pt>
+    <dgm:pt modelId="{DEEBCC28-4DC4-4A71-A33E-5C916312996A}" type="pres">
+      <dgm:prSet presAssocID="{F42F66D6-4C25-40D8-8C8D-99D783020CB7}" presName="arrow" presStyleLbl="node1" presStyleIdx="0" presStyleCnt="2" custScaleY="100230" custRadScaleRad="100058" custRadScaleInc="-6">
+        <dgm:presLayoutVars>
+          <dgm:bulletEnabled val="1"/>
+        </dgm:presLayoutVars>
+      </dgm:prSet>
+      <dgm:spPr/>
+    </dgm:pt>
+    <dgm:pt modelId="{97425F11-2919-48ED-BF33-35E5F174071E}" type="pres">
+      <dgm:prSet presAssocID="{A0ACF810-A02D-4B18-80F9-AAAA50A45B1B}" presName="arrow" presStyleLbl="node1" presStyleIdx="1" presStyleCnt="2" custScaleY="100230" custRadScaleRad="100108" custRadScaleInc="6">
+        <dgm:presLayoutVars>
+          <dgm:bulletEnabled val="1"/>
+        </dgm:presLayoutVars>
+      </dgm:prSet>
+      <dgm:spPr/>
+    </dgm:pt>
+  </dgm:ptLst>
+  <dgm:cxnLst>
+    <dgm:cxn modelId="{EE49A847-134B-4075-AE44-53D8CDD52D00}" srcId="{E2063D3D-5447-473A-8D5C-66246D7AC317}" destId="{F42F66D6-4C25-40D8-8C8D-99D783020CB7}" srcOrd="0" destOrd="0" parTransId="{A62E12C4-D51A-4A28-B772-2088285C863B}" sibTransId="{018EB7AA-7D2D-4440-A2DA-5C2BDC48BFE4}"/>
+    <dgm:cxn modelId="{991B21B4-0F65-474B-9B76-160DD4B2C119}" srcId="{E2063D3D-5447-473A-8D5C-66246D7AC317}" destId="{A0ACF810-A02D-4B18-80F9-AAAA50A45B1B}" srcOrd="1" destOrd="0" parTransId="{F2AD9833-6636-4BA3-8831-0C485AE35442}" sibTransId="{8AB44169-902F-413D-9F86-9A9C0A22EAB2}"/>
+    <dgm:cxn modelId="{415B6CBF-3B02-4339-8866-17DC7150ED82}" type="presOf" srcId="{F42F66D6-4C25-40D8-8C8D-99D783020CB7}" destId="{DEEBCC28-4DC4-4A71-A33E-5C916312996A}" srcOrd="0" destOrd="0" presId="urn:microsoft.com/office/officeart/2005/8/layout/arrow5"/>
+    <dgm:cxn modelId="{93DB0722-FA9A-416A-958F-DEC42C09A549}" type="presOf" srcId="{A0ACF810-A02D-4B18-80F9-AAAA50A45B1B}" destId="{97425F11-2919-48ED-BF33-35E5F174071E}" srcOrd="0" destOrd="0" presId="urn:microsoft.com/office/officeart/2005/8/layout/arrow5"/>
+    <dgm:cxn modelId="{EC9A39C6-21FF-4B2F-BA3E-B6B518DB9370}" type="presOf" srcId="{E2063D3D-5447-473A-8D5C-66246D7AC317}" destId="{879827B7-2B74-4C5A-AF23-F3FC224019F9}" srcOrd="0" destOrd="0" presId="urn:microsoft.com/office/officeart/2005/8/layout/arrow5"/>
+    <dgm:cxn modelId="{09B80067-69AF-48AD-813B-16AEF920A4AE}" type="presParOf" srcId="{879827B7-2B74-4C5A-AF23-F3FC224019F9}" destId="{DEEBCC28-4DC4-4A71-A33E-5C916312996A}" srcOrd="0" destOrd="0" presId="urn:microsoft.com/office/officeart/2005/8/layout/arrow5"/>
+    <dgm:cxn modelId="{50131155-4951-475D-B5ED-D8D899C451A4}" type="presParOf" srcId="{879827B7-2B74-4C5A-AF23-F3FC224019F9}" destId="{97425F11-2919-48ED-BF33-35E5F174071E}" srcOrd="1" destOrd="0" presId="urn:microsoft.com/office/officeart/2005/8/layout/arrow5"/>
+  </dgm:cxnLst>
+  <dgm:bg/>
+  <dgm:whole/>
+  <dgm:extLst>
+    <a:ext uri="http://schemas.microsoft.com/office/drawing/2008/diagram">
+      <dsp:dataModelExt xmlns:dsp="http://schemas.microsoft.com/office/drawing/2008/diagram" relId="rId6" minVer="http://schemas.openxmlformats.org/drawingml/2006/diagram"/>
     </a:ext>
   </dgm:extLst>
 </dgm:dataModel>
@@ -1995,7 +2859,7 @@
         </a:bodyPr>
         <a:lstStyle/>
         <a:p>
-          <a:pPr lvl="0" algn="ctr" defTabSz="1244600">
+          <a:pPr marL="0" lvl="0" indent="0" algn="ctr" defTabSz="1244600">
             <a:lnSpc>
               <a:spcPct val="90000"/>
             </a:lnSpc>
@@ -2005,6 +2869,7 @@
             <a:spcAft>
               <a:spcPct val="35000"/>
             </a:spcAft>
+            <a:buNone/>
           </a:pPr>
           <a:r>
             <a:rPr lang="en-US" sz="2800" kern="1200" dirty="0">
@@ -2120,7 +2985,7 @@
         </a:bodyPr>
         <a:lstStyle/>
         <a:p>
-          <a:pPr lvl="0" algn="ctr" defTabSz="1066800">
+          <a:pPr marL="0" lvl="0" indent="0" algn="ctr" defTabSz="1066800">
             <a:lnSpc>
               <a:spcPct val="90000"/>
             </a:lnSpc>
@@ -2130,6 +2995,7 @@
             <a:spcAft>
               <a:spcPct val="35000"/>
             </a:spcAft>
+            <a:buNone/>
           </a:pPr>
           <a:r>
             <a:rPr lang="en-US" sz="2400" kern="1200" dirty="0">
@@ -2144,6 +3010,180 @@
       <dsp:txXfrm>
         <a:off x="0" y="510948"/>
         <a:ext cx="2251389" cy="999536"/>
+      </dsp:txXfrm>
+    </dsp:sp>
+  </dsp:spTree>
+</dsp:drawing>
+</file>
+
+<file path=ppt/diagrams/drawing3.xml><?xml version="1.0" encoding="utf-8"?>
+<dsp:drawing xmlns:dgm="http://schemas.openxmlformats.org/drawingml/2006/diagram" xmlns:dsp="http://schemas.microsoft.com/office/drawing/2008/diagram" xmlns:a="http://schemas.openxmlformats.org/drawingml/2006/main">
+  <dsp:spTree>
+    <dsp:nvGrpSpPr>
+      <dsp:cNvPr id="0" name=""/>
+      <dsp:cNvGrpSpPr/>
+    </dsp:nvGrpSpPr>
+    <dsp:grpSpPr/>
+    <dsp:sp modelId="{DEEBCC28-4DC4-4A71-A33E-5C916312996A}">
+      <dsp:nvSpPr>
+        <dsp:cNvPr id="0" name=""/>
+        <dsp:cNvSpPr/>
+      </dsp:nvSpPr>
+      <dsp:spPr>
+        <a:xfrm rot="16200000">
+          <a:off x="1413" y="1101"/>
+          <a:ext cx="1229384" cy="1232211"/>
+        </a:xfrm>
+        <a:prstGeom prst="downArrow">
+          <a:avLst>
+            <a:gd name="adj1" fmla="val 50000"/>
+            <a:gd name="adj2" fmla="val 35000"/>
+          </a:avLst>
+        </a:prstGeom>
+        <a:solidFill>
+          <a:schemeClr val="accent1">
+            <a:hueOff val="0"/>
+            <a:satOff val="0"/>
+            <a:lumOff val="0"/>
+            <a:alphaOff val="0"/>
+          </a:schemeClr>
+        </a:solidFill>
+        <a:ln w="12700" cap="flat" cmpd="sng" algn="ctr">
+          <a:solidFill>
+            <a:schemeClr val="lt1">
+              <a:hueOff val="0"/>
+              <a:satOff val="0"/>
+              <a:lumOff val="0"/>
+              <a:alphaOff val="0"/>
+            </a:schemeClr>
+          </a:solidFill>
+          <a:prstDash val="solid"/>
+          <a:miter lim="800000"/>
+        </a:ln>
+        <a:effectLst/>
+      </dsp:spPr>
+      <dsp:style>
+        <a:lnRef idx="2">
+          <a:scrgbClr r="0" g="0" b="0"/>
+        </a:lnRef>
+        <a:fillRef idx="1">
+          <a:scrgbClr r="0" g="0" b="0"/>
+        </a:fillRef>
+        <a:effectRef idx="0">
+          <a:scrgbClr r="0" g="0" b="0"/>
+        </a:effectRef>
+        <a:fontRef idx="minor">
+          <a:schemeClr val="lt1"/>
+        </a:fontRef>
+      </dsp:style>
+      <dsp:txBody>
+        <a:bodyPr spcFirstLastPara="0" vert="horz" wrap="square" lIns="135128" tIns="135128" rIns="135128" bIns="135128" numCol="1" spcCol="1270" anchor="ctr" anchorCtr="0">
+          <a:noAutofit/>
+        </a:bodyPr>
+        <a:lstStyle/>
+        <a:p>
+          <a:pPr marL="0" lvl="0" indent="0" algn="ctr" defTabSz="844550">
+            <a:lnSpc>
+              <a:spcPct val="90000"/>
+            </a:lnSpc>
+            <a:spcBef>
+              <a:spcPct val="0"/>
+            </a:spcBef>
+            <a:spcAft>
+              <a:spcPct val="35000"/>
+            </a:spcAft>
+            <a:buNone/>
+          </a:pPr>
+          <a:r>
+            <a:rPr lang="en-US" sz="1900" kern="1200" dirty="0"/>
+            <a:t>Event 1</a:t>
+          </a:r>
+        </a:p>
+      </dsp:txBody>
+      <dsp:txXfrm rot="5400000">
+        <a:off x="0" y="309860"/>
+        <a:ext cx="1017069" cy="614692"/>
+      </dsp:txXfrm>
+    </dsp:sp>
+    <dsp:sp modelId="{97425F11-2919-48ED-BF33-35E5F174071E}">
+      <dsp:nvSpPr>
+        <dsp:cNvPr id="0" name=""/>
+        <dsp:cNvSpPr/>
+      </dsp:nvSpPr>
+      <dsp:spPr>
+        <a:xfrm rot="5400000">
+          <a:off x="5510243" y="1101"/>
+          <a:ext cx="1229384" cy="1232211"/>
+        </a:xfrm>
+        <a:prstGeom prst="downArrow">
+          <a:avLst>
+            <a:gd name="adj1" fmla="val 50000"/>
+            <a:gd name="adj2" fmla="val 35000"/>
+          </a:avLst>
+        </a:prstGeom>
+        <a:solidFill>
+          <a:schemeClr val="accent1">
+            <a:hueOff val="0"/>
+            <a:satOff val="0"/>
+            <a:lumOff val="0"/>
+            <a:alphaOff val="0"/>
+          </a:schemeClr>
+        </a:solidFill>
+        <a:ln w="12700" cap="flat" cmpd="sng" algn="ctr">
+          <a:solidFill>
+            <a:schemeClr val="lt1">
+              <a:hueOff val="0"/>
+              <a:satOff val="0"/>
+              <a:lumOff val="0"/>
+              <a:alphaOff val="0"/>
+            </a:schemeClr>
+          </a:solidFill>
+          <a:prstDash val="solid"/>
+          <a:miter lim="800000"/>
+        </a:ln>
+        <a:effectLst/>
+      </dsp:spPr>
+      <dsp:style>
+        <a:lnRef idx="2">
+          <a:scrgbClr r="0" g="0" b="0"/>
+        </a:lnRef>
+        <a:fillRef idx="1">
+          <a:scrgbClr r="0" g="0" b="0"/>
+        </a:fillRef>
+        <a:effectRef idx="0">
+          <a:scrgbClr r="0" g="0" b="0"/>
+        </a:effectRef>
+        <a:fontRef idx="minor">
+          <a:schemeClr val="lt1"/>
+        </a:fontRef>
+      </dsp:style>
+      <dsp:txBody>
+        <a:bodyPr spcFirstLastPara="0" vert="horz" wrap="square" lIns="135128" tIns="135128" rIns="135128" bIns="135128" numCol="1" spcCol="1270" anchor="ctr" anchorCtr="0">
+          <a:noAutofit/>
+        </a:bodyPr>
+        <a:lstStyle/>
+        <a:p>
+          <a:pPr marL="0" lvl="0" indent="0" algn="ctr" defTabSz="844550">
+            <a:lnSpc>
+              <a:spcPct val="90000"/>
+            </a:lnSpc>
+            <a:spcBef>
+              <a:spcPct val="0"/>
+            </a:spcBef>
+            <a:spcAft>
+              <a:spcPct val="35000"/>
+            </a:spcAft>
+            <a:buNone/>
+          </a:pPr>
+          <a:r>
+            <a:rPr lang="en-US" sz="1900" kern="1200" dirty="0"/>
+            <a:t>Event 2</a:t>
+          </a:r>
+        </a:p>
+      </dsp:txBody>
+      <dsp:txXfrm rot="-5400000">
+        <a:off x="5723972" y="309860"/>
+        <a:ext cx="1017069" cy="614692"/>
       </dsp:txXfrm>
     </dsp:sp>
   </dsp:spTree>
@@ -2780,6 +3820,198 @@
 </dgm:layoutDef>
 </file>
 
+<file path=ppt/diagrams/layout3.xml><?xml version="1.0" encoding="utf-8"?>
+<dgm:layoutDef xmlns:dgm="http://schemas.openxmlformats.org/drawingml/2006/diagram" xmlns:a="http://schemas.openxmlformats.org/drawingml/2006/main" uniqueId="urn:microsoft.com/office/officeart/2005/8/layout/arrow5">
+  <dgm:title val=""/>
+  <dgm:desc val=""/>
+  <dgm:catLst>
+    <dgm:cat type="relationship" pri="6000"/>
+    <dgm:cat type="process" pri="31000"/>
+  </dgm:catLst>
+  <dgm:sampData>
+    <dgm:dataModel>
+      <dgm:ptLst>
+        <dgm:pt modelId="0" type="doc"/>
+        <dgm:pt modelId="1">
+          <dgm:prSet phldr="1"/>
+        </dgm:pt>
+        <dgm:pt modelId="2">
+          <dgm:prSet phldr="1"/>
+        </dgm:pt>
+      </dgm:ptLst>
+      <dgm:cxnLst>
+        <dgm:cxn modelId="4" srcId="0" destId="1" srcOrd="0" destOrd="0"/>
+        <dgm:cxn modelId="5" srcId="0" destId="2" srcOrd="1" destOrd="0"/>
+      </dgm:cxnLst>
+      <dgm:bg/>
+      <dgm:whole/>
+    </dgm:dataModel>
+  </dgm:sampData>
+  <dgm:styleData>
+    <dgm:dataModel>
+      <dgm:ptLst>
+        <dgm:pt modelId="0" type="doc"/>
+        <dgm:pt modelId="1"/>
+        <dgm:pt modelId="2"/>
+      </dgm:ptLst>
+      <dgm:cxnLst>
+        <dgm:cxn modelId="3" srcId="0" destId="1" srcOrd="0" destOrd="0"/>
+        <dgm:cxn modelId="4" srcId="0" destId="2" srcOrd="1" destOrd="0"/>
+      </dgm:cxnLst>
+      <dgm:bg/>
+      <dgm:whole/>
+    </dgm:dataModel>
+  </dgm:styleData>
+  <dgm:clrData>
+    <dgm:dataModel>
+      <dgm:ptLst>
+        <dgm:pt modelId="0" type="doc"/>
+        <dgm:pt modelId="1"/>
+        <dgm:pt modelId="2"/>
+        <dgm:pt modelId="3"/>
+        <dgm:pt modelId="4"/>
+      </dgm:ptLst>
+      <dgm:cxnLst>
+        <dgm:cxn modelId="5" srcId="0" destId="1" srcOrd="0" destOrd="0"/>
+        <dgm:cxn modelId="6" srcId="0" destId="2" srcOrd="1" destOrd="0"/>
+        <dgm:cxn modelId="7" srcId="0" destId="3" srcOrd="2" destOrd="0"/>
+        <dgm:cxn modelId="8" srcId="0" destId="4" srcOrd="3" destOrd="0"/>
+      </dgm:cxnLst>
+      <dgm:bg/>
+      <dgm:whole/>
+    </dgm:dataModel>
+  </dgm:clrData>
+  <dgm:layoutNode name="diagram">
+    <dgm:varLst>
+      <dgm:dir/>
+      <dgm:resizeHandles val="exact"/>
+    </dgm:varLst>
+    <dgm:choose name="Name0">
+      <dgm:if name="Name1" axis="ch" ptType="node" func="cnt" op="equ" val="2">
+        <dgm:choose name="Name2">
+          <dgm:if name="Name3" func="var" arg="dir" op="equ" val="norm">
+            <dgm:alg type="cycle">
+              <dgm:param type="rotPath" val="alongPath"/>
+              <dgm:param type="stAng" val="270"/>
+            </dgm:alg>
+          </dgm:if>
+          <dgm:else name="Name4">
+            <dgm:alg type="cycle">
+              <dgm:param type="rotPath" val="alongPath"/>
+              <dgm:param type="stAng" val="90"/>
+              <dgm:param type="spanAng" val="-360"/>
+            </dgm:alg>
+          </dgm:else>
+        </dgm:choose>
+      </dgm:if>
+      <dgm:else name="Name5">
+        <dgm:choose name="Name6">
+          <dgm:if name="Name7" func="var" arg="dir" op="equ" val="norm">
+            <dgm:alg type="cycle">
+              <dgm:param type="rotPath" val="alongPath"/>
+            </dgm:alg>
+          </dgm:if>
+          <dgm:else name="Name8">
+            <dgm:alg type="cycle">
+              <dgm:param type="rotPath" val="alongPath"/>
+              <dgm:param type="spanAng" val="-360"/>
+            </dgm:alg>
+          </dgm:else>
+        </dgm:choose>
+      </dgm:else>
+    </dgm:choose>
+    <dgm:shape xmlns:r="http://schemas.openxmlformats.org/officeDocument/2006/relationships" r:blip="">
+      <dgm:adjLst/>
+    </dgm:shape>
+    <dgm:presOf/>
+    <dgm:choose name="Name9">
+      <dgm:if name="Name10" axis="ch" ptType="node" func="cnt" op="lte" val="2">
+        <dgm:constrLst>
+          <dgm:constr type="primFontSz" for="ch" ptType="node" op="equ" val="65"/>
+          <dgm:constr type="w" for="ch" ptType="node" refType="w"/>
+          <dgm:constr type="h" for="ch" ptType="node" refType="w" refFor="ch" refPtType="node" op="equ"/>
+          <dgm:constr type="sibSp" refType="w" refFor="ch" refPtType="node" fact="0.1"/>
+          <dgm:constr type="sibSp" refType="h" op="lte" fact="0.1"/>
+          <dgm:constr type="diam" refType="w" refFor="ch" refPtType="node" op="equ" fact="1.1"/>
+        </dgm:constrLst>
+      </dgm:if>
+      <dgm:if name="Name11" axis="ch" ptType="node" func="cnt" op="equ" val="5">
+        <dgm:constrLst>
+          <dgm:constr type="primFontSz" for="ch" ptType="node" op="equ" val="65"/>
+          <dgm:constr type="w" for="ch" ptType="node" refType="w"/>
+          <dgm:constr type="h" for="ch" ptType="node" refType="w" refFor="ch" refPtType="node" op="equ"/>
+          <dgm:constr type="sibSp" refType="w" refFor="ch" refPtType="node" fact="-0.2"/>
+          <dgm:constr type="sibSp" refType="h" op="lte" fact="0.1"/>
+        </dgm:constrLst>
+      </dgm:if>
+      <dgm:if name="Name12" axis="ch" ptType="node" func="cnt" op="equ" val="6">
+        <dgm:constrLst>
+          <dgm:constr type="primFontSz" for="ch" ptType="node" op="equ" val="65"/>
+          <dgm:constr type="w" for="ch" ptType="node" refType="w"/>
+          <dgm:constr type="h" for="ch" ptType="node" refType="w" refFor="ch" refPtType="node" op="equ"/>
+          <dgm:constr type="sibSp" refType="w" refFor="ch" refPtType="node" fact="-0.1"/>
+          <dgm:constr type="sibSp" refType="h" op="lte" fact="0.1"/>
+        </dgm:constrLst>
+      </dgm:if>
+      <dgm:if name="Name13" axis="ch" ptType="node" func="cnt" op="equ" val="7">
+        <dgm:constrLst>
+          <dgm:constr type="primFontSz" for="ch" ptType="node" op="equ" val="65"/>
+          <dgm:constr type="w" for="ch" ptType="node" refType="w"/>
+          <dgm:constr type="h" for="ch" ptType="node" refType="w" refFor="ch" refPtType="node" op="equ"/>
+          <dgm:constr type="sibSp" refType="w" refFor="ch" refPtType="node" fact="-0.1"/>
+          <dgm:constr type="sibSp" refType="h" op="lte" fact="0.1"/>
+        </dgm:constrLst>
+      </dgm:if>
+      <dgm:if name="Name14" axis="ch" ptType="node" func="cnt" op="equ" val="8">
+        <dgm:constrLst>
+          <dgm:constr type="primFontSz" for="ch" ptType="node" op="equ" val="65"/>
+          <dgm:constr type="w" for="ch" ptType="node" refType="w"/>
+          <dgm:constr type="h" for="ch" ptType="node" refType="w" refFor="ch" refPtType="node" op="equ"/>
+          <dgm:constr type="sibSp"/>
+          <dgm:constr type="sibSp" refType="h" op="lte" fact="0.1"/>
+        </dgm:constrLst>
+      </dgm:if>
+      <dgm:if name="Name15" axis="ch" ptType="node" func="cnt" op="gte" val="9">
+        <dgm:constrLst>
+          <dgm:constr type="primFontSz" for="ch" ptType="node" op="equ" val="65"/>
+          <dgm:constr type="w" for="ch" ptType="node" refType="w"/>
+          <dgm:constr type="h" for="ch" ptType="node" refType="w" refFor="ch" refPtType="node" op="equ"/>
+          <dgm:constr type="sibSp" refType="w" refFor="ch" refPtType="node" fact="-0.1"/>
+          <dgm:constr type="sibSp" refType="h" op="lte" fact="0.1"/>
+        </dgm:constrLst>
+      </dgm:if>
+      <dgm:else name="Name16">
+        <dgm:constrLst>
+          <dgm:constr type="primFontSz" for="ch" ptType="node" op="equ" val="65"/>
+          <dgm:constr type="w" for="ch" ptType="node" refType="w"/>
+          <dgm:constr type="h" for="ch" ptType="node" refType="w" refFor="ch" refPtType="node" op="equ"/>
+          <dgm:constr type="sibSp" refType="w" refFor="ch" refPtType="node" fact="-0.35"/>
+        </dgm:constrLst>
+      </dgm:else>
+    </dgm:choose>
+    <dgm:ruleLst/>
+    <dgm:forEach name="Name17" axis="ch" ptType="node">
+      <dgm:layoutNode name="arrow">
+        <dgm:varLst>
+          <dgm:bulletEnabled val="1"/>
+        </dgm:varLst>
+        <dgm:alg type="tx"/>
+        <dgm:shape xmlns:r="http://schemas.openxmlformats.org/officeDocument/2006/relationships" type="downArrow" r:blip="">
+          <dgm:adjLst>
+            <dgm:adj idx="2" val="0.35"/>
+          </dgm:adjLst>
+        </dgm:shape>
+        <dgm:presOf axis="desOrSelf" ptType="node"/>
+        <dgm:constrLst/>
+        <dgm:ruleLst>
+          <dgm:rule type="primFontSz" val="5" fact="NaN" max="NaN"/>
+        </dgm:ruleLst>
+      </dgm:layoutNode>
+    </dgm:forEach>
+  </dgm:layoutNode>
+</dgm:layoutDef>
+</file>
+
 <file path=ppt/diagrams/quickStyle1.xml><?xml version="1.0" encoding="utf-8"?>
 <dgm:styleDef xmlns:dgm="http://schemas.openxmlformats.org/drawingml/2006/diagram" xmlns:a="http://schemas.openxmlformats.org/drawingml/2006/main" uniqueId="urn:microsoft.com/office/officeart/2005/8/quickstyle/simple1">
   <dgm:title val=""/>
@@ -3815,6 +5047,1040 @@
 </file>
 
 <file path=ppt/diagrams/quickStyle2.xml><?xml version="1.0" encoding="utf-8"?>
+<dgm:styleDef xmlns:dgm="http://schemas.openxmlformats.org/drawingml/2006/diagram" xmlns:a="http://schemas.openxmlformats.org/drawingml/2006/main" uniqueId="urn:microsoft.com/office/officeart/2005/8/quickstyle/simple1">
+  <dgm:title val=""/>
+  <dgm:desc val=""/>
+  <dgm:catLst>
+    <dgm:cat type="simple" pri="10100"/>
+  </dgm:catLst>
+  <dgm:scene3d>
+    <a:camera prst="orthographicFront"/>
+    <a:lightRig rig="threePt" dir="t"/>
+  </dgm:scene3d>
+  <dgm:styleLbl name="node0">
+    <dgm:scene3d>
+      <a:camera prst="orthographicFront"/>
+      <a:lightRig rig="threePt" dir="t"/>
+    </dgm:scene3d>
+    <dgm:sp3d/>
+    <dgm:txPr/>
+    <dgm:style>
+      <a:lnRef idx="2">
+        <a:scrgbClr r="0" g="0" b="0"/>
+      </a:lnRef>
+      <a:fillRef idx="1">
+        <a:scrgbClr r="0" g="0" b="0"/>
+      </a:fillRef>
+      <a:effectRef idx="0">
+        <a:scrgbClr r="0" g="0" b="0"/>
+      </a:effectRef>
+      <a:fontRef idx="minor">
+        <a:schemeClr val="lt1"/>
+      </a:fontRef>
+    </dgm:style>
+  </dgm:styleLbl>
+  <dgm:styleLbl name="lnNode1">
+    <dgm:scene3d>
+      <a:camera prst="orthographicFront"/>
+      <a:lightRig rig="threePt" dir="t"/>
+    </dgm:scene3d>
+    <dgm:sp3d/>
+    <dgm:txPr/>
+    <dgm:style>
+      <a:lnRef idx="2">
+        <a:scrgbClr r="0" g="0" b="0"/>
+      </a:lnRef>
+      <a:fillRef idx="1">
+        <a:scrgbClr r="0" g="0" b="0"/>
+      </a:fillRef>
+      <a:effectRef idx="0">
+        <a:scrgbClr r="0" g="0" b="0"/>
+      </a:effectRef>
+      <a:fontRef idx="minor">
+        <a:schemeClr val="lt1"/>
+      </a:fontRef>
+    </dgm:style>
+  </dgm:styleLbl>
+  <dgm:styleLbl name="vennNode1">
+    <dgm:scene3d>
+      <a:camera prst="orthographicFront"/>
+      <a:lightRig rig="threePt" dir="t"/>
+    </dgm:scene3d>
+    <dgm:sp3d/>
+    <dgm:txPr/>
+    <dgm:style>
+      <a:lnRef idx="2">
+        <a:scrgbClr r="0" g="0" b="0"/>
+      </a:lnRef>
+      <a:fillRef idx="1">
+        <a:scrgbClr r="0" g="0" b="0"/>
+      </a:fillRef>
+      <a:effectRef idx="0">
+        <a:scrgbClr r="0" g="0" b="0"/>
+      </a:effectRef>
+      <a:fontRef idx="minor">
+        <a:schemeClr val="tx1"/>
+      </a:fontRef>
+    </dgm:style>
+  </dgm:styleLbl>
+  <dgm:styleLbl name="alignNode1">
+    <dgm:scene3d>
+      <a:camera prst="orthographicFront"/>
+      <a:lightRig rig="threePt" dir="t"/>
+    </dgm:scene3d>
+    <dgm:sp3d/>
+    <dgm:txPr/>
+    <dgm:style>
+      <a:lnRef idx="2">
+        <a:scrgbClr r="0" g="0" b="0"/>
+      </a:lnRef>
+      <a:fillRef idx="1">
+        <a:scrgbClr r="0" g="0" b="0"/>
+      </a:fillRef>
+      <a:effectRef idx="0">
+        <a:scrgbClr r="0" g="0" b="0"/>
+      </a:effectRef>
+      <a:fontRef idx="minor">
+        <a:schemeClr val="lt1"/>
+      </a:fontRef>
+    </dgm:style>
+  </dgm:styleLbl>
+  <dgm:styleLbl name="node1">
+    <dgm:scene3d>
+      <a:camera prst="orthographicFront"/>
+      <a:lightRig rig="threePt" dir="t"/>
+    </dgm:scene3d>
+    <dgm:sp3d/>
+    <dgm:txPr/>
+    <dgm:style>
+      <a:lnRef idx="2">
+        <a:scrgbClr r="0" g="0" b="0"/>
+      </a:lnRef>
+      <a:fillRef idx="1">
+        <a:scrgbClr r="0" g="0" b="0"/>
+      </a:fillRef>
+      <a:effectRef idx="0">
+        <a:scrgbClr r="0" g="0" b="0"/>
+      </a:effectRef>
+      <a:fontRef idx="minor">
+        <a:schemeClr val="lt1"/>
+      </a:fontRef>
+    </dgm:style>
+  </dgm:styleLbl>
+  <dgm:styleLbl name="node2">
+    <dgm:scene3d>
+      <a:camera prst="orthographicFront"/>
+      <a:lightRig rig="threePt" dir="t"/>
+    </dgm:scene3d>
+    <dgm:sp3d/>
+    <dgm:txPr/>
+    <dgm:style>
+      <a:lnRef idx="2">
+        <a:scrgbClr r="0" g="0" b="0"/>
+      </a:lnRef>
+      <a:fillRef idx="1">
+        <a:scrgbClr r="0" g="0" b="0"/>
+      </a:fillRef>
+      <a:effectRef idx="0">
+        <a:scrgbClr r="0" g="0" b="0"/>
+      </a:effectRef>
+      <a:fontRef idx="minor">
+        <a:schemeClr val="lt1"/>
+      </a:fontRef>
+    </dgm:style>
+  </dgm:styleLbl>
+  <dgm:styleLbl name="node3">
+    <dgm:scene3d>
+      <a:camera prst="orthographicFront"/>
+      <a:lightRig rig="threePt" dir="t"/>
+    </dgm:scene3d>
+    <dgm:sp3d/>
+    <dgm:txPr/>
+    <dgm:style>
+      <a:lnRef idx="2">
+        <a:scrgbClr r="0" g="0" b="0"/>
+      </a:lnRef>
+      <a:fillRef idx="1">
+        <a:scrgbClr r="0" g="0" b="0"/>
+      </a:fillRef>
+      <a:effectRef idx="0">
+        <a:scrgbClr r="0" g="0" b="0"/>
+      </a:effectRef>
+      <a:fontRef idx="minor">
+        <a:schemeClr val="lt1"/>
+      </a:fontRef>
+    </dgm:style>
+  </dgm:styleLbl>
+  <dgm:styleLbl name="node4">
+    <dgm:scene3d>
+      <a:camera prst="orthographicFront"/>
+      <a:lightRig rig="threePt" dir="t"/>
+    </dgm:scene3d>
+    <dgm:sp3d/>
+    <dgm:txPr/>
+    <dgm:style>
+      <a:lnRef idx="2">
+        <a:scrgbClr r="0" g="0" b="0"/>
+      </a:lnRef>
+      <a:fillRef idx="1">
+        <a:scrgbClr r="0" g="0" b="0"/>
+      </a:fillRef>
+      <a:effectRef idx="0">
+        <a:scrgbClr r="0" g="0" b="0"/>
+      </a:effectRef>
+      <a:fontRef idx="minor">
+        <a:schemeClr val="lt1"/>
+      </a:fontRef>
+    </dgm:style>
+  </dgm:styleLbl>
+  <dgm:styleLbl name="fgImgPlace1">
+    <dgm:scene3d>
+      <a:camera prst="orthographicFront"/>
+      <a:lightRig rig="threePt" dir="t"/>
+    </dgm:scene3d>
+    <dgm:sp3d/>
+    <dgm:txPr/>
+    <dgm:style>
+      <a:lnRef idx="2">
+        <a:scrgbClr r="0" g="0" b="0"/>
+      </a:lnRef>
+      <a:fillRef idx="1">
+        <a:scrgbClr r="0" g="0" b="0"/>
+      </a:fillRef>
+      <a:effectRef idx="0">
+        <a:scrgbClr r="0" g="0" b="0"/>
+      </a:effectRef>
+      <a:fontRef idx="minor"/>
+    </dgm:style>
+  </dgm:styleLbl>
+  <dgm:styleLbl name="alignImgPlace1">
+    <dgm:scene3d>
+      <a:camera prst="orthographicFront"/>
+      <a:lightRig rig="threePt" dir="t"/>
+    </dgm:scene3d>
+    <dgm:sp3d/>
+    <dgm:txPr/>
+    <dgm:style>
+      <a:lnRef idx="2">
+        <a:scrgbClr r="0" g="0" b="0"/>
+      </a:lnRef>
+      <a:fillRef idx="1">
+        <a:scrgbClr r="0" g="0" b="0"/>
+      </a:fillRef>
+      <a:effectRef idx="0">
+        <a:scrgbClr r="0" g="0" b="0"/>
+      </a:effectRef>
+      <a:fontRef idx="minor"/>
+    </dgm:style>
+  </dgm:styleLbl>
+  <dgm:styleLbl name="bgImgPlace1">
+    <dgm:scene3d>
+      <a:camera prst="orthographicFront"/>
+      <a:lightRig rig="threePt" dir="t"/>
+    </dgm:scene3d>
+    <dgm:sp3d/>
+    <dgm:txPr/>
+    <dgm:style>
+      <a:lnRef idx="2">
+        <a:scrgbClr r="0" g="0" b="0"/>
+      </a:lnRef>
+      <a:fillRef idx="1">
+        <a:scrgbClr r="0" g="0" b="0"/>
+      </a:fillRef>
+      <a:effectRef idx="0">
+        <a:scrgbClr r="0" g="0" b="0"/>
+      </a:effectRef>
+      <a:fontRef idx="minor"/>
+    </dgm:style>
+  </dgm:styleLbl>
+  <dgm:styleLbl name="sibTrans2D1">
+    <dgm:scene3d>
+      <a:camera prst="orthographicFront"/>
+      <a:lightRig rig="threePt" dir="t"/>
+    </dgm:scene3d>
+    <dgm:sp3d/>
+    <dgm:txPr/>
+    <dgm:style>
+      <a:lnRef idx="0">
+        <a:scrgbClr r="0" g="0" b="0"/>
+      </a:lnRef>
+      <a:fillRef idx="1">
+        <a:scrgbClr r="0" g="0" b="0"/>
+      </a:fillRef>
+      <a:effectRef idx="0">
+        <a:scrgbClr r="0" g="0" b="0"/>
+      </a:effectRef>
+      <a:fontRef idx="minor">
+        <a:schemeClr val="lt1"/>
+      </a:fontRef>
+    </dgm:style>
+  </dgm:styleLbl>
+  <dgm:styleLbl name="fgSibTrans2D1">
+    <dgm:scene3d>
+      <a:camera prst="orthographicFront"/>
+      <a:lightRig rig="threePt" dir="t"/>
+    </dgm:scene3d>
+    <dgm:sp3d/>
+    <dgm:txPr/>
+    <dgm:style>
+      <a:lnRef idx="0">
+        <a:scrgbClr r="0" g="0" b="0"/>
+      </a:lnRef>
+      <a:fillRef idx="1">
+        <a:scrgbClr r="0" g="0" b="0"/>
+      </a:fillRef>
+      <a:effectRef idx="0">
+        <a:scrgbClr r="0" g="0" b="0"/>
+      </a:effectRef>
+      <a:fontRef idx="minor">
+        <a:schemeClr val="lt1"/>
+      </a:fontRef>
+    </dgm:style>
+  </dgm:styleLbl>
+  <dgm:styleLbl name="bgSibTrans2D1">
+    <dgm:scene3d>
+      <a:camera prst="orthographicFront"/>
+      <a:lightRig rig="threePt" dir="t"/>
+    </dgm:scene3d>
+    <dgm:sp3d/>
+    <dgm:txPr/>
+    <dgm:style>
+      <a:lnRef idx="0">
+        <a:scrgbClr r="0" g="0" b="0"/>
+      </a:lnRef>
+      <a:fillRef idx="1">
+        <a:scrgbClr r="0" g="0" b="0"/>
+      </a:fillRef>
+      <a:effectRef idx="0">
+        <a:scrgbClr r="0" g="0" b="0"/>
+      </a:effectRef>
+      <a:fontRef idx="minor">
+        <a:schemeClr val="lt1"/>
+      </a:fontRef>
+    </dgm:style>
+  </dgm:styleLbl>
+  <dgm:styleLbl name="sibTrans1D1">
+    <dgm:scene3d>
+      <a:camera prst="orthographicFront"/>
+      <a:lightRig rig="threePt" dir="t"/>
+    </dgm:scene3d>
+    <dgm:sp3d/>
+    <dgm:txPr/>
+    <dgm:style>
+      <a:lnRef idx="1">
+        <a:scrgbClr r="0" g="0" b="0"/>
+      </a:lnRef>
+      <a:fillRef idx="0">
+        <a:scrgbClr r="0" g="0" b="0"/>
+      </a:fillRef>
+      <a:effectRef idx="0">
+        <a:scrgbClr r="0" g="0" b="0"/>
+      </a:effectRef>
+      <a:fontRef idx="minor"/>
+    </dgm:style>
+  </dgm:styleLbl>
+  <dgm:styleLbl name="callout">
+    <dgm:scene3d>
+      <a:camera prst="orthographicFront"/>
+      <a:lightRig rig="threePt" dir="t"/>
+    </dgm:scene3d>
+    <dgm:sp3d/>
+    <dgm:txPr/>
+    <dgm:style>
+      <a:lnRef idx="2">
+        <a:scrgbClr r="0" g="0" b="0"/>
+      </a:lnRef>
+      <a:fillRef idx="1">
+        <a:scrgbClr r="0" g="0" b="0"/>
+      </a:fillRef>
+      <a:effectRef idx="0">
+        <a:scrgbClr r="0" g="0" b="0"/>
+      </a:effectRef>
+      <a:fontRef idx="minor"/>
+    </dgm:style>
+  </dgm:styleLbl>
+  <dgm:styleLbl name="asst0">
+    <dgm:scene3d>
+      <a:camera prst="orthographicFront"/>
+      <a:lightRig rig="threePt" dir="t"/>
+    </dgm:scene3d>
+    <dgm:sp3d/>
+    <dgm:txPr/>
+    <dgm:style>
+      <a:lnRef idx="2">
+        <a:scrgbClr r="0" g="0" b="0"/>
+      </a:lnRef>
+      <a:fillRef idx="1">
+        <a:scrgbClr r="0" g="0" b="0"/>
+      </a:fillRef>
+      <a:effectRef idx="0">
+        <a:scrgbClr r="0" g="0" b="0"/>
+      </a:effectRef>
+      <a:fontRef idx="minor">
+        <a:schemeClr val="lt1"/>
+      </a:fontRef>
+    </dgm:style>
+  </dgm:styleLbl>
+  <dgm:styleLbl name="asst1">
+    <dgm:scene3d>
+      <a:camera prst="orthographicFront"/>
+      <a:lightRig rig="threePt" dir="t"/>
+    </dgm:scene3d>
+    <dgm:sp3d/>
+    <dgm:txPr/>
+    <dgm:style>
+      <a:lnRef idx="2">
+        <a:scrgbClr r="0" g="0" b="0"/>
+      </a:lnRef>
+      <a:fillRef idx="1">
+        <a:scrgbClr r="0" g="0" b="0"/>
+      </a:fillRef>
+      <a:effectRef idx="0">
+        <a:scrgbClr r="0" g="0" b="0"/>
+      </a:effectRef>
+      <a:fontRef idx="minor">
+        <a:schemeClr val="lt1"/>
+      </a:fontRef>
+    </dgm:style>
+  </dgm:styleLbl>
+  <dgm:styleLbl name="asst2">
+    <dgm:scene3d>
+      <a:camera prst="orthographicFront"/>
+      <a:lightRig rig="threePt" dir="t"/>
+    </dgm:scene3d>
+    <dgm:sp3d/>
+    <dgm:txPr/>
+    <dgm:style>
+      <a:lnRef idx="2">
+        <a:scrgbClr r="0" g="0" b="0"/>
+      </a:lnRef>
+      <a:fillRef idx="1">
+        <a:scrgbClr r="0" g="0" b="0"/>
+      </a:fillRef>
+      <a:effectRef idx="0">
+        <a:scrgbClr r="0" g="0" b="0"/>
+      </a:effectRef>
+      <a:fontRef idx="minor">
+        <a:schemeClr val="lt1"/>
+      </a:fontRef>
+    </dgm:style>
+  </dgm:styleLbl>
+  <dgm:styleLbl name="asst3">
+    <dgm:scene3d>
+      <a:camera prst="orthographicFront"/>
+      <a:lightRig rig="threePt" dir="t"/>
+    </dgm:scene3d>
+    <dgm:sp3d/>
+    <dgm:txPr/>
+    <dgm:style>
+      <a:lnRef idx="2">
+        <a:scrgbClr r="0" g="0" b="0"/>
+      </a:lnRef>
+      <a:fillRef idx="1">
+        <a:scrgbClr r="0" g="0" b="0"/>
+      </a:fillRef>
+      <a:effectRef idx="0">
+        <a:scrgbClr r="0" g="0" b="0"/>
+      </a:effectRef>
+      <a:fontRef idx="minor">
+        <a:schemeClr val="lt1"/>
+      </a:fontRef>
+    </dgm:style>
+  </dgm:styleLbl>
+  <dgm:styleLbl name="asst4">
+    <dgm:scene3d>
+      <a:camera prst="orthographicFront"/>
+      <a:lightRig rig="threePt" dir="t"/>
+    </dgm:scene3d>
+    <dgm:sp3d/>
+    <dgm:txPr/>
+    <dgm:style>
+      <a:lnRef idx="2">
+        <a:scrgbClr r="0" g="0" b="0"/>
+      </a:lnRef>
+      <a:fillRef idx="1">
+        <a:scrgbClr r="0" g="0" b="0"/>
+      </a:fillRef>
+      <a:effectRef idx="0">
+        <a:scrgbClr r="0" g="0" b="0"/>
+      </a:effectRef>
+      <a:fontRef idx="minor">
+        <a:schemeClr val="lt1"/>
+      </a:fontRef>
+    </dgm:style>
+  </dgm:styleLbl>
+  <dgm:styleLbl name="parChTrans2D1">
+    <dgm:scene3d>
+      <a:camera prst="orthographicFront"/>
+      <a:lightRig rig="threePt" dir="t"/>
+    </dgm:scene3d>
+    <dgm:sp3d/>
+    <dgm:txPr/>
+    <dgm:style>
+      <a:lnRef idx="2">
+        <a:scrgbClr r="0" g="0" b="0"/>
+      </a:lnRef>
+      <a:fillRef idx="1">
+        <a:scrgbClr r="0" g="0" b="0"/>
+      </a:fillRef>
+      <a:effectRef idx="0">
+        <a:scrgbClr r="0" g="0" b="0"/>
+      </a:effectRef>
+      <a:fontRef idx="minor">
+        <a:schemeClr val="lt1"/>
+      </a:fontRef>
+    </dgm:style>
+  </dgm:styleLbl>
+  <dgm:styleLbl name="parChTrans2D2">
+    <dgm:scene3d>
+      <a:camera prst="orthographicFront"/>
+      <a:lightRig rig="threePt" dir="t"/>
+    </dgm:scene3d>
+    <dgm:sp3d/>
+    <dgm:txPr/>
+    <dgm:style>
+      <a:lnRef idx="2">
+        <a:scrgbClr r="0" g="0" b="0"/>
+      </a:lnRef>
+      <a:fillRef idx="1">
+        <a:scrgbClr r="0" g="0" b="0"/>
+      </a:fillRef>
+      <a:effectRef idx="0">
+        <a:scrgbClr r="0" g="0" b="0"/>
+      </a:effectRef>
+      <a:fontRef idx="minor">
+        <a:schemeClr val="lt1"/>
+      </a:fontRef>
+    </dgm:style>
+  </dgm:styleLbl>
+  <dgm:styleLbl name="parChTrans2D3">
+    <dgm:scene3d>
+      <a:camera prst="orthographicFront"/>
+      <a:lightRig rig="threePt" dir="t"/>
+    </dgm:scene3d>
+    <dgm:sp3d/>
+    <dgm:txPr/>
+    <dgm:style>
+      <a:lnRef idx="2">
+        <a:scrgbClr r="0" g="0" b="0"/>
+      </a:lnRef>
+      <a:fillRef idx="1">
+        <a:scrgbClr r="0" g="0" b="0"/>
+      </a:fillRef>
+      <a:effectRef idx="0">
+        <a:scrgbClr r="0" g="0" b="0"/>
+      </a:effectRef>
+      <a:fontRef idx="minor">
+        <a:schemeClr val="lt1"/>
+      </a:fontRef>
+    </dgm:style>
+  </dgm:styleLbl>
+  <dgm:styleLbl name="parChTrans2D4">
+    <dgm:scene3d>
+      <a:camera prst="orthographicFront"/>
+      <a:lightRig rig="threePt" dir="t"/>
+    </dgm:scene3d>
+    <dgm:sp3d/>
+    <dgm:txPr/>
+    <dgm:style>
+      <a:lnRef idx="2">
+        <a:scrgbClr r="0" g="0" b="0"/>
+      </a:lnRef>
+      <a:fillRef idx="1">
+        <a:scrgbClr r="0" g="0" b="0"/>
+      </a:fillRef>
+      <a:effectRef idx="0">
+        <a:scrgbClr r="0" g="0" b="0"/>
+      </a:effectRef>
+      <a:fontRef idx="minor">
+        <a:schemeClr val="lt1"/>
+      </a:fontRef>
+    </dgm:style>
+  </dgm:styleLbl>
+  <dgm:styleLbl name="parChTrans1D1">
+    <dgm:scene3d>
+      <a:camera prst="orthographicFront"/>
+      <a:lightRig rig="threePt" dir="t"/>
+    </dgm:scene3d>
+    <dgm:sp3d/>
+    <dgm:txPr/>
+    <dgm:style>
+      <a:lnRef idx="2">
+        <a:scrgbClr r="0" g="0" b="0"/>
+      </a:lnRef>
+      <a:fillRef idx="0">
+        <a:scrgbClr r="0" g="0" b="0"/>
+      </a:fillRef>
+      <a:effectRef idx="0">
+        <a:scrgbClr r="0" g="0" b="0"/>
+      </a:effectRef>
+      <a:fontRef idx="minor"/>
+    </dgm:style>
+  </dgm:styleLbl>
+  <dgm:styleLbl name="parChTrans1D2">
+    <dgm:scene3d>
+      <a:camera prst="orthographicFront"/>
+      <a:lightRig rig="threePt" dir="t"/>
+    </dgm:scene3d>
+    <dgm:sp3d/>
+    <dgm:txPr/>
+    <dgm:style>
+      <a:lnRef idx="2">
+        <a:scrgbClr r="0" g="0" b="0"/>
+      </a:lnRef>
+      <a:fillRef idx="0">
+        <a:scrgbClr r="0" g="0" b="0"/>
+      </a:fillRef>
+      <a:effectRef idx="0">
+        <a:scrgbClr r="0" g="0" b="0"/>
+      </a:effectRef>
+      <a:fontRef idx="minor"/>
+    </dgm:style>
+  </dgm:styleLbl>
+  <dgm:styleLbl name="parChTrans1D3">
+    <dgm:scene3d>
+      <a:camera prst="orthographicFront"/>
+      <a:lightRig rig="threePt" dir="t"/>
+    </dgm:scene3d>
+    <dgm:sp3d/>
+    <dgm:txPr/>
+    <dgm:style>
+      <a:lnRef idx="2">
+        <a:scrgbClr r="0" g="0" b="0"/>
+      </a:lnRef>
+      <a:fillRef idx="0">
+        <a:scrgbClr r="0" g="0" b="0"/>
+      </a:fillRef>
+      <a:effectRef idx="0">
+        <a:scrgbClr r="0" g="0" b="0"/>
+      </a:effectRef>
+      <a:fontRef idx="minor"/>
+    </dgm:style>
+  </dgm:styleLbl>
+  <dgm:styleLbl name="parChTrans1D4">
+    <dgm:scene3d>
+      <a:camera prst="orthographicFront"/>
+      <a:lightRig rig="threePt" dir="t"/>
+    </dgm:scene3d>
+    <dgm:sp3d/>
+    <dgm:txPr/>
+    <dgm:style>
+      <a:lnRef idx="2">
+        <a:scrgbClr r="0" g="0" b="0"/>
+      </a:lnRef>
+      <a:fillRef idx="0">
+        <a:scrgbClr r="0" g="0" b="0"/>
+      </a:fillRef>
+      <a:effectRef idx="0">
+        <a:scrgbClr r="0" g="0" b="0"/>
+      </a:effectRef>
+      <a:fontRef idx="minor"/>
+    </dgm:style>
+  </dgm:styleLbl>
+  <dgm:styleLbl name="fgAcc1">
+    <dgm:scene3d>
+      <a:camera prst="orthographicFront"/>
+      <a:lightRig rig="threePt" dir="t"/>
+    </dgm:scene3d>
+    <dgm:sp3d/>
+    <dgm:txPr/>
+    <dgm:style>
+      <a:lnRef idx="2">
+        <a:scrgbClr r="0" g="0" b="0"/>
+      </a:lnRef>
+      <a:fillRef idx="1">
+        <a:scrgbClr r="0" g="0" b="0"/>
+      </a:fillRef>
+      <a:effectRef idx="0">
+        <a:scrgbClr r="0" g="0" b="0"/>
+      </a:effectRef>
+      <a:fontRef idx="minor"/>
+    </dgm:style>
+  </dgm:styleLbl>
+  <dgm:styleLbl name="conFgAcc1">
+    <dgm:scene3d>
+      <a:camera prst="orthographicFront"/>
+      <a:lightRig rig="threePt" dir="t"/>
+    </dgm:scene3d>
+    <dgm:sp3d/>
+    <dgm:txPr/>
+    <dgm:style>
+      <a:lnRef idx="2">
+        <a:scrgbClr r="0" g="0" b="0"/>
+      </a:lnRef>
+      <a:fillRef idx="1">
+        <a:scrgbClr r="0" g="0" b="0"/>
+      </a:fillRef>
+      <a:effectRef idx="0">
+        <a:scrgbClr r="0" g="0" b="0"/>
+      </a:effectRef>
+      <a:fontRef idx="minor"/>
+    </dgm:style>
+  </dgm:styleLbl>
+  <dgm:styleLbl name="alignAcc1">
+    <dgm:scene3d>
+      <a:camera prst="orthographicFront"/>
+      <a:lightRig rig="threePt" dir="t"/>
+    </dgm:scene3d>
+    <dgm:sp3d/>
+    <dgm:txPr/>
+    <dgm:style>
+      <a:lnRef idx="2">
+        <a:scrgbClr r="0" g="0" b="0"/>
+      </a:lnRef>
+      <a:fillRef idx="1">
+        <a:scrgbClr r="0" g="0" b="0"/>
+      </a:fillRef>
+      <a:effectRef idx="0">
+        <a:scrgbClr r="0" g="0" b="0"/>
+      </a:effectRef>
+      <a:fontRef idx="minor"/>
+    </dgm:style>
+  </dgm:styleLbl>
+  <dgm:styleLbl name="trAlignAcc1">
+    <dgm:scene3d>
+      <a:camera prst="orthographicFront"/>
+      <a:lightRig rig="threePt" dir="t"/>
+    </dgm:scene3d>
+    <dgm:sp3d/>
+    <dgm:txPr/>
+    <dgm:style>
+      <a:lnRef idx="1">
+        <a:scrgbClr r="0" g="0" b="0"/>
+      </a:lnRef>
+      <a:fillRef idx="1">
+        <a:scrgbClr r="0" g="0" b="0"/>
+      </a:fillRef>
+      <a:effectRef idx="0">
+        <a:scrgbClr r="0" g="0" b="0"/>
+      </a:effectRef>
+      <a:fontRef idx="minor"/>
+    </dgm:style>
+  </dgm:styleLbl>
+  <dgm:styleLbl name="bgAcc1">
+    <dgm:scene3d>
+      <a:camera prst="orthographicFront"/>
+      <a:lightRig rig="threePt" dir="t"/>
+    </dgm:scene3d>
+    <dgm:sp3d/>
+    <dgm:txPr/>
+    <dgm:style>
+      <a:lnRef idx="2">
+        <a:scrgbClr r="0" g="0" b="0"/>
+      </a:lnRef>
+      <a:fillRef idx="1">
+        <a:scrgbClr r="0" g="0" b="0"/>
+      </a:fillRef>
+      <a:effectRef idx="0">
+        <a:scrgbClr r="0" g="0" b="0"/>
+      </a:effectRef>
+      <a:fontRef idx="minor"/>
+    </dgm:style>
+  </dgm:styleLbl>
+  <dgm:styleLbl name="solidFgAcc1">
+    <dgm:scene3d>
+      <a:camera prst="orthographicFront"/>
+      <a:lightRig rig="threePt" dir="t"/>
+    </dgm:scene3d>
+    <dgm:sp3d/>
+    <dgm:txPr/>
+    <dgm:style>
+      <a:lnRef idx="2">
+        <a:scrgbClr r="0" g="0" b="0"/>
+      </a:lnRef>
+      <a:fillRef idx="1">
+        <a:scrgbClr r="0" g="0" b="0"/>
+      </a:fillRef>
+      <a:effectRef idx="0">
+        <a:scrgbClr r="0" g="0" b="0"/>
+      </a:effectRef>
+      <a:fontRef idx="minor"/>
+    </dgm:style>
+  </dgm:styleLbl>
+  <dgm:styleLbl name="solidAlignAcc1">
+    <dgm:scene3d>
+      <a:camera prst="orthographicFront"/>
+      <a:lightRig rig="threePt" dir="t"/>
+    </dgm:scene3d>
+    <dgm:sp3d/>
+    <dgm:txPr/>
+    <dgm:style>
+      <a:lnRef idx="2">
+        <a:scrgbClr r="0" g="0" b="0"/>
+      </a:lnRef>
+      <a:fillRef idx="1">
+        <a:scrgbClr r="0" g="0" b="0"/>
+      </a:fillRef>
+      <a:effectRef idx="0">
+        <a:scrgbClr r="0" g="0" b="0"/>
+      </a:effectRef>
+      <a:fontRef idx="minor"/>
+    </dgm:style>
+  </dgm:styleLbl>
+  <dgm:styleLbl name="solidBgAcc1">
+    <dgm:scene3d>
+      <a:camera prst="orthographicFront"/>
+      <a:lightRig rig="threePt" dir="t"/>
+    </dgm:scene3d>
+    <dgm:sp3d/>
+    <dgm:txPr/>
+    <dgm:style>
+      <a:lnRef idx="2">
+        <a:scrgbClr r="0" g="0" b="0"/>
+      </a:lnRef>
+      <a:fillRef idx="1">
+        <a:scrgbClr r="0" g="0" b="0"/>
+      </a:fillRef>
+      <a:effectRef idx="0">
+        <a:scrgbClr r="0" g="0" b="0"/>
+      </a:effectRef>
+      <a:fontRef idx="minor"/>
+    </dgm:style>
+  </dgm:styleLbl>
+  <dgm:styleLbl name="fgAccFollowNode1">
+    <dgm:scene3d>
+      <a:camera prst="orthographicFront"/>
+      <a:lightRig rig="threePt" dir="t"/>
+    </dgm:scene3d>
+    <dgm:sp3d/>
+    <dgm:txPr/>
+    <dgm:style>
+      <a:lnRef idx="2">
+        <a:scrgbClr r="0" g="0" b="0"/>
+      </a:lnRef>
+      <a:fillRef idx="1">
+        <a:scrgbClr r="0" g="0" b="0"/>
+      </a:fillRef>
+      <a:effectRef idx="0">
+        <a:scrgbClr r="0" g="0" b="0"/>
+      </a:effectRef>
+      <a:fontRef idx="minor"/>
+    </dgm:style>
+  </dgm:styleLbl>
+  <dgm:styleLbl name="alignAccFollowNode1">
+    <dgm:scene3d>
+      <a:camera prst="orthographicFront"/>
+      <a:lightRig rig="threePt" dir="t"/>
+    </dgm:scene3d>
+    <dgm:sp3d/>
+    <dgm:txPr/>
+    <dgm:style>
+      <a:lnRef idx="2">
+        <a:scrgbClr r="0" g="0" b="0"/>
+      </a:lnRef>
+      <a:fillRef idx="1">
+        <a:scrgbClr r="0" g="0" b="0"/>
+      </a:fillRef>
+      <a:effectRef idx="0">
+        <a:scrgbClr r="0" g="0" b="0"/>
+      </a:effectRef>
+      <a:fontRef idx="minor"/>
+    </dgm:style>
+  </dgm:styleLbl>
+  <dgm:styleLbl name="bgAccFollowNode1">
+    <dgm:scene3d>
+      <a:camera prst="orthographicFront"/>
+      <a:lightRig rig="threePt" dir="t"/>
+    </dgm:scene3d>
+    <dgm:sp3d/>
+    <dgm:txPr/>
+    <dgm:style>
+      <a:lnRef idx="2">
+        <a:scrgbClr r="0" g="0" b="0"/>
+      </a:lnRef>
+      <a:fillRef idx="1">
+        <a:scrgbClr r="0" g="0" b="0"/>
+      </a:fillRef>
+      <a:effectRef idx="0">
+        <a:scrgbClr r="0" g="0" b="0"/>
+      </a:effectRef>
+      <a:fontRef idx="minor"/>
+    </dgm:style>
+  </dgm:styleLbl>
+  <dgm:styleLbl name="fgAcc0">
+    <dgm:scene3d>
+      <a:camera prst="orthographicFront"/>
+      <a:lightRig rig="threePt" dir="t"/>
+    </dgm:scene3d>
+    <dgm:sp3d/>
+    <dgm:txPr/>
+    <dgm:style>
+      <a:lnRef idx="2">
+        <a:scrgbClr r="0" g="0" b="0"/>
+      </a:lnRef>
+      <a:fillRef idx="1">
+        <a:scrgbClr r="0" g="0" b="0"/>
+      </a:fillRef>
+      <a:effectRef idx="0">
+        <a:scrgbClr r="0" g="0" b="0"/>
+      </a:effectRef>
+      <a:fontRef idx="minor"/>
+    </dgm:style>
+  </dgm:styleLbl>
+  <dgm:styleLbl name="fgAcc2">
+    <dgm:scene3d>
+      <a:camera prst="orthographicFront"/>
+      <a:lightRig rig="threePt" dir="t"/>
+    </dgm:scene3d>
+    <dgm:sp3d/>
+    <dgm:txPr/>
+    <dgm:style>
+      <a:lnRef idx="2">
+        <a:scrgbClr r="0" g="0" b="0"/>
+      </a:lnRef>
+      <a:fillRef idx="1">
+        <a:scrgbClr r="0" g="0" b="0"/>
+      </a:fillRef>
+      <a:effectRef idx="0">
+        <a:scrgbClr r="0" g="0" b="0"/>
+      </a:effectRef>
+      <a:fontRef idx="minor"/>
+    </dgm:style>
+  </dgm:styleLbl>
+  <dgm:styleLbl name="fgAcc3">
+    <dgm:scene3d>
+      <a:camera prst="orthographicFront"/>
+      <a:lightRig rig="threePt" dir="t"/>
+    </dgm:scene3d>
+    <dgm:sp3d/>
+    <dgm:txPr/>
+    <dgm:style>
+      <a:lnRef idx="2">
+        <a:scrgbClr r="0" g="0" b="0"/>
+      </a:lnRef>
+      <a:fillRef idx="1">
+        <a:scrgbClr r="0" g="0" b="0"/>
+      </a:fillRef>
+      <a:effectRef idx="0">
+        <a:scrgbClr r="0" g="0" b="0"/>
+      </a:effectRef>
+      <a:fontRef idx="minor"/>
+    </dgm:style>
+  </dgm:styleLbl>
+  <dgm:styleLbl name="fgAcc4">
+    <dgm:scene3d>
+      <a:camera prst="orthographicFront"/>
+      <a:lightRig rig="threePt" dir="t"/>
+    </dgm:scene3d>
+    <dgm:sp3d/>
+    <dgm:txPr/>
+    <dgm:style>
+      <a:lnRef idx="2">
+        <a:scrgbClr r="0" g="0" b="0"/>
+      </a:lnRef>
+      <a:fillRef idx="1">
+        <a:scrgbClr r="0" g="0" b="0"/>
+      </a:fillRef>
+      <a:effectRef idx="0">
+        <a:scrgbClr r="0" g="0" b="0"/>
+      </a:effectRef>
+      <a:fontRef idx="minor"/>
+    </dgm:style>
+  </dgm:styleLbl>
+  <dgm:styleLbl name="bgShp">
+    <dgm:scene3d>
+      <a:camera prst="orthographicFront"/>
+      <a:lightRig rig="threePt" dir="t"/>
+    </dgm:scene3d>
+    <dgm:sp3d/>
+    <dgm:txPr/>
+    <dgm:style>
+      <a:lnRef idx="0">
+        <a:scrgbClr r="0" g="0" b="0"/>
+      </a:lnRef>
+      <a:fillRef idx="1">
+        <a:scrgbClr r="0" g="0" b="0"/>
+      </a:fillRef>
+      <a:effectRef idx="0">
+        <a:scrgbClr r="0" g="0" b="0"/>
+      </a:effectRef>
+      <a:fontRef idx="minor"/>
+    </dgm:style>
+  </dgm:styleLbl>
+  <dgm:styleLbl name="dkBgShp">
+    <dgm:scene3d>
+      <a:camera prst="orthographicFront"/>
+      <a:lightRig rig="threePt" dir="t"/>
+    </dgm:scene3d>
+    <dgm:sp3d/>
+    <dgm:txPr/>
+    <dgm:style>
+      <a:lnRef idx="0">
+        <a:scrgbClr r="0" g="0" b="0"/>
+      </a:lnRef>
+      <a:fillRef idx="1">
+        <a:scrgbClr r="0" g="0" b="0"/>
+      </a:fillRef>
+      <a:effectRef idx="0">
+        <a:scrgbClr r="0" g="0" b="0"/>
+      </a:effectRef>
+      <a:fontRef idx="minor"/>
+    </dgm:style>
+  </dgm:styleLbl>
+  <dgm:styleLbl name="trBgShp">
+    <dgm:scene3d>
+      <a:camera prst="orthographicFront"/>
+      <a:lightRig rig="threePt" dir="t"/>
+    </dgm:scene3d>
+    <dgm:sp3d/>
+    <dgm:txPr/>
+    <dgm:style>
+      <a:lnRef idx="0">
+        <a:scrgbClr r="0" g="0" b="0"/>
+      </a:lnRef>
+      <a:fillRef idx="1">
+        <a:scrgbClr r="0" g="0" b="0"/>
+      </a:fillRef>
+      <a:effectRef idx="0">
+        <a:scrgbClr r="0" g="0" b="0"/>
+      </a:effectRef>
+      <a:fontRef idx="minor"/>
+    </dgm:style>
+  </dgm:styleLbl>
+  <dgm:styleLbl name="fgShp">
+    <dgm:scene3d>
+      <a:camera prst="orthographicFront"/>
+      <a:lightRig rig="threePt" dir="t"/>
+    </dgm:scene3d>
+    <dgm:sp3d/>
+    <dgm:txPr/>
+    <dgm:style>
+      <a:lnRef idx="2">
+        <a:scrgbClr r="0" g="0" b="0"/>
+      </a:lnRef>
+      <a:fillRef idx="1">
+        <a:scrgbClr r="0" g="0" b="0"/>
+      </a:fillRef>
+      <a:effectRef idx="0">
+        <a:scrgbClr r="0" g="0" b="0"/>
+      </a:effectRef>
+      <a:fontRef idx="minor"/>
+    </dgm:style>
+  </dgm:styleLbl>
+  <dgm:styleLbl name="revTx">
+    <dgm:scene3d>
+      <a:camera prst="orthographicFront"/>
+      <a:lightRig rig="threePt" dir="t"/>
+    </dgm:scene3d>
+    <dgm:sp3d/>
+    <dgm:txPr/>
+    <dgm:style>
+      <a:lnRef idx="0">
+        <a:scrgbClr r="0" g="0" b="0"/>
+      </a:lnRef>
+      <a:fillRef idx="0">
+        <a:scrgbClr r="0" g="0" b="0"/>
+      </a:fillRef>
+      <a:effectRef idx="0">
+        <a:scrgbClr r="0" g="0" b="0"/>
+      </a:effectRef>
+      <a:fontRef idx="minor"/>
+    </dgm:style>
+  </dgm:styleLbl>
+</dgm:styleDef>
+</file>
+
+<file path=ppt/diagrams/quickStyle3.xml><?xml version="1.0" encoding="utf-8"?>
 <dgm:styleDef xmlns:dgm="http://schemas.openxmlformats.org/drawingml/2006/diagram" xmlns:a="http://schemas.openxmlformats.org/drawingml/2006/main" uniqueId="urn:microsoft.com/office/officeart/2005/8/quickstyle/simple1">
   <dgm:title val=""/>
   <dgm:desc val=""/>
@@ -4930,7 +7196,7 @@
           <a:p>
             <a:fld id="{2F51C6A9-9B48-214A-BCCE-5B688AEA7A9F}" type="datetimeFigureOut">
               <a:rPr lang="en-US" smtClean="0"/>
-              <a:t>11/30/16</a:t>
+              <a:t>12/1/2016</a:t>
             </a:fld>
             <a:endParaRPr lang="en-US"/>
           </a:p>
@@ -4994,38 +7260,37 @@
           <a:p>
             <a:pPr lvl="0"/>
             <a:r>
-              <a:rPr lang="en-US" smtClean="0"/>
+              <a:rPr lang="en-US"/>
               <a:t>Click to edit Master text styles</a:t>
             </a:r>
           </a:p>
           <a:p>
             <a:pPr lvl="1"/>
             <a:r>
-              <a:rPr lang="en-US" smtClean="0"/>
+              <a:rPr lang="en-US"/>
               <a:t>Second level</a:t>
             </a:r>
           </a:p>
           <a:p>
             <a:pPr lvl="2"/>
             <a:r>
-              <a:rPr lang="en-US" smtClean="0"/>
+              <a:rPr lang="en-US"/>
               <a:t>Third level</a:t>
             </a:r>
           </a:p>
           <a:p>
             <a:pPr lvl="3"/>
             <a:r>
-              <a:rPr lang="en-US" smtClean="0"/>
+              <a:rPr lang="en-US"/>
               <a:t>Fourth level</a:t>
             </a:r>
           </a:p>
           <a:p>
             <a:pPr lvl="4"/>
             <a:r>
-              <a:rPr lang="en-US" smtClean="0"/>
+              <a:rPr lang="en-US"/>
               <a:t>Fifth level</a:t>
             </a:r>
-            <a:endParaRPr lang="en-US"/>
           </a:p>
         </p:txBody>
       </p:sp>
@@ -5243,11 +7508,11 @@
           <a:lstStyle/>
           <a:p>
             <a:r>
-              <a:rPr lang="en-US" dirty="0" smtClean="0"/>
+              <a:rPr lang="en-US" dirty="0"/>
               <a:t>A lot of</a:t>
             </a:r>
             <a:r>
-              <a:rPr lang="en-US" baseline="0" dirty="0" smtClean="0"/>
+              <a:rPr lang="en-US" baseline="0" dirty="0"/>
               <a:t> data. Too little time. So we decided to focus on event descriptions only. We can definitely improve the recommendation accuracy by using other features.</a:t>
             </a:r>
             <a:endParaRPr lang="en-US" dirty="0"/>
@@ -5335,11 +7600,11 @@
           <a:lstStyle/>
           <a:p>
             <a:r>
-              <a:rPr lang="en-US" dirty="0" smtClean="0"/>
+              <a:rPr lang="en-US" dirty="0"/>
               <a:t>TF-IDF</a:t>
             </a:r>
             <a:r>
-              <a:rPr lang="en-US" baseline="0" dirty="0" smtClean="0"/>
+              <a:rPr lang="en-US" baseline="0" dirty="0"/>
               <a:t> calculation</a:t>
             </a:r>
           </a:p>
@@ -5594,7 +7859,7 @@
           <a:p>
             <a:fld id="{90F19E8C-F446-4C11-9AAE-B4B295EA670E}" type="datetimeFigureOut">
               <a:rPr lang="en-US" smtClean="0"/>
-              <a:t>11/30/16</a:t>
+              <a:t>12/1/2016</a:t>
             </a:fld>
             <a:endParaRPr lang="en-US"/>
           </a:p>
@@ -5762,7 +8027,7 @@
           <a:p>
             <a:fld id="{90F19E8C-F446-4C11-9AAE-B4B295EA670E}" type="datetimeFigureOut">
               <a:rPr lang="en-US" smtClean="0"/>
-              <a:t>11/30/16</a:t>
+              <a:t>12/1/2016</a:t>
             </a:fld>
             <a:endParaRPr lang="en-US"/>
           </a:p>
@@ -5940,7 +8205,7 @@
           <a:p>
             <a:fld id="{90F19E8C-F446-4C11-9AAE-B4B295EA670E}" type="datetimeFigureOut">
               <a:rPr lang="en-US" smtClean="0"/>
-              <a:t>11/30/16</a:t>
+              <a:t>12/1/2016</a:t>
             </a:fld>
             <a:endParaRPr lang="en-US"/>
           </a:p>
@@ -6108,7 +8373,7 @@
           <a:p>
             <a:fld id="{90F19E8C-F446-4C11-9AAE-B4B295EA670E}" type="datetimeFigureOut">
               <a:rPr lang="en-US" smtClean="0"/>
-              <a:t>11/30/16</a:t>
+              <a:t>12/1/2016</a:t>
             </a:fld>
             <a:endParaRPr lang="en-US"/>
           </a:p>
@@ -6353,7 +8618,7 @@
           <a:p>
             <a:fld id="{90F19E8C-F446-4C11-9AAE-B4B295EA670E}" type="datetimeFigureOut">
               <a:rPr lang="en-US" smtClean="0"/>
-              <a:t>11/30/16</a:t>
+              <a:t>12/1/2016</a:t>
             </a:fld>
             <a:endParaRPr lang="en-US"/>
           </a:p>
@@ -6582,7 +8847,7 @@
           <a:p>
             <a:fld id="{90F19E8C-F446-4C11-9AAE-B4B295EA670E}" type="datetimeFigureOut">
               <a:rPr lang="en-US" smtClean="0"/>
-              <a:t>11/30/16</a:t>
+              <a:t>12/1/2016</a:t>
             </a:fld>
             <a:endParaRPr lang="en-US"/>
           </a:p>
@@ -6946,7 +9211,7 @@
           <a:p>
             <a:fld id="{90F19E8C-F446-4C11-9AAE-B4B295EA670E}" type="datetimeFigureOut">
               <a:rPr lang="en-US" smtClean="0"/>
-              <a:t>11/30/16</a:t>
+              <a:t>12/1/2016</a:t>
             </a:fld>
             <a:endParaRPr lang="en-US"/>
           </a:p>
@@ -7063,7 +9328,7 @@
           <a:p>
             <a:fld id="{90F19E8C-F446-4C11-9AAE-B4B295EA670E}" type="datetimeFigureOut">
               <a:rPr lang="en-US" smtClean="0"/>
-              <a:t>11/30/16</a:t>
+              <a:t>12/1/2016</a:t>
             </a:fld>
             <a:endParaRPr lang="en-US"/>
           </a:p>
@@ -7158,7 +9423,7 @@
           <a:p>
             <a:fld id="{90F19E8C-F446-4C11-9AAE-B4B295EA670E}" type="datetimeFigureOut">
               <a:rPr lang="en-US" smtClean="0"/>
-              <a:t>11/30/16</a:t>
+              <a:t>12/1/2016</a:t>
             </a:fld>
             <a:endParaRPr lang="en-US"/>
           </a:p>
@@ -7433,7 +9698,7 @@
           <a:p>
             <a:fld id="{90F19E8C-F446-4C11-9AAE-B4B295EA670E}" type="datetimeFigureOut">
               <a:rPr lang="en-US" smtClean="0"/>
-              <a:t>11/30/16</a:t>
+              <a:t>12/1/2016</a:t>
             </a:fld>
             <a:endParaRPr lang="en-US"/>
           </a:p>
@@ -7685,7 +9950,7 @@
           <a:p>
             <a:fld id="{90F19E8C-F446-4C11-9AAE-B4B295EA670E}" type="datetimeFigureOut">
               <a:rPr lang="en-US" smtClean="0"/>
-              <a:t>11/30/16</a:t>
+              <a:t>12/1/2016</a:t>
             </a:fld>
             <a:endParaRPr lang="en-US"/>
           </a:p>
@@ -7899,7 +10164,7 @@
           <a:p>
             <a:fld id="{90F19E8C-F446-4C11-9AAE-B4B295EA670E}" type="datetimeFigureOut">
               <a:rPr lang="en-US" smtClean="0"/>
-              <a:t>11/30/16</a:t>
+              <a:t>12/1/2016</a:t>
             </a:fld>
             <a:endParaRPr lang="en-US"/>
           </a:p>
@@ -8540,13 +10805,6 @@
   <p:clrMapOvr>
     <a:masterClrMapping/>
   </p:clrMapOvr>
-  <p:timing>
-    <p:tnLst>
-      <p:par>
-        <p:cTn id="1" dur="indefinite" restart="never" nodeType="tmRoot"/>
-      </p:par>
-    </p:tnLst>
-  </p:timing>
 </p:sld>
 </file>
 
@@ -8704,13 +10962,6 @@
   <p:clrMapOvr>
     <a:masterClrMapping/>
   </p:clrMapOvr>
-  <p:timing>
-    <p:tnLst>
-      <p:par>
-        <p:cTn id="1" dur="indefinite" restart="never" nodeType="tmRoot"/>
-      </p:par>
-    </p:tnLst>
-  </p:timing>
 </p:sld>
 </file>
 
@@ -8784,23 +11035,7 @@
                   <a:schemeClr val="bg1"/>
                 </a:solidFill>
               </a:rPr>
-              <a:t>  Why an </a:t>
-            </a:r>
-            <a:r>
-              <a:rPr lang="en-US" sz="3200" dirty="0" smtClean="0">
-                <a:solidFill>
-                  <a:schemeClr val="bg1"/>
-                </a:solidFill>
-              </a:rPr>
-              <a:t>event recommender</a:t>
-            </a:r>
-            <a:r>
-              <a:rPr lang="en-US" sz="3200" dirty="0">
-                <a:solidFill>
-                  <a:schemeClr val="bg1"/>
-                </a:solidFill>
-              </a:rPr>
-              <a:t>?</a:t>
+              <a:t>  Why an event recommender?</a:t>
             </a:r>
           </a:p>
           <a:p>
@@ -8850,21 +11085,8 @@
                   <a:schemeClr val="bg1"/>
                 </a:solidFill>
               </a:rPr>
-              <a:t>  </a:t>
+              <a:t>  Challenges we faced</a:t>
             </a:r>
-            <a:r>
-              <a:rPr lang="en-US" sz="3200" dirty="0" smtClean="0">
-                <a:solidFill>
-                  <a:schemeClr val="bg1"/>
-                </a:solidFill>
-              </a:rPr>
-              <a:t>Challenges we faced</a:t>
-            </a:r>
-            <a:endParaRPr lang="en-US" sz="3200" dirty="0">
-              <a:solidFill>
-                <a:schemeClr val="bg1"/>
-              </a:solidFill>
-            </a:endParaRPr>
           </a:p>
         </p:txBody>
       </p:sp>
@@ -8878,13 +11100,6 @@
   <p:clrMapOvr>
     <a:masterClrMapping/>
   </p:clrMapOvr>
-  <p:timing>
-    <p:tnLst>
-      <p:par>
-        <p:cTn id="1" dur="indefinite" restart="never" nodeType="tmRoot"/>
-      </p:par>
-    </p:tnLst>
-  </p:timing>
 </p:sld>
 </file>
 
@@ -9534,18 +11749,13 @@
           <a:lstStyle/>
           <a:p>
             <a:r>
-              <a:rPr lang="en-US" dirty="0" smtClean="0">
+              <a:rPr lang="en-US" dirty="0">
                 <a:solidFill>
                   <a:schemeClr val="bg1"/>
                 </a:solidFill>
               </a:rPr>
               <a:t>					Demo</a:t>
             </a:r>
-            <a:endParaRPr lang="en-US" dirty="0">
-              <a:solidFill>
-                <a:schemeClr val="bg1"/>
-              </a:solidFill>
-            </a:endParaRPr>
           </a:p>
         </p:txBody>
       </p:sp>
@@ -9565,18 +11775,13 @@
           <a:lstStyle/>
           <a:p>
             <a:r>
-              <a:rPr lang="en-US" dirty="0" smtClean="0">
+              <a:rPr lang="en-US" dirty="0">
                 <a:solidFill>
                   <a:schemeClr val="bg1"/>
                 </a:solidFill>
               </a:rPr>
               <a:t>Add screenshot here</a:t>
             </a:r>
-            <a:endParaRPr lang="en-US" dirty="0">
-              <a:solidFill>
-                <a:schemeClr val="bg1"/>
-              </a:solidFill>
-            </a:endParaRPr>
           </a:p>
         </p:txBody>
       </p:sp>
@@ -9590,13 +11795,6 @@
   <p:clrMapOvr>
     <a:masterClrMapping/>
   </p:clrMapOvr>
-  <p:timing>
-    <p:tnLst>
-      <p:par>
-        <p:cTn id="1" dur="indefinite" restart="never" nodeType="tmRoot"/>
-      </p:par>
-    </p:tnLst>
-  </p:timing>
 </p:sld>
 </file>
 
@@ -10021,13 +12219,6 @@
   <p:clrMapOvr>
     <a:masterClrMapping/>
   </p:clrMapOvr>
-  <p:timing>
-    <p:tnLst>
-      <p:par>
-        <p:cTn id="1" dur="indefinite" restart="never" nodeType="tmRoot"/>
-      </p:par>
-    </p:tnLst>
-  </p:timing>
 </p:sld>
 </file>
 
@@ -10065,18 +12256,13 @@
           <a:p>
             <a:pPr algn="ctr"/>
             <a:r>
-              <a:rPr lang="en-US" dirty="0" smtClean="0">
+              <a:rPr lang="en-US" dirty="0">
                 <a:solidFill>
                   <a:schemeClr val="bg1"/>
                 </a:solidFill>
               </a:rPr>
               <a:t>Why Big Data?</a:t>
             </a:r>
-            <a:endParaRPr lang="en-US" dirty="0">
-              <a:solidFill>
-                <a:schemeClr val="bg1"/>
-              </a:solidFill>
-            </a:endParaRPr>
           </a:p>
         </p:txBody>
       </p:sp>
@@ -10106,18 +12292,13 @@
               <a:buNone/>
             </a:pPr>
             <a:r>
-              <a:rPr lang="en-US" sz="8000" dirty="0" smtClean="0">
+              <a:rPr lang="en-US" sz="8000" dirty="0">
                 <a:solidFill>
                   <a:schemeClr val="bg1"/>
                 </a:solidFill>
               </a:rPr>
               <a:t>3M events</a:t>
             </a:r>
-            <a:endParaRPr lang="en-US" sz="8000" dirty="0">
-              <a:solidFill>
-                <a:schemeClr val="bg1"/>
-              </a:solidFill>
-            </a:endParaRPr>
           </a:p>
         </p:txBody>
       </p:sp>
@@ -10131,13 +12312,6 @@
   <p:clrMapOvr>
     <a:masterClrMapping/>
   </p:clrMapOvr>
-  <p:timing>
-    <p:tnLst>
-      <p:par>
-        <p:cTn id="1" dur="indefinite" restart="never" nodeType="tmRoot"/>
-      </p:par>
-    </p:tnLst>
-  </p:timing>
 </p:sld>
 </file>
 
@@ -10808,14 +12982,6 @@
   <p:clrMapOvr>
     <a:masterClrMapping/>
   </p:clrMapOvr>
-  <mc:AlternateContent xmlns:mc="http://schemas.openxmlformats.org/markup-compatibility/2006">
-    <mc:Choice xmlns:p14="http://schemas.microsoft.com/office/powerpoint/2010/main" Requires="p14">
-      <p:transition p14:dur="0"/>
-    </mc:Choice>
-    <mc:Fallback>
-      <p:transition/>
-    </mc:Fallback>
-  </mc:AlternateContent>
   <p:timing>
     <p:tnLst>
       <p:par>
@@ -11256,11 +13422,6 @@
               </a:rPr>
               <a:t>Too many features/attributes </a:t>
             </a:r>
-            <a:endParaRPr lang="en-US" dirty="0" smtClean="0">
-              <a:solidFill>
-                <a:schemeClr val="bg1"/>
-              </a:solidFill>
-            </a:endParaRPr>
           </a:p>
           <a:p>
             <a:r>
@@ -11269,21 +13430,8 @@
                   <a:schemeClr val="bg1"/>
                 </a:solidFill>
               </a:rPr>
-              <a:t>Environment to </a:t>
+              <a:t>Environment to run jobs</a:t>
             </a:r>
-            <a:r>
-              <a:rPr lang="en-US" dirty="0" smtClean="0">
-                <a:solidFill>
-                  <a:schemeClr val="bg1"/>
-                </a:solidFill>
-              </a:rPr>
-              <a:t>run jobs</a:t>
-            </a:r>
-            <a:endParaRPr lang="en-US" dirty="0">
-              <a:solidFill>
-                <a:schemeClr val="bg1"/>
-              </a:solidFill>
-            </a:endParaRPr>
           </a:p>
           <a:p>
             <a:r>
@@ -11295,7 +13443,7 @@
               <a:t>Bulk Loading into </a:t>
             </a:r>
             <a:r>
-              <a:rPr lang="en-US" dirty="0" err="1" smtClean="0">
+              <a:rPr lang="en-US" dirty="0" err="1">
                 <a:solidFill>
                   <a:schemeClr val="bg1"/>
                 </a:solidFill>
@@ -11325,20 +13473,12 @@
                   <a:schemeClr val="bg1"/>
                 </a:solidFill>
               </a:rPr>
-              <a:t>Excessive </a:t>
+              <a:t>Excessive Logging</a:t>
             </a:r>
+          </a:p>
+          <a:p>
             <a:r>
-              <a:rPr lang="en-US" dirty="0" smtClean="0">
-                <a:solidFill>
-                  <a:schemeClr val="bg1"/>
-                </a:solidFill>
-              </a:rPr>
-              <a:t>Logging</a:t>
-            </a:r>
-          </a:p>
-          <a:p>
-            <a:r>
-              <a:rPr lang="en-US" dirty="0" smtClean="0">
+              <a:rPr lang="en-US" dirty="0">
                 <a:solidFill>
                   <a:schemeClr val="bg1"/>
                 </a:solidFill>
@@ -11379,13 +13519,6 @@
   <p:clrMapOvr>
     <a:masterClrMapping/>
   </p:clrMapOvr>
-  <p:timing>
-    <p:tnLst>
-      <p:par>
-        <p:cTn id="1" dur="indefinite" restart="never" nodeType="tmRoot"/>
-      </p:par>
-    </p:tnLst>
-  </p:timing>
 </p:sld>
 </file>
 
@@ -11432,111 +13565,1027 @@
           </a:p>
         </p:txBody>
       </p:sp>
+      <p:graphicFrame>
+        <p:nvGraphicFramePr>
+          <p:cNvPr id="4" name="Table 3"/>
+          <p:cNvGraphicFramePr>
+            <a:graphicFrameLocks noGrp="1"/>
+          </p:cNvGraphicFramePr>
+          <p:nvPr>
+            <p:extLst>
+              <p:ext uri="{D42A27DB-BD31-4B8C-83A1-F6EECF244321}">
+                <p14:modId xmlns:p14="http://schemas.microsoft.com/office/powerpoint/2010/main" val="713897768"/>
+              </p:ext>
+            </p:extLst>
+          </p:nvPr>
+        </p:nvGraphicFramePr>
+        <p:xfrm>
+          <a:off x="838201" y="1562987"/>
+          <a:ext cx="4924646" cy="1456659"/>
+        </p:xfrm>
+        <a:graphic>
+          <a:graphicData uri="http://schemas.openxmlformats.org/drawingml/2006/table">
+            <a:tbl>
+              <a:tblPr firstRow="1" bandRow="1">
+                <a:tableStyleId>{5C22544A-7EE6-4342-B048-85BDC9FD1C3A}</a:tableStyleId>
+              </a:tblPr>
+              <a:tblGrid>
+                <a:gridCol w="1392299">
+                  <a:extLst>
+                    <a:ext uri="{9D8B030D-6E8A-4147-A177-3AD203B41FA5}">
+                      <a16:colId xmlns:a16="http://schemas.microsoft.com/office/drawing/2014/main" val="1531358609"/>
+                    </a:ext>
+                  </a:extLst>
+                </a:gridCol>
+                <a:gridCol w="365415">
+                  <a:extLst>
+                    <a:ext uri="{9D8B030D-6E8A-4147-A177-3AD203B41FA5}">
+                      <a16:colId xmlns:a16="http://schemas.microsoft.com/office/drawing/2014/main" val="790672283"/>
+                    </a:ext>
+                  </a:extLst>
+                </a:gridCol>
+                <a:gridCol w="365415">
+                  <a:extLst>
+                    <a:ext uri="{9D8B030D-6E8A-4147-A177-3AD203B41FA5}">
+                      <a16:colId xmlns:a16="http://schemas.microsoft.com/office/drawing/2014/main" val="4287237347"/>
+                    </a:ext>
+                  </a:extLst>
+                </a:gridCol>
+                <a:gridCol w="537972">
+                  <a:extLst>
+                    <a:ext uri="{9D8B030D-6E8A-4147-A177-3AD203B41FA5}">
+                      <a16:colId xmlns:a16="http://schemas.microsoft.com/office/drawing/2014/main" val="2424180090"/>
+                    </a:ext>
+                  </a:extLst>
+                </a:gridCol>
+                <a:gridCol w="365415">
+                  <a:extLst>
+                    <a:ext uri="{9D8B030D-6E8A-4147-A177-3AD203B41FA5}">
+                      <a16:colId xmlns:a16="http://schemas.microsoft.com/office/drawing/2014/main" val="124123060"/>
+                    </a:ext>
+                  </a:extLst>
+                </a:gridCol>
+                <a:gridCol w="834874">
+                  <a:extLst>
+                    <a:ext uri="{9D8B030D-6E8A-4147-A177-3AD203B41FA5}">
+                      <a16:colId xmlns:a16="http://schemas.microsoft.com/office/drawing/2014/main" val="3059152279"/>
+                    </a:ext>
+                  </a:extLst>
+                </a:gridCol>
+                <a:gridCol w="1063256">
+                  <a:extLst>
+                    <a:ext uri="{9D8B030D-6E8A-4147-A177-3AD203B41FA5}">
+                      <a16:colId xmlns:a16="http://schemas.microsoft.com/office/drawing/2014/main" val="2808095255"/>
+                    </a:ext>
+                  </a:extLst>
+                </a:gridCol>
+              </a:tblGrid>
+              <a:tr h="485553">
+                <a:tc>
+                  <a:txBody>
+                    <a:bodyPr/>
+                    <a:lstStyle/>
+                    <a:p>
+                      <a:r>
+                        <a:rPr lang="en-US" dirty="0"/>
+                        <a:t>Event ID</a:t>
+                      </a:r>
+                    </a:p>
+                  </a:txBody>
+                  <a:tcPr/>
+                </a:tc>
+                <a:tc>
+                  <a:txBody>
+                    <a:bodyPr/>
+                    <a:lstStyle/>
+                    <a:p>
+                      <a:r>
+                        <a:rPr lang="en-US" dirty="0"/>
+                        <a:t>...</a:t>
+                      </a:r>
+                    </a:p>
+                  </a:txBody>
+                  <a:tcPr/>
+                </a:tc>
+                <a:tc>
+                  <a:txBody>
+                    <a:bodyPr/>
+                    <a:lstStyle/>
+                    <a:p>
+                      <a:r>
+                        <a:rPr lang="en-US" dirty="0"/>
+                        <a:t>..</a:t>
+                      </a:r>
+                    </a:p>
+                  </a:txBody>
+                  <a:tcPr/>
+                </a:tc>
+                <a:tc>
+                  <a:txBody>
+                    <a:bodyPr/>
+                    <a:lstStyle/>
+                    <a:p>
+                      <a:r>
+                        <a:rPr lang="en-US" dirty="0"/>
+                        <a:t>C_1</a:t>
+                      </a:r>
+                    </a:p>
+                  </a:txBody>
+                  <a:tcPr/>
+                </a:tc>
+                <a:tc>
+                  <a:txBody>
+                    <a:bodyPr/>
+                    <a:lstStyle/>
+                    <a:p>
+                      <a:r>
+                        <a:rPr lang="en-US" dirty="0"/>
+                        <a:t>..</a:t>
+                      </a:r>
+                    </a:p>
+                  </a:txBody>
+                  <a:tcPr/>
+                </a:tc>
+                <a:tc>
+                  <a:txBody>
+                    <a:bodyPr/>
+                    <a:lstStyle/>
+                    <a:p>
+                      <a:r>
+                        <a:rPr lang="en-US" dirty="0"/>
+                        <a:t>C_100</a:t>
+                      </a:r>
+                    </a:p>
+                  </a:txBody>
+                  <a:tcPr/>
+                </a:tc>
+                <a:tc>
+                  <a:txBody>
+                    <a:bodyPr/>
+                    <a:lstStyle/>
+                    <a:p>
+                      <a:r>
+                        <a:rPr lang="en-US" dirty="0"/>
+                        <a:t>C_Other</a:t>
+                      </a:r>
+                    </a:p>
+                  </a:txBody>
+                  <a:tcPr/>
+                </a:tc>
+                <a:extLst>
+                  <a:ext uri="{0D108BD9-81ED-4DB2-BD59-A6C34878D82A}">
+                    <a16:rowId xmlns:a16="http://schemas.microsoft.com/office/drawing/2014/main" val="1426944437"/>
+                  </a:ext>
+                </a:extLst>
+              </a:tr>
+              <a:tr h="485553">
+                <a:tc>
+                  <a:txBody>
+                    <a:bodyPr/>
+                    <a:lstStyle/>
+                    <a:p>
+                      <a:r>
+                        <a:rPr lang="en-US" sz="1800" b="0" i="0" kern="1200" dirty="0">
+                          <a:solidFill>
+                            <a:schemeClr val="dk1"/>
+                          </a:solidFill>
+                          <a:effectLst/>
+                          <a:latin typeface="+mn-lt"/>
+                          <a:ea typeface="+mn-ea"/>
+                          <a:cs typeface="+mn-cs"/>
+                        </a:rPr>
+                        <a:t>2877501688</a:t>
+                      </a:r>
+                      <a:endParaRPr lang="en-US" dirty="0"/>
+                    </a:p>
+                  </a:txBody>
+                  <a:tcPr/>
+                </a:tc>
+                <a:tc>
+                  <a:txBody>
+                    <a:bodyPr/>
+                    <a:lstStyle/>
+                    <a:p>
+                      <a:r>
+                        <a:rPr lang="en-US" dirty="0"/>
+                        <a:t>..</a:t>
+                      </a:r>
+                    </a:p>
+                  </a:txBody>
+                  <a:tcPr/>
+                </a:tc>
+                <a:tc>
+                  <a:txBody>
+                    <a:bodyPr/>
+                    <a:lstStyle/>
+                    <a:p>
+                      <a:r>
+                        <a:rPr lang="en-US" dirty="0"/>
+                        <a:t>..</a:t>
+                      </a:r>
+                    </a:p>
+                  </a:txBody>
+                  <a:tcPr/>
+                </a:tc>
+                <a:tc>
+                  <a:txBody>
+                    <a:bodyPr/>
+                    <a:lstStyle/>
+                    <a:p>
+                      <a:r>
+                        <a:rPr lang="en-US" dirty="0"/>
+                        <a:t>2</a:t>
+                      </a:r>
+                    </a:p>
+                  </a:txBody>
+                  <a:tcPr/>
+                </a:tc>
+                <a:tc>
+                  <a:txBody>
+                    <a:bodyPr/>
+                    <a:lstStyle/>
+                    <a:p>
+                      <a:r>
+                        <a:rPr lang="en-US" dirty="0"/>
+                        <a:t>..</a:t>
+                      </a:r>
+                    </a:p>
+                  </a:txBody>
+                  <a:tcPr/>
+                </a:tc>
+                <a:tc>
+                  <a:txBody>
+                    <a:bodyPr/>
+                    <a:lstStyle/>
+                    <a:p>
+                      <a:r>
+                        <a:rPr lang="en-US" dirty="0"/>
+                        <a:t>6</a:t>
+                      </a:r>
+                    </a:p>
+                  </a:txBody>
+                  <a:tcPr/>
+                </a:tc>
+                <a:tc>
+                  <a:txBody>
+                    <a:bodyPr/>
+                    <a:lstStyle/>
+                    <a:p>
+                      <a:r>
+                        <a:rPr lang="en-US" dirty="0"/>
+                        <a:t>72</a:t>
+                      </a:r>
+                    </a:p>
+                  </a:txBody>
+                  <a:tcPr/>
+                </a:tc>
+                <a:extLst>
+                  <a:ext uri="{0D108BD9-81ED-4DB2-BD59-A6C34878D82A}">
+                    <a16:rowId xmlns:a16="http://schemas.microsoft.com/office/drawing/2014/main" val="1648390142"/>
+                  </a:ext>
+                </a:extLst>
+              </a:tr>
+              <a:tr h="485553">
+                <a:tc>
+                  <a:txBody>
+                    <a:bodyPr/>
+                    <a:lstStyle/>
+                    <a:p>
+                      <a:r>
+                        <a:rPr lang="en-US" sz="1800" b="0" i="0" kern="1200" dirty="0">
+                          <a:solidFill>
+                            <a:schemeClr val="dk1"/>
+                          </a:solidFill>
+                          <a:effectLst/>
+                          <a:latin typeface="+mn-lt"/>
+                          <a:ea typeface="+mn-ea"/>
+                          <a:cs typeface="+mn-cs"/>
+                        </a:rPr>
+                        <a:t>799782433</a:t>
+                      </a:r>
+                      <a:endParaRPr lang="en-US" dirty="0"/>
+                    </a:p>
+                  </a:txBody>
+                  <a:tcPr/>
+                </a:tc>
+                <a:tc>
+                  <a:txBody>
+                    <a:bodyPr/>
+                    <a:lstStyle/>
+                    <a:p>
+                      <a:r>
+                        <a:rPr lang="en-US" dirty="0"/>
+                        <a:t>..</a:t>
+                      </a:r>
+                    </a:p>
+                  </a:txBody>
+                  <a:tcPr/>
+                </a:tc>
+                <a:tc>
+                  <a:txBody>
+                    <a:bodyPr/>
+                    <a:lstStyle/>
+                    <a:p>
+                      <a:r>
+                        <a:rPr lang="en-US" dirty="0"/>
+                        <a:t>..</a:t>
+                      </a:r>
+                    </a:p>
+                  </a:txBody>
+                  <a:tcPr/>
+                </a:tc>
+                <a:tc>
+                  <a:txBody>
+                    <a:bodyPr/>
+                    <a:lstStyle/>
+                    <a:p>
+                      <a:r>
+                        <a:rPr lang="en-US" dirty="0"/>
+                        <a:t>1</a:t>
+                      </a:r>
+                    </a:p>
+                  </a:txBody>
+                  <a:tcPr/>
+                </a:tc>
+                <a:tc>
+                  <a:txBody>
+                    <a:bodyPr/>
+                    <a:lstStyle/>
+                    <a:p>
+                      <a:r>
+                        <a:rPr lang="en-US" dirty="0"/>
+                        <a:t>..</a:t>
+                      </a:r>
+                    </a:p>
+                  </a:txBody>
+                  <a:tcPr/>
+                </a:tc>
+                <a:tc>
+                  <a:txBody>
+                    <a:bodyPr/>
+                    <a:lstStyle/>
+                    <a:p>
+                      <a:r>
+                        <a:rPr lang="en-US" dirty="0"/>
+                        <a:t>1</a:t>
+                      </a:r>
+                    </a:p>
+                  </a:txBody>
+                  <a:tcPr/>
+                </a:tc>
+                <a:tc>
+                  <a:txBody>
+                    <a:bodyPr/>
+                    <a:lstStyle/>
+                    <a:p>
+                      <a:r>
+                        <a:rPr lang="en-US" dirty="0"/>
+                        <a:t>21</a:t>
+                      </a:r>
+                    </a:p>
+                  </a:txBody>
+                  <a:tcPr/>
+                </a:tc>
+                <a:extLst>
+                  <a:ext uri="{0D108BD9-81ED-4DB2-BD59-A6C34878D82A}">
+                    <a16:rowId xmlns:a16="http://schemas.microsoft.com/office/drawing/2014/main" val="2624975048"/>
+                  </a:ext>
+                </a:extLst>
+              </a:tr>
+            </a:tbl>
+          </a:graphicData>
+        </a:graphic>
+      </p:graphicFrame>
+      <p:graphicFrame>
+        <p:nvGraphicFramePr>
+          <p:cNvPr id="5" name="Table 4"/>
+          <p:cNvGraphicFramePr>
+            <a:graphicFrameLocks noGrp="1"/>
+          </p:cNvGraphicFramePr>
+          <p:nvPr>
+            <p:extLst>
+              <p:ext uri="{D42A27DB-BD31-4B8C-83A1-F6EECF244321}">
+                <p14:modId xmlns:p14="http://schemas.microsoft.com/office/powerpoint/2010/main" val="1634656537"/>
+              </p:ext>
+            </p:extLst>
+          </p:nvPr>
+        </p:nvGraphicFramePr>
+        <p:xfrm>
+          <a:off x="6741040" y="1562986"/>
+          <a:ext cx="4976040" cy="1456659"/>
+        </p:xfrm>
+        <a:graphic>
+          <a:graphicData uri="http://schemas.openxmlformats.org/drawingml/2006/table">
+            <a:tbl>
+              <a:tblPr firstRow="1" bandRow="1">
+                <a:tableStyleId>{5C22544A-7EE6-4342-B048-85BDC9FD1C3A}</a:tableStyleId>
+              </a:tblPr>
+              <a:tblGrid>
+                <a:gridCol w="1360969">
+                  <a:extLst>
+                    <a:ext uri="{9D8B030D-6E8A-4147-A177-3AD203B41FA5}">
+                      <a16:colId xmlns:a16="http://schemas.microsoft.com/office/drawing/2014/main" val="223679318"/>
+                    </a:ext>
+                  </a:extLst>
+                </a:gridCol>
+                <a:gridCol w="680484">
+                  <a:extLst>
+                    <a:ext uri="{9D8B030D-6E8A-4147-A177-3AD203B41FA5}">
+                      <a16:colId xmlns:a16="http://schemas.microsoft.com/office/drawing/2014/main" val="3955244991"/>
+                    </a:ext>
+                  </a:extLst>
+                </a:gridCol>
+                <a:gridCol w="680484">
+                  <a:extLst>
+                    <a:ext uri="{9D8B030D-6E8A-4147-A177-3AD203B41FA5}">
+                      <a16:colId xmlns:a16="http://schemas.microsoft.com/office/drawing/2014/main" val="3410225350"/>
+                    </a:ext>
+                  </a:extLst>
+                </a:gridCol>
+                <a:gridCol w="712381">
+                  <a:extLst>
+                    <a:ext uri="{9D8B030D-6E8A-4147-A177-3AD203B41FA5}">
+                      <a16:colId xmlns:a16="http://schemas.microsoft.com/office/drawing/2014/main" val="525189864"/>
+                    </a:ext>
+                  </a:extLst>
+                </a:gridCol>
+                <a:gridCol w="749596">
+                  <a:extLst>
+                    <a:ext uri="{9D8B030D-6E8A-4147-A177-3AD203B41FA5}">
+                      <a16:colId xmlns:a16="http://schemas.microsoft.com/office/drawing/2014/main" val="3010050982"/>
+                    </a:ext>
+                  </a:extLst>
+                </a:gridCol>
+                <a:gridCol w="792126">
+                  <a:extLst>
+                    <a:ext uri="{9D8B030D-6E8A-4147-A177-3AD203B41FA5}">
+                      <a16:colId xmlns:a16="http://schemas.microsoft.com/office/drawing/2014/main" val="4274137457"/>
+                    </a:ext>
+                  </a:extLst>
+                </a:gridCol>
+              </a:tblGrid>
+              <a:tr h="485553">
+                <a:tc>
+                  <a:txBody>
+                    <a:bodyPr/>
+                    <a:lstStyle/>
+                    <a:p>
+                      <a:r>
+                        <a:rPr lang="en-US" dirty="0"/>
+                        <a:t>Event ID</a:t>
+                      </a:r>
+                    </a:p>
+                  </a:txBody>
+                  <a:tcPr/>
+                </a:tc>
+                <a:tc>
+                  <a:txBody>
+                    <a:bodyPr/>
+                    <a:lstStyle/>
+                    <a:p>
+                      <a:r>
+                        <a:rPr lang="en-US" dirty="0"/>
+                        <a:t>C_1</a:t>
+                      </a:r>
+                    </a:p>
+                  </a:txBody>
+                  <a:tcPr/>
+                </a:tc>
+                <a:tc>
+                  <a:txBody>
+                    <a:bodyPr/>
+                    <a:lstStyle/>
+                    <a:p>
+                      <a:r>
+                        <a:rPr lang="en-US" dirty="0"/>
+                        <a:t>C_2</a:t>
+                      </a:r>
+                    </a:p>
+                  </a:txBody>
+                  <a:tcPr/>
+                </a:tc>
+                <a:tc>
+                  <a:txBody>
+                    <a:bodyPr/>
+                    <a:lstStyle/>
+                    <a:p>
+                      <a:r>
+                        <a:rPr lang="en-US" dirty="0"/>
+                        <a:t>C_3</a:t>
+                      </a:r>
+                    </a:p>
+                  </a:txBody>
+                  <a:tcPr/>
+                </a:tc>
+                <a:tc>
+                  <a:txBody>
+                    <a:bodyPr/>
+                    <a:lstStyle/>
+                    <a:p>
+                      <a:r>
+                        <a:rPr lang="en-US" dirty="0"/>
+                        <a:t>…</a:t>
+                      </a:r>
+                    </a:p>
+                  </a:txBody>
+                  <a:tcPr/>
+                </a:tc>
+                <a:tc>
+                  <a:txBody>
+                    <a:bodyPr/>
+                    <a:lstStyle/>
+                    <a:p>
+                      <a:r>
+                        <a:rPr lang="en-US" dirty="0"/>
+                        <a:t>C_100</a:t>
+                      </a:r>
+                    </a:p>
+                  </a:txBody>
+                  <a:tcPr/>
+                </a:tc>
+                <a:extLst>
+                  <a:ext uri="{0D108BD9-81ED-4DB2-BD59-A6C34878D82A}">
+                    <a16:rowId xmlns:a16="http://schemas.microsoft.com/office/drawing/2014/main" val="2803736099"/>
+                  </a:ext>
+                </a:extLst>
+              </a:tr>
+              <a:tr h="485553">
+                <a:tc>
+                  <a:txBody>
+                    <a:bodyPr/>
+                    <a:lstStyle/>
+                    <a:p>
+                      <a:r>
+                        <a:rPr lang="en-US" sz="1800" b="0" i="0" kern="1200" dirty="0">
+                          <a:solidFill>
+                            <a:schemeClr val="dk1"/>
+                          </a:solidFill>
+                          <a:effectLst/>
+                          <a:latin typeface="+mn-lt"/>
+                          <a:ea typeface="+mn-ea"/>
+                          <a:cs typeface="+mn-cs"/>
+                        </a:rPr>
+                        <a:t>2877501688</a:t>
+                      </a:r>
+                      <a:endParaRPr lang="en-US" dirty="0"/>
+                    </a:p>
+                  </a:txBody>
+                  <a:tcPr/>
+                </a:tc>
+                <a:tc>
+                  <a:txBody>
+                    <a:bodyPr/>
+                    <a:lstStyle/>
+                    <a:p>
+                      <a:r>
+                        <a:rPr lang="en-US" dirty="0"/>
+                        <a:t>0.06</a:t>
+                      </a:r>
+                    </a:p>
+                  </a:txBody>
+                  <a:tcPr/>
+                </a:tc>
+                <a:tc>
+                  <a:txBody>
+                    <a:bodyPr/>
+                    <a:lstStyle/>
+                    <a:p>
+                      <a:r>
+                        <a:rPr lang="en-US" dirty="0"/>
+                        <a:t>0.0</a:t>
+                      </a:r>
+                    </a:p>
+                  </a:txBody>
+                  <a:tcPr/>
+                </a:tc>
+                <a:tc>
+                  <a:txBody>
+                    <a:bodyPr/>
+                    <a:lstStyle/>
+                    <a:p>
+                      <a:r>
+                        <a:rPr lang="en-US" dirty="0"/>
+                        <a:t>0.03</a:t>
+                      </a:r>
+                    </a:p>
+                  </a:txBody>
+                  <a:tcPr/>
+                </a:tc>
+                <a:tc>
+                  <a:txBody>
+                    <a:bodyPr/>
+                    <a:lstStyle/>
+                    <a:p>
+                      <a:r>
+                        <a:rPr lang="en-US" dirty="0"/>
+                        <a:t>…</a:t>
+                      </a:r>
+                    </a:p>
+                  </a:txBody>
+                  <a:tcPr/>
+                </a:tc>
+                <a:tc>
+                  <a:txBody>
+                    <a:bodyPr/>
+                    <a:lstStyle/>
+                    <a:p>
+                      <a:r>
+                        <a:rPr lang="en-US" dirty="0"/>
+                        <a:t>0.06</a:t>
+                      </a:r>
+                    </a:p>
+                  </a:txBody>
+                  <a:tcPr/>
+                </a:tc>
+                <a:extLst>
+                  <a:ext uri="{0D108BD9-81ED-4DB2-BD59-A6C34878D82A}">
+                    <a16:rowId xmlns:a16="http://schemas.microsoft.com/office/drawing/2014/main" val="1947327592"/>
+                  </a:ext>
+                </a:extLst>
+              </a:tr>
+              <a:tr h="485553">
+                <a:tc>
+                  <a:txBody>
+                    <a:bodyPr/>
+                    <a:lstStyle/>
+                    <a:p>
+                      <a:r>
+                        <a:rPr lang="en-US" sz="1800" b="0" i="0" kern="1200" dirty="0">
+                          <a:solidFill>
+                            <a:schemeClr val="dk1"/>
+                          </a:solidFill>
+                          <a:effectLst/>
+                          <a:latin typeface="+mn-lt"/>
+                          <a:ea typeface="+mn-ea"/>
+                          <a:cs typeface="+mn-cs"/>
+                        </a:rPr>
+                        <a:t>799782433</a:t>
+                      </a:r>
+                      <a:endParaRPr lang="en-US" dirty="0"/>
+                    </a:p>
+                  </a:txBody>
+                  <a:tcPr/>
+                </a:tc>
+                <a:tc>
+                  <a:txBody>
+                    <a:bodyPr/>
+                    <a:lstStyle/>
+                    <a:p>
+                      <a:r>
+                        <a:rPr lang="en-US" dirty="0"/>
+                        <a:t>0.0</a:t>
+                      </a:r>
+                    </a:p>
+                  </a:txBody>
+                  <a:tcPr/>
+                </a:tc>
+                <a:tc>
+                  <a:txBody>
+                    <a:bodyPr/>
+                    <a:lstStyle/>
+                    <a:p>
+                      <a:r>
+                        <a:rPr lang="en-US" dirty="0"/>
+                        <a:t>0.02</a:t>
+                      </a:r>
+                    </a:p>
+                  </a:txBody>
+                  <a:tcPr/>
+                </a:tc>
+                <a:tc>
+                  <a:txBody>
+                    <a:bodyPr/>
+                    <a:lstStyle/>
+                    <a:p>
+                      <a:r>
+                        <a:rPr lang="en-US" dirty="0"/>
+                        <a:t>0.01</a:t>
+                      </a:r>
+                    </a:p>
+                  </a:txBody>
+                  <a:tcPr/>
+                </a:tc>
+                <a:tc>
+                  <a:txBody>
+                    <a:bodyPr/>
+                    <a:lstStyle/>
+                    <a:p>
+                      <a:r>
+                        <a:rPr lang="en-US" dirty="0"/>
+                        <a:t>…</a:t>
+                      </a:r>
+                    </a:p>
+                  </a:txBody>
+                  <a:tcPr/>
+                </a:tc>
+                <a:tc>
+                  <a:txBody>
+                    <a:bodyPr/>
+                    <a:lstStyle/>
+                    <a:p>
+                      <a:r>
+                        <a:rPr lang="en-US" dirty="0"/>
+                        <a:t>0.0</a:t>
+                      </a:r>
+                    </a:p>
+                  </a:txBody>
+                  <a:tcPr/>
+                </a:tc>
+                <a:extLst>
+                  <a:ext uri="{0D108BD9-81ED-4DB2-BD59-A6C34878D82A}">
+                    <a16:rowId xmlns:a16="http://schemas.microsoft.com/office/drawing/2014/main" val="1348535785"/>
+                  </a:ext>
+                </a:extLst>
+              </a:tr>
+            </a:tbl>
+          </a:graphicData>
+        </a:graphic>
+      </p:graphicFrame>
       <p:sp>
         <p:nvSpPr>
-          <p:cNvPr id="3" name="Content Placeholder 2"/>
-          <p:cNvSpPr>
-            <a:spLocks noGrp="1"/>
-          </p:cNvSpPr>
-          <p:nvPr>
-            <p:ph idx="1"/>
-          </p:nvPr>
+          <p:cNvPr id="6" name="Right Arrow 5"/>
+          <p:cNvSpPr/>
+          <p:nvPr/>
         </p:nvSpPr>
-        <p:spPr/>
+        <p:spPr>
+          <a:xfrm>
+            <a:off x="5890436" y="1892594"/>
+            <a:ext cx="723014" cy="797441"/>
+          </a:xfrm>
+          <a:prstGeom prst="rightArrow">
+            <a:avLst/>
+          </a:prstGeom>
+        </p:spPr>
+        <p:style>
+          <a:lnRef idx="2">
+            <a:schemeClr val="accent1">
+              <a:shade val="50000"/>
+            </a:schemeClr>
+          </a:lnRef>
+          <a:fillRef idx="1">
+            <a:schemeClr val="accent1"/>
+          </a:fillRef>
+          <a:effectRef idx="0">
+            <a:schemeClr val="accent1"/>
+          </a:effectRef>
+          <a:fontRef idx="minor">
+            <a:schemeClr val="lt1"/>
+          </a:fontRef>
+        </p:style>
         <p:txBody>
-          <a:bodyPr/>
+          <a:bodyPr rtlCol="0" anchor="ctr"/>
           <a:lstStyle/>
           <a:p>
+            <a:pPr algn="ctr"/>
+            <a:endParaRPr lang="en-US"/>
+          </a:p>
+        </p:txBody>
+      </p:sp>
+      <p:sp>
+        <p:nvSpPr>
+          <p:cNvPr id="7" name="Left Brace 6"/>
+          <p:cNvSpPr/>
+          <p:nvPr/>
+        </p:nvSpPr>
+        <p:spPr>
+          <a:xfrm>
+            <a:off x="4231758" y="3487479"/>
+            <a:ext cx="446568" cy="1137684"/>
+          </a:xfrm>
+          <a:prstGeom prst="leftBrace">
+            <a:avLst/>
+          </a:prstGeom>
+          <a:effectLst>
+            <a:glow rad="63500">
+              <a:schemeClr val="accent1">
+                <a:satMod val="175000"/>
+                <a:alpha val="40000"/>
+              </a:schemeClr>
+            </a:glow>
+          </a:effectLst>
+        </p:spPr>
+        <p:style>
+          <a:lnRef idx="3">
+            <a:schemeClr val="accent5"/>
+          </a:lnRef>
+          <a:fillRef idx="0">
+            <a:schemeClr val="accent5"/>
+          </a:fillRef>
+          <a:effectRef idx="2">
+            <a:schemeClr val="accent5"/>
+          </a:effectRef>
+          <a:fontRef idx="minor">
+            <a:schemeClr val="tx1"/>
+          </a:fontRef>
+        </p:style>
+        <p:txBody>
+          <a:bodyPr rtlCol="0" anchor="ctr"/>
+          <a:lstStyle/>
+          <a:p>
+            <a:pPr algn="ctr"/>
+            <a:endParaRPr lang="en-US">
+              <a:ln w="0"/>
+              <a:effectLst>
+                <a:outerShdw blurRad="38100" dist="19050" dir="2700000" algn="tl" rotWithShape="0">
+                  <a:schemeClr val="dk1">
+                    <a:alpha val="40000"/>
+                  </a:schemeClr>
+                </a:outerShdw>
+              </a:effectLst>
+            </a:endParaRPr>
+          </a:p>
+        </p:txBody>
+      </p:sp>
+      <p:sp>
+        <p:nvSpPr>
+          <p:cNvPr id="8" name="Left Brace 7"/>
+          <p:cNvSpPr/>
+          <p:nvPr/>
+        </p:nvSpPr>
+        <p:spPr>
+          <a:xfrm rot="10800000">
+            <a:off x="7169888" y="3487479"/>
+            <a:ext cx="446568" cy="1137684"/>
+          </a:xfrm>
+          <a:prstGeom prst="leftBrace">
+            <a:avLst/>
+          </a:prstGeom>
+          <a:effectLst>
+            <a:glow rad="63500">
+              <a:schemeClr val="accent1">
+                <a:satMod val="175000"/>
+                <a:alpha val="40000"/>
+              </a:schemeClr>
+            </a:glow>
+          </a:effectLst>
+        </p:spPr>
+        <p:style>
+          <a:lnRef idx="3">
+            <a:schemeClr val="accent5"/>
+          </a:lnRef>
+          <a:fillRef idx="0">
+            <a:schemeClr val="accent5"/>
+          </a:fillRef>
+          <a:effectRef idx="2">
+            <a:schemeClr val="accent5"/>
+          </a:effectRef>
+          <a:fontRef idx="minor">
+            <a:schemeClr val="tx1"/>
+          </a:fontRef>
+        </p:style>
+        <p:txBody>
+          <a:bodyPr rtlCol="0" anchor="ctr"/>
+          <a:lstStyle/>
+          <a:p>
+            <a:pPr algn="ctr"/>
+            <a:endParaRPr lang="en-US">
+              <a:ln w="0"/>
+              <a:effectLst>
+                <a:outerShdw blurRad="38100" dist="19050" dir="2700000" algn="tl" rotWithShape="0">
+                  <a:schemeClr val="dk1">
+                    <a:alpha val="40000"/>
+                  </a:schemeClr>
+                </a:outerShdw>
+              </a:effectLst>
+            </a:endParaRPr>
+          </a:p>
+        </p:txBody>
+      </p:sp>
+      <p:sp>
+        <p:nvSpPr>
+          <p:cNvPr id="10" name="Rectangle 9"/>
+          <p:cNvSpPr/>
+          <p:nvPr/>
+        </p:nvSpPr>
+        <p:spPr>
+          <a:xfrm>
+            <a:off x="4761761" y="3825487"/>
+            <a:ext cx="2257349" cy="461665"/>
+          </a:xfrm>
+          <a:prstGeom prst="rect">
+            <a:avLst/>
+          </a:prstGeom>
+        </p:spPr>
+        <p:txBody>
+          <a:bodyPr wrap="none">
+            <a:spAutoFit/>
+          </a:bodyPr>
+          <a:lstStyle/>
+          <a:p>
             <a:r>
-              <a:rPr lang="en-US" dirty="0" smtClean="0">
+              <a:rPr lang="en-US" sz="2400" dirty="0">
                 <a:solidFill>
                   <a:schemeClr val="bg1"/>
                 </a:solidFill>
               </a:rPr>
-              <a:t>Tables </a:t>
+              <a:t>Cosine Similarity</a:t>
             </a:r>
-          </a:p>
-          <a:p>
-            <a:pPr lvl="1"/>
+            <a:endParaRPr lang="en-US" sz="2400" dirty="0"/>
+          </a:p>
+        </p:txBody>
+      </p:sp>
+      <p:graphicFrame>
+        <p:nvGraphicFramePr>
+          <p:cNvPr id="12" name="Diagram 11"/>
+          <p:cNvGraphicFramePr/>
+          <p:nvPr>
+            <p:extLst>
+              <p:ext uri="{D42A27DB-BD31-4B8C-83A1-F6EECF244321}">
+                <p14:modId xmlns:p14="http://schemas.microsoft.com/office/powerpoint/2010/main" val="209356450"/>
+              </p:ext>
+            </p:extLst>
+          </p:nvPr>
+        </p:nvGraphicFramePr>
+        <p:xfrm>
+          <a:off x="2551815" y="3439630"/>
+          <a:ext cx="6741042" cy="1233377"/>
+        </p:xfrm>
+        <a:graphic>
+          <a:graphicData uri="http://schemas.openxmlformats.org/drawingml/2006/diagram">
+            <dgm:relIds xmlns:dgm="http://schemas.openxmlformats.org/drawingml/2006/diagram" xmlns:r="http://schemas.openxmlformats.org/officeDocument/2006/relationships" r:dm="rId2" r:lo="rId3" r:qs="rId4" r:cs="rId5"/>
+          </a:graphicData>
+        </a:graphic>
+      </p:graphicFrame>
+      <p:sp>
+        <p:nvSpPr>
+          <p:cNvPr id="13" name="Down Arrow 12"/>
+          <p:cNvSpPr/>
+          <p:nvPr/>
+        </p:nvSpPr>
+        <p:spPr>
+          <a:xfrm>
+            <a:off x="5550193" y="4768588"/>
+            <a:ext cx="680484" cy="744279"/>
+          </a:xfrm>
+          <a:prstGeom prst="downArrow">
+            <a:avLst/>
+          </a:prstGeom>
+        </p:spPr>
+        <p:style>
+          <a:lnRef idx="2">
+            <a:schemeClr val="accent1">
+              <a:shade val="50000"/>
+            </a:schemeClr>
+          </a:lnRef>
+          <a:fillRef idx="1">
+            <a:schemeClr val="accent1"/>
+          </a:fillRef>
+          <a:effectRef idx="0">
+            <a:schemeClr val="accent1"/>
+          </a:effectRef>
+          <a:fontRef idx="minor">
+            <a:schemeClr val="lt1"/>
+          </a:fontRef>
+        </p:style>
+        <p:txBody>
+          <a:bodyPr rtlCol="0" anchor="ctr"/>
+          <a:lstStyle/>
+          <a:p>
+            <a:pPr algn="ctr"/>
+            <a:endParaRPr lang="en-US"/>
+          </a:p>
+        </p:txBody>
+      </p:sp>
+      <p:sp>
+        <p:nvSpPr>
+          <p:cNvPr id="14" name="Rounded Rectangle 13"/>
+          <p:cNvSpPr/>
+          <p:nvPr/>
+        </p:nvSpPr>
+        <p:spPr>
+          <a:xfrm>
+            <a:off x="4396560" y="5773362"/>
+            <a:ext cx="2993068" cy="786925"/>
+          </a:xfrm>
+          <a:prstGeom prst="roundRect">
+            <a:avLst/>
+          </a:prstGeom>
+        </p:spPr>
+        <p:style>
+          <a:lnRef idx="2">
+            <a:schemeClr val="accent1">
+              <a:shade val="50000"/>
+            </a:schemeClr>
+          </a:lnRef>
+          <a:fillRef idx="1">
+            <a:schemeClr val="accent1"/>
+          </a:fillRef>
+          <a:effectRef idx="0">
+            <a:schemeClr val="accent1"/>
+          </a:effectRef>
+          <a:fontRef idx="minor">
+            <a:schemeClr val="lt1"/>
+          </a:fontRef>
+        </p:style>
+        <p:txBody>
+          <a:bodyPr rtlCol="0" anchor="ctr"/>
+          <a:lstStyle/>
+          <a:p>
+            <a:pPr algn="ctr"/>
             <a:r>
-              <a:rPr lang="en-US" dirty="0">
-                <a:solidFill>
-                  <a:schemeClr val="bg1"/>
-                </a:solidFill>
-              </a:rPr>
-              <a:t>original </a:t>
+              <a:rPr lang="en-US" sz="2400" dirty="0"/>
+              <a:t>Recommendation Result</a:t>
             </a:r>
-            <a:r>
-              <a:rPr lang="en-US" dirty="0" smtClean="0">
-                <a:solidFill>
-                  <a:schemeClr val="bg1"/>
-                </a:solidFill>
-              </a:rPr>
-              <a:t>csv</a:t>
-            </a:r>
-          </a:p>
-          <a:p>
-            <a:pPr lvl="1"/>
-            <a:r>
-              <a:rPr lang="en-US" dirty="0" smtClean="0">
-                <a:solidFill>
-                  <a:schemeClr val="bg1"/>
-                </a:solidFill>
-              </a:rPr>
-              <a:t>Transformed table</a:t>
-            </a:r>
-          </a:p>
-          <a:p>
-            <a:pPr lvl="1"/>
-            <a:r>
-              <a:rPr lang="en-US" dirty="0" smtClean="0">
-                <a:solidFill>
-                  <a:schemeClr val="bg1"/>
-                </a:solidFill>
-              </a:rPr>
-              <a:t>Cosine similarity</a:t>
-            </a:r>
-          </a:p>
-          <a:p>
-            <a:pPr lvl="1"/>
-            <a:r>
-              <a:rPr lang="en-US" dirty="0" smtClean="0">
-                <a:solidFill>
-                  <a:schemeClr val="bg1"/>
-                </a:solidFill>
-              </a:rPr>
-              <a:t>result</a:t>
-            </a:r>
-          </a:p>
-          <a:p>
-            <a:pPr lvl="1"/>
-            <a:endParaRPr lang="en-US" dirty="0" smtClean="0">
-              <a:solidFill>
-                <a:schemeClr val="bg1"/>
-              </a:solidFill>
-            </a:endParaRPr>
-          </a:p>
-          <a:p>
-            <a:pPr lvl="1"/>
-            <a:endParaRPr lang="en-US" dirty="0">
-              <a:solidFill>
-                <a:schemeClr val="bg1"/>
-              </a:solidFill>
-            </a:endParaRPr>
-          </a:p>
-          <a:p>
-            <a:endParaRPr lang="en-US" dirty="0" smtClean="0">
-              <a:solidFill>
-                <a:schemeClr val="bg1"/>
-              </a:solidFill>
-            </a:endParaRPr>
-          </a:p>
-          <a:p>
-            <a:endParaRPr lang="en-US" dirty="0">
-              <a:solidFill>
-                <a:schemeClr val="bg1"/>
-              </a:solidFill>
-            </a:endParaRPr>
           </a:p>
         </p:txBody>
       </p:sp>
@@ -11550,13 +14599,6 @@
   <p:clrMapOvr>
     <a:masterClrMapping/>
   </p:clrMapOvr>
-  <p:timing>
-    <p:tnLst>
-      <p:par>
-        <p:cTn id="1" dur="indefinite" restart="never" nodeType="tmRoot"/>
-      </p:par>
-    </p:tnLst>
-  </p:timing>
 </p:sld>
 </file>
 

--- a/Big Data Project.pptx
+++ b/Big Data Project.pptx
@@ -12,8 +12,8 @@
     <p:sldId id="257" r:id="rId3"/>
     <p:sldId id="264" r:id="rId4"/>
     <p:sldId id="266" r:id="rId5"/>
-    <p:sldId id="261" r:id="rId6"/>
-    <p:sldId id="267" r:id="rId7"/>
+    <p:sldId id="267" r:id="rId6"/>
+    <p:sldId id="261" r:id="rId7"/>
     <p:sldId id="265" r:id="rId8"/>
     <p:sldId id="262" r:id="rId9"/>
     <p:sldId id="258" r:id="rId10"/>
@@ -2451,6 +2451,13 @@
         </dgm:presLayoutVars>
       </dgm:prSet>
       <dgm:spPr/>
+      <dgm:t>
+        <a:bodyPr/>
+        <a:lstStyle/>
+        <a:p>
+          <a:endParaRPr lang="en-US"/>
+        </a:p>
+      </dgm:t>
     </dgm:pt>
     <dgm:pt modelId="{8952AFAF-761E-422A-883C-575FA4AA0F04}" type="pres">
       <dgm:prSet presAssocID="{DE81D696-55D7-4F04-A338-D15E16CC942E}" presName="spVertical2" presStyleCnt="0"/>
@@ -2585,6 +2592,13 @@
         </dgm:presLayoutVars>
       </dgm:prSet>
       <dgm:spPr/>
+      <dgm:t>
+        <a:bodyPr/>
+        <a:lstStyle/>
+        <a:p>
+          <a:endParaRPr lang="en-US"/>
+        </a:p>
+      </dgm:t>
     </dgm:pt>
     <dgm:pt modelId="{8952AFAF-761E-422A-883C-575FA4AA0F04}" type="pres">
       <dgm:prSet presAssocID="{DE81D696-55D7-4F04-A338-D15E16CC942E}" presName="spVertical2" presStyleCnt="0"/>
@@ -2727,6 +2741,13 @@
         </dgm:presLayoutVars>
       </dgm:prSet>
       <dgm:spPr/>
+      <dgm:t>
+        <a:bodyPr/>
+        <a:lstStyle/>
+        <a:p>
+          <a:endParaRPr lang="en-US"/>
+        </a:p>
+      </dgm:t>
     </dgm:pt>
     <dgm:pt modelId="{DEEBCC28-4DC4-4A71-A33E-5C916312996A}" type="pres">
       <dgm:prSet presAssocID="{F42F66D6-4C25-40D8-8C8D-99D783020CB7}" presName="arrow" presStyleLbl="node1" presStyleIdx="0" presStyleCnt="2" custScaleY="100230" custRadScaleRad="100058" custRadScaleInc="-6">
@@ -2735,6 +2756,13 @@
         </dgm:presLayoutVars>
       </dgm:prSet>
       <dgm:spPr/>
+      <dgm:t>
+        <a:bodyPr/>
+        <a:lstStyle/>
+        <a:p>
+          <a:endParaRPr lang="en-US"/>
+        </a:p>
+      </dgm:t>
     </dgm:pt>
     <dgm:pt modelId="{97425F11-2919-48ED-BF33-35E5F174071E}" type="pres">
       <dgm:prSet presAssocID="{A0ACF810-A02D-4B18-80F9-AAAA50A45B1B}" presName="arrow" presStyleLbl="node1" presStyleIdx="1" presStyleCnt="2" custScaleY="100230" custRadScaleRad="100108" custRadScaleInc="6">
@@ -2743,6 +2771,13 @@
         </dgm:presLayoutVars>
       </dgm:prSet>
       <dgm:spPr/>
+      <dgm:t>
+        <a:bodyPr/>
+        <a:lstStyle/>
+        <a:p>
+          <a:endParaRPr lang="en-US"/>
+        </a:p>
+      </dgm:t>
     </dgm:pt>
   </dgm:ptLst>
   <dgm:cxnLst>
@@ -2859,7 +2894,7 @@
         </a:bodyPr>
         <a:lstStyle/>
         <a:p>
-          <a:pPr marL="0" lvl="0" indent="0" algn="ctr" defTabSz="1244600">
+          <a:pPr lvl="0" algn="ctr" defTabSz="1244600">
             <a:lnSpc>
               <a:spcPct val="90000"/>
             </a:lnSpc>
@@ -2869,7 +2904,6 @@
             <a:spcAft>
               <a:spcPct val="35000"/>
             </a:spcAft>
-            <a:buNone/>
           </a:pPr>
           <a:r>
             <a:rPr lang="en-US" sz="2800" kern="1200" dirty="0">
@@ -2985,7 +3019,7 @@
         </a:bodyPr>
         <a:lstStyle/>
         <a:p>
-          <a:pPr marL="0" lvl="0" indent="0" algn="ctr" defTabSz="1066800">
+          <a:pPr lvl="0" algn="ctr" defTabSz="1066800">
             <a:lnSpc>
               <a:spcPct val="90000"/>
             </a:lnSpc>
@@ -2995,7 +3029,6 @@
             <a:spcAft>
               <a:spcPct val="35000"/>
             </a:spcAft>
-            <a:buNone/>
           </a:pPr>
           <a:r>
             <a:rPr lang="en-US" sz="2400" kern="1200" dirty="0">
@@ -3082,7 +3115,7 @@
         </a:bodyPr>
         <a:lstStyle/>
         <a:p>
-          <a:pPr marL="0" lvl="0" indent="0" algn="ctr" defTabSz="844550">
+          <a:pPr lvl="0" algn="ctr" defTabSz="844550">
             <a:lnSpc>
               <a:spcPct val="90000"/>
             </a:lnSpc>
@@ -3092,7 +3125,6 @@
             <a:spcAft>
               <a:spcPct val="35000"/>
             </a:spcAft>
-            <a:buNone/>
           </a:pPr>
           <a:r>
             <a:rPr lang="en-US" sz="1900" kern="1200" dirty="0"/>
@@ -3163,7 +3195,7 @@
         </a:bodyPr>
         <a:lstStyle/>
         <a:p>
-          <a:pPr marL="0" lvl="0" indent="0" algn="ctr" defTabSz="844550">
+          <a:pPr lvl="0" algn="ctr" defTabSz="844550">
             <a:lnSpc>
               <a:spcPct val="90000"/>
             </a:lnSpc>
@@ -3173,7 +3205,6 @@
             <a:spcAft>
               <a:spcPct val="35000"/>
             </a:spcAft>
-            <a:buNone/>
           </a:pPr>
           <a:r>
             <a:rPr lang="en-US" sz="1900" kern="1200" dirty="0"/>
@@ -7196,7 +7227,7 @@
           <a:p>
             <a:fld id="{2F51C6A9-9B48-214A-BCCE-5B688AEA7A9F}" type="datetimeFigureOut">
               <a:rPr lang="en-US" smtClean="0"/>
-              <a:t>12/1/2016</a:t>
+              <a:t>12/1/16</a:t>
             </a:fld>
             <a:endParaRPr lang="en-US"/>
           </a:p>
@@ -7509,13 +7540,12 @@
           <a:p>
             <a:r>
               <a:rPr lang="en-US" dirty="0"/>
-              <a:t>A lot of</a:t>
+              <a:t>TF-IDF</a:t>
             </a:r>
             <a:r>
               <a:rPr lang="en-US" baseline="0" dirty="0"/>
-              <a:t> data. Too little time. So we decided to focus on event descriptions only. We can definitely improve the recommendation accuracy by using other features.</a:t>
+              <a:t> calculation</a:t>
             </a:r>
-            <a:endParaRPr lang="en-US" dirty="0"/>
           </a:p>
         </p:txBody>
       </p:sp>
@@ -7545,7 +7575,7 @@
     </p:spTree>
     <p:extLst>
       <p:ext uri="{BB962C8B-B14F-4D97-AF65-F5344CB8AC3E}">
-        <p14:creationId xmlns:p14="http://schemas.microsoft.com/office/powerpoint/2010/main" val="1231670076"/>
+        <p14:creationId xmlns:p14="http://schemas.microsoft.com/office/powerpoint/2010/main" val="1373402993"/>
       </p:ext>
     </p:extLst>
   </p:cSld>
@@ -7601,12 +7631,13 @@
           <a:p>
             <a:r>
               <a:rPr lang="en-US" dirty="0"/>
-              <a:t>TF-IDF</a:t>
+              <a:t>A lot of</a:t>
             </a:r>
             <a:r>
               <a:rPr lang="en-US" baseline="0" dirty="0"/>
-              <a:t> calculation</a:t>
+              <a:t> data. Too little time. So we decided to focus on event descriptions only. We can definitely improve the recommendation accuracy by using other features.</a:t>
             </a:r>
+            <a:endParaRPr lang="en-US" dirty="0"/>
           </a:p>
         </p:txBody>
       </p:sp>
@@ -7636,7 +7667,7 @@
     </p:spTree>
     <p:extLst>
       <p:ext uri="{BB962C8B-B14F-4D97-AF65-F5344CB8AC3E}">
-        <p14:creationId xmlns:p14="http://schemas.microsoft.com/office/powerpoint/2010/main" val="1373402993"/>
+        <p14:creationId xmlns:p14="http://schemas.microsoft.com/office/powerpoint/2010/main" val="1231670076"/>
       </p:ext>
     </p:extLst>
   </p:cSld>
@@ -7859,7 +7890,7 @@
           <a:p>
             <a:fld id="{90F19E8C-F446-4C11-9AAE-B4B295EA670E}" type="datetimeFigureOut">
               <a:rPr lang="en-US" smtClean="0"/>
-              <a:t>12/1/2016</a:t>
+              <a:t>12/1/16</a:t>
             </a:fld>
             <a:endParaRPr lang="en-US"/>
           </a:p>
@@ -8027,7 +8058,7 @@
           <a:p>
             <a:fld id="{90F19E8C-F446-4C11-9AAE-B4B295EA670E}" type="datetimeFigureOut">
               <a:rPr lang="en-US" smtClean="0"/>
-              <a:t>12/1/2016</a:t>
+              <a:t>12/1/16</a:t>
             </a:fld>
             <a:endParaRPr lang="en-US"/>
           </a:p>
@@ -8205,7 +8236,7 @@
           <a:p>
             <a:fld id="{90F19E8C-F446-4C11-9AAE-B4B295EA670E}" type="datetimeFigureOut">
               <a:rPr lang="en-US" smtClean="0"/>
-              <a:t>12/1/2016</a:t>
+              <a:t>12/1/16</a:t>
             </a:fld>
             <a:endParaRPr lang="en-US"/>
           </a:p>
@@ -8373,7 +8404,7 @@
           <a:p>
             <a:fld id="{90F19E8C-F446-4C11-9AAE-B4B295EA670E}" type="datetimeFigureOut">
               <a:rPr lang="en-US" smtClean="0"/>
-              <a:t>12/1/2016</a:t>
+              <a:t>12/1/16</a:t>
             </a:fld>
             <a:endParaRPr lang="en-US"/>
           </a:p>
@@ -8618,7 +8649,7 @@
           <a:p>
             <a:fld id="{90F19E8C-F446-4C11-9AAE-B4B295EA670E}" type="datetimeFigureOut">
               <a:rPr lang="en-US" smtClean="0"/>
-              <a:t>12/1/2016</a:t>
+              <a:t>12/1/16</a:t>
             </a:fld>
             <a:endParaRPr lang="en-US"/>
           </a:p>
@@ -8847,7 +8878,7 @@
           <a:p>
             <a:fld id="{90F19E8C-F446-4C11-9AAE-B4B295EA670E}" type="datetimeFigureOut">
               <a:rPr lang="en-US" smtClean="0"/>
-              <a:t>12/1/2016</a:t>
+              <a:t>12/1/16</a:t>
             </a:fld>
             <a:endParaRPr lang="en-US"/>
           </a:p>
@@ -9211,7 +9242,7 @@
           <a:p>
             <a:fld id="{90F19E8C-F446-4C11-9AAE-B4B295EA670E}" type="datetimeFigureOut">
               <a:rPr lang="en-US" smtClean="0"/>
-              <a:t>12/1/2016</a:t>
+              <a:t>12/1/16</a:t>
             </a:fld>
             <a:endParaRPr lang="en-US"/>
           </a:p>
@@ -9328,7 +9359,7 @@
           <a:p>
             <a:fld id="{90F19E8C-F446-4C11-9AAE-B4B295EA670E}" type="datetimeFigureOut">
               <a:rPr lang="en-US" smtClean="0"/>
-              <a:t>12/1/2016</a:t>
+              <a:t>12/1/16</a:t>
             </a:fld>
             <a:endParaRPr lang="en-US"/>
           </a:p>
@@ -9423,7 +9454,7 @@
           <a:p>
             <a:fld id="{90F19E8C-F446-4C11-9AAE-B4B295EA670E}" type="datetimeFigureOut">
               <a:rPr lang="en-US" smtClean="0"/>
-              <a:t>12/1/2016</a:t>
+              <a:t>12/1/16</a:t>
             </a:fld>
             <a:endParaRPr lang="en-US"/>
           </a:p>
@@ -9698,7 +9729,7 @@
           <a:p>
             <a:fld id="{90F19E8C-F446-4C11-9AAE-B4B295EA670E}" type="datetimeFigureOut">
               <a:rPr lang="en-US" smtClean="0"/>
-              <a:t>12/1/2016</a:t>
+              <a:t>12/1/16</a:t>
             </a:fld>
             <a:endParaRPr lang="en-US"/>
           </a:p>
@@ -9950,7 +9981,7 @@
           <a:p>
             <a:fld id="{90F19E8C-F446-4C11-9AAE-B4B295EA670E}" type="datetimeFigureOut">
               <a:rPr lang="en-US" smtClean="0"/>
-              <a:t>12/1/2016</a:t>
+              <a:t>12/1/16</a:t>
             </a:fld>
             <a:endParaRPr lang="en-US"/>
           </a:p>
@@ -10164,7 +10195,7 @@
           <a:p>
             <a:fld id="{90F19E8C-F446-4C11-9AAE-B4B295EA670E}" type="datetimeFigureOut">
               <a:rPr lang="en-US" smtClean="0"/>
-              <a:t>12/1/2016</a:t>
+              <a:t>12/1/16</a:t>
             </a:fld>
             <a:endParaRPr lang="en-US"/>
           </a:p>
@@ -10805,6 +10836,13 @@
   <p:clrMapOvr>
     <a:masterClrMapping/>
   </p:clrMapOvr>
+  <p:timing>
+    <p:tnLst>
+      <p:par>
+        <p:cTn id="1" dur="indefinite" restart="never" nodeType="tmRoot"/>
+      </p:par>
+    </p:tnLst>
+  </p:timing>
 </p:sld>
 </file>
 
@@ -10880,27 +10918,77 @@
                   <a:schemeClr val="bg1"/>
                 </a:solidFill>
               </a:rPr>
-              <a:t> URL: </a:t>
+              <a:t> </a:t>
             </a:r>
             <a:r>
-              <a:rPr lang="en-US" dirty="0">
+              <a:rPr lang="en-US" dirty="0" smtClean="0">
                 <a:solidFill>
                   <a:schemeClr val="bg1"/>
                 </a:solidFill>
-                <a:hlinkClick r:id="rId2"/>
               </a:rPr>
-              <a:t>https://github.com/dhiviyadhanasekar/Events_Recommender</a:t>
+              <a:t>URL: </a:t>
             </a:r>
+          </a:p>
+          <a:p>
+            <a:pPr marL="0" indent="0">
+              <a:buNone/>
+            </a:pPr>
             <a:r>
               <a:rPr lang="en-US" dirty="0">
                 <a:solidFill>
                   <a:schemeClr val="bg1"/>
                 </a:solidFill>
               </a:rPr>
+              <a:t>	</a:t>
+            </a:r>
+            <a:r>
+              <a:rPr lang="en-US" dirty="0" err="1" smtClean="0">
+                <a:solidFill>
+                  <a:schemeClr val="bg1"/>
+                </a:solidFill>
+              </a:rPr>
+              <a:t>github.com</a:t>
+            </a:r>
+            <a:r>
+              <a:rPr lang="en-US" dirty="0" smtClean="0">
+                <a:solidFill>
+                  <a:schemeClr val="bg1"/>
+                </a:solidFill>
+              </a:rPr>
+              <a:t>/</a:t>
+            </a:r>
+            <a:r>
+              <a:rPr lang="en-US" dirty="0" err="1" smtClean="0">
+                <a:solidFill>
+                  <a:schemeClr val="bg1"/>
+                </a:solidFill>
+              </a:rPr>
+              <a:t>dhiviyadhanasekar</a:t>
+            </a:r>
+            <a:r>
+              <a:rPr lang="en-US" dirty="0" smtClean="0">
+                <a:solidFill>
+                  <a:schemeClr val="bg1"/>
+                </a:solidFill>
+              </a:rPr>
+              <a:t>/</a:t>
+            </a:r>
+            <a:r>
+              <a:rPr lang="en-US" dirty="0" err="1" smtClean="0">
+                <a:solidFill>
+                  <a:schemeClr val="bg1"/>
+                </a:solidFill>
+              </a:rPr>
+              <a:t>Events_Recommender</a:t>
+            </a:r>
+            <a:r>
+              <a:rPr lang="en-US" dirty="0" smtClean="0">
+                <a:solidFill>
+                  <a:schemeClr val="bg1"/>
+                </a:solidFill>
+              </a:rPr>
               <a:t> </a:t>
             </a:r>
-          </a:p>
-          <a:p>
             <a:endParaRPr lang="en-US" dirty="0">
               <a:solidFill>
                 <a:schemeClr val="bg1"/>
@@ -10908,31 +10996,55 @@
             </a:endParaRPr>
           </a:p>
           <a:p>
+            <a:endParaRPr lang="en-US" dirty="0">
+              <a:solidFill>
+                <a:schemeClr val="bg1"/>
+              </a:solidFill>
+            </a:endParaRPr>
+          </a:p>
+          <a:p>
+            <a:r>
+              <a:rPr lang="en-US" dirty="0" smtClean="0">
+                <a:solidFill>
+                  <a:schemeClr val="bg1"/>
+                </a:solidFill>
+              </a:rPr>
+              <a:t>Dataset URL: </a:t>
+            </a:r>
+          </a:p>
+          <a:p>
+            <a:pPr marL="0" indent="0">
+              <a:buNone/>
+            </a:pPr>
             <a:r>
               <a:rPr lang="en-US" dirty="0">
                 <a:solidFill>
                   <a:schemeClr val="bg1"/>
                 </a:solidFill>
               </a:rPr>
-              <a:t>Dataset: </a:t>
+              <a:t>	</a:t>
             </a:r>
             <a:r>
-              <a:rPr lang="en-US" dirty="0">
+              <a:rPr lang="en-US" dirty="0" err="1" smtClean="0">
                 <a:solidFill>
-                  <a:srgbClr val="FFC000"/>
+                  <a:schemeClr val="bg1"/>
                 </a:solidFill>
-                <a:hlinkClick r:id="rId3"/>
               </a:rPr>
-              <a:t>https://www.kaggle.com/c/event-recommendation-engine-challenge/data</a:t>
+              <a:t>kaggle.com</a:t>
             </a:r>
             <a:r>
-              <a:rPr lang="en-US" dirty="0">
+              <a:rPr lang="en-US" dirty="0" smtClean="0">
                 <a:solidFill>
-                  <a:srgbClr val="FFC000"/>
+                  <a:schemeClr val="bg1"/>
                 </a:solidFill>
               </a:rPr>
-              <a:t> </a:t>
+              <a:t>/c/event-recommendation-engine-challenge/data </a:t>
             </a:r>
+            <a:endParaRPr lang="en-US" dirty="0">
+              <a:solidFill>
+                <a:schemeClr val="bg1"/>
+              </a:solidFill>
+            </a:endParaRPr>
           </a:p>
           <a:p>
             <a:pPr lvl="1"/>
@@ -10962,6 +11074,13 @@
   <p:clrMapOvr>
     <a:masterClrMapping/>
   </p:clrMapOvr>
+  <p:timing>
+    <p:tnLst>
+      <p:par>
+        <p:cTn id="1" dur="indefinite" restart="never" nodeType="tmRoot"/>
+      </p:par>
+    </p:tnLst>
+  </p:timing>
 </p:sld>
 </file>
 
@@ -11100,6 +11219,13 @@
   <p:clrMapOvr>
     <a:masterClrMapping/>
   </p:clrMapOvr>
+  <p:timing>
+    <p:tnLst>
+      <p:par>
+        <p:cTn id="1" dur="indefinite" restart="never" nodeType="tmRoot"/>
+      </p:par>
+    </p:tnLst>
+  </p:timing>
 </p:sld>
 </file>
 
@@ -11759,6 +11885,100 @@
           </a:p>
         </p:txBody>
       </p:sp>
+      <p:pic>
+        <p:nvPicPr>
+          <p:cNvPr id="5" name="Picture 4"/>
+          <p:cNvPicPr>
+            <a:picLocks noChangeAspect="1"/>
+          </p:cNvPicPr>
+          <p:nvPr/>
+        </p:nvPicPr>
+        <p:blipFill>
+          <a:blip r:embed="rId2">
+            <a:extLst>
+              <a:ext uri="{28A0092B-C50C-407E-A947-70E740481C1C}">
+                <a14:useLocalDpi xmlns:a14="http://schemas.microsoft.com/office/drawing/2010/main" val="0"/>
+              </a:ext>
+            </a:extLst>
+          </a:blip>
+          <a:stretch>
+            <a:fillRect/>
+          </a:stretch>
+        </p:blipFill>
+        <p:spPr>
+          <a:xfrm>
+            <a:off x="775348" y="2163481"/>
+            <a:ext cx="10641304" cy="1996142"/>
+          </a:xfrm>
+          <a:prstGeom prst="rect">
+            <a:avLst/>
+          </a:prstGeom>
+        </p:spPr>
+      </p:pic>
+    </p:spTree>
+    <p:extLst>
+      <p:ext uri="{BB962C8B-B14F-4D97-AF65-F5344CB8AC3E}">
+        <p14:creationId xmlns:p14="http://schemas.microsoft.com/office/powerpoint/2010/main" val="1914683071"/>
+      </p:ext>
+    </p:extLst>
+  </p:cSld>
+  <p:clrMapOvr>
+    <a:masterClrMapping/>
+  </p:clrMapOvr>
+  <p:timing>
+    <p:tnLst>
+      <p:par>
+        <p:cTn id="1" dur="indefinite" restart="never" nodeType="tmRoot"/>
+      </p:par>
+    </p:tnLst>
+  </p:timing>
+</p:sld>
+</file>
+
+<file path=ppt/slides/slide5.xml><?xml version="1.0" encoding="utf-8"?>
+<p:sld xmlns:a="http://schemas.openxmlformats.org/drawingml/2006/main" xmlns:r="http://schemas.openxmlformats.org/officeDocument/2006/relationships" xmlns:p="http://schemas.openxmlformats.org/presentationml/2006/main">
+  <p:cSld>
+    <p:spTree>
+      <p:nvGrpSpPr>
+        <p:cNvPr id="1" name=""/>
+        <p:cNvGrpSpPr/>
+        <p:nvPr/>
+      </p:nvGrpSpPr>
+      <p:grpSpPr>
+        <a:xfrm>
+          <a:off x="0" y="0"/>
+          <a:ext cx="0" cy="0"/>
+          <a:chOff x="0" y="0"/>
+          <a:chExt cx="0" cy="0"/>
+        </a:xfrm>
+      </p:grpSpPr>
+      <p:sp>
+        <p:nvSpPr>
+          <p:cNvPr id="2" name="Title 1"/>
+          <p:cNvSpPr>
+            <a:spLocks noGrp="1"/>
+          </p:cNvSpPr>
+          <p:nvPr>
+            <p:ph type="title"/>
+          </p:nvPr>
+        </p:nvSpPr>
+        <p:spPr/>
+        <p:txBody>
+          <a:bodyPr/>
+          <a:lstStyle/>
+          <a:p>
+            <a:pPr algn="ctr"/>
+            <a:r>
+              <a:rPr lang="en-US" dirty="0">
+                <a:solidFill>
+                  <a:schemeClr val="bg1"/>
+                </a:solidFill>
+              </a:rPr>
+              <a:t>Why Big Data?</a:t>
+            </a:r>
+          </a:p>
+        </p:txBody>
+      </p:sp>
       <p:sp>
         <p:nvSpPr>
           <p:cNvPr id="3" name="Content Placeholder 2"/>
@@ -11769,18 +11989,28 @@
             <p:ph idx="1"/>
           </p:nvPr>
         </p:nvSpPr>
-        <p:spPr/>
+        <p:spPr>
+          <a:xfrm>
+            <a:off x="838200" y="2903798"/>
+            <a:ext cx="10515600" cy="1654554"/>
+          </a:xfrm>
+        </p:spPr>
         <p:txBody>
-          <a:bodyPr/>
+          <a:bodyPr>
+            <a:normAutofit/>
+          </a:bodyPr>
           <a:lstStyle/>
           <a:p>
+            <a:pPr marL="0" indent="0" algn="ctr">
+              <a:buNone/>
+            </a:pPr>
             <a:r>
-              <a:rPr lang="en-US" dirty="0">
+              <a:rPr lang="en-US" sz="8000" dirty="0">
                 <a:solidFill>
                   <a:schemeClr val="bg1"/>
                 </a:solidFill>
               </a:rPr>
-              <a:t>Add screenshot here</a:t>
+              <a:t>3M events</a:t>
             </a:r>
           </a:p>
         </p:txBody>
@@ -11788,17 +12018,24 @@
     </p:spTree>
     <p:extLst>
       <p:ext uri="{BB962C8B-B14F-4D97-AF65-F5344CB8AC3E}">
-        <p14:creationId xmlns:p14="http://schemas.microsoft.com/office/powerpoint/2010/main" val="1914683071"/>
+        <p14:creationId xmlns:p14="http://schemas.microsoft.com/office/powerpoint/2010/main" val="1143396987"/>
       </p:ext>
     </p:extLst>
   </p:cSld>
   <p:clrMapOvr>
     <a:masterClrMapping/>
   </p:clrMapOvr>
+  <p:timing>
+    <p:tnLst>
+      <p:par>
+        <p:cTn id="1" dur="indefinite" restart="never" nodeType="tmRoot"/>
+      </p:par>
+    </p:tnLst>
+  </p:timing>
 </p:sld>
 </file>
 
-<file path=ppt/slides/slide5.xml><?xml version="1.0" encoding="utf-8"?>
+<file path=ppt/slides/slide6.xml><?xml version="1.0" encoding="utf-8"?>
 <p:sld xmlns:a="http://schemas.openxmlformats.org/drawingml/2006/main" xmlns:r="http://schemas.openxmlformats.org/officeDocument/2006/relationships" xmlns:p="http://schemas.openxmlformats.org/presentationml/2006/main">
   <p:cSld>
     <p:spTree>
@@ -12219,99 +12456,13 @@
   <p:clrMapOvr>
     <a:masterClrMapping/>
   </p:clrMapOvr>
-</p:sld>
-</file>
-
-<file path=ppt/slides/slide6.xml><?xml version="1.0" encoding="utf-8"?>
-<p:sld xmlns:a="http://schemas.openxmlformats.org/drawingml/2006/main" xmlns:r="http://schemas.openxmlformats.org/officeDocument/2006/relationships" xmlns:p="http://schemas.openxmlformats.org/presentationml/2006/main">
-  <p:cSld>
-    <p:spTree>
-      <p:nvGrpSpPr>
-        <p:cNvPr id="1" name=""/>
-        <p:cNvGrpSpPr/>
-        <p:nvPr/>
-      </p:nvGrpSpPr>
-      <p:grpSpPr>
-        <a:xfrm>
-          <a:off x="0" y="0"/>
-          <a:ext cx="0" cy="0"/>
-          <a:chOff x="0" y="0"/>
-          <a:chExt cx="0" cy="0"/>
-        </a:xfrm>
-      </p:grpSpPr>
-      <p:sp>
-        <p:nvSpPr>
-          <p:cNvPr id="2" name="Title 1"/>
-          <p:cNvSpPr>
-            <a:spLocks noGrp="1"/>
-          </p:cNvSpPr>
-          <p:nvPr>
-            <p:ph type="title"/>
-          </p:nvPr>
-        </p:nvSpPr>
-        <p:spPr/>
-        <p:txBody>
-          <a:bodyPr/>
-          <a:lstStyle/>
-          <a:p>
-            <a:pPr algn="ctr"/>
-            <a:r>
-              <a:rPr lang="en-US" dirty="0">
-                <a:solidFill>
-                  <a:schemeClr val="bg1"/>
-                </a:solidFill>
-              </a:rPr>
-              <a:t>Why Big Data?</a:t>
-            </a:r>
-          </a:p>
-        </p:txBody>
-      </p:sp>
-      <p:sp>
-        <p:nvSpPr>
-          <p:cNvPr id="3" name="Content Placeholder 2"/>
-          <p:cNvSpPr>
-            <a:spLocks noGrp="1"/>
-          </p:cNvSpPr>
-          <p:nvPr>
-            <p:ph idx="1"/>
-          </p:nvPr>
-        </p:nvSpPr>
-        <p:spPr>
-          <a:xfrm>
-            <a:off x="838200" y="2903798"/>
-            <a:ext cx="10515600" cy="1654554"/>
-          </a:xfrm>
-        </p:spPr>
-        <p:txBody>
-          <a:bodyPr>
-            <a:normAutofit/>
-          </a:bodyPr>
-          <a:lstStyle/>
-          <a:p>
-            <a:pPr marL="0" indent="0" algn="ctr">
-              <a:buNone/>
-            </a:pPr>
-            <a:r>
-              <a:rPr lang="en-US" sz="8000" dirty="0">
-                <a:solidFill>
-                  <a:schemeClr val="bg1"/>
-                </a:solidFill>
-              </a:rPr>
-              <a:t>3M events</a:t>
-            </a:r>
-          </a:p>
-        </p:txBody>
-      </p:sp>
-    </p:spTree>
-    <p:extLst>
-      <p:ext uri="{BB962C8B-B14F-4D97-AF65-F5344CB8AC3E}">
-        <p14:creationId xmlns:p14="http://schemas.microsoft.com/office/powerpoint/2010/main" val="1143396987"/>
-      </p:ext>
-    </p:extLst>
-  </p:cSld>
-  <p:clrMapOvr>
-    <a:masterClrMapping/>
-  </p:clrMapOvr>
+  <p:timing>
+    <p:tnLst>
+      <p:par>
+        <p:cTn id="1" dur="indefinite" restart="never" nodeType="tmRoot"/>
+      </p:par>
+    </p:tnLst>
+  </p:timing>
 </p:sld>
 </file>
 
@@ -13519,6 +13670,13 @@
   <p:clrMapOvr>
     <a:masterClrMapping/>
   </p:clrMapOvr>
+  <p:timing>
+    <p:tnLst>
+      <p:par>
+        <p:cTn id="1" dur="indefinite" restart="never" nodeType="tmRoot"/>
+      </p:par>
+    </p:tnLst>
+  </p:timing>
 </p:sld>
 </file>
 
@@ -13593,49 +13751,49 @@
                 <a:gridCol w="1392299">
                   <a:extLst>
                     <a:ext uri="{9D8B030D-6E8A-4147-A177-3AD203B41FA5}">
-                      <a16:colId xmlns:a16="http://schemas.microsoft.com/office/drawing/2014/main" val="1531358609"/>
+                      <a16:colId xmlns:a16="http://schemas.microsoft.com/office/drawing/2014/main" xmlns="" val="1531358609"/>
                     </a:ext>
                   </a:extLst>
                 </a:gridCol>
                 <a:gridCol w="365415">
                   <a:extLst>
                     <a:ext uri="{9D8B030D-6E8A-4147-A177-3AD203B41FA5}">
-                      <a16:colId xmlns:a16="http://schemas.microsoft.com/office/drawing/2014/main" val="790672283"/>
+                      <a16:colId xmlns:a16="http://schemas.microsoft.com/office/drawing/2014/main" xmlns="" val="790672283"/>
                     </a:ext>
                   </a:extLst>
                 </a:gridCol>
                 <a:gridCol w="365415">
                   <a:extLst>
                     <a:ext uri="{9D8B030D-6E8A-4147-A177-3AD203B41FA5}">
-                      <a16:colId xmlns:a16="http://schemas.microsoft.com/office/drawing/2014/main" val="4287237347"/>
+                      <a16:colId xmlns:a16="http://schemas.microsoft.com/office/drawing/2014/main" xmlns="" val="4287237347"/>
                     </a:ext>
                   </a:extLst>
                 </a:gridCol>
                 <a:gridCol w="537972">
                   <a:extLst>
                     <a:ext uri="{9D8B030D-6E8A-4147-A177-3AD203B41FA5}">
-                      <a16:colId xmlns:a16="http://schemas.microsoft.com/office/drawing/2014/main" val="2424180090"/>
+                      <a16:colId xmlns:a16="http://schemas.microsoft.com/office/drawing/2014/main" xmlns="" val="2424180090"/>
                     </a:ext>
                   </a:extLst>
                 </a:gridCol>
                 <a:gridCol w="365415">
                   <a:extLst>
                     <a:ext uri="{9D8B030D-6E8A-4147-A177-3AD203B41FA5}">
-                      <a16:colId xmlns:a16="http://schemas.microsoft.com/office/drawing/2014/main" val="124123060"/>
+                      <a16:colId xmlns:a16="http://schemas.microsoft.com/office/drawing/2014/main" xmlns="" val="124123060"/>
                     </a:ext>
                   </a:extLst>
                 </a:gridCol>
                 <a:gridCol w="834874">
                   <a:extLst>
                     <a:ext uri="{9D8B030D-6E8A-4147-A177-3AD203B41FA5}">
-                      <a16:colId xmlns:a16="http://schemas.microsoft.com/office/drawing/2014/main" val="3059152279"/>
+                      <a16:colId xmlns:a16="http://schemas.microsoft.com/office/drawing/2014/main" xmlns="" val="3059152279"/>
                     </a:ext>
                   </a:extLst>
                 </a:gridCol>
                 <a:gridCol w="1063256">
                   <a:extLst>
                     <a:ext uri="{9D8B030D-6E8A-4147-A177-3AD203B41FA5}">
-                      <a16:colId xmlns:a16="http://schemas.microsoft.com/office/drawing/2014/main" val="2808095255"/>
+                      <a16:colId xmlns:a16="http://schemas.microsoft.com/office/drawing/2014/main" xmlns="" val="2808095255"/>
                     </a:ext>
                   </a:extLst>
                 </a:gridCol>
@@ -13734,7 +13892,7 @@
                 </a:tc>
                 <a:extLst>
                   <a:ext uri="{0D108BD9-81ED-4DB2-BD59-A6C34878D82A}">
-                    <a16:rowId xmlns:a16="http://schemas.microsoft.com/office/drawing/2014/main" val="1426944437"/>
+                    <a16:rowId xmlns:a16="http://schemas.microsoft.com/office/drawing/2014/main" xmlns="" val="1426944437"/>
                   </a:ext>
                 </a:extLst>
               </a:tr>
@@ -13841,7 +13999,7 @@
                 </a:tc>
                 <a:extLst>
                   <a:ext uri="{0D108BD9-81ED-4DB2-BD59-A6C34878D82A}">
-                    <a16:rowId xmlns:a16="http://schemas.microsoft.com/office/drawing/2014/main" val="1648390142"/>
+                    <a16:rowId xmlns:a16="http://schemas.microsoft.com/office/drawing/2014/main" xmlns="" val="1648390142"/>
                   </a:ext>
                 </a:extLst>
               </a:tr>
@@ -13948,7 +14106,7 @@
                 </a:tc>
                 <a:extLst>
                   <a:ext uri="{0D108BD9-81ED-4DB2-BD59-A6C34878D82A}">
-                    <a16:rowId xmlns:a16="http://schemas.microsoft.com/office/drawing/2014/main" val="2624975048"/>
+                    <a16:rowId xmlns:a16="http://schemas.microsoft.com/office/drawing/2014/main" xmlns="" val="2624975048"/>
                   </a:ext>
                 </a:extLst>
               </a:tr>
@@ -13984,42 +14142,42 @@
                 <a:gridCol w="1360969">
                   <a:extLst>
                     <a:ext uri="{9D8B030D-6E8A-4147-A177-3AD203B41FA5}">
-                      <a16:colId xmlns:a16="http://schemas.microsoft.com/office/drawing/2014/main" val="223679318"/>
+                      <a16:colId xmlns:a16="http://schemas.microsoft.com/office/drawing/2014/main" xmlns="" val="223679318"/>
                     </a:ext>
                   </a:extLst>
                 </a:gridCol>
                 <a:gridCol w="680484">
                   <a:extLst>
                     <a:ext uri="{9D8B030D-6E8A-4147-A177-3AD203B41FA5}">
-                      <a16:colId xmlns:a16="http://schemas.microsoft.com/office/drawing/2014/main" val="3955244991"/>
+                      <a16:colId xmlns:a16="http://schemas.microsoft.com/office/drawing/2014/main" xmlns="" val="3955244991"/>
                     </a:ext>
                   </a:extLst>
                 </a:gridCol>
                 <a:gridCol w="680484">
                   <a:extLst>
                     <a:ext uri="{9D8B030D-6E8A-4147-A177-3AD203B41FA5}">
-                      <a16:colId xmlns:a16="http://schemas.microsoft.com/office/drawing/2014/main" val="3410225350"/>
+                      <a16:colId xmlns:a16="http://schemas.microsoft.com/office/drawing/2014/main" xmlns="" val="3410225350"/>
                     </a:ext>
                   </a:extLst>
                 </a:gridCol>
                 <a:gridCol w="712381">
                   <a:extLst>
                     <a:ext uri="{9D8B030D-6E8A-4147-A177-3AD203B41FA5}">
-                      <a16:colId xmlns:a16="http://schemas.microsoft.com/office/drawing/2014/main" val="525189864"/>
+                      <a16:colId xmlns:a16="http://schemas.microsoft.com/office/drawing/2014/main" xmlns="" val="525189864"/>
                     </a:ext>
                   </a:extLst>
                 </a:gridCol>
                 <a:gridCol w="749596">
                   <a:extLst>
                     <a:ext uri="{9D8B030D-6E8A-4147-A177-3AD203B41FA5}">
-                      <a16:colId xmlns:a16="http://schemas.microsoft.com/office/drawing/2014/main" val="3010050982"/>
+                      <a16:colId xmlns:a16="http://schemas.microsoft.com/office/drawing/2014/main" xmlns="" val="3010050982"/>
                     </a:ext>
                   </a:extLst>
                 </a:gridCol>
                 <a:gridCol w="792126">
                   <a:extLst>
                     <a:ext uri="{9D8B030D-6E8A-4147-A177-3AD203B41FA5}">
-                      <a16:colId xmlns:a16="http://schemas.microsoft.com/office/drawing/2014/main" val="4274137457"/>
+                      <a16:colId xmlns:a16="http://schemas.microsoft.com/office/drawing/2014/main" xmlns="" val="4274137457"/>
                     </a:ext>
                   </a:extLst>
                 </a:gridCol>
@@ -14105,7 +14263,7 @@
                 </a:tc>
                 <a:extLst>
                   <a:ext uri="{0D108BD9-81ED-4DB2-BD59-A6C34878D82A}">
-                    <a16:rowId xmlns:a16="http://schemas.microsoft.com/office/drawing/2014/main" val="2803736099"/>
+                    <a16:rowId xmlns:a16="http://schemas.microsoft.com/office/drawing/2014/main" xmlns="" val="2803736099"/>
                   </a:ext>
                 </a:extLst>
               </a:tr>
@@ -14199,7 +14357,7 @@
                 </a:tc>
                 <a:extLst>
                   <a:ext uri="{0D108BD9-81ED-4DB2-BD59-A6C34878D82A}">
-                    <a16:rowId xmlns:a16="http://schemas.microsoft.com/office/drawing/2014/main" val="1947327592"/>
+                    <a16:rowId xmlns:a16="http://schemas.microsoft.com/office/drawing/2014/main" xmlns="" val="1947327592"/>
                   </a:ext>
                 </a:extLst>
               </a:tr>
@@ -14293,7 +14451,7 @@
                 </a:tc>
                 <a:extLst>
                   <a:ext uri="{0D108BD9-81ED-4DB2-BD59-A6C34878D82A}">
-                    <a16:rowId xmlns:a16="http://schemas.microsoft.com/office/drawing/2014/main" val="1348535785"/>
+                    <a16:rowId xmlns:a16="http://schemas.microsoft.com/office/drawing/2014/main" xmlns="" val="1348535785"/>
                   </a:ext>
                 </a:extLst>
               </a:tr>
@@ -14599,6 +14757,13 @@
   <p:clrMapOvr>
     <a:masterClrMapping/>
   </p:clrMapOvr>
+  <p:timing>
+    <p:tnLst>
+      <p:par>
+        <p:cTn id="1" dur="indefinite" restart="never" nodeType="tmRoot"/>
+      </p:par>
+    </p:tnLst>
+  </p:timing>
 </p:sld>
 </file>
 
